--- a/images.pptx
+++ b/images.pptx
@@ -9,6 +9,7 @@
     <p:sldId id="257" r:id="rId3"/>
     <p:sldId id="258" r:id="rId4"/>
     <p:sldId id="260" r:id="rId5"/>
+    <p:sldId id="261" r:id="rId6"/>
   </p:sldIdLst>
   <p:sldSz cx="12192000" cy="6858000"/>
   <p:notesSz cx="6858000" cy="9144000"/>
@@ -262,7 +263,7 @@
           <a:p>
             <a:fld id="{C9D7E1C7-362E-0A4F-BED6-EEFD53131585}" type="datetimeFigureOut">
               <a:rPr lang="en-US" smtClean="0"/>
-              <a:t>10/20/19</a:t>
+              <a:t>10/21/19</a:t>
             </a:fld>
             <a:endParaRPr lang="en-US"/>
           </a:p>
@@ -460,7 +461,7 @@
           <a:p>
             <a:fld id="{C9D7E1C7-362E-0A4F-BED6-EEFD53131585}" type="datetimeFigureOut">
               <a:rPr lang="en-US" smtClean="0"/>
-              <a:t>10/20/19</a:t>
+              <a:t>10/21/19</a:t>
             </a:fld>
             <a:endParaRPr lang="en-US"/>
           </a:p>
@@ -668,7 +669,7 @@
           <a:p>
             <a:fld id="{C9D7E1C7-362E-0A4F-BED6-EEFD53131585}" type="datetimeFigureOut">
               <a:rPr lang="en-US" smtClean="0"/>
-              <a:t>10/20/19</a:t>
+              <a:t>10/21/19</a:t>
             </a:fld>
             <a:endParaRPr lang="en-US"/>
           </a:p>
@@ -866,7 +867,7 @@
           <a:p>
             <a:fld id="{C9D7E1C7-362E-0A4F-BED6-EEFD53131585}" type="datetimeFigureOut">
               <a:rPr lang="en-US" smtClean="0"/>
-              <a:t>10/20/19</a:t>
+              <a:t>10/21/19</a:t>
             </a:fld>
             <a:endParaRPr lang="en-US"/>
           </a:p>
@@ -1141,7 +1142,7 @@
           <a:p>
             <a:fld id="{C9D7E1C7-362E-0A4F-BED6-EEFD53131585}" type="datetimeFigureOut">
               <a:rPr lang="en-US" smtClean="0"/>
-              <a:t>10/20/19</a:t>
+              <a:t>10/21/19</a:t>
             </a:fld>
             <a:endParaRPr lang="en-US"/>
           </a:p>
@@ -1406,7 +1407,7 @@
           <a:p>
             <a:fld id="{C9D7E1C7-362E-0A4F-BED6-EEFD53131585}" type="datetimeFigureOut">
               <a:rPr lang="en-US" smtClean="0"/>
-              <a:t>10/20/19</a:t>
+              <a:t>10/21/19</a:t>
             </a:fld>
             <a:endParaRPr lang="en-US"/>
           </a:p>
@@ -1818,7 +1819,7 @@
           <a:p>
             <a:fld id="{C9D7E1C7-362E-0A4F-BED6-EEFD53131585}" type="datetimeFigureOut">
               <a:rPr lang="en-US" smtClean="0"/>
-              <a:t>10/20/19</a:t>
+              <a:t>10/21/19</a:t>
             </a:fld>
             <a:endParaRPr lang="en-US"/>
           </a:p>
@@ -1959,7 +1960,7 @@
           <a:p>
             <a:fld id="{C9D7E1C7-362E-0A4F-BED6-EEFD53131585}" type="datetimeFigureOut">
               <a:rPr lang="en-US" smtClean="0"/>
-              <a:t>10/20/19</a:t>
+              <a:t>10/21/19</a:t>
             </a:fld>
             <a:endParaRPr lang="en-US"/>
           </a:p>
@@ -2072,7 +2073,7 @@
           <a:p>
             <a:fld id="{C9D7E1C7-362E-0A4F-BED6-EEFD53131585}" type="datetimeFigureOut">
               <a:rPr lang="en-US" smtClean="0"/>
-              <a:t>10/20/19</a:t>
+              <a:t>10/21/19</a:t>
             </a:fld>
             <a:endParaRPr lang="en-US"/>
           </a:p>
@@ -2383,7 +2384,7 @@
           <a:p>
             <a:fld id="{C9D7E1C7-362E-0A4F-BED6-EEFD53131585}" type="datetimeFigureOut">
               <a:rPr lang="en-US" smtClean="0"/>
-              <a:t>10/20/19</a:t>
+              <a:t>10/21/19</a:t>
             </a:fld>
             <a:endParaRPr lang="en-US"/>
           </a:p>
@@ -2671,7 +2672,7 @@
           <a:p>
             <a:fld id="{C9D7E1C7-362E-0A4F-BED6-EEFD53131585}" type="datetimeFigureOut">
               <a:rPr lang="en-US" smtClean="0"/>
-              <a:t>10/20/19</a:t>
+              <a:t>10/21/19</a:t>
             </a:fld>
             <a:endParaRPr lang="en-US"/>
           </a:p>
@@ -2912,7 +2913,7 @@
           <a:p>
             <a:fld id="{C9D7E1C7-362E-0A4F-BED6-EEFD53131585}" type="datetimeFigureOut">
               <a:rPr lang="en-US" smtClean="0"/>
-              <a:t>10/20/19</a:t>
+              <a:t>10/21/19</a:t>
             </a:fld>
             <a:endParaRPr lang="en-US"/>
           </a:p>
@@ -9083,6 +9084,1766 @@
 </p:sld>
 </file>
 
+<file path=ppt/slides/slide5.xml><?xml version="1.0" encoding="utf-8"?>
+<p:sld xmlns:a="http://schemas.openxmlformats.org/drawingml/2006/main" xmlns:r="http://schemas.openxmlformats.org/officeDocument/2006/relationships" xmlns:p="http://schemas.openxmlformats.org/presentationml/2006/main">
+  <p:cSld>
+    <p:spTree>
+      <p:nvGrpSpPr>
+        <p:cNvPr id="1" name=""/>
+        <p:cNvGrpSpPr/>
+        <p:nvPr/>
+      </p:nvGrpSpPr>
+      <p:grpSpPr>
+        <a:xfrm>
+          <a:off x="0" y="0"/>
+          <a:ext cx="0" cy="0"/>
+          <a:chOff x="0" y="0"/>
+          <a:chExt cx="0" cy="0"/>
+        </a:xfrm>
+      </p:grpSpPr>
+      <p:graphicFrame>
+        <p:nvGraphicFramePr>
+          <p:cNvPr id="4" name="Table 3">
+            <a:extLst>
+              <a:ext uri="{FF2B5EF4-FFF2-40B4-BE49-F238E27FC236}">
+                <a16:creationId xmlns:a16="http://schemas.microsoft.com/office/drawing/2014/main" id="{E701B9B8-2AE8-2841-9E71-241CE711F9C0}"/>
+              </a:ext>
+            </a:extLst>
+          </p:cNvPr>
+          <p:cNvGraphicFramePr>
+            <a:graphicFrameLocks noGrp="1"/>
+          </p:cNvGraphicFramePr>
+          <p:nvPr>
+            <p:extLst>
+              <p:ext uri="{D42A27DB-BD31-4B8C-83A1-F6EECF244321}">
+                <p14:modId xmlns:p14="http://schemas.microsoft.com/office/powerpoint/2010/main" val="372164388"/>
+              </p:ext>
+            </p:extLst>
+          </p:nvPr>
+        </p:nvGraphicFramePr>
+        <p:xfrm>
+          <a:off x="3473450" y="1428750"/>
+          <a:ext cx="5245100" cy="4000500"/>
+        </p:xfrm>
+        <a:graphic>
+          <a:graphicData uri="http://schemas.openxmlformats.org/drawingml/2006/table">
+            <a:tbl>
+              <a:tblPr>
+                <a:tableStyleId>{00A15C55-8517-42AA-B614-E9B94910E393}</a:tableStyleId>
+              </a:tblPr>
+              <a:tblGrid>
+                <a:gridCol w="749300">
+                  <a:extLst>
+                    <a:ext uri="{9D8B030D-6E8A-4147-A177-3AD203B41FA5}">
+                      <a16:colId xmlns:a16="http://schemas.microsoft.com/office/drawing/2014/main" val="820614285"/>
+                    </a:ext>
+                  </a:extLst>
+                </a:gridCol>
+                <a:gridCol w="749300">
+                  <a:extLst>
+                    <a:ext uri="{9D8B030D-6E8A-4147-A177-3AD203B41FA5}">
+                      <a16:colId xmlns:a16="http://schemas.microsoft.com/office/drawing/2014/main" val="51381889"/>
+                    </a:ext>
+                  </a:extLst>
+                </a:gridCol>
+                <a:gridCol w="749300">
+                  <a:extLst>
+                    <a:ext uri="{9D8B030D-6E8A-4147-A177-3AD203B41FA5}">
+                      <a16:colId xmlns:a16="http://schemas.microsoft.com/office/drawing/2014/main" val="1330208143"/>
+                    </a:ext>
+                  </a:extLst>
+                </a:gridCol>
+                <a:gridCol w="749300">
+                  <a:extLst>
+                    <a:ext uri="{9D8B030D-6E8A-4147-A177-3AD203B41FA5}">
+                      <a16:colId xmlns:a16="http://schemas.microsoft.com/office/drawing/2014/main" val="3369406968"/>
+                    </a:ext>
+                  </a:extLst>
+                </a:gridCol>
+                <a:gridCol w="749300">
+                  <a:extLst>
+                    <a:ext uri="{9D8B030D-6E8A-4147-A177-3AD203B41FA5}">
+                      <a16:colId xmlns:a16="http://schemas.microsoft.com/office/drawing/2014/main" val="2218853174"/>
+                    </a:ext>
+                  </a:extLst>
+                </a:gridCol>
+                <a:gridCol w="749300">
+                  <a:extLst>
+                    <a:ext uri="{9D8B030D-6E8A-4147-A177-3AD203B41FA5}">
+                      <a16:colId xmlns:a16="http://schemas.microsoft.com/office/drawing/2014/main" val="1044150607"/>
+                    </a:ext>
+                  </a:extLst>
+                </a:gridCol>
+                <a:gridCol w="749300">
+                  <a:extLst>
+                    <a:ext uri="{9D8B030D-6E8A-4147-A177-3AD203B41FA5}">
+                      <a16:colId xmlns:a16="http://schemas.microsoft.com/office/drawing/2014/main" val="2589923993"/>
+                    </a:ext>
+                  </a:extLst>
+                </a:gridCol>
+              </a:tblGrid>
+              <a:tr h="571500">
+                <a:tc>
+                  <a:txBody>
+                    <a:bodyPr/>
+                    <a:lstStyle/>
+                    <a:p>
+                      <a:pPr algn="ctr" fontAlgn="ctr"/>
+                      <a:r>
+                        <a:rPr lang="en-US" sz="1600" u="none" strike="noStrike" dirty="0">
+                          <a:effectLst/>
+                        </a:rPr>
+                        <a:t>Nodes</a:t>
+                      </a:r>
+                      <a:endParaRPr lang="en-US" sz="1600" b="1" i="0" u="none" strike="noStrike" dirty="0">
+                        <a:solidFill>
+                          <a:srgbClr val="000000"/>
+                        </a:solidFill>
+                        <a:effectLst/>
+                        <a:latin typeface="Calibri" panose="020F0502020204030204" pitchFamily="34" charset="0"/>
+                      </a:endParaRPr>
+                    </a:p>
+                  </a:txBody>
+                  <a:tcPr marL="9525" marR="9525" marT="9525" marB="0" anchor="ctr">
+                    <a:solidFill>
+                      <a:schemeClr val="accent4">
+                        <a:lumMod val="60000"/>
+                        <a:lumOff val="40000"/>
+                      </a:schemeClr>
+                    </a:solidFill>
+                  </a:tcPr>
+                </a:tc>
+                <a:tc>
+                  <a:txBody>
+                    <a:bodyPr/>
+                    <a:lstStyle/>
+                    <a:p>
+                      <a:pPr algn="ctr" fontAlgn="ctr"/>
+                      <a:r>
+                        <a:rPr lang="en-US" sz="1600" u="none" strike="noStrike" dirty="0">
+                          <a:ln>
+                            <a:noFill/>
+                          </a:ln>
+                          <a:effectLst/>
+                        </a:rPr>
+                        <a:t>X</a:t>
+                      </a:r>
+                      <a:r>
+                        <a:rPr lang="en-US" sz="1600" u="none" strike="noStrike" baseline="-25000" dirty="0">
+                          <a:ln>
+                            <a:noFill/>
+                          </a:ln>
+                          <a:effectLst/>
+                        </a:rPr>
+                        <a:t>0</a:t>
+                      </a:r>
+                      <a:endParaRPr lang="en-US" sz="1600" b="1" i="0" u="none" strike="noStrike" dirty="0">
+                        <a:ln>
+                          <a:noFill/>
+                        </a:ln>
+                        <a:solidFill>
+                          <a:srgbClr val="000000"/>
+                        </a:solidFill>
+                        <a:effectLst/>
+                        <a:latin typeface="Calibri" panose="020F0502020204030204" pitchFamily="34" charset="0"/>
+                      </a:endParaRPr>
+                    </a:p>
+                  </a:txBody>
+                  <a:tcPr marL="9525" marR="9525" marT="9525" marB="0" anchor="ctr">
+                    <a:solidFill>
+                      <a:schemeClr val="accent4">
+                        <a:lumMod val="40000"/>
+                        <a:lumOff val="60000"/>
+                      </a:schemeClr>
+                    </a:solidFill>
+                  </a:tcPr>
+                </a:tc>
+                <a:tc>
+                  <a:txBody>
+                    <a:bodyPr/>
+                    <a:lstStyle/>
+                    <a:p>
+                      <a:pPr algn="ctr" fontAlgn="ctr"/>
+                      <a:r>
+                        <a:rPr lang="en-US" sz="1600" u="none" strike="noStrike" dirty="0">
+                          <a:ln>
+                            <a:noFill/>
+                          </a:ln>
+                          <a:effectLst/>
+                        </a:rPr>
+                        <a:t>X</a:t>
+                      </a:r>
+                      <a:r>
+                        <a:rPr lang="en-US" sz="1600" u="none" strike="noStrike" baseline="-25000" dirty="0">
+                          <a:ln>
+                            <a:noFill/>
+                          </a:ln>
+                          <a:effectLst/>
+                        </a:rPr>
+                        <a:t>1</a:t>
+                      </a:r>
+                      <a:endParaRPr lang="en-US" sz="1600" b="1" i="0" u="none" strike="noStrike" dirty="0">
+                        <a:ln>
+                          <a:noFill/>
+                        </a:ln>
+                        <a:solidFill>
+                          <a:srgbClr val="000000"/>
+                        </a:solidFill>
+                        <a:effectLst/>
+                        <a:latin typeface="Calibri" panose="020F0502020204030204" pitchFamily="34" charset="0"/>
+                      </a:endParaRPr>
+                    </a:p>
+                  </a:txBody>
+                  <a:tcPr marL="9525" marR="9525" marT="9525" marB="0" anchor="ctr">
+                    <a:solidFill>
+                      <a:schemeClr val="accent4">
+                        <a:lumMod val="40000"/>
+                        <a:lumOff val="60000"/>
+                      </a:schemeClr>
+                    </a:solidFill>
+                  </a:tcPr>
+                </a:tc>
+                <a:tc>
+                  <a:txBody>
+                    <a:bodyPr/>
+                    <a:lstStyle/>
+                    <a:p>
+                      <a:pPr algn="ctr" fontAlgn="ctr"/>
+                      <a:r>
+                        <a:rPr lang="en-US" sz="1600" u="none" strike="noStrike" dirty="0">
+                          <a:ln>
+                            <a:noFill/>
+                          </a:ln>
+                          <a:effectLst/>
+                        </a:rPr>
+                        <a:t>X</a:t>
+                      </a:r>
+                      <a:r>
+                        <a:rPr lang="en-US" sz="1600" u="none" strike="noStrike" baseline="-25000" dirty="0">
+                          <a:ln>
+                            <a:noFill/>
+                          </a:ln>
+                          <a:effectLst/>
+                        </a:rPr>
+                        <a:t>2</a:t>
+                      </a:r>
+                      <a:endParaRPr lang="en-US" sz="1600" b="1" i="0" u="none" strike="noStrike" dirty="0">
+                        <a:ln>
+                          <a:noFill/>
+                        </a:ln>
+                        <a:solidFill>
+                          <a:srgbClr val="000000"/>
+                        </a:solidFill>
+                        <a:effectLst/>
+                        <a:latin typeface="Calibri" panose="020F0502020204030204" pitchFamily="34" charset="0"/>
+                      </a:endParaRPr>
+                    </a:p>
+                  </a:txBody>
+                  <a:tcPr marL="9525" marR="9525" marT="9525" marB="0" anchor="ctr">
+                    <a:solidFill>
+                      <a:schemeClr val="accent4">
+                        <a:lumMod val="40000"/>
+                        <a:lumOff val="60000"/>
+                      </a:schemeClr>
+                    </a:solidFill>
+                  </a:tcPr>
+                </a:tc>
+                <a:tc>
+                  <a:txBody>
+                    <a:bodyPr/>
+                    <a:lstStyle/>
+                    <a:p>
+                      <a:pPr algn="ctr" fontAlgn="ctr"/>
+                      <a:r>
+                        <a:rPr lang="en-US" sz="1600" u="none" strike="noStrike" dirty="0">
+                          <a:ln>
+                            <a:noFill/>
+                          </a:ln>
+                          <a:effectLst/>
+                        </a:rPr>
+                        <a:t>X</a:t>
+                      </a:r>
+                      <a:r>
+                        <a:rPr lang="en-US" sz="1600" u="none" strike="noStrike" baseline="-25000" dirty="0">
+                          <a:ln>
+                            <a:noFill/>
+                          </a:ln>
+                          <a:effectLst/>
+                        </a:rPr>
+                        <a:t>3</a:t>
+                      </a:r>
+                      <a:endParaRPr lang="en-US" sz="1600" b="1" i="0" u="none" strike="noStrike" dirty="0">
+                        <a:ln>
+                          <a:noFill/>
+                        </a:ln>
+                        <a:solidFill>
+                          <a:srgbClr val="000000"/>
+                        </a:solidFill>
+                        <a:effectLst/>
+                        <a:latin typeface="Calibri" panose="020F0502020204030204" pitchFamily="34" charset="0"/>
+                      </a:endParaRPr>
+                    </a:p>
+                  </a:txBody>
+                  <a:tcPr marL="9525" marR="9525" marT="9525" marB="0" anchor="ctr">
+                    <a:solidFill>
+                      <a:schemeClr val="accent4">
+                        <a:lumMod val="40000"/>
+                        <a:lumOff val="60000"/>
+                      </a:schemeClr>
+                    </a:solidFill>
+                  </a:tcPr>
+                </a:tc>
+                <a:tc>
+                  <a:txBody>
+                    <a:bodyPr/>
+                    <a:lstStyle/>
+                    <a:p>
+                      <a:pPr algn="ctr" fontAlgn="ctr"/>
+                      <a:r>
+                        <a:rPr lang="en-US" sz="1600" u="none" strike="noStrike" dirty="0">
+                          <a:ln>
+                            <a:noFill/>
+                          </a:ln>
+                          <a:effectLst/>
+                        </a:rPr>
+                        <a:t>X</a:t>
+                      </a:r>
+                      <a:r>
+                        <a:rPr lang="en-US" sz="1600" u="none" strike="noStrike" baseline="-25000" dirty="0">
+                          <a:ln>
+                            <a:noFill/>
+                          </a:ln>
+                          <a:effectLst/>
+                        </a:rPr>
+                        <a:t>4</a:t>
+                      </a:r>
+                      <a:endParaRPr lang="en-US" sz="1600" b="1" i="0" u="none" strike="noStrike" dirty="0">
+                        <a:ln>
+                          <a:noFill/>
+                        </a:ln>
+                        <a:solidFill>
+                          <a:srgbClr val="000000"/>
+                        </a:solidFill>
+                        <a:effectLst/>
+                        <a:latin typeface="Calibri" panose="020F0502020204030204" pitchFamily="34" charset="0"/>
+                      </a:endParaRPr>
+                    </a:p>
+                  </a:txBody>
+                  <a:tcPr marL="9525" marR="9525" marT="9525" marB="0" anchor="ctr">
+                    <a:solidFill>
+                      <a:schemeClr val="accent4">
+                        <a:lumMod val="40000"/>
+                        <a:lumOff val="60000"/>
+                      </a:schemeClr>
+                    </a:solidFill>
+                  </a:tcPr>
+                </a:tc>
+                <a:tc>
+                  <a:txBody>
+                    <a:bodyPr/>
+                    <a:lstStyle/>
+                    <a:p>
+                      <a:pPr algn="ctr" fontAlgn="ctr"/>
+                      <a:r>
+                        <a:rPr lang="en-US" sz="1600" u="none" strike="noStrike" dirty="0">
+                          <a:ln>
+                            <a:noFill/>
+                          </a:ln>
+                          <a:effectLst/>
+                        </a:rPr>
+                        <a:t>X</a:t>
+                      </a:r>
+                      <a:r>
+                        <a:rPr lang="en-US" sz="1600" u="none" strike="noStrike" baseline="-25000" dirty="0">
+                          <a:ln>
+                            <a:noFill/>
+                          </a:ln>
+                          <a:effectLst/>
+                        </a:rPr>
+                        <a:t>5</a:t>
+                      </a:r>
+                      <a:endParaRPr lang="en-US" sz="1600" b="1" i="0" u="none" strike="noStrike" dirty="0">
+                        <a:ln>
+                          <a:noFill/>
+                        </a:ln>
+                        <a:solidFill>
+                          <a:srgbClr val="000000"/>
+                        </a:solidFill>
+                        <a:effectLst/>
+                        <a:latin typeface="Calibri" panose="020F0502020204030204" pitchFamily="34" charset="0"/>
+                      </a:endParaRPr>
+                    </a:p>
+                  </a:txBody>
+                  <a:tcPr marL="9525" marR="9525" marT="9525" marB="0" anchor="ctr">
+                    <a:solidFill>
+                      <a:schemeClr val="accent4">
+                        <a:lumMod val="40000"/>
+                        <a:lumOff val="60000"/>
+                      </a:schemeClr>
+                    </a:solidFill>
+                  </a:tcPr>
+                </a:tc>
+                <a:extLst>
+                  <a:ext uri="{0D108BD9-81ED-4DB2-BD59-A6C34878D82A}">
+                    <a16:rowId xmlns:a16="http://schemas.microsoft.com/office/drawing/2014/main" val="717596721"/>
+                  </a:ext>
+                </a:extLst>
+              </a:tr>
+              <a:tr h="571500">
+                <a:tc>
+                  <a:txBody>
+                    <a:bodyPr/>
+                    <a:lstStyle/>
+                    <a:p>
+                      <a:pPr algn="ctr" fontAlgn="ctr"/>
+                      <a:r>
+                        <a:rPr lang="en-US" sz="1600" u="none" strike="noStrike" dirty="0">
+                          <a:effectLst/>
+                        </a:rPr>
+                        <a:t>X</a:t>
+                      </a:r>
+                      <a:r>
+                        <a:rPr lang="en-US" sz="1600" u="none" strike="noStrike" baseline="-25000" dirty="0">
+                          <a:effectLst/>
+                        </a:rPr>
+                        <a:t>0</a:t>
+                      </a:r>
+                      <a:endParaRPr lang="en-US" sz="1600" b="1" i="0" u="none" strike="noStrike" dirty="0">
+                        <a:solidFill>
+                          <a:srgbClr val="000000"/>
+                        </a:solidFill>
+                        <a:effectLst/>
+                        <a:latin typeface="Calibri" panose="020F0502020204030204" pitchFamily="34" charset="0"/>
+                      </a:endParaRPr>
+                    </a:p>
+                  </a:txBody>
+                  <a:tcPr marL="9525" marR="9525" marT="9525" marB="0" anchor="ctr">
+                    <a:solidFill>
+                      <a:schemeClr val="accent4">
+                        <a:lumMod val="40000"/>
+                        <a:lumOff val="60000"/>
+                      </a:schemeClr>
+                    </a:solidFill>
+                  </a:tcPr>
+                </a:tc>
+                <a:tc>
+                  <a:txBody>
+                    <a:bodyPr/>
+                    <a:lstStyle/>
+                    <a:p>
+                      <a:pPr algn="ctr" fontAlgn="ctr"/>
+                      <a:r>
+                        <a:rPr lang="en-US" sz="1200" u="none" strike="noStrike" dirty="0">
+                          <a:effectLst/>
+                        </a:rPr>
+                        <a:t> </a:t>
+                      </a:r>
+                      <a:endParaRPr lang="en-US" sz="1200" b="0" i="0" u="none" strike="noStrike" dirty="0">
+                        <a:solidFill>
+                          <a:srgbClr val="000000"/>
+                        </a:solidFill>
+                        <a:effectLst/>
+                        <a:latin typeface="Calibri" panose="020F0502020204030204" pitchFamily="34" charset="0"/>
+                      </a:endParaRPr>
+                    </a:p>
+                  </a:txBody>
+                  <a:tcPr marL="9525" marR="9525" marT="9525" marB="0" anchor="ctr">
+                    <a:solidFill>
+                      <a:schemeClr val="accent2">
+                        <a:lumMod val="20000"/>
+                        <a:lumOff val="80000"/>
+                      </a:schemeClr>
+                    </a:solidFill>
+                  </a:tcPr>
+                </a:tc>
+                <a:tc>
+                  <a:txBody>
+                    <a:bodyPr/>
+                    <a:lstStyle/>
+                    <a:p>
+                      <a:pPr algn="ctr" fontAlgn="ctr"/>
+                      <a:r>
+                        <a:rPr lang="en-US" sz="1200" u="none" strike="noStrike" dirty="0">
+                          <a:effectLst/>
+                        </a:rPr>
+                        <a:t> </a:t>
+                      </a:r>
+                      <a:endParaRPr lang="en-US" sz="1200" b="0" i="0" u="none" strike="noStrike" dirty="0">
+                        <a:solidFill>
+                          <a:srgbClr val="000000"/>
+                        </a:solidFill>
+                        <a:effectLst/>
+                        <a:latin typeface="Calibri" panose="020F0502020204030204" pitchFamily="34" charset="0"/>
+                      </a:endParaRPr>
+                    </a:p>
+                  </a:txBody>
+                  <a:tcPr marL="9525" marR="9525" marT="9525" marB="0" anchor="ctr">
+                    <a:solidFill>
+                      <a:schemeClr val="accent2">
+                        <a:lumMod val="20000"/>
+                        <a:lumOff val="80000"/>
+                      </a:schemeClr>
+                    </a:solidFill>
+                  </a:tcPr>
+                </a:tc>
+                <a:tc>
+                  <a:txBody>
+                    <a:bodyPr/>
+                    <a:lstStyle/>
+                    <a:p>
+                      <a:pPr algn="ctr" fontAlgn="ctr"/>
+                      <a:r>
+                        <a:rPr lang="en-US" sz="1200" u="none" strike="noStrike">
+                          <a:effectLst/>
+                        </a:rPr>
+                        <a:t> </a:t>
+                      </a:r>
+                      <a:endParaRPr lang="en-US" sz="1200" b="0" i="0" u="none" strike="noStrike">
+                        <a:solidFill>
+                          <a:srgbClr val="000000"/>
+                        </a:solidFill>
+                        <a:effectLst/>
+                        <a:latin typeface="Calibri" panose="020F0502020204030204" pitchFamily="34" charset="0"/>
+                      </a:endParaRPr>
+                    </a:p>
+                  </a:txBody>
+                  <a:tcPr marL="9525" marR="9525" marT="9525" marB="0" anchor="ctr">
+                    <a:solidFill>
+                      <a:schemeClr val="accent2">
+                        <a:lumMod val="20000"/>
+                        <a:lumOff val="80000"/>
+                      </a:schemeClr>
+                    </a:solidFill>
+                  </a:tcPr>
+                </a:tc>
+                <a:tc>
+                  <a:txBody>
+                    <a:bodyPr/>
+                    <a:lstStyle/>
+                    <a:p>
+                      <a:pPr algn="ctr" fontAlgn="ctr"/>
+                      <a:r>
+                        <a:rPr lang="en-US" sz="1200" u="none" strike="noStrike">
+                          <a:effectLst/>
+                        </a:rPr>
+                        <a:t> </a:t>
+                      </a:r>
+                      <a:endParaRPr lang="en-US" sz="1200" b="0" i="0" u="none" strike="noStrike">
+                        <a:solidFill>
+                          <a:srgbClr val="000000"/>
+                        </a:solidFill>
+                        <a:effectLst/>
+                        <a:latin typeface="Calibri" panose="020F0502020204030204" pitchFamily="34" charset="0"/>
+                      </a:endParaRPr>
+                    </a:p>
+                  </a:txBody>
+                  <a:tcPr marL="9525" marR="9525" marT="9525" marB="0" anchor="ctr">
+                    <a:solidFill>
+                      <a:schemeClr val="accent2">
+                        <a:lumMod val="20000"/>
+                        <a:lumOff val="80000"/>
+                      </a:schemeClr>
+                    </a:solidFill>
+                  </a:tcPr>
+                </a:tc>
+                <a:tc>
+                  <a:txBody>
+                    <a:bodyPr/>
+                    <a:lstStyle/>
+                    <a:p>
+                      <a:pPr algn="ctr" fontAlgn="ctr"/>
+                      <a:r>
+                        <a:rPr lang="en-US" sz="1200" u="none" strike="noStrike">
+                          <a:effectLst/>
+                        </a:rPr>
+                        <a:t> </a:t>
+                      </a:r>
+                      <a:endParaRPr lang="en-US" sz="1200" b="0" i="0" u="none" strike="noStrike">
+                        <a:solidFill>
+                          <a:srgbClr val="000000"/>
+                        </a:solidFill>
+                        <a:effectLst/>
+                        <a:latin typeface="Calibri" panose="020F0502020204030204" pitchFamily="34" charset="0"/>
+                      </a:endParaRPr>
+                    </a:p>
+                  </a:txBody>
+                  <a:tcPr marL="9525" marR="9525" marT="9525" marB="0" anchor="ctr">
+                    <a:solidFill>
+                      <a:schemeClr val="accent2">
+                        <a:lumMod val="20000"/>
+                        <a:lumOff val="80000"/>
+                      </a:schemeClr>
+                    </a:solidFill>
+                  </a:tcPr>
+                </a:tc>
+                <a:tc>
+                  <a:txBody>
+                    <a:bodyPr/>
+                    <a:lstStyle/>
+                    <a:p>
+                      <a:pPr algn="ctr" fontAlgn="ctr"/>
+                      <a:r>
+                        <a:rPr lang="en-US" sz="1200" u="none" strike="noStrike">
+                          <a:effectLst/>
+                        </a:rPr>
+                        <a:t> </a:t>
+                      </a:r>
+                      <a:endParaRPr lang="en-US" sz="1200" b="0" i="0" u="none" strike="noStrike">
+                        <a:solidFill>
+                          <a:srgbClr val="000000"/>
+                        </a:solidFill>
+                        <a:effectLst/>
+                        <a:latin typeface="Calibri" panose="020F0502020204030204" pitchFamily="34" charset="0"/>
+                      </a:endParaRPr>
+                    </a:p>
+                  </a:txBody>
+                  <a:tcPr marL="9525" marR="9525" marT="9525" marB="0" anchor="ctr">
+                    <a:solidFill>
+                      <a:schemeClr val="accent2">
+                        <a:lumMod val="20000"/>
+                        <a:lumOff val="80000"/>
+                      </a:schemeClr>
+                    </a:solidFill>
+                  </a:tcPr>
+                </a:tc>
+                <a:extLst>
+                  <a:ext uri="{0D108BD9-81ED-4DB2-BD59-A6C34878D82A}">
+                    <a16:rowId xmlns:a16="http://schemas.microsoft.com/office/drawing/2014/main" val="3652625061"/>
+                  </a:ext>
+                </a:extLst>
+              </a:tr>
+              <a:tr h="571500">
+                <a:tc>
+                  <a:txBody>
+                    <a:bodyPr/>
+                    <a:lstStyle/>
+                    <a:p>
+                      <a:pPr algn="ctr" fontAlgn="ctr"/>
+                      <a:r>
+                        <a:rPr lang="en-US" sz="1600" u="none" strike="noStrike" dirty="0">
+                          <a:effectLst/>
+                        </a:rPr>
+                        <a:t>X</a:t>
+                      </a:r>
+                      <a:r>
+                        <a:rPr lang="en-US" sz="1600" u="none" strike="noStrike" baseline="-25000" dirty="0">
+                          <a:effectLst/>
+                        </a:rPr>
+                        <a:t>1</a:t>
+                      </a:r>
+                      <a:endParaRPr lang="en-US" sz="1600" b="1" i="0" u="none" strike="noStrike" dirty="0">
+                        <a:solidFill>
+                          <a:srgbClr val="000000"/>
+                        </a:solidFill>
+                        <a:effectLst/>
+                        <a:latin typeface="Calibri" panose="020F0502020204030204" pitchFamily="34" charset="0"/>
+                      </a:endParaRPr>
+                    </a:p>
+                  </a:txBody>
+                  <a:tcPr marL="9525" marR="9525" marT="9525" marB="0" anchor="ctr">
+                    <a:solidFill>
+                      <a:schemeClr val="accent4">
+                        <a:lumMod val="40000"/>
+                        <a:lumOff val="60000"/>
+                      </a:schemeClr>
+                    </a:solidFill>
+                  </a:tcPr>
+                </a:tc>
+                <a:tc>
+                  <a:txBody>
+                    <a:bodyPr/>
+                    <a:lstStyle/>
+                    <a:p>
+                      <a:pPr algn="ctr" fontAlgn="ctr"/>
+                      <a:r>
+                        <a:rPr lang="en-US" sz="1200" u="none" strike="noStrike" dirty="0">
+                          <a:effectLst/>
+                        </a:rPr>
+                        <a:t> </a:t>
+                      </a:r>
+                      <a:endParaRPr lang="en-US" sz="1200" b="0" i="0" u="none" strike="noStrike" dirty="0">
+                        <a:solidFill>
+                          <a:srgbClr val="000000"/>
+                        </a:solidFill>
+                        <a:effectLst/>
+                        <a:latin typeface="Calibri" panose="020F0502020204030204" pitchFamily="34" charset="0"/>
+                      </a:endParaRPr>
+                    </a:p>
+                  </a:txBody>
+                  <a:tcPr marL="9525" marR="9525" marT="9525" marB="0" anchor="ctr">
+                    <a:solidFill>
+                      <a:schemeClr val="accent2">
+                        <a:lumMod val="20000"/>
+                        <a:lumOff val="80000"/>
+                      </a:schemeClr>
+                    </a:solidFill>
+                  </a:tcPr>
+                </a:tc>
+                <a:tc>
+                  <a:txBody>
+                    <a:bodyPr/>
+                    <a:lstStyle/>
+                    <a:p>
+                      <a:pPr algn="ctr" fontAlgn="ctr"/>
+                      <a:r>
+                        <a:rPr lang="en-US" sz="1200" u="none" strike="noStrike" dirty="0">
+                          <a:effectLst/>
+                        </a:rPr>
+                        <a:t> </a:t>
+                      </a:r>
+                      <a:endParaRPr lang="en-US" sz="1200" b="0" i="0" u="none" strike="noStrike" dirty="0">
+                        <a:solidFill>
+                          <a:srgbClr val="000000"/>
+                        </a:solidFill>
+                        <a:effectLst/>
+                        <a:latin typeface="Calibri" panose="020F0502020204030204" pitchFamily="34" charset="0"/>
+                      </a:endParaRPr>
+                    </a:p>
+                  </a:txBody>
+                  <a:tcPr marL="9525" marR="9525" marT="9525" marB="0" anchor="ctr">
+                    <a:solidFill>
+                      <a:schemeClr val="accent2">
+                        <a:lumMod val="20000"/>
+                        <a:lumOff val="80000"/>
+                      </a:schemeClr>
+                    </a:solidFill>
+                  </a:tcPr>
+                </a:tc>
+                <a:tc>
+                  <a:txBody>
+                    <a:bodyPr/>
+                    <a:lstStyle/>
+                    <a:p>
+                      <a:pPr algn="ctr" fontAlgn="ctr"/>
+                      <a:r>
+                        <a:rPr lang="en-US" sz="1200" u="none" strike="noStrike" dirty="0">
+                          <a:effectLst/>
+                        </a:rPr>
+                        <a:t> </a:t>
+                      </a:r>
+                      <a:endParaRPr lang="en-US" sz="1200" b="0" i="0" u="none" strike="noStrike" dirty="0">
+                        <a:solidFill>
+                          <a:srgbClr val="000000"/>
+                        </a:solidFill>
+                        <a:effectLst/>
+                        <a:latin typeface="Calibri" panose="020F0502020204030204" pitchFamily="34" charset="0"/>
+                      </a:endParaRPr>
+                    </a:p>
+                  </a:txBody>
+                  <a:tcPr marL="9525" marR="9525" marT="9525" marB="0" anchor="ctr">
+                    <a:solidFill>
+                      <a:schemeClr val="accent2">
+                        <a:lumMod val="20000"/>
+                        <a:lumOff val="80000"/>
+                      </a:schemeClr>
+                    </a:solidFill>
+                  </a:tcPr>
+                </a:tc>
+                <a:tc>
+                  <a:txBody>
+                    <a:bodyPr/>
+                    <a:lstStyle/>
+                    <a:p>
+                      <a:pPr algn="ctr" fontAlgn="ctr"/>
+                      <a:r>
+                        <a:rPr lang="en-US" sz="1200" u="none" strike="noStrike">
+                          <a:effectLst/>
+                        </a:rPr>
+                        <a:t> </a:t>
+                      </a:r>
+                      <a:endParaRPr lang="en-US" sz="1200" b="0" i="0" u="none" strike="noStrike">
+                        <a:solidFill>
+                          <a:srgbClr val="000000"/>
+                        </a:solidFill>
+                        <a:effectLst/>
+                        <a:latin typeface="Calibri" panose="020F0502020204030204" pitchFamily="34" charset="0"/>
+                      </a:endParaRPr>
+                    </a:p>
+                  </a:txBody>
+                  <a:tcPr marL="9525" marR="9525" marT="9525" marB="0" anchor="ctr">
+                    <a:solidFill>
+                      <a:schemeClr val="accent2">
+                        <a:lumMod val="20000"/>
+                        <a:lumOff val="80000"/>
+                      </a:schemeClr>
+                    </a:solidFill>
+                  </a:tcPr>
+                </a:tc>
+                <a:tc>
+                  <a:txBody>
+                    <a:bodyPr/>
+                    <a:lstStyle/>
+                    <a:p>
+                      <a:pPr algn="ctr" fontAlgn="ctr"/>
+                      <a:r>
+                        <a:rPr lang="en-US" sz="1200" u="none" strike="noStrike">
+                          <a:effectLst/>
+                        </a:rPr>
+                        <a:t> </a:t>
+                      </a:r>
+                      <a:endParaRPr lang="en-US" sz="1200" b="0" i="0" u="none" strike="noStrike">
+                        <a:solidFill>
+                          <a:srgbClr val="000000"/>
+                        </a:solidFill>
+                        <a:effectLst/>
+                        <a:latin typeface="Calibri" panose="020F0502020204030204" pitchFamily="34" charset="0"/>
+                      </a:endParaRPr>
+                    </a:p>
+                  </a:txBody>
+                  <a:tcPr marL="9525" marR="9525" marT="9525" marB="0" anchor="ctr">
+                    <a:solidFill>
+                      <a:schemeClr val="accent2">
+                        <a:lumMod val="20000"/>
+                        <a:lumOff val="80000"/>
+                      </a:schemeClr>
+                    </a:solidFill>
+                  </a:tcPr>
+                </a:tc>
+                <a:tc>
+                  <a:txBody>
+                    <a:bodyPr/>
+                    <a:lstStyle/>
+                    <a:p>
+                      <a:pPr algn="ctr" fontAlgn="ctr"/>
+                      <a:r>
+                        <a:rPr lang="en-US" sz="1200" u="none" strike="noStrike">
+                          <a:effectLst/>
+                        </a:rPr>
+                        <a:t> </a:t>
+                      </a:r>
+                      <a:endParaRPr lang="en-US" sz="1200" b="0" i="0" u="none" strike="noStrike">
+                        <a:solidFill>
+                          <a:srgbClr val="000000"/>
+                        </a:solidFill>
+                        <a:effectLst/>
+                        <a:latin typeface="Calibri" panose="020F0502020204030204" pitchFamily="34" charset="0"/>
+                      </a:endParaRPr>
+                    </a:p>
+                  </a:txBody>
+                  <a:tcPr marL="9525" marR="9525" marT="9525" marB="0" anchor="ctr">
+                    <a:solidFill>
+                      <a:schemeClr val="accent2">
+                        <a:lumMod val="20000"/>
+                        <a:lumOff val="80000"/>
+                      </a:schemeClr>
+                    </a:solidFill>
+                  </a:tcPr>
+                </a:tc>
+                <a:extLst>
+                  <a:ext uri="{0D108BD9-81ED-4DB2-BD59-A6C34878D82A}">
+                    <a16:rowId xmlns:a16="http://schemas.microsoft.com/office/drawing/2014/main" val="1395213566"/>
+                  </a:ext>
+                </a:extLst>
+              </a:tr>
+              <a:tr h="571500">
+                <a:tc>
+                  <a:txBody>
+                    <a:bodyPr/>
+                    <a:lstStyle/>
+                    <a:p>
+                      <a:pPr algn="ctr" fontAlgn="ctr"/>
+                      <a:r>
+                        <a:rPr lang="en-US" sz="1600" u="none" strike="noStrike" dirty="0">
+                          <a:effectLst/>
+                        </a:rPr>
+                        <a:t>X</a:t>
+                      </a:r>
+                      <a:r>
+                        <a:rPr lang="en-US" sz="1600" u="none" strike="noStrike" baseline="-25000" dirty="0">
+                          <a:effectLst/>
+                        </a:rPr>
+                        <a:t>2</a:t>
+                      </a:r>
+                      <a:endParaRPr lang="en-US" sz="1600" b="1" i="0" u="none" strike="noStrike" dirty="0">
+                        <a:solidFill>
+                          <a:srgbClr val="000000"/>
+                        </a:solidFill>
+                        <a:effectLst/>
+                        <a:latin typeface="Calibri" panose="020F0502020204030204" pitchFamily="34" charset="0"/>
+                      </a:endParaRPr>
+                    </a:p>
+                  </a:txBody>
+                  <a:tcPr marL="9525" marR="9525" marT="9525" marB="0" anchor="ctr">
+                    <a:solidFill>
+                      <a:schemeClr val="accent4">
+                        <a:lumMod val="40000"/>
+                        <a:lumOff val="60000"/>
+                      </a:schemeClr>
+                    </a:solidFill>
+                  </a:tcPr>
+                </a:tc>
+                <a:tc>
+                  <a:txBody>
+                    <a:bodyPr/>
+                    <a:lstStyle/>
+                    <a:p>
+                      <a:pPr algn="ctr" fontAlgn="ctr"/>
+                      <a:r>
+                        <a:rPr lang="en-US" sz="1200" u="none" strike="noStrike">
+                          <a:effectLst/>
+                        </a:rPr>
+                        <a:t> </a:t>
+                      </a:r>
+                      <a:endParaRPr lang="en-US" sz="1200" b="0" i="0" u="none" strike="noStrike">
+                        <a:solidFill>
+                          <a:srgbClr val="000000"/>
+                        </a:solidFill>
+                        <a:effectLst/>
+                        <a:latin typeface="Calibri" panose="020F0502020204030204" pitchFamily="34" charset="0"/>
+                      </a:endParaRPr>
+                    </a:p>
+                  </a:txBody>
+                  <a:tcPr marL="9525" marR="9525" marT="9525" marB="0" anchor="ctr">
+                    <a:solidFill>
+                      <a:schemeClr val="accent2">
+                        <a:lumMod val="20000"/>
+                        <a:lumOff val="80000"/>
+                      </a:schemeClr>
+                    </a:solidFill>
+                  </a:tcPr>
+                </a:tc>
+                <a:tc>
+                  <a:txBody>
+                    <a:bodyPr/>
+                    <a:lstStyle/>
+                    <a:p>
+                      <a:pPr algn="ctr" fontAlgn="ctr"/>
+                      <a:r>
+                        <a:rPr lang="en-US" sz="1200" u="none" strike="noStrike" dirty="0">
+                          <a:effectLst/>
+                        </a:rPr>
+                        <a:t> </a:t>
+                      </a:r>
+                      <a:endParaRPr lang="en-US" sz="1200" b="0" i="0" u="none" strike="noStrike" dirty="0">
+                        <a:solidFill>
+                          <a:srgbClr val="000000"/>
+                        </a:solidFill>
+                        <a:effectLst/>
+                        <a:latin typeface="Calibri" panose="020F0502020204030204" pitchFamily="34" charset="0"/>
+                      </a:endParaRPr>
+                    </a:p>
+                  </a:txBody>
+                  <a:tcPr marL="9525" marR="9525" marT="9525" marB="0" anchor="ctr">
+                    <a:solidFill>
+                      <a:schemeClr val="accent2">
+                        <a:lumMod val="20000"/>
+                        <a:lumOff val="80000"/>
+                      </a:schemeClr>
+                    </a:solidFill>
+                  </a:tcPr>
+                </a:tc>
+                <a:tc>
+                  <a:txBody>
+                    <a:bodyPr/>
+                    <a:lstStyle/>
+                    <a:p>
+                      <a:pPr algn="ctr" fontAlgn="ctr"/>
+                      <a:r>
+                        <a:rPr lang="en-US" sz="1200" u="none" strike="noStrike" dirty="0">
+                          <a:effectLst/>
+                        </a:rPr>
+                        <a:t> </a:t>
+                      </a:r>
+                      <a:endParaRPr lang="en-US" sz="1200" b="0" i="0" u="none" strike="noStrike" dirty="0">
+                        <a:solidFill>
+                          <a:srgbClr val="000000"/>
+                        </a:solidFill>
+                        <a:effectLst/>
+                        <a:latin typeface="Calibri" panose="020F0502020204030204" pitchFamily="34" charset="0"/>
+                      </a:endParaRPr>
+                    </a:p>
+                  </a:txBody>
+                  <a:tcPr marL="9525" marR="9525" marT="9525" marB="0" anchor="ctr">
+                    <a:solidFill>
+                      <a:schemeClr val="accent2">
+                        <a:lumMod val="20000"/>
+                        <a:lumOff val="80000"/>
+                      </a:schemeClr>
+                    </a:solidFill>
+                  </a:tcPr>
+                </a:tc>
+                <a:tc>
+                  <a:txBody>
+                    <a:bodyPr/>
+                    <a:lstStyle/>
+                    <a:p>
+                      <a:pPr algn="ctr" fontAlgn="ctr"/>
+                      <a:r>
+                        <a:rPr lang="en-US" sz="1200" u="none" strike="noStrike" dirty="0">
+                          <a:effectLst/>
+                        </a:rPr>
+                        <a:t> </a:t>
+                      </a:r>
+                      <a:endParaRPr lang="en-US" sz="1200" b="0" i="0" u="none" strike="noStrike" dirty="0">
+                        <a:solidFill>
+                          <a:srgbClr val="000000"/>
+                        </a:solidFill>
+                        <a:effectLst/>
+                        <a:latin typeface="Calibri" panose="020F0502020204030204" pitchFamily="34" charset="0"/>
+                      </a:endParaRPr>
+                    </a:p>
+                  </a:txBody>
+                  <a:tcPr marL="9525" marR="9525" marT="9525" marB="0" anchor="ctr">
+                    <a:solidFill>
+                      <a:schemeClr val="accent2">
+                        <a:lumMod val="20000"/>
+                        <a:lumOff val="80000"/>
+                      </a:schemeClr>
+                    </a:solidFill>
+                  </a:tcPr>
+                </a:tc>
+                <a:tc>
+                  <a:txBody>
+                    <a:bodyPr/>
+                    <a:lstStyle/>
+                    <a:p>
+                      <a:pPr algn="ctr" fontAlgn="ctr"/>
+                      <a:r>
+                        <a:rPr lang="en-US" sz="1200" u="none" strike="noStrike">
+                          <a:effectLst/>
+                        </a:rPr>
+                        <a:t> </a:t>
+                      </a:r>
+                      <a:endParaRPr lang="en-US" sz="1200" b="0" i="0" u="none" strike="noStrike">
+                        <a:solidFill>
+                          <a:srgbClr val="000000"/>
+                        </a:solidFill>
+                        <a:effectLst/>
+                        <a:latin typeface="Calibri" panose="020F0502020204030204" pitchFamily="34" charset="0"/>
+                      </a:endParaRPr>
+                    </a:p>
+                  </a:txBody>
+                  <a:tcPr marL="9525" marR="9525" marT="9525" marB="0" anchor="ctr">
+                    <a:solidFill>
+                      <a:schemeClr val="accent2">
+                        <a:lumMod val="20000"/>
+                        <a:lumOff val="80000"/>
+                      </a:schemeClr>
+                    </a:solidFill>
+                  </a:tcPr>
+                </a:tc>
+                <a:tc>
+                  <a:txBody>
+                    <a:bodyPr/>
+                    <a:lstStyle/>
+                    <a:p>
+                      <a:pPr algn="ctr" fontAlgn="ctr"/>
+                      <a:r>
+                        <a:rPr lang="en-US" sz="1200" u="none" strike="noStrike">
+                          <a:effectLst/>
+                        </a:rPr>
+                        <a:t> </a:t>
+                      </a:r>
+                      <a:endParaRPr lang="en-US" sz="1200" b="0" i="0" u="none" strike="noStrike">
+                        <a:solidFill>
+                          <a:srgbClr val="000000"/>
+                        </a:solidFill>
+                        <a:effectLst/>
+                        <a:latin typeface="Calibri" panose="020F0502020204030204" pitchFamily="34" charset="0"/>
+                      </a:endParaRPr>
+                    </a:p>
+                  </a:txBody>
+                  <a:tcPr marL="9525" marR="9525" marT="9525" marB="0" anchor="ctr">
+                    <a:solidFill>
+                      <a:schemeClr val="accent2">
+                        <a:lumMod val="20000"/>
+                        <a:lumOff val="80000"/>
+                      </a:schemeClr>
+                    </a:solidFill>
+                  </a:tcPr>
+                </a:tc>
+                <a:extLst>
+                  <a:ext uri="{0D108BD9-81ED-4DB2-BD59-A6C34878D82A}">
+                    <a16:rowId xmlns:a16="http://schemas.microsoft.com/office/drawing/2014/main" val="763912984"/>
+                  </a:ext>
+                </a:extLst>
+              </a:tr>
+              <a:tr h="571500">
+                <a:tc>
+                  <a:txBody>
+                    <a:bodyPr/>
+                    <a:lstStyle/>
+                    <a:p>
+                      <a:pPr algn="ctr" fontAlgn="ctr"/>
+                      <a:r>
+                        <a:rPr lang="en-US" sz="1600" u="none" strike="noStrike" dirty="0">
+                          <a:effectLst/>
+                        </a:rPr>
+                        <a:t>X</a:t>
+                      </a:r>
+                      <a:r>
+                        <a:rPr lang="en-US" sz="1600" u="none" strike="noStrike" baseline="-25000" dirty="0">
+                          <a:effectLst/>
+                        </a:rPr>
+                        <a:t>3</a:t>
+                      </a:r>
+                      <a:endParaRPr lang="en-US" sz="1600" b="1" i="0" u="none" strike="noStrike" dirty="0">
+                        <a:solidFill>
+                          <a:srgbClr val="000000"/>
+                        </a:solidFill>
+                        <a:effectLst/>
+                        <a:latin typeface="Calibri" panose="020F0502020204030204" pitchFamily="34" charset="0"/>
+                      </a:endParaRPr>
+                    </a:p>
+                  </a:txBody>
+                  <a:tcPr marL="9525" marR="9525" marT="9525" marB="0" anchor="ctr">
+                    <a:solidFill>
+                      <a:schemeClr val="accent4">
+                        <a:lumMod val="40000"/>
+                        <a:lumOff val="60000"/>
+                      </a:schemeClr>
+                    </a:solidFill>
+                  </a:tcPr>
+                </a:tc>
+                <a:tc>
+                  <a:txBody>
+                    <a:bodyPr/>
+                    <a:lstStyle/>
+                    <a:p>
+                      <a:pPr algn="ctr" fontAlgn="ctr"/>
+                      <a:r>
+                        <a:rPr lang="en-US" sz="1200" u="none" strike="noStrike">
+                          <a:effectLst/>
+                        </a:rPr>
+                        <a:t> </a:t>
+                      </a:r>
+                      <a:endParaRPr lang="en-US" sz="1200" b="0" i="0" u="none" strike="noStrike">
+                        <a:solidFill>
+                          <a:srgbClr val="000000"/>
+                        </a:solidFill>
+                        <a:effectLst/>
+                        <a:latin typeface="Calibri" panose="020F0502020204030204" pitchFamily="34" charset="0"/>
+                      </a:endParaRPr>
+                    </a:p>
+                  </a:txBody>
+                  <a:tcPr marL="9525" marR="9525" marT="9525" marB="0" anchor="ctr">
+                    <a:solidFill>
+                      <a:schemeClr val="accent2">
+                        <a:lumMod val="20000"/>
+                        <a:lumOff val="80000"/>
+                      </a:schemeClr>
+                    </a:solidFill>
+                  </a:tcPr>
+                </a:tc>
+                <a:tc>
+                  <a:txBody>
+                    <a:bodyPr/>
+                    <a:lstStyle/>
+                    <a:p>
+                      <a:pPr algn="ctr" fontAlgn="ctr"/>
+                      <a:r>
+                        <a:rPr lang="en-US" sz="1200" u="none" strike="noStrike">
+                          <a:effectLst/>
+                        </a:rPr>
+                        <a:t> </a:t>
+                      </a:r>
+                      <a:endParaRPr lang="en-US" sz="1200" b="0" i="0" u="none" strike="noStrike">
+                        <a:solidFill>
+                          <a:srgbClr val="000000"/>
+                        </a:solidFill>
+                        <a:effectLst/>
+                        <a:latin typeface="Calibri" panose="020F0502020204030204" pitchFamily="34" charset="0"/>
+                      </a:endParaRPr>
+                    </a:p>
+                  </a:txBody>
+                  <a:tcPr marL="9525" marR="9525" marT="9525" marB="0" anchor="ctr">
+                    <a:solidFill>
+                      <a:schemeClr val="accent2">
+                        <a:lumMod val="20000"/>
+                        <a:lumOff val="80000"/>
+                      </a:schemeClr>
+                    </a:solidFill>
+                  </a:tcPr>
+                </a:tc>
+                <a:tc>
+                  <a:txBody>
+                    <a:bodyPr/>
+                    <a:lstStyle/>
+                    <a:p>
+                      <a:pPr algn="ctr" fontAlgn="ctr"/>
+                      <a:r>
+                        <a:rPr lang="en-US" sz="1200" u="none" strike="noStrike">
+                          <a:effectLst/>
+                        </a:rPr>
+                        <a:t> </a:t>
+                      </a:r>
+                      <a:endParaRPr lang="en-US" sz="1200" b="0" i="0" u="none" strike="noStrike">
+                        <a:solidFill>
+                          <a:srgbClr val="000000"/>
+                        </a:solidFill>
+                        <a:effectLst/>
+                        <a:latin typeface="Calibri" panose="020F0502020204030204" pitchFamily="34" charset="0"/>
+                      </a:endParaRPr>
+                    </a:p>
+                  </a:txBody>
+                  <a:tcPr marL="9525" marR="9525" marT="9525" marB="0" anchor="ctr">
+                    <a:solidFill>
+                      <a:schemeClr val="accent2">
+                        <a:lumMod val="20000"/>
+                        <a:lumOff val="80000"/>
+                      </a:schemeClr>
+                    </a:solidFill>
+                  </a:tcPr>
+                </a:tc>
+                <a:tc>
+                  <a:txBody>
+                    <a:bodyPr/>
+                    <a:lstStyle/>
+                    <a:p>
+                      <a:pPr algn="ctr" fontAlgn="ctr"/>
+                      <a:r>
+                        <a:rPr lang="en-US" sz="1200" u="none" strike="noStrike" dirty="0">
+                          <a:effectLst/>
+                        </a:rPr>
+                        <a:t> </a:t>
+                      </a:r>
+                      <a:endParaRPr lang="en-US" sz="1200" b="0" i="0" u="none" strike="noStrike" dirty="0">
+                        <a:solidFill>
+                          <a:srgbClr val="000000"/>
+                        </a:solidFill>
+                        <a:effectLst/>
+                        <a:latin typeface="Calibri" panose="020F0502020204030204" pitchFamily="34" charset="0"/>
+                      </a:endParaRPr>
+                    </a:p>
+                  </a:txBody>
+                  <a:tcPr marL="9525" marR="9525" marT="9525" marB="0" anchor="ctr">
+                    <a:solidFill>
+                      <a:schemeClr val="accent2">
+                        <a:lumMod val="20000"/>
+                        <a:lumOff val="80000"/>
+                      </a:schemeClr>
+                    </a:solidFill>
+                  </a:tcPr>
+                </a:tc>
+                <a:tc>
+                  <a:txBody>
+                    <a:bodyPr/>
+                    <a:lstStyle/>
+                    <a:p>
+                      <a:pPr algn="ctr" fontAlgn="ctr"/>
+                      <a:r>
+                        <a:rPr lang="en-US" sz="1200" u="none" strike="noStrike" dirty="0">
+                          <a:effectLst/>
+                        </a:rPr>
+                        <a:t> </a:t>
+                      </a:r>
+                      <a:endParaRPr lang="en-US" sz="1200" b="0" i="0" u="none" strike="noStrike" dirty="0">
+                        <a:solidFill>
+                          <a:srgbClr val="000000"/>
+                        </a:solidFill>
+                        <a:effectLst/>
+                        <a:latin typeface="Calibri" panose="020F0502020204030204" pitchFamily="34" charset="0"/>
+                      </a:endParaRPr>
+                    </a:p>
+                  </a:txBody>
+                  <a:tcPr marL="9525" marR="9525" marT="9525" marB="0" anchor="ctr">
+                    <a:solidFill>
+                      <a:schemeClr val="accent2">
+                        <a:lumMod val="20000"/>
+                        <a:lumOff val="80000"/>
+                      </a:schemeClr>
+                    </a:solidFill>
+                  </a:tcPr>
+                </a:tc>
+                <a:tc>
+                  <a:txBody>
+                    <a:bodyPr/>
+                    <a:lstStyle/>
+                    <a:p>
+                      <a:pPr algn="ctr" fontAlgn="ctr"/>
+                      <a:r>
+                        <a:rPr lang="en-US" sz="1200" u="none" strike="noStrike" dirty="0">
+                          <a:effectLst/>
+                        </a:rPr>
+                        <a:t> </a:t>
+                      </a:r>
+                      <a:endParaRPr lang="en-US" sz="1200" b="0" i="0" u="none" strike="noStrike" dirty="0">
+                        <a:solidFill>
+                          <a:srgbClr val="000000"/>
+                        </a:solidFill>
+                        <a:effectLst/>
+                        <a:latin typeface="Calibri" panose="020F0502020204030204" pitchFamily="34" charset="0"/>
+                      </a:endParaRPr>
+                    </a:p>
+                  </a:txBody>
+                  <a:tcPr marL="9525" marR="9525" marT="9525" marB="0" anchor="ctr">
+                    <a:solidFill>
+                      <a:schemeClr val="accent2">
+                        <a:lumMod val="20000"/>
+                        <a:lumOff val="80000"/>
+                      </a:schemeClr>
+                    </a:solidFill>
+                  </a:tcPr>
+                </a:tc>
+                <a:extLst>
+                  <a:ext uri="{0D108BD9-81ED-4DB2-BD59-A6C34878D82A}">
+                    <a16:rowId xmlns:a16="http://schemas.microsoft.com/office/drawing/2014/main" val="676619996"/>
+                  </a:ext>
+                </a:extLst>
+              </a:tr>
+              <a:tr h="571500">
+                <a:tc>
+                  <a:txBody>
+                    <a:bodyPr/>
+                    <a:lstStyle/>
+                    <a:p>
+                      <a:pPr algn="ctr" fontAlgn="ctr"/>
+                      <a:r>
+                        <a:rPr lang="en-US" sz="1600" u="none" strike="noStrike" dirty="0">
+                          <a:effectLst/>
+                        </a:rPr>
+                        <a:t>X</a:t>
+                      </a:r>
+                      <a:r>
+                        <a:rPr lang="en-US" sz="1600" u="none" strike="noStrike" baseline="-25000" dirty="0">
+                          <a:effectLst/>
+                        </a:rPr>
+                        <a:t>4</a:t>
+                      </a:r>
+                      <a:endParaRPr lang="en-US" sz="1600" b="1" i="0" u="none" strike="noStrike" dirty="0">
+                        <a:solidFill>
+                          <a:srgbClr val="000000"/>
+                        </a:solidFill>
+                        <a:effectLst/>
+                        <a:latin typeface="Calibri" panose="020F0502020204030204" pitchFamily="34" charset="0"/>
+                      </a:endParaRPr>
+                    </a:p>
+                  </a:txBody>
+                  <a:tcPr marL="9525" marR="9525" marT="9525" marB="0" anchor="ctr">
+                    <a:solidFill>
+                      <a:schemeClr val="accent4">
+                        <a:lumMod val="40000"/>
+                        <a:lumOff val="60000"/>
+                      </a:schemeClr>
+                    </a:solidFill>
+                  </a:tcPr>
+                </a:tc>
+                <a:tc>
+                  <a:txBody>
+                    <a:bodyPr/>
+                    <a:lstStyle/>
+                    <a:p>
+                      <a:pPr algn="ctr" fontAlgn="ctr"/>
+                      <a:r>
+                        <a:rPr lang="en-US" sz="1200" u="none" strike="noStrike">
+                          <a:effectLst/>
+                        </a:rPr>
+                        <a:t> </a:t>
+                      </a:r>
+                      <a:endParaRPr lang="en-US" sz="1200" b="0" i="0" u="none" strike="noStrike">
+                        <a:solidFill>
+                          <a:srgbClr val="000000"/>
+                        </a:solidFill>
+                        <a:effectLst/>
+                        <a:latin typeface="Calibri" panose="020F0502020204030204" pitchFamily="34" charset="0"/>
+                      </a:endParaRPr>
+                    </a:p>
+                  </a:txBody>
+                  <a:tcPr marL="9525" marR="9525" marT="9525" marB="0" anchor="ctr">
+                    <a:solidFill>
+                      <a:schemeClr val="accent2">
+                        <a:lumMod val="20000"/>
+                        <a:lumOff val="80000"/>
+                      </a:schemeClr>
+                    </a:solidFill>
+                  </a:tcPr>
+                </a:tc>
+                <a:tc>
+                  <a:txBody>
+                    <a:bodyPr/>
+                    <a:lstStyle/>
+                    <a:p>
+                      <a:pPr algn="ctr" fontAlgn="ctr"/>
+                      <a:r>
+                        <a:rPr lang="en-US" sz="1200" u="none" strike="noStrike">
+                          <a:effectLst/>
+                        </a:rPr>
+                        <a:t> </a:t>
+                      </a:r>
+                      <a:endParaRPr lang="en-US" sz="1200" b="0" i="0" u="none" strike="noStrike">
+                        <a:solidFill>
+                          <a:srgbClr val="000000"/>
+                        </a:solidFill>
+                        <a:effectLst/>
+                        <a:latin typeface="Calibri" panose="020F0502020204030204" pitchFamily="34" charset="0"/>
+                      </a:endParaRPr>
+                    </a:p>
+                  </a:txBody>
+                  <a:tcPr marL="9525" marR="9525" marT="9525" marB="0" anchor="ctr">
+                    <a:solidFill>
+                      <a:schemeClr val="accent2">
+                        <a:lumMod val="20000"/>
+                        <a:lumOff val="80000"/>
+                      </a:schemeClr>
+                    </a:solidFill>
+                  </a:tcPr>
+                </a:tc>
+                <a:tc>
+                  <a:txBody>
+                    <a:bodyPr/>
+                    <a:lstStyle/>
+                    <a:p>
+                      <a:pPr algn="ctr" fontAlgn="ctr"/>
+                      <a:r>
+                        <a:rPr lang="en-US" sz="1200" u="none" strike="noStrike">
+                          <a:effectLst/>
+                        </a:rPr>
+                        <a:t> </a:t>
+                      </a:r>
+                      <a:endParaRPr lang="en-US" sz="1200" b="0" i="0" u="none" strike="noStrike">
+                        <a:solidFill>
+                          <a:srgbClr val="000000"/>
+                        </a:solidFill>
+                        <a:effectLst/>
+                        <a:latin typeface="Calibri" panose="020F0502020204030204" pitchFamily="34" charset="0"/>
+                      </a:endParaRPr>
+                    </a:p>
+                  </a:txBody>
+                  <a:tcPr marL="9525" marR="9525" marT="9525" marB="0" anchor="ctr">
+                    <a:solidFill>
+                      <a:schemeClr val="accent2">
+                        <a:lumMod val="20000"/>
+                        <a:lumOff val="80000"/>
+                      </a:schemeClr>
+                    </a:solidFill>
+                  </a:tcPr>
+                </a:tc>
+                <a:tc>
+                  <a:txBody>
+                    <a:bodyPr/>
+                    <a:lstStyle/>
+                    <a:p>
+                      <a:pPr algn="ctr" fontAlgn="ctr"/>
+                      <a:r>
+                        <a:rPr lang="en-US" sz="1200" u="none" strike="noStrike" dirty="0">
+                          <a:effectLst/>
+                        </a:rPr>
+                        <a:t> </a:t>
+                      </a:r>
+                      <a:endParaRPr lang="en-US" sz="1200" b="0" i="0" u="none" strike="noStrike" dirty="0">
+                        <a:solidFill>
+                          <a:srgbClr val="000000"/>
+                        </a:solidFill>
+                        <a:effectLst/>
+                        <a:latin typeface="Calibri" panose="020F0502020204030204" pitchFamily="34" charset="0"/>
+                      </a:endParaRPr>
+                    </a:p>
+                  </a:txBody>
+                  <a:tcPr marL="9525" marR="9525" marT="9525" marB="0" anchor="ctr">
+                    <a:solidFill>
+                      <a:schemeClr val="accent2">
+                        <a:lumMod val="20000"/>
+                        <a:lumOff val="80000"/>
+                      </a:schemeClr>
+                    </a:solidFill>
+                  </a:tcPr>
+                </a:tc>
+                <a:tc>
+                  <a:txBody>
+                    <a:bodyPr/>
+                    <a:lstStyle/>
+                    <a:p>
+                      <a:pPr algn="ctr" fontAlgn="ctr"/>
+                      <a:r>
+                        <a:rPr lang="en-US" sz="1200" u="none" strike="noStrike" dirty="0">
+                          <a:effectLst/>
+                        </a:rPr>
+                        <a:t> </a:t>
+                      </a:r>
+                      <a:endParaRPr lang="en-US" sz="1200" b="0" i="0" u="none" strike="noStrike" dirty="0">
+                        <a:solidFill>
+                          <a:srgbClr val="000000"/>
+                        </a:solidFill>
+                        <a:effectLst/>
+                        <a:latin typeface="Calibri" panose="020F0502020204030204" pitchFamily="34" charset="0"/>
+                      </a:endParaRPr>
+                    </a:p>
+                  </a:txBody>
+                  <a:tcPr marL="9525" marR="9525" marT="9525" marB="0" anchor="ctr">
+                    <a:solidFill>
+                      <a:schemeClr val="accent2">
+                        <a:lumMod val="20000"/>
+                        <a:lumOff val="80000"/>
+                      </a:schemeClr>
+                    </a:solidFill>
+                  </a:tcPr>
+                </a:tc>
+                <a:tc>
+                  <a:txBody>
+                    <a:bodyPr/>
+                    <a:lstStyle/>
+                    <a:p>
+                      <a:pPr algn="ctr" fontAlgn="ctr"/>
+                      <a:r>
+                        <a:rPr lang="en-US" sz="1200" u="none" strike="noStrike" dirty="0">
+                          <a:effectLst/>
+                        </a:rPr>
+                        <a:t> </a:t>
+                      </a:r>
+                      <a:endParaRPr lang="en-US" sz="1200" b="0" i="0" u="none" strike="noStrike" dirty="0">
+                        <a:solidFill>
+                          <a:srgbClr val="000000"/>
+                        </a:solidFill>
+                        <a:effectLst/>
+                        <a:latin typeface="Calibri" panose="020F0502020204030204" pitchFamily="34" charset="0"/>
+                      </a:endParaRPr>
+                    </a:p>
+                  </a:txBody>
+                  <a:tcPr marL="9525" marR="9525" marT="9525" marB="0" anchor="ctr">
+                    <a:solidFill>
+                      <a:schemeClr val="accent2">
+                        <a:lumMod val="20000"/>
+                        <a:lumOff val="80000"/>
+                      </a:schemeClr>
+                    </a:solidFill>
+                  </a:tcPr>
+                </a:tc>
+                <a:extLst>
+                  <a:ext uri="{0D108BD9-81ED-4DB2-BD59-A6C34878D82A}">
+                    <a16:rowId xmlns:a16="http://schemas.microsoft.com/office/drawing/2014/main" val="3484265081"/>
+                  </a:ext>
+                </a:extLst>
+              </a:tr>
+              <a:tr h="571500">
+                <a:tc>
+                  <a:txBody>
+                    <a:bodyPr/>
+                    <a:lstStyle/>
+                    <a:p>
+                      <a:pPr algn="ctr" fontAlgn="ctr"/>
+                      <a:r>
+                        <a:rPr lang="en-US" sz="1600" u="none" strike="noStrike" dirty="0">
+                          <a:effectLst/>
+                        </a:rPr>
+                        <a:t>X</a:t>
+                      </a:r>
+                      <a:r>
+                        <a:rPr lang="en-US" sz="1600" u="none" strike="noStrike" baseline="-25000" dirty="0">
+                          <a:effectLst/>
+                        </a:rPr>
+                        <a:t>5</a:t>
+                      </a:r>
+                      <a:endParaRPr lang="en-US" sz="1600" b="1" i="0" u="none" strike="noStrike" dirty="0">
+                        <a:solidFill>
+                          <a:srgbClr val="000000"/>
+                        </a:solidFill>
+                        <a:effectLst/>
+                        <a:latin typeface="Calibri" panose="020F0502020204030204" pitchFamily="34" charset="0"/>
+                      </a:endParaRPr>
+                    </a:p>
+                  </a:txBody>
+                  <a:tcPr marL="9525" marR="9525" marT="9525" marB="0" anchor="ctr">
+                    <a:solidFill>
+                      <a:schemeClr val="accent4">
+                        <a:lumMod val="40000"/>
+                        <a:lumOff val="60000"/>
+                      </a:schemeClr>
+                    </a:solidFill>
+                  </a:tcPr>
+                </a:tc>
+                <a:tc>
+                  <a:txBody>
+                    <a:bodyPr/>
+                    <a:lstStyle/>
+                    <a:p>
+                      <a:pPr algn="ctr" fontAlgn="ctr"/>
+                      <a:r>
+                        <a:rPr lang="en-US" sz="1200" u="none" strike="noStrike">
+                          <a:effectLst/>
+                        </a:rPr>
+                        <a:t> </a:t>
+                      </a:r>
+                      <a:endParaRPr lang="en-US" sz="1200" b="0" i="0" u="none" strike="noStrike">
+                        <a:solidFill>
+                          <a:srgbClr val="000000"/>
+                        </a:solidFill>
+                        <a:effectLst/>
+                        <a:latin typeface="Calibri" panose="020F0502020204030204" pitchFamily="34" charset="0"/>
+                      </a:endParaRPr>
+                    </a:p>
+                  </a:txBody>
+                  <a:tcPr marL="9525" marR="9525" marT="9525" marB="0" anchor="ctr">
+                    <a:solidFill>
+                      <a:schemeClr val="accent2">
+                        <a:lumMod val="20000"/>
+                        <a:lumOff val="80000"/>
+                      </a:schemeClr>
+                    </a:solidFill>
+                  </a:tcPr>
+                </a:tc>
+                <a:tc>
+                  <a:txBody>
+                    <a:bodyPr/>
+                    <a:lstStyle/>
+                    <a:p>
+                      <a:pPr algn="ctr" fontAlgn="ctr"/>
+                      <a:r>
+                        <a:rPr lang="en-US" sz="1200" u="none" strike="noStrike">
+                          <a:effectLst/>
+                        </a:rPr>
+                        <a:t> </a:t>
+                      </a:r>
+                      <a:endParaRPr lang="en-US" sz="1200" b="0" i="0" u="none" strike="noStrike">
+                        <a:solidFill>
+                          <a:srgbClr val="000000"/>
+                        </a:solidFill>
+                        <a:effectLst/>
+                        <a:latin typeface="Calibri" panose="020F0502020204030204" pitchFamily="34" charset="0"/>
+                      </a:endParaRPr>
+                    </a:p>
+                  </a:txBody>
+                  <a:tcPr marL="9525" marR="9525" marT="9525" marB="0" anchor="ctr">
+                    <a:solidFill>
+                      <a:schemeClr val="accent2">
+                        <a:lumMod val="20000"/>
+                        <a:lumOff val="80000"/>
+                      </a:schemeClr>
+                    </a:solidFill>
+                  </a:tcPr>
+                </a:tc>
+                <a:tc>
+                  <a:txBody>
+                    <a:bodyPr/>
+                    <a:lstStyle/>
+                    <a:p>
+                      <a:pPr algn="ctr" fontAlgn="ctr"/>
+                      <a:r>
+                        <a:rPr lang="en-US" sz="1200" u="none" strike="noStrike">
+                          <a:effectLst/>
+                        </a:rPr>
+                        <a:t> </a:t>
+                      </a:r>
+                      <a:endParaRPr lang="en-US" sz="1200" b="0" i="0" u="none" strike="noStrike">
+                        <a:solidFill>
+                          <a:srgbClr val="000000"/>
+                        </a:solidFill>
+                        <a:effectLst/>
+                        <a:latin typeface="Calibri" panose="020F0502020204030204" pitchFamily="34" charset="0"/>
+                      </a:endParaRPr>
+                    </a:p>
+                  </a:txBody>
+                  <a:tcPr marL="9525" marR="9525" marT="9525" marB="0" anchor="ctr">
+                    <a:solidFill>
+                      <a:schemeClr val="accent2">
+                        <a:lumMod val="20000"/>
+                        <a:lumOff val="80000"/>
+                      </a:schemeClr>
+                    </a:solidFill>
+                  </a:tcPr>
+                </a:tc>
+                <a:tc>
+                  <a:txBody>
+                    <a:bodyPr/>
+                    <a:lstStyle/>
+                    <a:p>
+                      <a:pPr algn="ctr" fontAlgn="ctr"/>
+                      <a:r>
+                        <a:rPr lang="en-US" sz="1200" u="none" strike="noStrike">
+                          <a:effectLst/>
+                        </a:rPr>
+                        <a:t> </a:t>
+                      </a:r>
+                      <a:endParaRPr lang="en-US" sz="1200" b="0" i="0" u="none" strike="noStrike">
+                        <a:solidFill>
+                          <a:srgbClr val="000000"/>
+                        </a:solidFill>
+                        <a:effectLst/>
+                        <a:latin typeface="Calibri" panose="020F0502020204030204" pitchFamily="34" charset="0"/>
+                      </a:endParaRPr>
+                    </a:p>
+                  </a:txBody>
+                  <a:tcPr marL="9525" marR="9525" marT="9525" marB="0" anchor="ctr">
+                    <a:solidFill>
+                      <a:schemeClr val="accent2">
+                        <a:lumMod val="20000"/>
+                        <a:lumOff val="80000"/>
+                      </a:schemeClr>
+                    </a:solidFill>
+                  </a:tcPr>
+                </a:tc>
+                <a:tc>
+                  <a:txBody>
+                    <a:bodyPr/>
+                    <a:lstStyle/>
+                    <a:p>
+                      <a:pPr algn="ctr" fontAlgn="ctr"/>
+                      <a:r>
+                        <a:rPr lang="en-US" sz="1200" u="none" strike="noStrike" dirty="0">
+                          <a:effectLst/>
+                        </a:rPr>
+                        <a:t> </a:t>
+                      </a:r>
+                      <a:endParaRPr lang="en-US" sz="1200" b="0" i="0" u="none" strike="noStrike" dirty="0">
+                        <a:solidFill>
+                          <a:srgbClr val="000000"/>
+                        </a:solidFill>
+                        <a:effectLst/>
+                        <a:latin typeface="Calibri" panose="020F0502020204030204" pitchFamily="34" charset="0"/>
+                      </a:endParaRPr>
+                    </a:p>
+                  </a:txBody>
+                  <a:tcPr marL="9525" marR="9525" marT="9525" marB="0" anchor="ctr">
+                    <a:solidFill>
+                      <a:schemeClr val="accent2">
+                        <a:lumMod val="20000"/>
+                        <a:lumOff val="80000"/>
+                      </a:schemeClr>
+                    </a:solidFill>
+                  </a:tcPr>
+                </a:tc>
+                <a:tc>
+                  <a:txBody>
+                    <a:bodyPr/>
+                    <a:lstStyle/>
+                    <a:p>
+                      <a:pPr algn="ctr" fontAlgn="ctr"/>
+                      <a:r>
+                        <a:rPr lang="en-US" sz="1200" u="none" strike="noStrike" dirty="0">
+                          <a:effectLst/>
+                        </a:rPr>
+                        <a:t> </a:t>
+                      </a:r>
+                      <a:endParaRPr lang="en-US" sz="1200" b="0" i="0" u="none" strike="noStrike" dirty="0">
+                        <a:solidFill>
+                          <a:srgbClr val="000000"/>
+                        </a:solidFill>
+                        <a:effectLst/>
+                        <a:latin typeface="Calibri" panose="020F0502020204030204" pitchFamily="34" charset="0"/>
+                      </a:endParaRPr>
+                    </a:p>
+                  </a:txBody>
+                  <a:tcPr marL="9525" marR="9525" marT="9525" marB="0" anchor="ctr">
+                    <a:solidFill>
+                      <a:schemeClr val="accent2">
+                        <a:lumMod val="20000"/>
+                        <a:lumOff val="80000"/>
+                      </a:schemeClr>
+                    </a:solidFill>
+                  </a:tcPr>
+                </a:tc>
+                <a:extLst>
+                  <a:ext uri="{0D108BD9-81ED-4DB2-BD59-A6C34878D82A}">
+                    <a16:rowId xmlns:a16="http://schemas.microsoft.com/office/drawing/2014/main" val="596632790"/>
+                  </a:ext>
+                </a:extLst>
+              </a:tr>
+            </a:tbl>
+          </a:graphicData>
+        </a:graphic>
+      </p:graphicFrame>
+    </p:spTree>
+    <p:extLst>
+      <p:ext uri="{BB962C8B-B14F-4D97-AF65-F5344CB8AC3E}">
+        <p14:creationId xmlns:p14="http://schemas.microsoft.com/office/powerpoint/2010/main" val="4276873269"/>
+      </p:ext>
+    </p:extLst>
+  </p:cSld>
+  <p:clrMapOvr>
+    <a:masterClrMapping/>
+  </p:clrMapOvr>
+</p:sld>
+</file>
+
 <file path=ppt/theme/theme1.xml><?xml version="1.0" encoding="utf-8"?>
 <a:theme xmlns:a="http://schemas.openxmlformats.org/drawingml/2006/main" name="Office Theme">
   <a:themeElements>

--- a/images.pptx
+++ b/images.pptx
@@ -10,6 +10,8 @@
     <p:sldId id="258" r:id="rId4"/>
     <p:sldId id="260" r:id="rId5"/>
     <p:sldId id="261" r:id="rId6"/>
+    <p:sldId id="262" r:id="rId7"/>
+    <p:sldId id="263" r:id="rId8"/>
   </p:sldIdLst>
   <p:sldSz cx="12192000" cy="6858000"/>
   <p:notesSz cx="6858000" cy="9144000"/>
@@ -6462,9 +6464,9 @@
         <p:grpSpPr>
           <a:xfrm>
             <a:off x="1080138" y="1976285"/>
-            <a:ext cx="9474010" cy="3585755"/>
+            <a:ext cx="9544542" cy="3585755"/>
             <a:chOff x="1080138" y="1976285"/>
-            <a:chExt cx="9474010" cy="3585755"/>
+            <a:chExt cx="9544542" cy="3585755"/>
           </a:xfrm>
         </p:grpSpPr>
         <p:grpSp>
@@ -7521,9 +7523,9 @@
           <p:grpSpPr>
             <a:xfrm>
               <a:off x="6109736" y="1976285"/>
-              <a:ext cx="4444412" cy="3585755"/>
+              <a:ext cx="4514944" cy="3585755"/>
               <a:chOff x="6109736" y="1976285"/>
-              <a:chExt cx="4444412" cy="3585755"/>
+              <a:chExt cx="4514944" cy="3585755"/>
             </a:xfrm>
           </p:grpSpPr>
           <p:sp>
@@ -8262,7 +8264,7 @@
             <p:spPr>
               <a:xfrm>
                 <a:off x="7194757" y="2461677"/>
-                <a:ext cx="418704" cy="369332"/>
+                <a:ext cx="489236" cy="369332"/>
               </a:xfrm>
               <a:prstGeom prst="rect">
                 <a:avLst/>
@@ -8277,7 +8279,7 @@
               <a:p>
                 <a:r>
                   <a:rPr lang="en-US" dirty="0"/>
-                  <a:t>10</a:t>
+                  <a:t>-10</a:t>
                 </a:r>
               </a:p>
             </p:txBody>
@@ -8414,7 +8416,7 @@
             <p:spPr>
               <a:xfrm>
                 <a:off x="8972236" y="2449802"/>
-                <a:ext cx="418704" cy="369332"/>
+                <a:ext cx="489236" cy="369332"/>
               </a:xfrm>
               <a:prstGeom prst="rect">
                 <a:avLst/>
@@ -8429,7 +8431,7 @@
               <a:p>
                 <a:r>
                   <a:rPr lang="en-US" dirty="0"/>
-                  <a:t>40</a:t>
+                  <a:t>-40</a:t>
                 </a:r>
               </a:p>
             </p:txBody>
@@ -8490,7 +8492,7 @@
             <p:spPr>
               <a:xfrm>
                 <a:off x="10135444" y="2926586"/>
-                <a:ext cx="418704" cy="369332"/>
+                <a:ext cx="489236" cy="369332"/>
               </a:xfrm>
               <a:prstGeom prst="rect">
                 <a:avLst/>
@@ -8505,7 +8507,7 @@
               <a:p>
                 <a:r>
                   <a:rPr lang="en-US" dirty="0"/>
-                  <a:t>20</a:t>
+                  <a:t>-20</a:t>
                 </a:r>
               </a:p>
             </p:txBody>
@@ -8677,7 +8679,7 @@
             <p:spPr>
               <a:xfrm>
                 <a:off x="9171896" y="3093232"/>
-                <a:ext cx="418704" cy="369332"/>
+                <a:ext cx="489236" cy="369332"/>
               </a:xfrm>
               <a:prstGeom prst="rect">
                 <a:avLst/>
@@ -8692,7 +8694,7 @@
               <a:p>
                 <a:r>
                   <a:rPr lang="en-US" dirty="0"/>
-                  <a:t>10</a:t>
+                  <a:t>-10</a:t>
                 </a:r>
               </a:p>
             </p:txBody>
@@ -8753,7 +8755,7 @@
             <p:spPr>
               <a:xfrm>
                 <a:off x="7278543" y="3168564"/>
-                <a:ext cx="418704" cy="369332"/>
+                <a:ext cx="489236" cy="369332"/>
               </a:xfrm>
               <a:prstGeom prst="rect">
                 <a:avLst/>
@@ -8768,7 +8770,7 @@
               <a:p>
                 <a:r>
                   <a:rPr lang="en-US" dirty="0"/>
-                  <a:t>30</a:t>
+                  <a:t>-30</a:t>
                 </a:r>
               </a:p>
             </p:txBody>
@@ -8864,7 +8866,7 @@
             <p:spPr>
               <a:xfrm>
                 <a:off x="8501584" y="4466820"/>
-                <a:ext cx="418704" cy="369332"/>
+                <a:ext cx="489236" cy="369332"/>
               </a:xfrm>
               <a:prstGeom prst="rect">
                 <a:avLst/>
@@ -8879,7 +8881,7 @@
               <a:p>
                 <a:r>
                   <a:rPr lang="en-US" dirty="0"/>
-                  <a:t>20</a:t>
+                  <a:t>-20</a:t>
                 </a:r>
               </a:p>
             </p:txBody>
@@ -9049,7 +9051,7 @@
             <p:spPr>
               <a:xfrm>
                 <a:off x="8868240" y="3860665"/>
-                <a:ext cx="301686" cy="369332"/>
+                <a:ext cx="372218" cy="369332"/>
               </a:xfrm>
               <a:prstGeom prst="rect">
                 <a:avLst/>
@@ -9064,7 +9066,7 @@
               <a:p>
                 <a:r>
                   <a:rPr lang="en-US" dirty="0"/>
-                  <a:t>5</a:t>
+                  <a:t>-5</a:t>
                 </a:r>
               </a:p>
             </p:txBody>
@@ -10844,6 +10846,3303 @@
 </p:sld>
 </file>
 
+<file path=ppt/slides/slide6.xml><?xml version="1.0" encoding="utf-8"?>
+<p:sld xmlns:a="http://schemas.openxmlformats.org/drawingml/2006/main" xmlns:r="http://schemas.openxmlformats.org/officeDocument/2006/relationships" xmlns:p="http://schemas.openxmlformats.org/presentationml/2006/main">
+  <p:cSld>
+    <p:spTree>
+      <p:nvGrpSpPr>
+        <p:cNvPr id="1" name=""/>
+        <p:cNvGrpSpPr/>
+        <p:nvPr/>
+      </p:nvGrpSpPr>
+      <p:grpSpPr>
+        <a:xfrm>
+          <a:off x="0" y="0"/>
+          <a:ext cx="0" cy="0"/>
+          <a:chOff x="0" y="0"/>
+          <a:chExt cx="0" cy="0"/>
+        </a:xfrm>
+      </p:grpSpPr>
+      <p:grpSp>
+        <p:nvGrpSpPr>
+          <p:cNvPr id="46" name="Group 45">
+            <a:extLst>
+              <a:ext uri="{FF2B5EF4-FFF2-40B4-BE49-F238E27FC236}">
+                <a16:creationId xmlns:a16="http://schemas.microsoft.com/office/drawing/2014/main" id="{4127DE03-A3F8-3A48-9E9B-2AB5B60ED9B9}"/>
+              </a:ext>
+            </a:extLst>
+          </p:cNvPr>
+          <p:cNvGrpSpPr/>
+          <p:nvPr/>
+        </p:nvGrpSpPr>
+        <p:grpSpPr>
+          <a:xfrm>
+            <a:off x="976418" y="1641206"/>
+            <a:ext cx="10377394" cy="3575587"/>
+            <a:chOff x="976418" y="1641206"/>
+            <a:chExt cx="10377394" cy="3575587"/>
+          </a:xfrm>
+        </p:grpSpPr>
+        <p:grpSp>
+          <p:nvGrpSpPr>
+            <p:cNvPr id="4" name="Group 3">
+              <a:extLst>
+                <a:ext uri="{FF2B5EF4-FFF2-40B4-BE49-F238E27FC236}">
+                  <a16:creationId xmlns:a16="http://schemas.microsoft.com/office/drawing/2014/main" id="{E76F39AF-D376-0C47-BF55-07BFAC2B0365}"/>
+                </a:ext>
+              </a:extLst>
+            </p:cNvPr>
+            <p:cNvGrpSpPr/>
+            <p:nvPr/>
+          </p:nvGrpSpPr>
+          <p:grpSpPr>
+            <a:xfrm>
+              <a:off x="976418" y="1641206"/>
+              <a:ext cx="4905826" cy="3575587"/>
+              <a:chOff x="3538331" y="2010204"/>
+              <a:chExt cx="4905826" cy="3575587"/>
+            </a:xfrm>
+          </p:grpSpPr>
+          <p:sp>
+            <p:nvSpPr>
+              <p:cNvPr id="5" name="Oval 4">
+                <a:extLst>
+                  <a:ext uri="{FF2B5EF4-FFF2-40B4-BE49-F238E27FC236}">
+                    <a16:creationId xmlns:a16="http://schemas.microsoft.com/office/drawing/2014/main" id="{8239313E-6AE9-8F4E-8678-C79AAAD58275}"/>
+                  </a:ext>
+                </a:extLst>
+              </p:cNvPr>
+              <p:cNvSpPr/>
+              <p:nvPr/>
+            </p:nvSpPr>
+            <p:spPr>
+              <a:xfrm>
+                <a:off x="3538331" y="2047461"/>
+                <a:ext cx="775252" cy="775252"/>
+              </a:xfrm>
+              <a:prstGeom prst="ellipse">
+                <a:avLst/>
+              </a:prstGeom>
+              <a:solidFill>
+                <a:schemeClr val="accent1">
+                  <a:lumMod val="20000"/>
+                  <a:lumOff val="80000"/>
+                </a:schemeClr>
+              </a:solidFill>
+              <a:ln>
+                <a:solidFill>
+                  <a:schemeClr val="accent1">
+                    <a:lumMod val="60000"/>
+                    <a:lumOff val="40000"/>
+                  </a:schemeClr>
+                </a:solidFill>
+              </a:ln>
+            </p:spPr>
+            <p:style>
+              <a:lnRef idx="2">
+                <a:schemeClr val="accent1">
+                  <a:shade val="50000"/>
+                </a:schemeClr>
+              </a:lnRef>
+              <a:fillRef idx="1">
+                <a:schemeClr val="accent1"/>
+              </a:fillRef>
+              <a:effectRef idx="0">
+                <a:schemeClr val="accent1"/>
+              </a:effectRef>
+              <a:fontRef idx="minor">
+                <a:schemeClr val="lt1"/>
+              </a:fontRef>
+            </p:style>
+            <p:txBody>
+              <a:bodyPr rtlCol="0" anchor="ctr"/>
+              <a:lstStyle/>
+              <a:p>
+                <a:pPr algn="ctr"/>
+                <a:r>
+                  <a:rPr lang="en-US" dirty="0">
+                    <a:solidFill>
+                      <a:schemeClr val="tx1"/>
+                    </a:solidFill>
+                  </a:rPr>
+                  <a:t>X</a:t>
+                </a:r>
+                <a:r>
+                  <a:rPr lang="en-US" baseline="-25000" dirty="0">
+                    <a:solidFill>
+                      <a:schemeClr val="tx1"/>
+                    </a:solidFill>
+                  </a:rPr>
+                  <a:t>0</a:t>
+                </a:r>
+                <a:endParaRPr lang="en-US" dirty="0">
+                  <a:solidFill>
+                    <a:schemeClr val="tx1"/>
+                  </a:solidFill>
+                </a:endParaRPr>
+              </a:p>
+            </p:txBody>
+          </p:sp>
+          <p:sp>
+            <p:nvSpPr>
+              <p:cNvPr id="6" name="Oval 5">
+                <a:extLst>
+                  <a:ext uri="{FF2B5EF4-FFF2-40B4-BE49-F238E27FC236}">
+                    <a16:creationId xmlns:a16="http://schemas.microsoft.com/office/drawing/2014/main" id="{278D9FAB-B101-8440-BCE5-2533B1297CE2}"/>
+                  </a:ext>
+                </a:extLst>
+              </p:cNvPr>
+              <p:cNvSpPr/>
+              <p:nvPr/>
+            </p:nvSpPr>
+            <p:spPr>
+              <a:xfrm>
+                <a:off x="5320748" y="2047461"/>
+                <a:ext cx="775252" cy="775252"/>
+              </a:xfrm>
+              <a:prstGeom prst="ellipse">
+                <a:avLst/>
+              </a:prstGeom>
+              <a:solidFill>
+                <a:schemeClr val="accent1">
+                  <a:lumMod val="20000"/>
+                  <a:lumOff val="80000"/>
+                </a:schemeClr>
+              </a:solidFill>
+              <a:ln>
+                <a:solidFill>
+                  <a:schemeClr val="accent1">
+                    <a:lumMod val="60000"/>
+                    <a:lumOff val="40000"/>
+                  </a:schemeClr>
+                </a:solidFill>
+              </a:ln>
+            </p:spPr>
+            <p:style>
+              <a:lnRef idx="2">
+                <a:schemeClr val="accent1">
+                  <a:shade val="50000"/>
+                </a:schemeClr>
+              </a:lnRef>
+              <a:fillRef idx="1">
+                <a:schemeClr val="accent1"/>
+              </a:fillRef>
+              <a:effectRef idx="0">
+                <a:schemeClr val="accent1"/>
+              </a:effectRef>
+              <a:fontRef idx="minor">
+                <a:schemeClr val="lt1"/>
+              </a:fontRef>
+            </p:style>
+            <p:txBody>
+              <a:bodyPr rtlCol="0" anchor="ctr"/>
+              <a:lstStyle/>
+              <a:p>
+                <a:pPr algn="ctr"/>
+                <a:r>
+                  <a:rPr lang="en-US" dirty="0">
+                    <a:solidFill>
+                      <a:schemeClr val="tx1"/>
+                    </a:solidFill>
+                  </a:rPr>
+                  <a:t>X</a:t>
+                </a:r>
+                <a:r>
+                  <a:rPr lang="en-US" baseline="-25000" dirty="0">
+                    <a:solidFill>
+                      <a:schemeClr val="tx1"/>
+                    </a:solidFill>
+                  </a:rPr>
+                  <a:t>1</a:t>
+                </a:r>
+                <a:endParaRPr lang="en-US" dirty="0">
+                  <a:solidFill>
+                    <a:schemeClr val="tx1"/>
+                  </a:solidFill>
+                </a:endParaRPr>
+              </a:p>
+            </p:txBody>
+          </p:sp>
+          <p:sp>
+            <p:nvSpPr>
+              <p:cNvPr id="7" name="Oval 6">
+                <a:extLst>
+                  <a:ext uri="{FF2B5EF4-FFF2-40B4-BE49-F238E27FC236}">
+                    <a16:creationId xmlns:a16="http://schemas.microsoft.com/office/drawing/2014/main" id="{4D19E05C-FB87-5944-9E2C-4EE02E175D8D}"/>
+                  </a:ext>
+                </a:extLst>
+              </p:cNvPr>
+              <p:cNvSpPr/>
+              <p:nvPr/>
+            </p:nvSpPr>
+            <p:spPr>
+              <a:xfrm>
+                <a:off x="7103165" y="2047461"/>
+                <a:ext cx="775252" cy="775252"/>
+              </a:xfrm>
+              <a:prstGeom prst="ellipse">
+                <a:avLst/>
+              </a:prstGeom>
+              <a:solidFill>
+                <a:schemeClr val="accent1">
+                  <a:lumMod val="20000"/>
+                  <a:lumOff val="80000"/>
+                </a:schemeClr>
+              </a:solidFill>
+              <a:ln>
+                <a:solidFill>
+                  <a:schemeClr val="accent1">
+                    <a:lumMod val="60000"/>
+                    <a:lumOff val="40000"/>
+                  </a:schemeClr>
+                </a:solidFill>
+              </a:ln>
+            </p:spPr>
+            <p:style>
+              <a:lnRef idx="2">
+                <a:schemeClr val="accent1">
+                  <a:shade val="50000"/>
+                </a:schemeClr>
+              </a:lnRef>
+              <a:fillRef idx="1">
+                <a:schemeClr val="accent1"/>
+              </a:fillRef>
+              <a:effectRef idx="0">
+                <a:schemeClr val="accent1"/>
+              </a:effectRef>
+              <a:fontRef idx="minor">
+                <a:schemeClr val="lt1"/>
+              </a:fontRef>
+            </p:style>
+            <p:txBody>
+              <a:bodyPr rtlCol="0" anchor="ctr"/>
+              <a:lstStyle/>
+              <a:p>
+                <a:pPr algn="ctr"/>
+                <a:r>
+                  <a:rPr lang="en-US" dirty="0">
+                    <a:solidFill>
+                      <a:schemeClr val="tx1"/>
+                    </a:solidFill>
+                  </a:rPr>
+                  <a:t>X</a:t>
+                </a:r>
+                <a:r>
+                  <a:rPr lang="en-US" baseline="-25000" dirty="0">
+                    <a:solidFill>
+                      <a:schemeClr val="tx1"/>
+                    </a:solidFill>
+                  </a:rPr>
+                  <a:t>2</a:t>
+                </a:r>
+                <a:endParaRPr lang="en-US" dirty="0">
+                  <a:solidFill>
+                    <a:schemeClr val="tx1"/>
+                  </a:solidFill>
+                </a:endParaRPr>
+              </a:p>
+            </p:txBody>
+          </p:sp>
+          <p:sp>
+            <p:nvSpPr>
+              <p:cNvPr id="8" name="Oval 7">
+                <a:extLst>
+                  <a:ext uri="{FF2B5EF4-FFF2-40B4-BE49-F238E27FC236}">
+                    <a16:creationId xmlns:a16="http://schemas.microsoft.com/office/drawing/2014/main" id="{A792895B-B4BC-0345-82C1-7C4924D72270}"/>
+                  </a:ext>
+                </a:extLst>
+              </p:cNvPr>
+              <p:cNvSpPr/>
+              <p:nvPr/>
+            </p:nvSpPr>
+            <p:spPr>
+              <a:xfrm>
+                <a:off x="5320748" y="3429000"/>
+                <a:ext cx="775252" cy="775252"/>
+              </a:xfrm>
+              <a:prstGeom prst="ellipse">
+                <a:avLst/>
+              </a:prstGeom>
+              <a:solidFill>
+                <a:schemeClr val="accent1">
+                  <a:lumMod val="20000"/>
+                  <a:lumOff val="80000"/>
+                </a:schemeClr>
+              </a:solidFill>
+              <a:ln>
+                <a:solidFill>
+                  <a:schemeClr val="accent1">
+                    <a:lumMod val="60000"/>
+                    <a:lumOff val="40000"/>
+                  </a:schemeClr>
+                </a:solidFill>
+              </a:ln>
+            </p:spPr>
+            <p:style>
+              <a:lnRef idx="2">
+                <a:schemeClr val="accent1">
+                  <a:shade val="50000"/>
+                </a:schemeClr>
+              </a:lnRef>
+              <a:fillRef idx="1">
+                <a:schemeClr val="accent1"/>
+              </a:fillRef>
+              <a:effectRef idx="0">
+                <a:schemeClr val="accent1"/>
+              </a:effectRef>
+              <a:fontRef idx="minor">
+                <a:schemeClr val="lt1"/>
+              </a:fontRef>
+            </p:style>
+            <p:txBody>
+              <a:bodyPr rtlCol="0" anchor="ctr"/>
+              <a:lstStyle/>
+              <a:p>
+                <a:pPr algn="ctr"/>
+                <a:r>
+                  <a:rPr lang="en-US" dirty="0">
+                    <a:solidFill>
+                      <a:schemeClr val="tx1"/>
+                    </a:solidFill>
+                  </a:rPr>
+                  <a:t>X</a:t>
+                </a:r>
+                <a:r>
+                  <a:rPr lang="en-US" baseline="-25000" dirty="0">
+                    <a:solidFill>
+                      <a:schemeClr val="tx1"/>
+                    </a:solidFill>
+                  </a:rPr>
+                  <a:t>3</a:t>
+                </a:r>
+                <a:endParaRPr lang="en-US" dirty="0">
+                  <a:solidFill>
+                    <a:schemeClr val="tx1"/>
+                  </a:solidFill>
+                </a:endParaRPr>
+              </a:p>
+            </p:txBody>
+          </p:sp>
+          <p:sp>
+            <p:nvSpPr>
+              <p:cNvPr id="9" name="Oval 8">
+                <a:extLst>
+                  <a:ext uri="{FF2B5EF4-FFF2-40B4-BE49-F238E27FC236}">
+                    <a16:creationId xmlns:a16="http://schemas.microsoft.com/office/drawing/2014/main" id="{626B4679-62B3-404F-A49A-E1EDB52741C0}"/>
+                  </a:ext>
+                </a:extLst>
+              </p:cNvPr>
+              <p:cNvSpPr/>
+              <p:nvPr/>
+            </p:nvSpPr>
+            <p:spPr>
+              <a:xfrm>
+                <a:off x="7103165" y="3429000"/>
+                <a:ext cx="775252" cy="775252"/>
+              </a:xfrm>
+              <a:prstGeom prst="ellipse">
+                <a:avLst/>
+              </a:prstGeom>
+              <a:solidFill>
+                <a:schemeClr val="accent1">
+                  <a:lumMod val="20000"/>
+                  <a:lumOff val="80000"/>
+                </a:schemeClr>
+              </a:solidFill>
+              <a:ln>
+                <a:solidFill>
+                  <a:schemeClr val="accent1">
+                    <a:lumMod val="60000"/>
+                    <a:lumOff val="40000"/>
+                  </a:schemeClr>
+                </a:solidFill>
+              </a:ln>
+            </p:spPr>
+            <p:style>
+              <a:lnRef idx="2">
+                <a:schemeClr val="accent1">
+                  <a:shade val="50000"/>
+                </a:schemeClr>
+              </a:lnRef>
+              <a:fillRef idx="1">
+                <a:schemeClr val="accent1"/>
+              </a:fillRef>
+              <a:effectRef idx="0">
+                <a:schemeClr val="accent1"/>
+              </a:effectRef>
+              <a:fontRef idx="minor">
+                <a:schemeClr val="lt1"/>
+              </a:fontRef>
+            </p:style>
+            <p:txBody>
+              <a:bodyPr rtlCol="0" anchor="ctr"/>
+              <a:lstStyle/>
+              <a:p>
+                <a:pPr algn="ctr"/>
+                <a:r>
+                  <a:rPr lang="en-US" dirty="0">
+                    <a:solidFill>
+                      <a:schemeClr val="tx1"/>
+                    </a:solidFill>
+                  </a:rPr>
+                  <a:t>X</a:t>
+                </a:r>
+                <a:r>
+                  <a:rPr lang="en-US" baseline="-25000" dirty="0">
+                    <a:solidFill>
+                      <a:schemeClr val="tx1"/>
+                    </a:solidFill>
+                  </a:rPr>
+                  <a:t>4</a:t>
+                </a:r>
+                <a:endParaRPr lang="en-US" dirty="0">
+                  <a:solidFill>
+                    <a:schemeClr val="tx1"/>
+                  </a:solidFill>
+                </a:endParaRPr>
+              </a:p>
+            </p:txBody>
+          </p:sp>
+          <p:sp>
+            <p:nvSpPr>
+              <p:cNvPr id="10" name="Oval 9">
+                <a:extLst>
+                  <a:ext uri="{FF2B5EF4-FFF2-40B4-BE49-F238E27FC236}">
+                    <a16:creationId xmlns:a16="http://schemas.microsoft.com/office/drawing/2014/main" id="{AE2E9B99-A0FD-9249-99A4-F7C9485A0E0F}"/>
+                  </a:ext>
+                </a:extLst>
+              </p:cNvPr>
+              <p:cNvSpPr/>
+              <p:nvPr/>
+            </p:nvSpPr>
+            <p:spPr>
+              <a:xfrm>
+                <a:off x="5320748" y="4810539"/>
+                <a:ext cx="775252" cy="775252"/>
+              </a:xfrm>
+              <a:prstGeom prst="ellipse">
+                <a:avLst/>
+              </a:prstGeom>
+              <a:solidFill>
+                <a:schemeClr val="accent1">
+                  <a:lumMod val="20000"/>
+                  <a:lumOff val="80000"/>
+                </a:schemeClr>
+              </a:solidFill>
+              <a:ln>
+                <a:solidFill>
+                  <a:schemeClr val="accent1">
+                    <a:lumMod val="60000"/>
+                    <a:lumOff val="40000"/>
+                  </a:schemeClr>
+                </a:solidFill>
+              </a:ln>
+            </p:spPr>
+            <p:style>
+              <a:lnRef idx="2">
+                <a:schemeClr val="accent1">
+                  <a:shade val="50000"/>
+                </a:schemeClr>
+              </a:lnRef>
+              <a:fillRef idx="1">
+                <a:schemeClr val="accent1"/>
+              </a:fillRef>
+              <a:effectRef idx="0">
+                <a:schemeClr val="accent1"/>
+              </a:effectRef>
+              <a:fontRef idx="minor">
+                <a:schemeClr val="lt1"/>
+              </a:fontRef>
+            </p:style>
+            <p:txBody>
+              <a:bodyPr rtlCol="0" anchor="ctr"/>
+              <a:lstStyle/>
+              <a:p>
+                <a:pPr algn="ctr"/>
+                <a:r>
+                  <a:rPr lang="en-US" dirty="0">
+                    <a:solidFill>
+                      <a:schemeClr val="tx1"/>
+                    </a:solidFill>
+                  </a:rPr>
+                  <a:t>X</a:t>
+                </a:r>
+                <a:r>
+                  <a:rPr lang="en-US" baseline="-25000" dirty="0">
+                    <a:solidFill>
+                      <a:schemeClr val="tx1"/>
+                    </a:solidFill>
+                  </a:rPr>
+                  <a:t>5</a:t>
+                </a:r>
+                <a:endParaRPr lang="en-US" dirty="0">
+                  <a:solidFill>
+                    <a:schemeClr val="tx1"/>
+                  </a:solidFill>
+                </a:endParaRPr>
+              </a:p>
+            </p:txBody>
+          </p:sp>
+          <p:cxnSp>
+            <p:nvCxnSpPr>
+              <p:cNvPr id="11" name="Straight Arrow Connector 10">
+                <a:extLst>
+                  <a:ext uri="{FF2B5EF4-FFF2-40B4-BE49-F238E27FC236}">
+                    <a16:creationId xmlns:a16="http://schemas.microsoft.com/office/drawing/2014/main" id="{466AB48F-BC5F-8F46-972F-5EA0B1CB699A}"/>
+                  </a:ext>
+                </a:extLst>
+              </p:cNvPr>
+              <p:cNvCxnSpPr>
+                <a:cxnSpLocks/>
+                <a:endCxn id="6" idx="2"/>
+              </p:cNvCxnSpPr>
+              <p:nvPr/>
+            </p:nvCxnSpPr>
+            <p:spPr>
+              <a:xfrm>
+                <a:off x="4313583" y="2435087"/>
+                <a:ext cx="1007165" cy="0"/>
+              </a:xfrm>
+              <a:prstGeom prst="straightConnector1">
+                <a:avLst/>
+              </a:prstGeom>
+              <a:ln w="38100">
+                <a:tailEnd type="triangle"/>
+              </a:ln>
+            </p:spPr>
+            <p:style>
+              <a:lnRef idx="1">
+                <a:schemeClr val="dk1"/>
+              </a:lnRef>
+              <a:fillRef idx="0">
+                <a:schemeClr val="dk1"/>
+              </a:fillRef>
+              <a:effectRef idx="0">
+                <a:schemeClr val="dk1"/>
+              </a:effectRef>
+              <a:fontRef idx="minor">
+                <a:schemeClr val="tx1"/>
+              </a:fontRef>
+            </p:style>
+          </p:cxnSp>
+          <p:cxnSp>
+            <p:nvCxnSpPr>
+              <p:cNvPr id="12" name="Straight Arrow Connector 11">
+                <a:extLst>
+                  <a:ext uri="{FF2B5EF4-FFF2-40B4-BE49-F238E27FC236}">
+                    <a16:creationId xmlns:a16="http://schemas.microsoft.com/office/drawing/2014/main" id="{99052690-499B-F348-8257-8BFA69D84A59}"/>
+                  </a:ext>
+                </a:extLst>
+              </p:cNvPr>
+              <p:cNvCxnSpPr>
+                <a:cxnSpLocks/>
+              </p:cNvCxnSpPr>
+              <p:nvPr/>
+            </p:nvCxnSpPr>
+            <p:spPr>
+              <a:xfrm>
+                <a:off x="6096000" y="2435087"/>
+                <a:ext cx="1007165" cy="0"/>
+              </a:xfrm>
+              <a:prstGeom prst="straightConnector1">
+                <a:avLst/>
+              </a:prstGeom>
+              <a:ln w="38100">
+                <a:tailEnd type="triangle"/>
+              </a:ln>
+            </p:spPr>
+            <p:style>
+              <a:lnRef idx="1">
+                <a:schemeClr val="dk1"/>
+              </a:lnRef>
+              <a:fillRef idx="0">
+                <a:schemeClr val="dk1"/>
+              </a:fillRef>
+              <a:effectRef idx="0">
+                <a:schemeClr val="dk1"/>
+              </a:effectRef>
+              <a:fontRef idx="minor">
+                <a:schemeClr val="tx1"/>
+              </a:fontRef>
+            </p:style>
+          </p:cxnSp>
+          <p:cxnSp>
+            <p:nvCxnSpPr>
+              <p:cNvPr id="13" name="Straight Arrow Connector 12">
+                <a:extLst>
+                  <a:ext uri="{FF2B5EF4-FFF2-40B4-BE49-F238E27FC236}">
+                    <a16:creationId xmlns:a16="http://schemas.microsoft.com/office/drawing/2014/main" id="{9D36E9C3-09A1-A446-B168-F0E90219BE91}"/>
+                  </a:ext>
+                </a:extLst>
+              </p:cNvPr>
+              <p:cNvCxnSpPr>
+                <a:stCxn id="5" idx="4"/>
+                <a:endCxn id="10" idx="2"/>
+              </p:cNvCxnSpPr>
+              <p:nvPr/>
+            </p:nvCxnSpPr>
+            <p:spPr>
+              <a:xfrm>
+                <a:off x="3925957" y="2822713"/>
+                <a:ext cx="1394791" cy="2375452"/>
+              </a:xfrm>
+              <a:prstGeom prst="straightConnector1">
+                <a:avLst/>
+              </a:prstGeom>
+              <a:ln w="38100">
+                <a:tailEnd type="triangle"/>
+              </a:ln>
+            </p:spPr>
+            <p:style>
+              <a:lnRef idx="1">
+                <a:schemeClr val="dk1"/>
+              </a:lnRef>
+              <a:fillRef idx="0">
+                <a:schemeClr val="dk1"/>
+              </a:fillRef>
+              <a:effectRef idx="0">
+                <a:schemeClr val="dk1"/>
+              </a:effectRef>
+              <a:fontRef idx="minor">
+                <a:schemeClr val="tx1"/>
+              </a:fontRef>
+            </p:style>
+          </p:cxnSp>
+          <p:cxnSp>
+            <p:nvCxnSpPr>
+              <p:cNvPr id="14" name="Straight Arrow Connector 13">
+                <a:extLst>
+                  <a:ext uri="{FF2B5EF4-FFF2-40B4-BE49-F238E27FC236}">
+                    <a16:creationId xmlns:a16="http://schemas.microsoft.com/office/drawing/2014/main" id="{B3FC2DC3-9D77-444F-9707-145382650306}"/>
+                  </a:ext>
+                </a:extLst>
+              </p:cNvPr>
+              <p:cNvCxnSpPr>
+                <a:stCxn id="8" idx="6"/>
+                <a:endCxn id="7" idx="3"/>
+              </p:cNvCxnSpPr>
+              <p:nvPr/>
+            </p:nvCxnSpPr>
+            <p:spPr>
+              <a:xfrm flipV="1">
+                <a:off x="6096000" y="2709180"/>
+                <a:ext cx="1120698" cy="1107446"/>
+              </a:xfrm>
+              <a:prstGeom prst="straightConnector1">
+                <a:avLst/>
+              </a:prstGeom>
+              <a:ln w="38100">
+                <a:tailEnd type="triangle"/>
+              </a:ln>
+            </p:spPr>
+            <p:style>
+              <a:lnRef idx="1">
+                <a:schemeClr val="dk1"/>
+              </a:lnRef>
+              <a:fillRef idx="0">
+                <a:schemeClr val="dk1"/>
+              </a:fillRef>
+              <a:effectRef idx="0">
+                <a:schemeClr val="dk1"/>
+              </a:effectRef>
+              <a:fontRef idx="minor">
+                <a:schemeClr val="tx1"/>
+              </a:fontRef>
+            </p:style>
+          </p:cxnSp>
+          <p:cxnSp>
+            <p:nvCxnSpPr>
+              <p:cNvPr id="15" name="Straight Arrow Connector 14">
+                <a:extLst>
+                  <a:ext uri="{FF2B5EF4-FFF2-40B4-BE49-F238E27FC236}">
+                    <a16:creationId xmlns:a16="http://schemas.microsoft.com/office/drawing/2014/main" id="{EE6778AC-AD43-9344-B0F1-1DE93184D994}"/>
+                  </a:ext>
+                </a:extLst>
+              </p:cNvPr>
+              <p:cNvCxnSpPr>
+                <a:stCxn id="10" idx="6"/>
+                <a:endCxn id="9" idx="3"/>
+              </p:cNvCxnSpPr>
+              <p:nvPr/>
+            </p:nvCxnSpPr>
+            <p:spPr>
+              <a:xfrm flipV="1">
+                <a:off x="6096000" y="4090719"/>
+                <a:ext cx="1120698" cy="1107446"/>
+              </a:xfrm>
+              <a:prstGeom prst="straightConnector1">
+                <a:avLst/>
+              </a:prstGeom>
+              <a:ln w="38100">
+                <a:tailEnd type="triangle"/>
+              </a:ln>
+            </p:spPr>
+            <p:style>
+              <a:lnRef idx="1">
+                <a:schemeClr val="dk1"/>
+              </a:lnRef>
+              <a:fillRef idx="0">
+                <a:schemeClr val="dk1"/>
+              </a:fillRef>
+              <a:effectRef idx="0">
+                <a:schemeClr val="dk1"/>
+              </a:effectRef>
+              <a:fontRef idx="minor">
+                <a:schemeClr val="tx1"/>
+              </a:fontRef>
+            </p:style>
+          </p:cxnSp>
+          <p:cxnSp>
+            <p:nvCxnSpPr>
+              <p:cNvPr id="16" name="Straight Arrow Connector 15">
+                <a:extLst>
+                  <a:ext uri="{FF2B5EF4-FFF2-40B4-BE49-F238E27FC236}">
+                    <a16:creationId xmlns:a16="http://schemas.microsoft.com/office/drawing/2014/main" id="{74EAE992-3AE6-F840-ADFA-3D4BAA22AC8E}"/>
+                  </a:ext>
+                </a:extLst>
+              </p:cNvPr>
+              <p:cNvCxnSpPr>
+                <a:stCxn id="8" idx="6"/>
+                <a:endCxn id="9" idx="2"/>
+              </p:cNvCxnSpPr>
+              <p:nvPr/>
+            </p:nvCxnSpPr>
+            <p:spPr>
+              <a:xfrm>
+                <a:off x="6096000" y="3816626"/>
+                <a:ext cx="1007165" cy="0"/>
+              </a:xfrm>
+              <a:prstGeom prst="straightConnector1">
+                <a:avLst/>
+              </a:prstGeom>
+              <a:ln w="38100">
+                <a:tailEnd type="triangle"/>
+              </a:ln>
+            </p:spPr>
+            <p:style>
+              <a:lnRef idx="1">
+                <a:schemeClr val="dk1"/>
+              </a:lnRef>
+              <a:fillRef idx="0">
+                <a:schemeClr val="dk1"/>
+              </a:fillRef>
+              <a:effectRef idx="0">
+                <a:schemeClr val="dk1"/>
+              </a:effectRef>
+              <a:fontRef idx="minor">
+                <a:schemeClr val="tx1"/>
+              </a:fontRef>
+            </p:style>
+          </p:cxnSp>
+          <p:cxnSp>
+            <p:nvCxnSpPr>
+              <p:cNvPr id="17" name="Straight Arrow Connector 16">
+                <a:extLst>
+                  <a:ext uri="{FF2B5EF4-FFF2-40B4-BE49-F238E27FC236}">
+                    <a16:creationId xmlns:a16="http://schemas.microsoft.com/office/drawing/2014/main" id="{0C62E33F-51B3-EB46-8276-F6746E2E1FEC}"/>
+                  </a:ext>
+                </a:extLst>
+              </p:cNvPr>
+              <p:cNvCxnSpPr>
+                <a:stCxn id="9" idx="0"/>
+                <a:endCxn id="7" idx="4"/>
+              </p:cNvCxnSpPr>
+              <p:nvPr/>
+            </p:nvCxnSpPr>
+            <p:spPr>
+              <a:xfrm flipV="1">
+                <a:off x="7490791" y="2822713"/>
+                <a:ext cx="0" cy="606287"/>
+              </a:xfrm>
+              <a:prstGeom prst="straightConnector1">
+                <a:avLst/>
+              </a:prstGeom>
+              <a:ln w="38100">
+                <a:tailEnd type="triangle"/>
+              </a:ln>
+            </p:spPr>
+            <p:style>
+              <a:lnRef idx="1">
+                <a:schemeClr val="dk1"/>
+              </a:lnRef>
+              <a:fillRef idx="0">
+                <a:schemeClr val="dk1"/>
+              </a:fillRef>
+              <a:effectRef idx="0">
+                <a:schemeClr val="dk1"/>
+              </a:effectRef>
+              <a:fontRef idx="minor">
+                <a:schemeClr val="tx1"/>
+              </a:fontRef>
+            </p:style>
+          </p:cxnSp>
+          <p:sp>
+            <p:nvSpPr>
+              <p:cNvPr id="18" name="TextBox 17">
+                <a:extLst>
+                  <a:ext uri="{FF2B5EF4-FFF2-40B4-BE49-F238E27FC236}">
+                    <a16:creationId xmlns:a16="http://schemas.microsoft.com/office/drawing/2014/main" id="{2896A1A1-5CDB-CC48-9143-8E63C1E68263}"/>
+                  </a:ext>
+                </a:extLst>
+              </p:cNvPr>
+              <p:cNvSpPr txBox="1"/>
+              <p:nvPr/>
+            </p:nvSpPr>
+            <p:spPr>
+              <a:xfrm>
+                <a:off x="4364957" y="2010204"/>
+                <a:ext cx="904415" cy="369332"/>
+              </a:xfrm>
+              <a:prstGeom prst="rect">
+                <a:avLst/>
+              </a:prstGeom>
+              <a:noFill/>
+            </p:spPr>
+            <p:txBody>
+              <a:bodyPr wrap="none" rtlCol="0">
+                <a:spAutoFit/>
+              </a:bodyPr>
+              <a:lstStyle/>
+              <a:p>
+                <a:r>
+                  <a:rPr lang="en-US" dirty="0"/>
+                  <a:t>[10, 20]</a:t>
+                </a:r>
+              </a:p>
+            </p:txBody>
+          </p:sp>
+          <p:sp>
+            <p:nvSpPr>
+              <p:cNvPr id="19" name="TextBox 18">
+                <a:extLst>
+                  <a:ext uri="{FF2B5EF4-FFF2-40B4-BE49-F238E27FC236}">
+                    <a16:creationId xmlns:a16="http://schemas.microsoft.com/office/drawing/2014/main" id="{EBB210CD-8D66-DE42-8027-720E1D70FC21}"/>
+                  </a:ext>
+                </a:extLst>
+              </p:cNvPr>
+              <p:cNvSpPr txBox="1"/>
+              <p:nvPr/>
+            </p:nvSpPr>
+            <p:spPr>
+              <a:xfrm>
+                <a:off x="6147375" y="2043472"/>
+                <a:ext cx="904415" cy="369332"/>
+              </a:xfrm>
+              <a:prstGeom prst="rect">
+                <a:avLst/>
+              </a:prstGeom>
+              <a:noFill/>
+            </p:spPr>
+            <p:txBody>
+              <a:bodyPr wrap="none" rtlCol="0">
+                <a:spAutoFit/>
+              </a:bodyPr>
+              <a:lstStyle/>
+              <a:p>
+                <a:r>
+                  <a:rPr lang="en-US" dirty="0"/>
+                  <a:t>[60, 70]</a:t>
+                </a:r>
+              </a:p>
+            </p:txBody>
+          </p:sp>
+          <p:sp>
+            <p:nvSpPr>
+              <p:cNvPr id="20" name="TextBox 19">
+                <a:extLst>
+                  <a:ext uri="{FF2B5EF4-FFF2-40B4-BE49-F238E27FC236}">
+                    <a16:creationId xmlns:a16="http://schemas.microsoft.com/office/drawing/2014/main" id="{B642B5BA-D51E-1F4B-9FAD-CC912CB9F569}"/>
+                  </a:ext>
+                </a:extLst>
+              </p:cNvPr>
+              <p:cNvSpPr txBox="1"/>
+              <p:nvPr/>
+            </p:nvSpPr>
+            <p:spPr>
+              <a:xfrm>
+                <a:off x="5821907" y="2893571"/>
+                <a:ext cx="904415" cy="369332"/>
+              </a:xfrm>
+              <a:prstGeom prst="rect">
+                <a:avLst/>
+              </a:prstGeom>
+              <a:noFill/>
+            </p:spPr>
+            <p:txBody>
+              <a:bodyPr wrap="none" rtlCol="0">
+                <a:spAutoFit/>
+              </a:bodyPr>
+              <a:lstStyle/>
+              <a:p>
+                <a:r>
+                  <a:rPr lang="en-US" dirty="0"/>
+                  <a:t>[10, 20]</a:t>
+                </a:r>
+              </a:p>
+            </p:txBody>
+          </p:sp>
+          <p:sp>
+            <p:nvSpPr>
+              <p:cNvPr id="21" name="TextBox 20">
+                <a:extLst>
+                  <a:ext uri="{FF2B5EF4-FFF2-40B4-BE49-F238E27FC236}">
+                    <a16:creationId xmlns:a16="http://schemas.microsoft.com/office/drawing/2014/main" id="{9EA28B18-193D-EC46-943F-26BBFD1C02C5}"/>
+                  </a:ext>
+                </a:extLst>
+              </p:cNvPr>
+              <p:cNvSpPr txBox="1"/>
+              <p:nvPr/>
+            </p:nvSpPr>
+            <p:spPr>
+              <a:xfrm>
+                <a:off x="7539742" y="2893571"/>
+                <a:ext cx="904415" cy="369332"/>
+              </a:xfrm>
+              <a:prstGeom prst="rect">
+                <a:avLst/>
+              </a:prstGeom>
+              <a:noFill/>
+            </p:spPr>
+            <p:txBody>
+              <a:bodyPr wrap="none" rtlCol="0">
+                <a:spAutoFit/>
+              </a:bodyPr>
+              <a:lstStyle/>
+              <a:p>
+                <a:r>
+                  <a:rPr lang="en-US" dirty="0"/>
+                  <a:t>[10, 20]</a:t>
+                </a:r>
+              </a:p>
+            </p:txBody>
+          </p:sp>
+          <p:sp>
+            <p:nvSpPr>
+              <p:cNvPr id="22" name="TextBox 21">
+                <a:extLst>
+                  <a:ext uri="{FF2B5EF4-FFF2-40B4-BE49-F238E27FC236}">
+                    <a16:creationId xmlns:a16="http://schemas.microsoft.com/office/drawing/2014/main" id="{9BDB391D-E5F8-1949-8175-AE7BDED85E53}"/>
+                  </a:ext>
+                </a:extLst>
+              </p:cNvPr>
+              <p:cNvSpPr txBox="1"/>
+              <p:nvPr/>
+            </p:nvSpPr>
+            <p:spPr>
+              <a:xfrm>
+                <a:off x="6205884" y="3851048"/>
+                <a:ext cx="904415" cy="369332"/>
+              </a:xfrm>
+              <a:prstGeom prst="rect">
+                <a:avLst/>
+              </a:prstGeom>
+              <a:noFill/>
+            </p:spPr>
+            <p:txBody>
+              <a:bodyPr wrap="none" rtlCol="0">
+                <a:spAutoFit/>
+              </a:bodyPr>
+              <a:lstStyle/>
+              <a:p>
+                <a:r>
+                  <a:rPr lang="en-US" dirty="0"/>
+                  <a:t>[10, 30]</a:t>
+                </a:r>
+              </a:p>
+            </p:txBody>
+          </p:sp>
+          <p:sp>
+            <p:nvSpPr>
+              <p:cNvPr id="23" name="TextBox 22">
+                <a:extLst>
+                  <a:ext uri="{FF2B5EF4-FFF2-40B4-BE49-F238E27FC236}">
+                    <a16:creationId xmlns:a16="http://schemas.microsoft.com/office/drawing/2014/main" id="{2FB891E2-4EA7-D44E-994F-2EAE8AD8FCB6}"/>
+                  </a:ext>
+                </a:extLst>
+              </p:cNvPr>
+              <p:cNvSpPr txBox="1"/>
+              <p:nvPr/>
+            </p:nvSpPr>
+            <p:spPr>
+              <a:xfrm>
+                <a:off x="3718937" y="3906053"/>
+                <a:ext cx="904415" cy="369332"/>
+              </a:xfrm>
+              <a:prstGeom prst="rect">
+                <a:avLst/>
+              </a:prstGeom>
+              <a:noFill/>
+            </p:spPr>
+            <p:txBody>
+              <a:bodyPr wrap="none" rtlCol="0">
+                <a:spAutoFit/>
+              </a:bodyPr>
+              <a:lstStyle/>
+              <a:p>
+                <a:r>
+                  <a:rPr lang="en-US" dirty="0"/>
+                  <a:t>[30, 40]</a:t>
+                </a:r>
+              </a:p>
+            </p:txBody>
+          </p:sp>
+          <p:sp>
+            <p:nvSpPr>
+              <p:cNvPr id="24" name="TextBox 23">
+                <a:extLst>
+                  <a:ext uri="{FF2B5EF4-FFF2-40B4-BE49-F238E27FC236}">
+                    <a16:creationId xmlns:a16="http://schemas.microsoft.com/office/drawing/2014/main" id="{38130B59-7A99-0F4E-B2E8-F62ED0E634D7}"/>
+                  </a:ext>
+                </a:extLst>
+              </p:cNvPr>
+              <p:cNvSpPr txBox="1"/>
+              <p:nvPr/>
+            </p:nvSpPr>
+            <p:spPr>
+              <a:xfrm>
+                <a:off x="6656349" y="4625873"/>
+                <a:ext cx="904415" cy="369332"/>
+              </a:xfrm>
+              <a:prstGeom prst="rect">
+                <a:avLst/>
+              </a:prstGeom>
+              <a:noFill/>
+            </p:spPr>
+            <p:txBody>
+              <a:bodyPr wrap="none" rtlCol="0">
+                <a:spAutoFit/>
+              </a:bodyPr>
+              <a:lstStyle/>
+              <a:p>
+                <a:r>
+                  <a:rPr lang="en-US" dirty="0"/>
+                  <a:t>[20, 30]</a:t>
+                </a:r>
+              </a:p>
+            </p:txBody>
+          </p:sp>
+        </p:grpSp>
+        <p:grpSp>
+          <p:nvGrpSpPr>
+            <p:cNvPr id="25" name="Group 24">
+              <a:extLst>
+                <a:ext uri="{FF2B5EF4-FFF2-40B4-BE49-F238E27FC236}">
+                  <a16:creationId xmlns:a16="http://schemas.microsoft.com/office/drawing/2014/main" id="{6D871F2A-FEDD-D84F-A98F-1CE79F62839B}"/>
+                </a:ext>
+              </a:extLst>
+            </p:cNvPr>
+            <p:cNvGrpSpPr/>
+            <p:nvPr/>
+          </p:nvGrpSpPr>
+          <p:grpSpPr>
+            <a:xfrm>
+              <a:off x="6447986" y="1641206"/>
+              <a:ext cx="4905826" cy="3575587"/>
+              <a:chOff x="3538331" y="2010204"/>
+              <a:chExt cx="4905826" cy="3575587"/>
+            </a:xfrm>
+          </p:grpSpPr>
+          <p:sp>
+            <p:nvSpPr>
+              <p:cNvPr id="26" name="Oval 25">
+                <a:extLst>
+                  <a:ext uri="{FF2B5EF4-FFF2-40B4-BE49-F238E27FC236}">
+                    <a16:creationId xmlns:a16="http://schemas.microsoft.com/office/drawing/2014/main" id="{E08E7817-7066-5240-9EF3-B3948733668C}"/>
+                  </a:ext>
+                </a:extLst>
+              </p:cNvPr>
+              <p:cNvSpPr/>
+              <p:nvPr/>
+            </p:nvSpPr>
+            <p:spPr>
+              <a:xfrm>
+                <a:off x="3538331" y="2047461"/>
+                <a:ext cx="775252" cy="775252"/>
+              </a:xfrm>
+              <a:prstGeom prst="ellipse">
+                <a:avLst/>
+              </a:prstGeom>
+              <a:solidFill>
+                <a:schemeClr val="accent1">
+                  <a:lumMod val="20000"/>
+                  <a:lumOff val="80000"/>
+                </a:schemeClr>
+              </a:solidFill>
+              <a:ln>
+                <a:solidFill>
+                  <a:schemeClr val="accent1">
+                    <a:lumMod val="60000"/>
+                    <a:lumOff val="40000"/>
+                  </a:schemeClr>
+                </a:solidFill>
+              </a:ln>
+            </p:spPr>
+            <p:style>
+              <a:lnRef idx="2">
+                <a:schemeClr val="accent1">
+                  <a:shade val="50000"/>
+                </a:schemeClr>
+              </a:lnRef>
+              <a:fillRef idx="1">
+                <a:schemeClr val="accent1"/>
+              </a:fillRef>
+              <a:effectRef idx="0">
+                <a:schemeClr val="accent1"/>
+              </a:effectRef>
+              <a:fontRef idx="minor">
+                <a:schemeClr val="lt1"/>
+              </a:fontRef>
+            </p:style>
+            <p:txBody>
+              <a:bodyPr rtlCol="0" anchor="ctr"/>
+              <a:lstStyle/>
+              <a:p>
+                <a:pPr algn="ctr"/>
+                <a:r>
+                  <a:rPr lang="en-US" dirty="0">
+                    <a:solidFill>
+                      <a:schemeClr val="tx1"/>
+                    </a:solidFill>
+                  </a:rPr>
+                  <a:t>X</a:t>
+                </a:r>
+                <a:r>
+                  <a:rPr lang="en-US" baseline="-25000" dirty="0">
+                    <a:solidFill>
+                      <a:schemeClr val="tx1"/>
+                    </a:solidFill>
+                  </a:rPr>
+                  <a:t>0</a:t>
+                </a:r>
+                <a:endParaRPr lang="en-US" dirty="0">
+                  <a:solidFill>
+                    <a:schemeClr val="tx1"/>
+                  </a:solidFill>
+                </a:endParaRPr>
+              </a:p>
+            </p:txBody>
+          </p:sp>
+          <p:sp>
+            <p:nvSpPr>
+              <p:cNvPr id="27" name="Oval 26">
+                <a:extLst>
+                  <a:ext uri="{FF2B5EF4-FFF2-40B4-BE49-F238E27FC236}">
+                    <a16:creationId xmlns:a16="http://schemas.microsoft.com/office/drawing/2014/main" id="{300AD35F-F9E7-2240-A012-3011C3DF69D5}"/>
+                  </a:ext>
+                </a:extLst>
+              </p:cNvPr>
+              <p:cNvSpPr/>
+              <p:nvPr/>
+            </p:nvSpPr>
+            <p:spPr>
+              <a:xfrm>
+                <a:off x="5320748" y="2047461"/>
+                <a:ext cx="775252" cy="775252"/>
+              </a:xfrm>
+              <a:prstGeom prst="ellipse">
+                <a:avLst/>
+              </a:prstGeom>
+              <a:solidFill>
+                <a:schemeClr val="accent1">
+                  <a:lumMod val="20000"/>
+                  <a:lumOff val="80000"/>
+                </a:schemeClr>
+              </a:solidFill>
+              <a:ln>
+                <a:solidFill>
+                  <a:schemeClr val="accent1">
+                    <a:lumMod val="60000"/>
+                    <a:lumOff val="40000"/>
+                  </a:schemeClr>
+                </a:solidFill>
+              </a:ln>
+            </p:spPr>
+            <p:style>
+              <a:lnRef idx="2">
+                <a:schemeClr val="accent1">
+                  <a:shade val="50000"/>
+                </a:schemeClr>
+              </a:lnRef>
+              <a:fillRef idx="1">
+                <a:schemeClr val="accent1"/>
+              </a:fillRef>
+              <a:effectRef idx="0">
+                <a:schemeClr val="accent1"/>
+              </a:effectRef>
+              <a:fontRef idx="minor">
+                <a:schemeClr val="lt1"/>
+              </a:fontRef>
+            </p:style>
+            <p:txBody>
+              <a:bodyPr rtlCol="0" anchor="ctr"/>
+              <a:lstStyle/>
+              <a:p>
+                <a:pPr algn="ctr"/>
+                <a:r>
+                  <a:rPr lang="en-US" dirty="0">
+                    <a:solidFill>
+                      <a:schemeClr val="tx1"/>
+                    </a:solidFill>
+                  </a:rPr>
+                  <a:t>X</a:t>
+                </a:r>
+                <a:r>
+                  <a:rPr lang="en-US" baseline="-25000" dirty="0">
+                    <a:solidFill>
+                      <a:schemeClr val="tx1"/>
+                    </a:solidFill>
+                  </a:rPr>
+                  <a:t>1</a:t>
+                </a:r>
+                <a:endParaRPr lang="en-US" dirty="0">
+                  <a:solidFill>
+                    <a:schemeClr val="tx1"/>
+                  </a:solidFill>
+                </a:endParaRPr>
+              </a:p>
+            </p:txBody>
+          </p:sp>
+          <p:sp>
+            <p:nvSpPr>
+              <p:cNvPr id="28" name="Oval 27">
+                <a:extLst>
+                  <a:ext uri="{FF2B5EF4-FFF2-40B4-BE49-F238E27FC236}">
+                    <a16:creationId xmlns:a16="http://schemas.microsoft.com/office/drawing/2014/main" id="{BD6FAC8E-4504-1342-B72A-B21C90F3BE34}"/>
+                  </a:ext>
+                </a:extLst>
+              </p:cNvPr>
+              <p:cNvSpPr/>
+              <p:nvPr/>
+            </p:nvSpPr>
+            <p:spPr>
+              <a:xfrm>
+                <a:off x="7103165" y="2047461"/>
+                <a:ext cx="775252" cy="775252"/>
+              </a:xfrm>
+              <a:prstGeom prst="ellipse">
+                <a:avLst/>
+              </a:prstGeom>
+              <a:solidFill>
+                <a:schemeClr val="accent1">
+                  <a:lumMod val="20000"/>
+                  <a:lumOff val="80000"/>
+                </a:schemeClr>
+              </a:solidFill>
+              <a:ln>
+                <a:solidFill>
+                  <a:schemeClr val="accent1">
+                    <a:lumMod val="60000"/>
+                    <a:lumOff val="40000"/>
+                  </a:schemeClr>
+                </a:solidFill>
+              </a:ln>
+            </p:spPr>
+            <p:style>
+              <a:lnRef idx="2">
+                <a:schemeClr val="accent1">
+                  <a:shade val="50000"/>
+                </a:schemeClr>
+              </a:lnRef>
+              <a:fillRef idx="1">
+                <a:schemeClr val="accent1"/>
+              </a:fillRef>
+              <a:effectRef idx="0">
+                <a:schemeClr val="accent1"/>
+              </a:effectRef>
+              <a:fontRef idx="minor">
+                <a:schemeClr val="lt1"/>
+              </a:fontRef>
+            </p:style>
+            <p:txBody>
+              <a:bodyPr rtlCol="0" anchor="ctr"/>
+              <a:lstStyle/>
+              <a:p>
+                <a:pPr algn="ctr"/>
+                <a:r>
+                  <a:rPr lang="en-US" dirty="0">
+                    <a:solidFill>
+                      <a:schemeClr val="tx1"/>
+                    </a:solidFill>
+                  </a:rPr>
+                  <a:t>X</a:t>
+                </a:r>
+                <a:r>
+                  <a:rPr lang="en-US" baseline="-25000" dirty="0">
+                    <a:solidFill>
+                      <a:schemeClr val="tx1"/>
+                    </a:solidFill>
+                  </a:rPr>
+                  <a:t>2</a:t>
+                </a:r>
+                <a:endParaRPr lang="en-US" dirty="0">
+                  <a:solidFill>
+                    <a:schemeClr val="tx1"/>
+                  </a:solidFill>
+                </a:endParaRPr>
+              </a:p>
+            </p:txBody>
+          </p:sp>
+          <p:sp>
+            <p:nvSpPr>
+              <p:cNvPr id="29" name="Oval 28">
+                <a:extLst>
+                  <a:ext uri="{FF2B5EF4-FFF2-40B4-BE49-F238E27FC236}">
+                    <a16:creationId xmlns:a16="http://schemas.microsoft.com/office/drawing/2014/main" id="{1F48F830-1DF0-9942-BD67-D46D33F1637F}"/>
+                  </a:ext>
+                </a:extLst>
+              </p:cNvPr>
+              <p:cNvSpPr/>
+              <p:nvPr/>
+            </p:nvSpPr>
+            <p:spPr>
+              <a:xfrm>
+                <a:off x="5320748" y="3429000"/>
+                <a:ext cx="775252" cy="775252"/>
+              </a:xfrm>
+              <a:prstGeom prst="ellipse">
+                <a:avLst/>
+              </a:prstGeom>
+              <a:solidFill>
+                <a:schemeClr val="accent1">
+                  <a:lumMod val="20000"/>
+                  <a:lumOff val="80000"/>
+                </a:schemeClr>
+              </a:solidFill>
+              <a:ln>
+                <a:solidFill>
+                  <a:schemeClr val="accent1">
+                    <a:lumMod val="60000"/>
+                    <a:lumOff val="40000"/>
+                  </a:schemeClr>
+                </a:solidFill>
+              </a:ln>
+            </p:spPr>
+            <p:style>
+              <a:lnRef idx="2">
+                <a:schemeClr val="accent1">
+                  <a:shade val="50000"/>
+                </a:schemeClr>
+              </a:lnRef>
+              <a:fillRef idx="1">
+                <a:schemeClr val="accent1"/>
+              </a:fillRef>
+              <a:effectRef idx="0">
+                <a:schemeClr val="accent1"/>
+              </a:effectRef>
+              <a:fontRef idx="minor">
+                <a:schemeClr val="lt1"/>
+              </a:fontRef>
+            </p:style>
+            <p:txBody>
+              <a:bodyPr rtlCol="0" anchor="ctr"/>
+              <a:lstStyle/>
+              <a:p>
+                <a:pPr algn="ctr"/>
+                <a:r>
+                  <a:rPr lang="en-US" dirty="0">
+                    <a:solidFill>
+                      <a:schemeClr val="tx1"/>
+                    </a:solidFill>
+                  </a:rPr>
+                  <a:t>X</a:t>
+                </a:r>
+                <a:r>
+                  <a:rPr lang="en-US" baseline="-25000" dirty="0">
+                    <a:solidFill>
+                      <a:schemeClr val="tx1"/>
+                    </a:solidFill>
+                  </a:rPr>
+                  <a:t>3</a:t>
+                </a:r>
+                <a:endParaRPr lang="en-US" dirty="0">
+                  <a:solidFill>
+                    <a:schemeClr val="tx1"/>
+                  </a:solidFill>
+                </a:endParaRPr>
+              </a:p>
+            </p:txBody>
+          </p:sp>
+          <p:sp>
+            <p:nvSpPr>
+              <p:cNvPr id="30" name="Oval 29">
+                <a:extLst>
+                  <a:ext uri="{FF2B5EF4-FFF2-40B4-BE49-F238E27FC236}">
+                    <a16:creationId xmlns:a16="http://schemas.microsoft.com/office/drawing/2014/main" id="{5907C5FB-B728-B845-B5A9-CD6BE5E72EAD}"/>
+                  </a:ext>
+                </a:extLst>
+              </p:cNvPr>
+              <p:cNvSpPr/>
+              <p:nvPr/>
+            </p:nvSpPr>
+            <p:spPr>
+              <a:xfrm>
+                <a:off x="7103165" y="3429000"/>
+                <a:ext cx="775252" cy="775252"/>
+              </a:xfrm>
+              <a:prstGeom prst="ellipse">
+                <a:avLst/>
+              </a:prstGeom>
+              <a:solidFill>
+                <a:schemeClr val="accent1">
+                  <a:lumMod val="20000"/>
+                  <a:lumOff val="80000"/>
+                </a:schemeClr>
+              </a:solidFill>
+              <a:ln>
+                <a:solidFill>
+                  <a:schemeClr val="accent1">
+                    <a:lumMod val="60000"/>
+                    <a:lumOff val="40000"/>
+                  </a:schemeClr>
+                </a:solidFill>
+              </a:ln>
+            </p:spPr>
+            <p:style>
+              <a:lnRef idx="2">
+                <a:schemeClr val="accent1">
+                  <a:shade val="50000"/>
+                </a:schemeClr>
+              </a:lnRef>
+              <a:fillRef idx="1">
+                <a:schemeClr val="accent1"/>
+              </a:fillRef>
+              <a:effectRef idx="0">
+                <a:schemeClr val="accent1"/>
+              </a:effectRef>
+              <a:fontRef idx="minor">
+                <a:schemeClr val="lt1"/>
+              </a:fontRef>
+            </p:style>
+            <p:txBody>
+              <a:bodyPr rtlCol="0" anchor="ctr"/>
+              <a:lstStyle/>
+              <a:p>
+                <a:pPr algn="ctr"/>
+                <a:r>
+                  <a:rPr lang="en-US" dirty="0">
+                    <a:solidFill>
+                      <a:schemeClr val="tx1"/>
+                    </a:solidFill>
+                  </a:rPr>
+                  <a:t>X</a:t>
+                </a:r>
+                <a:r>
+                  <a:rPr lang="en-US" baseline="-25000" dirty="0">
+                    <a:solidFill>
+                      <a:schemeClr val="tx1"/>
+                    </a:solidFill>
+                  </a:rPr>
+                  <a:t>4</a:t>
+                </a:r>
+                <a:endParaRPr lang="en-US" dirty="0">
+                  <a:solidFill>
+                    <a:schemeClr val="tx1"/>
+                  </a:solidFill>
+                </a:endParaRPr>
+              </a:p>
+            </p:txBody>
+          </p:sp>
+          <p:sp>
+            <p:nvSpPr>
+              <p:cNvPr id="31" name="Oval 30">
+                <a:extLst>
+                  <a:ext uri="{FF2B5EF4-FFF2-40B4-BE49-F238E27FC236}">
+                    <a16:creationId xmlns:a16="http://schemas.microsoft.com/office/drawing/2014/main" id="{BDCF31C1-57BA-1A4A-B5BF-0BDC491CD93F}"/>
+                  </a:ext>
+                </a:extLst>
+              </p:cNvPr>
+              <p:cNvSpPr/>
+              <p:nvPr/>
+            </p:nvSpPr>
+            <p:spPr>
+              <a:xfrm>
+                <a:off x="5320748" y="4810539"/>
+                <a:ext cx="775252" cy="775252"/>
+              </a:xfrm>
+              <a:prstGeom prst="ellipse">
+                <a:avLst/>
+              </a:prstGeom>
+              <a:solidFill>
+                <a:schemeClr val="accent1">
+                  <a:lumMod val="20000"/>
+                  <a:lumOff val="80000"/>
+                </a:schemeClr>
+              </a:solidFill>
+              <a:ln>
+                <a:solidFill>
+                  <a:schemeClr val="accent1">
+                    <a:lumMod val="60000"/>
+                    <a:lumOff val="40000"/>
+                  </a:schemeClr>
+                </a:solidFill>
+              </a:ln>
+            </p:spPr>
+            <p:style>
+              <a:lnRef idx="2">
+                <a:schemeClr val="accent1">
+                  <a:shade val="50000"/>
+                </a:schemeClr>
+              </a:lnRef>
+              <a:fillRef idx="1">
+                <a:schemeClr val="accent1"/>
+              </a:fillRef>
+              <a:effectRef idx="0">
+                <a:schemeClr val="accent1"/>
+              </a:effectRef>
+              <a:fontRef idx="minor">
+                <a:schemeClr val="lt1"/>
+              </a:fontRef>
+            </p:style>
+            <p:txBody>
+              <a:bodyPr rtlCol="0" anchor="ctr"/>
+              <a:lstStyle/>
+              <a:p>
+                <a:pPr algn="ctr"/>
+                <a:r>
+                  <a:rPr lang="en-US" dirty="0">
+                    <a:solidFill>
+                      <a:schemeClr val="tx1"/>
+                    </a:solidFill>
+                  </a:rPr>
+                  <a:t>X</a:t>
+                </a:r>
+                <a:r>
+                  <a:rPr lang="en-US" baseline="-25000" dirty="0">
+                    <a:solidFill>
+                      <a:schemeClr val="tx1"/>
+                    </a:solidFill>
+                  </a:rPr>
+                  <a:t>5</a:t>
+                </a:r>
+                <a:endParaRPr lang="en-US" dirty="0">
+                  <a:solidFill>
+                    <a:schemeClr val="tx1"/>
+                  </a:solidFill>
+                </a:endParaRPr>
+              </a:p>
+            </p:txBody>
+          </p:sp>
+          <p:cxnSp>
+            <p:nvCxnSpPr>
+              <p:cNvPr id="32" name="Straight Arrow Connector 31">
+                <a:extLst>
+                  <a:ext uri="{FF2B5EF4-FFF2-40B4-BE49-F238E27FC236}">
+                    <a16:creationId xmlns:a16="http://schemas.microsoft.com/office/drawing/2014/main" id="{CBD296B8-E910-7B48-A9DA-522E16208ED6}"/>
+                  </a:ext>
+                </a:extLst>
+              </p:cNvPr>
+              <p:cNvCxnSpPr>
+                <a:cxnSpLocks/>
+                <a:endCxn id="27" idx="2"/>
+              </p:cNvCxnSpPr>
+              <p:nvPr/>
+            </p:nvCxnSpPr>
+            <p:spPr>
+              <a:xfrm>
+                <a:off x="4313583" y="2435087"/>
+                <a:ext cx="1007165" cy="0"/>
+              </a:xfrm>
+              <a:prstGeom prst="straightConnector1">
+                <a:avLst/>
+              </a:prstGeom>
+              <a:ln w="38100">
+                <a:tailEnd type="triangle"/>
+              </a:ln>
+            </p:spPr>
+            <p:style>
+              <a:lnRef idx="1">
+                <a:schemeClr val="dk1"/>
+              </a:lnRef>
+              <a:fillRef idx="0">
+                <a:schemeClr val="dk1"/>
+              </a:fillRef>
+              <a:effectRef idx="0">
+                <a:schemeClr val="dk1"/>
+              </a:effectRef>
+              <a:fontRef idx="minor">
+                <a:schemeClr val="tx1"/>
+              </a:fontRef>
+            </p:style>
+          </p:cxnSp>
+          <p:cxnSp>
+            <p:nvCxnSpPr>
+              <p:cNvPr id="33" name="Straight Arrow Connector 32">
+                <a:extLst>
+                  <a:ext uri="{FF2B5EF4-FFF2-40B4-BE49-F238E27FC236}">
+                    <a16:creationId xmlns:a16="http://schemas.microsoft.com/office/drawing/2014/main" id="{EED11061-D718-BF45-8A45-46E4EC6A37C5}"/>
+                  </a:ext>
+                </a:extLst>
+              </p:cNvPr>
+              <p:cNvCxnSpPr>
+                <a:cxnSpLocks/>
+              </p:cNvCxnSpPr>
+              <p:nvPr/>
+            </p:nvCxnSpPr>
+            <p:spPr>
+              <a:xfrm>
+                <a:off x="6096000" y="2435087"/>
+                <a:ext cx="1007165" cy="0"/>
+              </a:xfrm>
+              <a:prstGeom prst="straightConnector1">
+                <a:avLst/>
+              </a:prstGeom>
+              <a:ln w="38100">
+                <a:tailEnd type="triangle"/>
+              </a:ln>
+            </p:spPr>
+            <p:style>
+              <a:lnRef idx="1">
+                <a:schemeClr val="dk1"/>
+              </a:lnRef>
+              <a:fillRef idx="0">
+                <a:schemeClr val="dk1"/>
+              </a:fillRef>
+              <a:effectRef idx="0">
+                <a:schemeClr val="dk1"/>
+              </a:effectRef>
+              <a:fontRef idx="minor">
+                <a:schemeClr val="tx1"/>
+              </a:fontRef>
+            </p:style>
+          </p:cxnSp>
+          <p:cxnSp>
+            <p:nvCxnSpPr>
+              <p:cNvPr id="34" name="Straight Arrow Connector 33">
+                <a:extLst>
+                  <a:ext uri="{FF2B5EF4-FFF2-40B4-BE49-F238E27FC236}">
+                    <a16:creationId xmlns:a16="http://schemas.microsoft.com/office/drawing/2014/main" id="{6BC34B2D-B7B6-A845-A386-CEE084A34C17}"/>
+                  </a:ext>
+                </a:extLst>
+              </p:cNvPr>
+              <p:cNvCxnSpPr>
+                <a:stCxn id="26" idx="4"/>
+                <a:endCxn id="31" idx="2"/>
+              </p:cNvCxnSpPr>
+              <p:nvPr/>
+            </p:nvCxnSpPr>
+            <p:spPr>
+              <a:xfrm>
+                <a:off x="3925957" y="2822713"/>
+                <a:ext cx="1394791" cy="2375452"/>
+              </a:xfrm>
+              <a:prstGeom prst="straightConnector1">
+                <a:avLst/>
+              </a:prstGeom>
+              <a:ln w="38100">
+                <a:tailEnd type="triangle"/>
+              </a:ln>
+            </p:spPr>
+            <p:style>
+              <a:lnRef idx="1">
+                <a:schemeClr val="dk1"/>
+              </a:lnRef>
+              <a:fillRef idx="0">
+                <a:schemeClr val="dk1"/>
+              </a:fillRef>
+              <a:effectRef idx="0">
+                <a:schemeClr val="dk1"/>
+              </a:effectRef>
+              <a:fontRef idx="minor">
+                <a:schemeClr val="tx1"/>
+              </a:fontRef>
+            </p:style>
+          </p:cxnSp>
+          <p:cxnSp>
+            <p:nvCxnSpPr>
+              <p:cNvPr id="35" name="Straight Arrow Connector 34">
+                <a:extLst>
+                  <a:ext uri="{FF2B5EF4-FFF2-40B4-BE49-F238E27FC236}">
+                    <a16:creationId xmlns:a16="http://schemas.microsoft.com/office/drawing/2014/main" id="{309C94FC-DA2A-204D-8811-700F43BB316E}"/>
+                  </a:ext>
+                </a:extLst>
+              </p:cNvPr>
+              <p:cNvCxnSpPr>
+                <a:stCxn id="29" idx="6"/>
+                <a:endCxn id="28" idx="3"/>
+              </p:cNvCxnSpPr>
+              <p:nvPr/>
+            </p:nvCxnSpPr>
+            <p:spPr>
+              <a:xfrm flipV="1">
+                <a:off x="6096000" y="2709180"/>
+                <a:ext cx="1120698" cy="1107446"/>
+              </a:xfrm>
+              <a:prstGeom prst="straightConnector1">
+                <a:avLst/>
+              </a:prstGeom>
+              <a:ln w="38100">
+                <a:tailEnd type="triangle"/>
+              </a:ln>
+            </p:spPr>
+            <p:style>
+              <a:lnRef idx="1">
+                <a:schemeClr val="dk1"/>
+              </a:lnRef>
+              <a:fillRef idx="0">
+                <a:schemeClr val="dk1"/>
+              </a:fillRef>
+              <a:effectRef idx="0">
+                <a:schemeClr val="dk1"/>
+              </a:effectRef>
+              <a:fontRef idx="minor">
+                <a:schemeClr val="tx1"/>
+              </a:fontRef>
+            </p:style>
+          </p:cxnSp>
+          <p:cxnSp>
+            <p:nvCxnSpPr>
+              <p:cNvPr id="36" name="Straight Arrow Connector 35">
+                <a:extLst>
+                  <a:ext uri="{FF2B5EF4-FFF2-40B4-BE49-F238E27FC236}">
+                    <a16:creationId xmlns:a16="http://schemas.microsoft.com/office/drawing/2014/main" id="{C0DD9669-8646-D94A-9362-3A422E5D3116}"/>
+                  </a:ext>
+                </a:extLst>
+              </p:cNvPr>
+              <p:cNvCxnSpPr>
+                <a:stCxn id="31" idx="6"/>
+                <a:endCxn id="30" idx="3"/>
+              </p:cNvCxnSpPr>
+              <p:nvPr/>
+            </p:nvCxnSpPr>
+            <p:spPr>
+              <a:xfrm flipV="1">
+                <a:off x="6096000" y="4090719"/>
+                <a:ext cx="1120698" cy="1107446"/>
+              </a:xfrm>
+              <a:prstGeom prst="straightConnector1">
+                <a:avLst/>
+              </a:prstGeom>
+              <a:ln w="38100">
+                <a:tailEnd type="triangle"/>
+              </a:ln>
+            </p:spPr>
+            <p:style>
+              <a:lnRef idx="1">
+                <a:schemeClr val="dk1"/>
+              </a:lnRef>
+              <a:fillRef idx="0">
+                <a:schemeClr val="dk1"/>
+              </a:fillRef>
+              <a:effectRef idx="0">
+                <a:schemeClr val="dk1"/>
+              </a:effectRef>
+              <a:fontRef idx="minor">
+                <a:schemeClr val="tx1"/>
+              </a:fontRef>
+            </p:style>
+          </p:cxnSp>
+          <p:cxnSp>
+            <p:nvCxnSpPr>
+              <p:cNvPr id="37" name="Straight Arrow Connector 36">
+                <a:extLst>
+                  <a:ext uri="{FF2B5EF4-FFF2-40B4-BE49-F238E27FC236}">
+                    <a16:creationId xmlns:a16="http://schemas.microsoft.com/office/drawing/2014/main" id="{FE6A5C28-9A9F-6E4E-B40B-3C07B82EE4C3}"/>
+                  </a:ext>
+                </a:extLst>
+              </p:cNvPr>
+              <p:cNvCxnSpPr>
+                <a:stCxn id="29" idx="6"/>
+                <a:endCxn id="30" idx="2"/>
+              </p:cNvCxnSpPr>
+              <p:nvPr/>
+            </p:nvCxnSpPr>
+            <p:spPr>
+              <a:xfrm>
+                <a:off x="6096000" y="3816626"/>
+                <a:ext cx="1007165" cy="0"/>
+              </a:xfrm>
+              <a:prstGeom prst="straightConnector1">
+                <a:avLst/>
+              </a:prstGeom>
+              <a:ln w="38100">
+                <a:tailEnd type="triangle"/>
+              </a:ln>
+            </p:spPr>
+            <p:style>
+              <a:lnRef idx="1">
+                <a:schemeClr val="dk1"/>
+              </a:lnRef>
+              <a:fillRef idx="0">
+                <a:schemeClr val="dk1"/>
+              </a:fillRef>
+              <a:effectRef idx="0">
+                <a:schemeClr val="dk1"/>
+              </a:effectRef>
+              <a:fontRef idx="minor">
+                <a:schemeClr val="tx1"/>
+              </a:fontRef>
+            </p:style>
+          </p:cxnSp>
+          <p:cxnSp>
+            <p:nvCxnSpPr>
+              <p:cNvPr id="38" name="Straight Arrow Connector 37">
+                <a:extLst>
+                  <a:ext uri="{FF2B5EF4-FFF2-40B4-BE49-F238E27FC236}">
+                    <a16:creationId xmlns:a16="http://schemas.microsoft.com/office/drawing/2014/main" id="{4460A471-FB51-B046-9365-F1F64D0F1FBB}"/>
+                  </a:ext>
+                </a:extLst>
+              </p:cNvPr>
+              <p:cNvCxnSpPr>
+                <a:stCxn id="30" idx="0"/>
+                <a:endCxn id="28" idx="4"/>
+              </p:cNvCxnSpPr>
+              <p:nvPr/>
+            </p:nvCxnSpPr>
+            <p:spPr>
+              <a:xfrm flipV="1">
+                <a:off x="7490791" y="2822713"/>
+                <a:ext cx="0" cy="606287"/>
+              </a:xfrm>
+              <a:prstGeom prst="straightConnector1">
+                <a:avLst/>
+              </a:prstGeom>
+              <a:ln w="38100">
+                <a:tailEnd type="triangle"/>
+              </a:ln>
+            </p:spPr>
+            <p:style>
+              <a:lnRef idx="1">
+                <a:schemeClr val="dk1"/>
+              </a:lnRef>
+              <a:fillRef idx="0">
+                <a:schemeClr val="dk1"/>
+              </a:fillRef>
+              <a:effectRef idx="0">
+                <a:schemeClr val="dk1"/>
+              </a:effectRef>
+              <a:fontRef idx="minor">
+                <a:schemeClr val="tx1"/>
+              </a:fontRef>
+            </p:style>
+          </p:cxnSp>
+          <p:sp>
+            <p:nvSpPr>
+              <p:cNvPr id="39" name="TextBox 38">
+                <a:extLst>
+                  <a:ext uri="{FF2B5EF4-FFF2-40B4-BE49-F238E27FC236}">
+                    <a16:creationId xmlns:a16="http://schemas.microsoft.com/office/drawing/2014/main" id="{0B5F057D-4AFC-DF47-9818-E85A886CB8BC}"/>
+                  </a:ext>
+                </a:extLst>
+              </p:cNvPr>
+              <p:cNvSpPr txBox="1"/>
+              <p:nvPr/>
+            </p:nvSpPr>
+            <p:spPr>
+              <a:xfrm>
+                <a:off x="4364957" y="2010204"/>
+                <a:ext cx="904415" cy="369332"/>
+              </a:xfrm>
+              <a:prstGeom prst="rect">
+                <a:avLst/>
+              </a:prstGeom>
+              <a:noFill/>
+            </p:spPr>
+            <p:txBody>
+              <a:bodyPr wrap="none" rtlCol="0">
+                <a:spAutoFit/>
+              </a:bodyPr>
+              <a:lstStyle/>
+              <a:p>
+                <a:r>
+                  <a:rPr lang="en-US" dirty="0"/>
+                  <a:t>[10, 20]</a:t>
+                </a:r>
+              </a:p>
+            </p:txBody>
+          </p:sp>
+          <p:sp>
+            <p:nvSpPr>
+              <p:cNvPr id="40" name="TextBox 39">
+                <a:extLst>
+                  <a:ext uri="{FF2B5EF4-FFF2-40B4-BE49-F238E27FC236}">
+                    <a16:creationId xmlns:a16="http://schemas.microsoft.com/office/drawing/2014/main" id="{37985E3E-21E5-A449-9E44-FEE35875C142}"/>
+                  </a:ext>
+                </a:extLst>
+              </p:cNvPr>
+              <p:cNvSpPr txBox="1"/>
+              <p:nvPr/>
+            </p:nvSpPr>
+            <p:spPr>
+              <a:xfrm>
+                <a:off x="6147375" y="2043472"/>
+                <a:ext cx="904415" cy="369332"/>
+              </a:xfrm>
+              <a:prstGeom prst="rect">
+                <a:avLst/>
+              </a:prstGeom>
+              <a:noFill/>
+            </p:spPr>
+            <p:txBody>
+              <a:bodyPr wrap="none" rtlCol="0">
+                <a:spAutoFit/>
+              </a:bodyPr>
+              <a:lstStyle/>
+              <a:p>
+                <a:r>
+                  <a:rPr lang="en-US" dirty="0"/>
+                  <a:t>[30, 50]</a:t>
+                </a:r>
+              </a:p>
+            </p:txBody>
+          </p:sp>
+          <p:sp>
+            <p:nvSpPr>
+              <p:cNvPr id="41" name="TextBox 40">
+                <a:extLst>
+                  <a:ext uri="{FF2B5EF4-FFF2-40B4-BE49-F238E27FC236}">
+                    <a16:creationId xmlns:a16="http://schemas.microsoft.com/office/drawing/2014/main" id="{820F6049-A7D2-6E49-81BF-9C8BE534BE5B}"/>
+                  </a:ext>
+                </a:extLst>
+              </p:cNvPr>
+              <p:cNvSpPr txBox="1"/>
+              <p:nvPr/>
+            </p:nvSpPr>
+            <p:spPr>
+              <a:xfrm>
+                <a:off x="5821907" y="2893571"/>
+                <a:ext cx="904415" cy="369332"/>
+              </a:xfrm>
+              <a:prstGeom prst="rect">
+                <a:avLst/>
+              </a:prstGeom>
+              <a:noFill/>
+            </p:spPr>
+            <p:txBody>
+              <a:bodyPr wrap="none" rtlCol="0">
+                <a:spAutoFit/>
+              </a:bodyPr>
+              <a:lstStyle/>
+              <a:p>
+                <a:r>
+                  <a:rPr lang="en-US" dirty="0"/>
+                  <a:t>[20, 40]</a:t>
+                </a:r>
+              </a:p>
+            </p:txBody>
+          </p:sp>
+          <p:sp>
+            <p:nvSpPr>
+              <p:cNvPr id="42" name="TextBox 41">
+                <a:extLst>
+                  <a:ext uri="{FF2B5EF4-FFF2-40B4-BE49-F238E27FC236}">
+                    <a16:creationId xmlns:a16="http://schemas.microsoft.com/office/drawing/2014/main" id="{AEF2411B-73CA-8848-AF09-B8D2DC1A9A13}"/>
+                  </a:ext>
+                </a:extLst>
+              </p:cNvPr>
+              <p:cNvSpPr txBox="1"/>
+              <p:nvPr/>
+            </p:nvSpPr>
+            <p:spPr>
+              <a:xfrm>
+                <a:off x="7539742" y="2893571"/>
+                <a:ext cx="904415" cy="369332"/>
+              </a:xfrm>
+              <a:prstGeom prst="rect">
+                <a:avLst/>
+              </a:prstGeom>
+              <a:noFill/>
+            </p:spPr>
+            <p:txBody>
+              <a:bodyPr wrap="none" rtlCol="0">
+                <a:spAutoFit/>
+              </a:bodyPr>
+              <a:lstStyle/>
+              <a:p>
+                <a:r>
+                  <a:rPr lang="en-US" dirty="0"/>
+                  <a:t>[10, 20]</a:t>
+                </a:r>
+              </a:p>
+            </p:txBody>
+          </p:sp>
+          <p:sp>
+            <p:nvSpPr>
+              <p:cNvPr id="43" name="TextBox 42">
+                <a:extLst>
+                  <a:ext uri="{FF2B5EF4-FFF2-40B4-BE49-F238E27FC236}">
+                    <a16:creationId xmlns:a16="http://schemas.microsoft.com/office/drawing/2014/main" id="{88828154-3311-404E-97E1-E7E26EC69ED4}"/>
+                  </a:ext>
+                </a:extLst>
+              </p:cNvPr>
+              <p:cNvSpPr txBox="1"/>
+              <p:nvPr/>
+            </p:nvSpPr>
+            <p:spPr>
+              <a:xfrm>
+                <a:off x="6190935" y="3861065"/>
+                <a:ext cx="904415" cy="369332"/>
+              </a:xfrm>
+              <a:prstGeom prst="rect">
+                <a:avLst/>
+              </a:prstGeom>
+              <a:noFill/>
+            </p:spPr>
+            <p:txBody>
+              <a:bodyPr wrap="none" rtlCol="0">
+                <a:spAutoFit/>
+              </a:bodyPr>
+              <a:lstStyle/>
+              <a:p>
+                <a:r>
+                  <a:rPr lang="en-US" dirty="0"/>
+                  <a:t>[10, 20]</a:t>
+                </a:r>
+              </a:p>
+            </p:txBody>
+          </p:sp>
+          <p:sp>
+            <p:nvSpPr>
+              <p:cNvPr id="44" name="TextBox 43">
+                <a:extLst>
+                  <a:ext uri="{FF2B5EF4-FFF2-40B4-BE49-F238E27FC236}">
+                    <a16:creationId xmlns:a16="http://schemas.microsoft.com/office/drawing/2014/main" id="{CB7BCEC0-9BF2-1C4D-8D1B-E97582C19584}"/>
+                  </a:ext>
+                </a:extLst>
+              </p:cNvPr>
+              <p:cNvSpPr txBox="1"/>
+              <p:nvPr/>
+            </p:nvSpPr>
+            <p:spPr>
+              <a:xfrm>
+                <a:off x="3581891" y="3906053"/>
+                <a:ext cx="1021433" cy="369332"/>
+              </a:xfrm>
+              <a:prstGeom prst="rect">
+                <a:avLst/>
+              </a:prstGeom>
+              <a:noFill/>
+            </p:spPr>
+            <p:txBody>
+              <a:bodyPr wrap="none" rtlCol="0">
+                <a:spAutoFit/>
+              </a:bodyPr>
+              <a:lstStyle/>
+              <a:p>
+                <a:r>
+                  <a:rPr lang="en-US" dirty="0"/>
+                  <a:t>[80, 100]</a:t>
+                </a:r>
+              </a:p>
+            </p:txBody>
+          </p:sp>
+          <p:sp>
+            <p:nvSpPr>
+              <p:cNvPr id="45" name="TextBox 44">
+                <a:extLst>
+                  <a:ext uri="{FF2B5EF4-FFF2-40B4-BE49-F238E27FC236}">
+                    <a16:creationId xmlns:a16="http://schemas.microsoft.com/office/drawing/2014/main" id="{4DC182E2-3D35-CE47-9038-44B5C755F961}"/>
+                  </a:ext>
+                </a:extLst>
+              </p:cNvPr>
+              <p:cNvSpPr txBox="1"/>
+              <p:nvPr/>
+            </p:nvSpPr>
+            <p:spPr>
+              <a:xfrm>
+                <a:off x="6656349" y="4625873"/>
+                <a:ext cx="904415" cy="369332"/>
+              </a:xfrm>
+              <a:prstGeom prst="rect">
+                <a:avLst/>
+              </a:prstGeom>
+              <a:noFill/>
+            </p:spPr>
+            <p:txBody>
+              <a:bodyPr wrap="none" rtlCol="0">
+                <a:spAutoFit/>
+              </a:bodyPr>
+              <a:lstStyle/>
+              <a:p>
+                <a:r>
+                  <a:rPr lang="en-US" dirty="0"/>
+                  <a:t>[20, 30]</a:t>
+                </a:r>
+              </a:p>
+            </p:txBody>
+          </p:sp>
+        </p:grpSp>
+      </p:grpSp>
+    </p:spTree>
+    <p:extLst>
+      <p:ext uri="{BB962C8B-B14F-4D97-AF65-F5344CB8AC3E}">
+        <p14:creationId xmlns:p14="http://schemas.microsoft.com/office/powerpoint/2010/main" val="3025547324"/>
+      </p:ext>
+    </p:extLst>
+  </p:cSld>
+  <p:clrMapOvr>
+    <a:masterClrMapping/>
+  </p:clrMapOvr>
+</p:sld>
+</file>
+
+<file path=ppt/slides/slide7.xml><?xml version="1.0" encoding="utf-8"?>
+<p:sld xmlns:a="http://schemas.openxmlformats.org/drawingml/2006/main" xmlns:r="http://schemas.openxmlformats.org/officeDocument/2006/relationships" xmlns:p="http://schemas.openxmlformats.org/presentationml/2006/main">
+  <p:cSld>
+    <p:spTree>
+      <p:nvGrpSpPr>
+        <p:cNvPr id="1" name=""/>
+        <p:cNvGrpSpPr/>
+        <p:nvPr/>
+      </p:nvGrpSpPr>
+      <p:grpSpPr>
+        <a:xfrm>
+          <a:off x="0" y="0"/>
+          <a:ext cx="0" cy="0"/>
+          <a:chOff x="0" y="0"/>
+          <a:chExt cx="0" cy="0"/>
+        </a:xfrm>
+      </p:grpSpPr>
+      <p:grpSp>
+        <p:nvGrpSpPr>
+          <p:cNvPr id="27" name="Group 26">
+            <a:extLst>
+              <a:ext uri="{FF2B5EF4-FFF2-40B4-BE49-F238E27FC236}">
+                <a16:creationId xmlns:a16="http://schemas.microsoft.com/office/drawing/2014/main" id="{0C0A9A1C-3D86-E444-BFE5-F169272F816B}"/>
+              </a:ext>
+            </a:extLst>
+          </p:cNvPr>
+          <p:cNvGrpSpPr/>
+          <p:nvPr/>
+        </p:nvGrpSpPr>
+        <p:grpSpPr>
+          <a:xfrm>
+            <a:off x="3643087" y="1271874"/>
+            <a:ext cx="4905826" cy="3944919"/>
+            <a:chOff x="3643087" y="1271874"/>
+            <a:chExt cx="4905826" cy="3944919"/>
+          </a:xfrm>
+        </p:grpSpPr>
+        <p:grpSp>
+          <p:nvGrpSpPr>
+            <p:cNvPr id="4" name="Group 3">
+              <a:extLst>
+                <a:ext uri="{FF2B5EF4-FFF2-40B4-BE49-F238E27FC236}">
+                  <a16:creationId xmlns:a16="http://schemas.microsoft.com/office/drawing/2014/main" id="{944A654D-21BB-414D-B4F7-028D89A6AC7F}"/>
+                </a:ext>
+              </a:extLst>
+            </p:cNvPr>
+            <p:cNvGrpSpPr/>
+            <p:nvPr/>
+          </p:nvGrpSpPr>
+          <p:grpSpPr>
+            <a:xfrm>
+              <a:off x="3643087" y="1641206"/>
+              <a:ext cx="4905826" cy="3575587"/>
+              <a:chOff x="3538331" y="2010204"/>
+              <a:chExt cx="4905826" cy="3575587"/>
+            </a:xfrm>
+          </p:grpSpPr>
+          <p:sp>
+            <p:nvSpPr>
+              <p:cNvPr id="5" name="Oval 4">
+                <a:extLst>
+                  <a:ext uri="{FF2B5EF4-FFF2-40B4-BE49-F238E27FC236}">
+                    <a16:creationId xmlns:a16="http://schemas.microsoft.com/office/drawing/2014/main" id="{727C1A67-E076-4943-B0B9-0801133CBF0B}"/>
+                  </a:ext>
+                </a:extLst>
+              </p:cNvPr>
+              <p:cNvSpPr/>
+              <p:nvPr/>
+            </p:nvSpPr>
+            <p:spPr>
+              <a:xfrm>
+                <a:off x="3538331" y="2047461"/>
+                <a:ext cx="775252" cy="775252"/>
+              </a:xfrm>
+              <a:prstGeom prst="ellipse">
+                <a:avLst/>
+              </a:prstGeom>
+              <a:solidFill>
+                <a:schemeClr val="accent1">
+                  <a:lumMod val="20000"/>
+                  <a:lumOff val="80000"/>
+                </a:schemeClr>
+              </a:solidFill>
+              <a:ln>
+                <a:solidFill>
+                  <a:schemeClr val="accent1">
+                    <a:lumMod val="60000"/>
+                    <a:lumOff val="40000"/>
+                  </a:schemeClr>
+                </a:solidFill>
+              </a:ln>
+            </p:spPr>
+            <p:style>
+              <a:lnRef idx="2">
+                <a:schemeClr val="accent1">
+                  <a:shade val="50000"/>
+                </a:schemeClr>
+              </a:lnRef>
+              <a:fillRef idx="1">
+                <a:schemeClr val="accent1"/>
+              </a:fillRef>
+              <a:effectRef idx="0">
+                <a:schemeClr val="accent1"/>
+              </a:effectRef>
+              <a:fontRef idx="minor">
+                <a:schemeClr val="lt1"/>
+              </a:fontRef>
+            </p:style>
+            <p:txBody>
+              <a:bodyPr rtlCol="0" anchor="ctr"/>
+              <a:lstStyle/>
+              <a:p>
+                <a:pPr algn="ctr"/>
+                <a:r>
+                  <a:rPr lang="en-US" dirty="0">
+                    <a:solidFill>
+                      <a:schemeClr val="tx1"/>
+                    </a:solidFill>
+                  </a:rPr>
+                  <a:t>X</a:t>
+                </a:r>
+                <a:r>
+                  <a:rPr lang="en-US" baseline="-25000" dirty="0">
+                    <a:solidFill>
+                      <a:schemeClr val="tx1"/>
+                    </a:solidFill>
+                  </a:rPr>
+                  <a:t>0</a:t>
+                </a:r>
+                <a:endParaRPr lang="en-US" dirty="0">
+                  <a:solidFill>
+                    <a:schemeClr val="tx1"/>
+                  </a:solidFill>
+                </a:endParaRPr>
+              </a:p>
+            </p:txBody>
+          </p:sp>
+          <p:sp>
+            <p:nvSpPr>
+              <p:cNvPr id="6" name="Oval 5">
+                <a:extLst>
+                  <a:ext uri="{FF2B5EF4-FFF2-40B4-BE49-F238E27FC236}">
+                    <a16:creationId xmlns:a16="http://schemas.microsoft.com/office/drawing/2014/main" id="{2170F77D-30F1-5D45-92AC-92765C0D2C5D}"/>
+                  </a:ext>
+                </a:extLst>
+              </p:cNvPr>
+              <p:cNvSpPr/>
+              <p:nvPr/>
+            </p:nvSpPr>
+            <p:spPr>
+              <a:xfrm>
+                <a:off x="5320748" y="2047461"/>
+                <a:ext cx="775252" cy="775252"/>
+              </a:xfrm>
+              <a:prstGeom prst="ellipse">
+                <a:avLst/>
+              </a:prstGeom>
+              <a:solidFill>
+                <a:schemeClr val="accent1">
+                  <a:lumMod val="20000"/>
+                  <a:lumOff val="80000"/>
+                </a:schemeClr>
+              </a:solidFill>
+              <a:ln>
+                <a:solidFill>
+                  <a:schemeClr val="accent1">
+                    <a:lumMod val="60000"/>
+                    <a:lumOff val="40000"/>
+                  </a:schemeClr>
+                </a:solidFill>
+              </a:ln>
+            </p:spPr>
+            <p:style>
+              <a:lnRef idx="2">
+                <a:schemeClr val="accent1">
+                  <a:shade val="50000"/>
+                </a:schemeClr>
+              </a:lnRef>
+              <a:fillRef idx="1">
+                <a:schemeClr val="accent1"/>
+              </a:fillRef>
+              <a:effectRef idx="0">
+                <a:schemeClr val="accent1"/>
+              </a:effectRef>
+              <a:fontRef idx="minor">
+                <a:schemeClr val="lt1"/>
+              </a:fontRef>
+            </p:style>
+            <p:txBody>
+              <a:bodyPr rtlCol="0" anchor="ctr"/>
+              <a:lstStyle/>
+              <a:p>
+                <a:pPr algn="ctr"/>
+                <a:r>
+                  <a:rPr lang="en-US" dirty="0">
+                    <a:solidFill>
+                      <a:schemeClr val="tx1"/>
+                    </a:solidFill>
+                  </a:rPr>
+                  <a:t>X</a:t>
+                </a:r>
+                <a:r>
+                  <a:rPr lang="en-US" baseline="-25000" dirty="0">
+                    <a:solidFill>
+                      <a:schemeClr val="tx1"/>
+                    </a:solidFill>
+                  </a:rPr>
+                  <a:t>1</a:t>
+                </a:r>
+                <a:endParaRPr lang="en-US" dirty="0">
+                  <a:solidFill>
+                    <a:schemeClr val="tx1"/>
+                  </a:solidFill>
+                </a:endParaRPr>
+              </a:p>
+            </p:txBody>
+          </p:sp>
+          <p:sp>
+            <p:nvSpPr>
+              <p:cNvPr id="7" name="Oval 6">
+                <a:extLst>
+                  <a:ext uri="{FF2B5EF4-FFF2-40B4-BE49-F238E27FC236}">
+                    <a16:creationId xmlns:a16="http://schemas.microsoft.com/office/drawing/2014/main" id="{666DFBB6-38B9-1747-A3D0-F91CA051FF6C}"/>
+                  </a:ext>
+                </a:extLst>
+              </p:cNvPr>
+              <p:cNvSpPr/>
+              <p:nvPr/>
+            </p:nvSpPr>
+            <p:spPr>
+              <a:xfrm>
+                <a:off x="7103165" y="2047461"/>
+                <a:ext cx="775252" cy="775252"/>
+              </a:xfrm>
+              <a:prstGeom prst="ellipse">
+                <a:avLst/>
+              </a:prstGeom>
+              <a:solidFill>
+                <a:schemeClr val="accent1">
+                  <a:lumMod val="20000"/>
+                  <a:lumOff val="80000"/>
+                </a:schemeClr>
+              </a:solidFill>
+              <a:ln>
+                <a:solidFill>
+                  <a:schemeClr val="accent1">
+                    <a:lumMod val="60000"/>
+                    <a:lumOff val="40000"/>
+                  </a:schemeClr>
+                </a:solidFill>
+              </a:ln>
+            </p:spPr>
+            <p:style>
+              <a:lnRef idx="2">
+                <a:schemeClr val="accent1">
+                  <a:shade val="50000"/>
+                </a:schemeClr>
+              </a:lnRef>
+              <a:fillRef idx="1">
+                <a:schemeClr val="accent1"/>
+              </a:fillRef>
+              <a:effectRef idx="0">
+                <a:schemeClr val="accent1"/>
+              </a:effectRef>
+              <a:fontRef idx="minor">
+                <a:schemeClr val="lt1"/>
+              </a:fontRef>
+            </p:style>
+            <p:txBody>
+              <a:bodyPr rtlCol="0" anchor="ctr"/>
+              <a:lstStyle/>
+              <a:p>
+                <a:pPr algn="ctr"/>
+                <a:r>
+                  <a:rPr lang="en-US" dirty="0">
+                    <a:solidFill>
+                      <a:schemeClr val="tx1"/>
+                    </a:solidFill>
+                  </a:rPr>
+                  <a:t>X</a:t>
+                </a:r>
+                <a:r>
+                  <a:rPr lang="en-US" baseline="-25000" dirty="0">
+                    <a:solidFill>
+                      <a:schemeClr val="tx1"/>
+                    </a:solidFill>
+                  </a:rPr>
+                  <a:t>2</a:t>
+                </a:r>
+                <a:endParaRPr lang="en-US" dirty="0">
+                  <a:solidFill>
+                    <a:schemeClr val="tx1"/>
+                  </a:solidFill>
+                </a:endParaRPr>
+              </a:p>
+            </p:txBody>
+          </p:sp>
+          <p:sp>
+            <p:nvSpPr>
+              <p:cNvPr id="8" name="Oval 7">
+                <a:extLst>
+                  <a:ext uri="{FF2B5EF4-FFF2-40B4-BE49-F238E27FC236}">
+                    <a16:creationId xmlns:a16="http://schemas.microsoft.com/office/drawing/2014/main" id="{EBEFD3C8-AEA2-D847-B6A8-D0A3FACB98D4}"/>
+                  </a:ext>
+                </a:extLst>
+              </p:cNvPr>
+              <p:cNvSpPr/>
+              <p:nvPr/>
+            </p:nvSpPr>
+            <p:spPr>
+              <a:xfrm>
+                <a:off x="5320748" y="3429000"/>
+                <a:ext cx="775252" cy="775252"/>
+              </a:xfrm>
+              <a:prstGeom prst="ellipse">
+                <a:avLst/>
+              </a:prstGeom>
+              <a:solidFill>
+                <a:schemeClr val="accent1">
+                  <a:lumMod val="20000"/>
+                  <a:lumOff val="80000"/>
+                </a:schemeClr>
+              </a:solidFill>
+              <a:ln>
+                <a:solidFill>
+                  <a:schemeClr val="accent1">
+                    <a:lumMod val="60000"/>
+                    <a:lumOff val="40000"/>
+                  </a:schemeClr>
+                </a:solidFill>
+              </a:ln>
+            </p:spPr>
+            <p:style>
+              <a:lnRef idx="2">
+                <a:schemeClr val="accent1">
+                  <a:shade val="50000"/>
+                </a:schemeClr>
+              </a:lnRef>
+              <a:fillRef idx="1">
+                <a:schemeClr val="accent1"/>
+              </a:fillRef>
+              <a:effectRef idx="0">
+                <a:schemeClr val="accent1"/>
+              </a:effectRef>
+              <a:fontRef idx="minor">
+                <a:schemeClr val="lt1"/>
+              </a:fontRef>
+            </p:style>
+            <p:txBody>
+              <a:bodyPr rtlCol="0" anchor="ctr"/>
+              <a:lstStyle/>
+              <a:p>
+                <a:pPr algn="ctr"/>
+                <a:r>
+                  <a:rPr lang="en-US" dirty="0">
+                    <a:solidFill>
+                      <a:schemeClr val="tx1"/>
+                    </a:solidFill>
+                  </a:rPr>
+                  <a:t>X</a:t>
+                </a:r>
+                <a:r>
+                  <a:rPr lang="en-US" baseline="-25000" dirty="0">
+                    <a:solidFill>
+                      <a:schemeClr val="tx1"/>
+                    </a:solidFill>
+                  </a:rPr>
+                  <a:t>3</a:t>
+                </a:r>
+                <a:endParaRPr lang="en-US" dirty="0">
+                  <a:solidFill>
+                    <a:schemeClr val="tx1"/>
+                  </a:solidFill>
+                </a:endParaRPr>
+              </a:p>
+            </p:txBody>
+          </p:sp>
+          <p:sp>
+            <p:nvSpPr>
+              <p:cNvPr id="9" name="Oval 8">
+                <a:extLst>
+                  <a:ext uri="{FF2B5EF4-FFF2-40B4-BE49-F238E27FC236}">
+                    <a16:creationId xmlns:a16="http://schemas.microsoft.com/office/drawing/2014/main" id="{F5128617-EF3C-B747-9CC4-06AEDCA0FF9D}"/>
+                  </a:ext>
+                </a:extLst>
+              </p:cNvPr>
+              <p:cNvSpPr/>
+              <p:nvPr/>
+            </p:nvSpPr>
+            <p:spPr>
+              <a:xfrm>
+                <a:off x="7103165" y="3429000"/>
+                <a:ext cx="775252" cy="775252"/>
+              </a:xfrm>
+              <a:prstGeom prst="ellipse">
+                <a:avLst/>
+              </a:prstGeom>
+              <a:solidFill>
+                <a:schemeClr val="accent1">
+                  <a:lumMod val="20000"/>
+                  <a:lumOff val="80000"/>
+                </a:schemeClr>
+              </a:solidFill>
+              <a:ln>
+                <a:solidFill>
+                  <a:schemeClr val="accent1">
+                    <a:lumMod val="60000"/>
+                    <a:lumOff val="40000"/>
+                  </a:schemeClr>
+                </a:solidFill>
+              </a:ln>
+            </p:spPr>
+            <p:style>
+              <a:lnRef idx="2">
+                <a:schemeClr val="accent1">
+                  <a:shade val="50000"/>
+                </a:schemeClr>
+              </a:lnRef>
+              <a:fillRef idx="1">
+                <a:schemeClr val="accent1"/>
+              </a:fillRef>
+              <a:effectRef idx="0">
+                <a:schemeClr val="accent1"/>
+              </a:effectRef>
+              <a:fontRef idx="minor">
+                <a:schemeClr val="lt1"/>
+              </a:fontRef>
+            </p:style>
+            <p:txBody>
+              <a:bodyPr rtlCol="0" anchor="ctr"/>
+              <a:lstStyle/>
+              <a:p>
+                <a:pPr algn="ctr"/>
+                <a:r>
+                  <a:rPr lang="en-US" dirty="0">
+                    <a:solidFill>
+                      <a:schemeClr val="tx1"/>
+                    </a:solidFill>
+                  </a:rPr>
+                  <a:t>X</a:t>
+                </a:r>
+                <a:r>
+                  <a:rPr lang="en-US" baseline="-25000" dirty="0">
+                    <a:solidFill>
+                      <a:schemeClr val="tx1"/>
+                    </a:solidFill>
+                  </a:rPr>
+                  <a:t>4</a:t>
+                </a:r>
+                <a:endParaRPr lang="en-US" dirty="0">
+                  <a:solidFill>
+                    <a:schemeClr val="tx1"/>
+                  </a:solidFill>
+                </a:endParaRPr>
+              </a:p>
+            </p:txBody>
+          </p:sp>
+          <p:sp>
+            <p:nvSpPr>
+              <p:cNvPr id="10" name="Oval 9">
+                <a:extLst>
+                  <a:ext uri="{FF2B5EF4-FFF2-40B4-BE49-F238E27FC236}">
+                    <a16:creationId xmlns:a16="http://schemas.microsoft.com/office/drawing/2014/main" id="{7AE7574E-5309-7E40-A11D-95F86ABCBEC0}"/>
+                  </a:ext>
+                </a:extLst>
+              </p:cNvPr>
+              <p:cNvSpPr/>
+              <p:nvPr/>
+            </p:nvSpPr>
+            <p:spPr>
+              <a:xfrm>
+                <a:off x="5320748" y="4810539"/>
+                <a:ext cx="775252" cy="775252"/>
+              </a:xfrm>
+              <a:prstGeom prst="ellipse">
+                <a:avLst/>
+              </a:prstGeom>
+              <a:solidFill>
+                <a:schemeClr val="accent1">
+                  <a:lumMod val="20000"/>
+                  <a:lumOff val="80000"/>
+                </a:schemeClr>
+              </a:solidFill>
+              <a:ln>
+                <a:solidFill>
+                  <a:schemeClr val="accent1">
+                    <a:lumMod val="60000"/>
+                    <a:lumOff val="40000"/>
+                  </a:schemeClr>
+                </a:solidFill>
+              </a:ln>
+            </p:spPr>
+            <p:style>
+              <a:lnRef idx="2">
+                <a:schemeClr val="accent1">
+                  <a:shade val="50000"/>
+                </a:schemeClr>
+              </a:lnRef>
+              <a:fillRef idx="1">
+                <a:schemeClr val="accent1"/>
+              </a:fillRef>
+              <a:effectRef idx="0">
+                <a:schemeClr val="accent1"/>
+              </a:effectRef>
+              <a:fontRef idx="minor">
+                <a:schemeClr val="lt1"/>
+              </a:fontRef>
+            </p:style>
+            <p:txBody>
+              <a:bodyPr rtlCol="0" anchor="ctr"/>
+              <a:lstStyle/>
+              <a:p>
+                <a:pPr algn="ctr"/>
+                <a:r>
+                  <a:rPr lang="en-US" dirty="0">
+                    <a:solidFill>
+                      <a:schemeClr val="tx1"/>
+                    </a:solidFill>
+                  </a:rPr>
+                  <a:t>X</a:t>
+                </a:r>
+                <a:r>
+                  <a:rPr lang="en-US" baseline="-25000" dirty="0">
+                    <a:solidFill>
+                      <a:schemeClr val="tx1"/>
+                    </a:solidFill>
+                  </a:rPr>
+                  <a:t>5</a:t>
+                </a:r>
+                <a:endParaRPr lang="en-US" dirty="0">
+                  <a:solidFill>
+                    <a:schemeClr val="tx1"/>
+                  </a:solidFill>
+                </a:endParaRPr>
+              </a:p>
+            </p:txBody>
+          </p:sp>
+          <p:cxnSp>
+            <p:nvCxnSpPr>
+              <p:cNvPr id="11" name="Straight Arrow Connector 10">
+                <a:extLst>
+                  <a:ext uri="{FF2B5EF4-FFF2-40B4-BE49-F238E27FC236}">
+                    <a16:creationId xmlns:a16="http://schemas.microsoft.com/office/drawing/2014/main" id="{188DF138-DB01-7446-B72D-5AB28BF40496}"/>
+                  </a:ext>
+                </a:extLst>
+              </p:cNvPr>
+              <p:cNvCxnSpPr>
+                <a:cxnSpLocks/>
+                <a:endCxn id="6" idx="2"/>
+              </p:cNvCxnSpPr>
+              <p:nvPr/>
+            </p:nvCxnSpPr>
+            <p:spPr>
+              <a:xfrm>
+                <a:off x="4313583" y="2435087"/>
+                <a:ext cx="1007165" cy="0"/>
+              </a:xfrm>
+              <a:prstGeom prst="straightConnector1">
+                <a:avLst/>
+              </a:prstGeom>
+              <a:ln w="38100">
+                <a:tailEnd type="triangle"/>
+              </a:ln>
+            </p:spPr>
+            <p:style>
+              <a:lnRef idx="1">
+                <a:schemeClr val="dk1"/>
+              </a:lnRef>
+              <a:fillRef idx="0">
+                <a:schemeClr val="dk1"/>
+              </a:fillRef>
+              <a:effectRef idx="0">
+                <a:schemeClr val="dk1"/>
+              </a:effectRef>
+              <a:fontRef idx="minor">
+                <a:schemeClr val="tx1"/>
+              </a:fontRef>
+            </p:style>
+          </p:cxnSp>
+          <p:cxnSp>
+            <p:nvCxnSpPr>
+              <p:cNvPr id="12" name="Straight Arrow Connector 11">
+                <a:extLst>
+                  <a:ext uri="{FF2B5EF4-FFF2-40B4-BE49-F238E27FC236}">
+                    <a16:creationId xmlns:a16="http://schemas.microsoft.com/office/drawing/2014/main" id="{737126E7-2488-2A43-ADE6-902792CEFFC1}"/>
+                  </a:ext>
+                </a:extLst>
+              </p:cNvPr>
+              <p:cNvCxnSpPr>
+                <a:cxnSpLocks/>
+              </p:cNvCxnSpPr>
+              <p:nvPr/>
+            </p:nvCxnSpPr>
+            <p:spPr>
+              <a:xfrm>
+                <a:off x="6096000" y="2435087"/>
+                <a:ext cx="1007165" cy="0"/>
+              </a:xfrm>
+              <a:prstGeom prst="straightConnector1">
+                <a:avLst/>
+              </a:prstGeom>
+              <a:ln w="38100">
+                <a:tailEnd type="triangle"/>
+              </a:ln>
+            </p:spPr>
+            <p:style>
+              <a:lnRef idx="1">
+                <a:schemeClr val="dk1"/>
+              </a:lnRef>
+              <a:fillRef idx="0">
+                <a:schemeClr val="dk1"/>
+              </a:fillRef>
+              <a:effectRef idx="0">
+                <a:schemeClr val="dk1"/>
+              </a:effectRef>
+              <a:fontRef idx="minor">
+                <a:schemeClr val="tx1"/>
+              </a:fontRef>
+            </p:style>
+          </p:cxnSp>
+          <p:cxnSp>
+            <p:nvCxnSpPr>
+              <p:cNvPr id="13" name="Straight Arrow Connector 12">
+                <a:extLst>
+                  <a:ext uri="{FF2B5EF4-FFF2-40B4-BE49-F238E27FC236}">
+                    <a16:creationId xmlns:a16="http://schemas.microsoft.com/office/drawing/2014/main" id="{DE49693A-20EA-EB40-876B-33F52A3E0E89}"/>
+                  </a:ext>
+                </a:extLst>
+              </p:cNvPr>
+              <p:cNvCxnSpPr>
+                <a:stCxn id="5" idx="4"/>
+                <a:endCxn id="10" idx="2"/>
+              </p:cNvCxnSpPr>
+              <p:nvPr/>
+            </p:nvCxnSpPr>
+            <p:spPr>
+              <a:xfrm>
+                <a:off x="3925957" y="2822713"/>
+                <a:ext cx="1394791" cy="2375452"/>
+              </a:xfrm>
+              <a:prstGeom prst="straightConnector1">
+                <a:avLst/>
+              </a:prstGeom>
+              <a:ln w="38100">
+                <a:tailEnd type="triangle"/>
+              </a:ln>
+            </p:spPr>
+            <p:style>
+              <a:lnRef idx="1">
+                <a:schemeClr val="dk1"/>
+              </a:lnRef>
+              <a:fillRef idx="0">
+                <a:schemeClr val="dk1"/>
+              </a:fillRef>
+              <a:effectRef idx="0">
+                <a:schemeClr val="dk1"/>
+              </a:effectRef>
+              <a:fontRef idx="minor">
+                <a:schemeClr val="tx1"/>
+              </a:fontRef>
+            </p:style>
+          </p:cxnSp>
+          <p:cxnSp>
+            <p:nvCxnSpPr>
+              <p:cNvPr id="14" name="Straight Arrow Connector 13">
+                <a:extLst>
+                  <a:ext uri="{FF2B5EF4-FFF2-40B4-BE49-F238E27FC236}">
+                    <a16:creationId xmlns:a16="http://schemas.microsoft.com/office/drawing/2014/main" id="{06403C83-D171-F047-8AEF-B0EDA29AE07A}"/>
+                  </a:ext>
+                </a:extLst>
+              </p:cNvPr>
+              <p:cNvCxnSpPr>
+                <a:stCxn id="8" idx="6"/>
+                <a:endCxn id="7" idx="3"/>
+              </p:cNvCxnSpPr>
+              <p:nvPr/>
+            </p:nvCxnSpPr>
+            <p:spPr>
+              <a:xfrm flipV="1">
+                <a:off x="6096000" y="2709180"/>
+                <a:ext cx="1120698" cy="1107446"/>
+              </a:xfrm>
+              <a:prstGeom prst="straightConnector1">
+                <a:avLst/>
+              </a:prstGeom>
+              <a:ln w="38100">
+                <a:tailEnd type="triangle"/>
+              </a:ln>
+            </p:spPr>
+            <p:style>
+              <a:lnRef idx="1">
+                <a:schemeClr val="dk1"/>
+              </a:lnRef>
+              <a:fillRef idx="0">
+                <a:schemeClr val="dk1"/>
+              </a:fillRef>
+              <a:effectRef idx="0">
+                <a:schemeClr val="dk1"/>
+              </a:effectRef>
+              <a:fontRef idx="minor">
+                <a:schemeClr val="tx1"/>
+              </a:fontRef>
+            </p:style>
+          </p:cxnSp>
+          <p:cxnSp>
+            <p:nvCxnSpPr>
+              <p:cNvPr id="15" name="Straight Arrow Connector 14">
+                <a:extLst>
+                  <a:ext uri="{FF2B5EF4-FFF2-40B4-BE49-F238E27FC236}">
+                    <a16:creationId xmlns:a16="http://schemas.microsoft.com/office/drawing/2014/main" id="{89E2FBD7-E580-4D40-81F0-73B9AE5659C3}"/>
+                  </a:ext>
+                </a:extLst>
+              </p:cNvPr>
+              <p:cNvCxnSpPr>
+                <a:stCxn id="10" idx="6"/>
+                <a:endCxn id="9" idx="3"/>
+              </p:cNvCxnSpPr>
+              <p:nvPr/>
+            </p:nvCxnSpPr>
+            <p:spPr>
+              <a:xfrm flipV="1">
+                <a:off x="6096000" y="4090719"/>
+                <a:ext cx="1120698" cy="1107446"/>
+              </a:xfrm>
+              <a:prstGeom prst="straightConnector1">
+                <a:avLst/>
+              </a:prstGeom>
+              <a:ln w="38100">
+                <a:tailEnd type="triangle"/>
+              </a:ln>
+            </p:spPr>
+            <p:style>
+              <a:lnRef idx="1">
+                <a:schemeClr val="dk1"/>
+              </a:lnRef>
+              <a:fillRef idx="0">
+                <a:schemeClr val="dk1"/>
+              </a:fillRef>
+              <a:effectRef idx="0">
+                <a:schemeClr val="dk1"/>
+              </a:effectRef>
+              <a:fontRef idx="minor">
+                <a:schemeClr val="tx1"/>
+              </a:fontRef>
+            </p:style>
+          </p:cxnSp>
+          <p:cxnSp>
+            <p:nvCxnSpPr>
+              <p:cNvPr id="16" name="Straight Arrow Connector 15">
+                <a:extLst>
+                  <a:ext uri="{FF2B5EF4-FFF2-40B4-BE49-F238E27FC236}">
+                    <a16:creationId xmlns:a16="http://schemas.microsoft.com/office/drawing/2014/main" id="{2F92D9FC-F95B-5847-8FA0-F7C302AC4AA4}"/>
+                  </a:ext>
+                </a:extLst>
+              </p:cNvPr>
+              <p:cNvCxnSpPr>
+                <a:stCxn id="8" idx="6"/>
+                <a:endCxn id="9" idx="2"/>
+              </p:cNvCxnSpPr>
+              <p:nvPr/>
+            </p:nvCxnSpPr>
+            <p:spPr>
+              <a:xfrm>
+                <a:off x="6096000" y="3816626"/>
+                <a:ext cx="1007165" cy="0"/>
+              </a:xfrm>
+              <a:prstGeom prst="straightConnector1">
+                <a:avLst/>
+              </a:prstGeom>
+              <a:ln w="38100">
+                <a:tailEnd type="triangle"/>
+              </a:ln>
+            </p:spPr>
+            <p:style>
+              <a:lnRef idx="1">
+                <a:schemeClr val="dk1"/>
+              </a:lnRef>
+              <a:fillRef idx="0">
+                <a:schemeClr val="dk1"/>
+              </a:fillRef>
+              <a:effectRef idx="0">
+                <a:schemeClr val="dk1"/>
+              </a:effectRef>
+              <a:fontRef idx="minor">
+                <a:schemeClr val="tx1"/>
+              </a:fontRef>
+            </p:style>
+          </p:cxnSp>
+          <p:cxnSp>
+            <p:nvCxnSpPr>
+              <p:cNvPr id="17" name="Straight Arrow Connector 16">
+                <a:extLst>
+                  <a:ext uri="{FF2B5EF4-FFF2-40B4-BE49-F238E27FC236}">
+                    <a16:creationId xmlns:a16="http://schemas.microsoft.com/office/drawing/2014/main" id="{D6D65787-8A84-274A-9534-AF436B3882F6}"/>
+                  </a:ext>
+                </a:extLst>
+              </p:cNvPr>
+              <p:cNvCxnSpPr>
+                <a:stCxn id="9" idx="0"/>
+                <a:endCxn id="7" idx="4"/>
+              </p:cNvCxnSpPr>
+              <p:nvPr/>
+            </p:nvCxnSpPr>
+            <p:spPr>
+              <a:xfrm flipV="1">
+                <a:off x="7490791" y="2822713"/>
+                <a:ext cx="0" cy="606287"/>
+              </a:xfrm>
+              <a:prstGeom prst="straightConnector1">
+                <a:avLst/>
+              </a:prstGeom>
+              <a:ln w="38100">
+                <a:tailEnd type="triangle"/>
+              </a:ln>
+            </p:spPr>
+            <p:style>
+              <a:lnRef idx="1">
+                <a:schemeClr val="dk1"/>
+              </a:lnRef>
+              <a:fillRef idx="0">
+                <a:schemeClr val="dk1"/>
+              </a:fillRef>
+              <a:effectRef idx="0">
+                <a:schemeClr val="dk1"/>
+              </a:effectRef>
+              <a:fontRef idx="minor">
+                <a:schemeClr val="tx1"/>
+              </a:fontRef>
+            </p:style>
+          </p:cxnSp>
+          <p:sp>
+            <p:nvSpPr>
+              <p:cNvPr id="18" name="TextBox 17">
+                <a:extLst>
+                  <a:ext uri="{FF2B5EF4-FFF2-40B4-BE49-F238E27FC236}">
+                    <a16:creationId xmlns:a16="http://schemas.microsoft.com/office/drawing/2014/main" id="{E729472B-2CA6-7F49-A840-F19274C893AE}"/>
+                  </a:ext>
+                </a:extLst>
+              </p:cNvPr>
+              <p:cNvSpPr txBox="1"/>
+              <p:nvPr/>
+            </p:nvSpPr>
+            <p:spPr>
+              <a:xfrm>
+                <a:off x="4364957" y="2010204"/>
+                <a:ext cx="904415" cy="369332"/>
+              </a:xfrm>
+              <a:prstGeom prst="rect">
+                <a:avLst/>
+              </a:prstGeom>
+              <a:noFill/>
+            </p:spPr>
+            <p:txBody>
+              <a:bodyPr wrap="none" rtlCol="0">
+                <a:spAutoFit/>
+              </a:bodyPr>
+              <a:lstStyle/>
+              <a:p>
+                <a:r>
+                  <a:rPr lang="en-US" dirty="0"/>
+                  <a:t>[10, 20]</a:t>
+                </a:r>
+              </a:p>
+            </p:txBody>
+          </p:sp>
+          <p:sp>
+            <p:nvSpPr>
+              <p:cNvPr id="19" name="TextBox 18">
+                <a:extLst>
+                  <a:ext uri="{FF2B5EF4-FFF2-40B4-BE49-F238E27FC236}">
+                    <a16:creationId xmlns:a16="http://schemas.microsoft.com/office/drawing/2014/main" id="{8C37FC8F-7282-7A42-8E6E-0FB7F1FA6BB4}"/>
+                  </a:ext>
+                </a:extLst>
+              </p:cNvPr>
+              <p:cNvSpPr txBox="1"/>
+              <p:nvPr/>
+            </p:nvSpPr>
+            <p:spPr>
+              <a:xfrm>
+                <a:off x="6147375" y="2043472"/>
+                <a:ext cx="904415" cy="369332"/>
+              </a:xfrm>
+              <a:prstGeom prst="rect">
+                <a:avLst/>
+              </a:prstGeom>
+              <a:noFill/>
+            </p:spPr>
+            <p:txBody>
+              <a:bodyPr wrap="none" rtlCol="0">
+                <a:spAutoFit/>
+              </a:bodyPr>
+              <a:lstStyle/>
+              <a:p>
+                <a:r>
+                  <a:rPr lang="en-US" dirty="0"/>
+                  <a:t>[40, 50]</a:t>
+                </a:r>
+              </a:p>
+            </p:txBody>
+          </p:sp>
+          <p:sp>
+            <p:nvSpPr>
+              <p:cNvPr id="20" name="TextBox 19">
+                <a:extLst>
+                  <a:ext uri="{FF2B5EF4-FFF2-40B4-BE49-F238E27FC236}">
+                    <a16:creationId xmlns:a16="http://schemas.microsoft.com/office/drawing/2014/main" id="{4A577E8A-2183-B042-A08D-04F34E094C7B}"/>
+                  </a:ext>
+                </a:extLst>
+              </p:cNvPr>
+              <p:cNvSpPr txBox="1"/>
+              <p:nvPr/>
+            </p:nvSpPr>
+            <p:spPr>
+              <a:xfrm>
+                <a:off x="5821907" y="2893571"/>
+                <a:ext cx="904415" cy="369332"/>
+              </a:xfrm>
+              <a:prstGeom prst="rect">
+                <a:avLst/>
+              </a:prstGeom>
+              <a:noFill/>
+            </p:spPr>
+            <p:txBody>
+              <a:bodyPr wrap="none" rtlCol="0">
+                <a:spAutoFit/>
+              </a:bodyPr>
+              <a:lstStyle/>
+              <a:p>
+                <a:r>
+                  <a:rPr lang="en-US" dirty="0"/>
+                  <a:t>[10, 20]</a:t>
+                </a:r>
+              </a:p>
+            </p:txBody>
+          </p:sp>
+          <p:sp>
+            <p:nvSpPr>
+              <p:cNvPr id="21" name="TextBox 20">
+                <a:extLst>
+                  <a:ext uri="{FF2B5EF4-FFF2-40B4-BE49-F238E27FC236}">
+                    <a16:creationId xmlns:a16="http://schemas.microsoft.com/office/drawing/2014/main" id="{B011ADE0-5842-AF4C-BC41-A73688CB148F}"/>
+                  </a:ext>
+                </a:extLst>
+              </p:cNvPr>
+              <p:cNvSpPr txBox="1"/>
+              <p:nvPr/>
+            </p:nvSpPr>
+            <p:spPr>
+              <a:xfrm>
+                <a:off x="7539742" y="2893571"/>
+                <a:ext cx="904415" cy="369332"/>
+              </a:xfrm>
+              <a:prstGeom prst="rect">
+                <a:avLst/>
+              </a:prstGeom>
+              <a:noFill/>
+            </p:spPr>
+            <p:txBody>
+              <a:bodyPr wrap="none" rtlCol="0">
+                <a:spAutoFit/>
+              </a:bodyPr>
+              <a:lstStyle/>
+              <a:p>
+                <a:r>
+                  <a:rPr lang="en-US" dirty="0"/>
+                  <a:t>[10, 20]</a:t>
+                </a:r>
+              </a:p>
+            </p:txBody>
+          </p:sp>
+          <p:sp>
+            <p:nvSpPr>
+              <p:cNvPr id="22" name="TextBox 21">
+                <a:extLst>
+                  <a:ext uri="{FF2B5EF4-FFF2-40B4-BE49-F238E27FC236}">
+                    <a16:creationId xmlns:a16="http://schemas.microsoft.com/office/drawing/2014/main" id="{97DFC573-07C9-3B4D-AF0D-35696F4AF4AD}"/>
+                  </a:ext>
+                </a:extLst>
+              </p:cNvPr>
+              <p:cNvSpPr txBox="1"/>
+              <p:nvPr/>
+            </p:nvSpPr>
+            <p:spPr>
+              <a:xfrm>
+                <a:off x="6205884" y="3851048"/>
+                <a:ext cx="787395" cy="369332"/>
+              </a:xfrm>
+              <a:prstGeom prst="rect">
+                <a:avLst/>
+              </a:prstGeom>
+              <a:noFill/>
+            </p:spPr>
+            <p:txBody>
+              <a:bodyPr wrap="none" rtlCol="0">
+                <a:spAutoFit/>
+              </a:bodyPr>
+              <a:lstStyle/>
+              <a:p>
+                <a:r>
+                  <a:rPr lang="en-US" dirty="0"/>
+                  <a:t>[5, 10]</a:t>
+                </a:r>
+              </a:p>
+            </p:txBody>
+          </p:sp>
+          <p:sp>
+            <p:nvSpPr>
+              <p:cNvPr id="23" name="TextBox 22">
+                <a:extLst>
+                  <a:ext uri="{FF2B5EF4-FFF2-40B4-BE49-F238E27FC236}">
+                    <a16:creationId xmlns:a16="http://schemas.microsoft.com/office/drawing/2014/main" id="{A7586D33-D730-FF42-8734-8BC03B34FD45}"/>
+                  </a:ext>
+                </a:extLst>
+              </p:cNvPr>
+              <p:cNvSpPr txBox="1"/>
+              <p:nvPr/>
+            </p:nvSpPr>
+            <p:spPr>
+              <a:xfrm>
+                <a:off x="3718937" y="3906053"/>
+                <a:ext cx="904415" cy="369332"/>
+              </a:xfrm>
+              <a:prstGeom prst="rect">
+                <a:avLst/>
+              </a:prstGeom>
+              <a:noFill/>
+            </p:spPr>
+            <p:txBody>
+              <a:bodyPr wrap="none" rtlCol="0">
+                <a:spAutoFit/>
+              </a:bodyPr>
+              <a:lstStyle/>
+              <a:p>
+                <a:r>
+                  <a:rPr lang="en-US" dirty="0"/>
+                  <a:t>[30, 50]</a:t>
+                </a:r>
+              </a:p>
+            </p:txBody>
+          </p:sp>
+          <p:sp>
+            <p:nvSpPr>
+              <p:cNvPr id="24" name="TextBox 23">
+                <a:extLst>
+                  <a:ext uri="{FF2B5EF4-FFF2-40B4-BE49-F238E27FC236}">
+                    <a16:creationId xmlns:a16="http://schemas.microsoft.com/office/drawing/2014/main" id="{F9F07FD5-112F-D748-8C5B-2E8AFFFCFF60}"/>
+                  </a:ext>
+                </a:extLst>
+              </p:cNvPr>
+              <p:cNvSpPr txBox="1"/>
+              <p:nvPr/>
+            </p:nvSpPr>
+            <p:spPr>
+              <a:xfrm>
+                <a:off x="6656349" y="4625873"/>
+                <a:ext cx="904415" cy="369332"/>
+              </a:xfrm>
+              <a:prstGeom prst="rect">
+                <a:avLst/>
+              </a:prstGeom>
+              <a:noFill/>
+            </p:spPr>
+            <p:txBody>
+              <a:bodyPr wrap="none" rtlCol="0">
+                <a:spAutoFit/>
+              </a:bodyPr>
+              <a:lstStyle/>
+              <a:p>
+                <a:r>
+                  <a:rPr lang="en-US" dirty="0"/>
+                  <a:t>[20, 30]</a:t>
+                </a:r>
+              </a:p>
+            </p:txBody>
+          </p:sp>
+        </p:grpSp>
+        <p:sp>
+          <p:nvSpPr>
+            <p:cNvPr id="25" name="TextBox 24">
+              <a:extLst>
+                <a:ext uri="{FF2B5EF4-FFF2-40B4-BE49-F238E27FC236}">
+                  <a16:creationId xmlns:a16="http://schemas.microsoft.com/office/drawing/2014/main" id="{4BF02036-B132-0546-BA34-199C9A27CD51}"/>
+                </a:ext>
+              </a:extLst>
+            </p:cNvPr>
+            <p:cNvSpPr txBox="1"/>
+            <p:nvPr/>
+          </p:nvSpPr>
+          <p:spPr>
+            <a:xfrm>
+              <a:off x="3783690" y="1271874"/>
+              <a:ext cx="494046" cy="369332"/>
+            </a:xfrm>
+            <a:prstGeom prst="rect">
+              <a:avLst/>
+            </a:prstGeom>
+            <a:noFill/>
+          </p:spPr>
+          <p:txBody>
+            <a:bodyPr wrap="none" rtlCol="0">
+              <a:spAutoFit/>
+            </a:bodyPr>
+            <a:lstStyle/>
+            <a:p>
+              <a:r>
+                <a:rPr lang="en-US" dirty="0">
+                  <a:solidFill>
+                    <a:srgbClr val="0070C0"/>
+                  </a:solidFill>
+                </a:rPr>
+                <a:t>t=0</a:t>
+              </a:r>
+            </a:p>
+          </p:txBody>
+        </p:sp>
+        <p:sp>
+          <p:nvSpPr>
+            <p:cNvPr id="26" name="TextBox 25">
+              <a:extLst>
+                <a:ext uri="{FF2B5EF4-FFF2-40B4-BE49-F238E27FC236}">
+                  <a16:creationId xmlns:a16="http://schemas.microsoft.com/office/drawing/2014/main" id="{C546458B-56B5-194A-AC02-44BD62AFCA67}"/>
+                </a:ext>
+              </a:extLst>
+            </p:cNvPr>
+            <p:cNvSpPr txBox="1"/>
+            <p:nvPr/>
+          </p:nvSpPr>
+          <p:spPr>
+            <a:xfrm>
+              <a:off x="5365160" y="2672376"/>
+              <a:ext cx="611065" cy="369332"/>
+            </a:xfrm>
+            <a:prstGeom prst="rect">
+              <a:avLst/>
+            </a:prstGeom>
+            <a:noFill/>
+          </p:spPr>
+          <p:txBody>
+            <a:bodyPr wrap="none" rtlCol="0">
+              <a:spAutoFit/>
+            </a:bodyPr>
+            <a:lstStyle/>
+            <a:p>
+              <a:r>
+                <a:rPr lang="en-US" dirty="0">
+                  <a:solidFill>
+                    <a:srgbClr val="FF0000"/>
+                  </a:solidFill>
+                </a:rPr>
+                <a:t>t=20</a:t>
+              </a:r>
+            </a:p>
+          </p:txBody>
+        </p:sp>
+      </p:grpSp>
+    </p:spTree>
+    <p:extLst>
+      <p:ext uri="{BB962C8B-B14F-4D97-AF65-F5344CB8AC3E}">
+        <p14:creationId xmlns:p14="http://schemas.microsoft.com/office/powerpoint/2010/main" val="3881026839"/>
+      </p:ext>
+    </p:extLst>
+  </p:cSld>
+  <p:clrMapOvr>
+    <a:masterClrMapping/>
+  </p:clrMapOvr>
+</p:sld>
+</file>
+
 <file path=ppt/theme/theme1.xml><?xml version="1.0" encoding="utf-8"?>
 <a:theme xmlns:a="http://schemas.openxmlformats.org/drawingml/2006/main" name="Office Theme">
   <a:themeElements>

--- a/images.pptx
+++ b/images.pptx
@@ -12,6 +12,9 @@
     <p:sldId id="261" r:id="rId6"/>
     <p:sldId id="262" r:id="rId7"/>
     <p:sldId id="263" r:id="rId8"/>
+    <p:sldId id="264" r:id="rId9"/>
+    <p:sldId id="265" r:id="rId10"/>
+    <p:sldId id="266" r:id="rId11"/>
   </p:sldIdLst>
   <p:sldSz cx="12192000" cy="6858000"/>
   <p:notesSz cx="6858000" cy="9144000"/>
@@ -265,7 +268,7 @@
           <a:p>
             <a:fld id="{C9D7E1C7-362E-0A4F-BED6-EEFD53131585}" type="datetimeFigureOut">
               <a:rPr lang="en-US" smtClean="0"/>
-              <a:t>10/21/19</a:t>
+              <a:t>11/3/19</a:t>
             </a:fld>
             <a:endParaRPr lang="en-US"/>
           </a:p>
@@ -463,7 +466,7 @@
           <a:p>
             <a:fld id="{C9D7E1C7-362E-0A4F-BED6-EEFD53131585}" type="datetimeFigureOut">
               <a:rPr lang="en-US" smtClean="0"/>
-              <a:t>10/21/19</a:t>
+              <a:t>11/3/19</a:t>
             </a:fld>
             <a:endParaRPr lang="en-US"/>
           </a:p>
@@ -671,7 +674,7 @@
           <a:p>
             <a:fld id="{C9D7E1C7-362E-0A4F-BED6-EEFD53131585}" type="datetimeFigureOut">
               <a:rPr lang="en-US" smtClean="0"/>
-              <a:t>10/21/19</a:t>
+              <a:t>11/3/19</a:t>
             </a:fld>
             <a:endParaRPr lang="en-US"/>
           </a:p>
@@ -869,7 +872,7 @@
           <a:p>
             <a:fld id="{C9D7E1C7-362E-0A4F-BED6-EEFD53131585}" type="datetimeFigureOut">
               <a:rPr lang="en-US" smtClean="0"/>
-              <a:t>10/21/19</a:t>
+              <a:t>11/3/19</a:t>
             </a:fld>
             <a:endParaRPr lang="en-US"/>
           </a:p>
@@ -1144,7 +1147,7 @@
           <a:p>
             <a:fld id="{C9D7E1C7-362E-0A4F-BED6-EEFD53131585}" type="datetimeFigureOut">
               <a:rPr lang="en-US" smtClean="0"/>
-              <a:t>10/21/19</a:t>
+              <a:t>11/3/19</a:t>
             </a:fld>
             <a:endParaRPr lang="en-US"/>
           </a:p>
@@ -1409,7 +1412,7 @@
           <a:p>
             <a:fld id="{C9D7E1C7-362E-0A4F-BED6-EEFD53131585}" type="datetimeFigureOut">
               <a:rPr lang="en-US" smtClean="0"/>
-              <a:t>10/21/19</a:t>
+              <a:t>11/3/19</a:t>
             </a:fld>
             <a:endParaRPr lang="en-US"/>
           </a:p>
@@ -1821,7 +1824,7 @@
           <a:p>
             <a:fld id="{C9D7E1C7-362E-0A4F-BED6-EEFD53131585}" type="datetimeFigureOut">
               <a:rPr lang="en-US" smtClean="0"/>
-              <a:t>10/21/19</a:t>
+              <a:t>11/3/19</a:t>
             </a:fld>
             <a:endParaRPr lang="en-US"/>
           </a:p>
@@ -1962,7 +1965,7 @@
           <a:p>
             <a:fld id="{C9D7E1C7-362E-0A4F-BED6-EEFD53131585}" type="datetimeFigureOut">
               <a:rPr lang="en-US" smtClean="0"/>
-              <a:t>10/21/19</a:t>
+              <a:t>11/3/19</a:t>
             </a:fld>
             <a:endParaRPr lang="en-US"/>
           </a:p>
@@ -2075,7 +2078,7 @@
           <a:p>
             <a:fld id="{C9D7E1C7-362E-0A4F-BED6-EEFD53131585}" type="datetimeFigureOut">
               <a:rPr lang="en-US" smtClean="0"/>
-              <a:t>10/21/19</a:t>
+              <a:t>11/3/19</a:t>
             </a:fld>
             <a:endParaRPr lang="en-US"/>
           </a:p>
@@ -2386,7 +2389,7 @@
           <a:p>
             <a:fld id="{C9D7E1C7-362E-0A4F-BED6-EEFD53131585}" type="datetimeFigureOut">
               <a:rPr lang="en-US" smtClean="0"/>
-              <a:t>10/21/19</a:t>
+              <a:t>11/3/19</a:t>
             </a:fld>
             <a:endParaRPr lang="en-US"/>
           </a:p>
@@ -2674,7 +2677,7 @@
           <a:p>
             <a:fld id="{C9D7E1C7-362E-0A4F-BED6-EEFD53131585}" type="datetimeFigureOut">
               <a:rPr lang="en-US" smtClean="0"/>
-              <a:t>10/21/19</a:t>
+              <a:t>11/3/19</a:t>
             </a:fld>
             <a:endParaRPr lang="en-US"/>
           </a:p>
@@ -2915,7 +2918,7 @@
           <a:p>
             <a:fld id="{C9D7E1C7-362E-0A4F-BED6-EEFD53131585}" type="datetimeFigureOut">
               <a:rPr lang="en-US" smtClean="0"/>
-              <a:t>10/21/19</a:t>
+              <a:t>11/3/19</a:t>
             </a:fld>
             <a:endParaRPr lang="en-US"/>
           </a:p>
@@ -4785,6 +4788,1763 @@
     <p:extLst>
       <p:ext uri="{BB962C8B-B14F-4D97-AF65-F5344CB8AC3E}">
         <p14:creationId xmlns:p14="http://schemas.microsoft.com/office/powerpoint/2010/main" val="3158620060"/>
+      </p:ext>
+    </p:extLst>
+  </p:cSld>
+  <p:clrMapOvr>
+    <a:masterClrMapping/>
+  </p:clrMapOvr>
+</p:sld>
+</file>
+
+<file path=ppt/slides/slide10.xml><?xml version="1.0" encoding="utf-8"?>
+<p:sld xmlns:a="http://schemas.openxmlformats.org/drawingml/2006/main" xmlns:r="http://schemas.openxmlformats.org/officeDocument/2006/relationships" xmlns:p="http://schemas.openxmlformats.org/presentationml/2006/main">
+  <p:cSld>
+    <p:spTree>
+      <p:nvGrpSpPr>
+        <p:cNvPr id="1" name=""/>
+        <p:cNvGrpSpPr/>
+        <p:nvPr/>
+      </p:nvGrpSpPr>
+      <p:grpSpPr>
+        <a:xfrm>
+          <a:off x="0" y="0"/>
+          <a:ext cx="0" cy="0"/>
+          <a:chOff x="0" y="0"/>
+          <a:chExt cx="0" cy="0"/>
+        </a:xfrm>
+      </p:grpSpPr>
+      <p:graphicFrame>
+        <p:nvGraphicFramePr>
+          <p:cNvPr id="5" name="Table 4">
+            <a:extLst>
+              <a:ext uri="{FF2B5EF4-FFF2-40B4-BE49-F238E27FC236}">
+                <a16:creationId xmlns:a16="http://schemas.microsoft.com/office/drawing/2014/main" id="{4939FBC0-565C-8341-87FA-E0C4D674769B}"/>
+              </a:ext>
+            </a:extLst>
+          </p:cNvPr>
+          <p:cNvGraphicFramePr>
+            <a:graphicFrameLocks noGrp="1"/>
+          </p:cNvGraphicFramePr>
+          <p:nvPr>
+            <p:extLst>
+              <p:ext uri="{D42A27DB-BD31-4B8C-83A1-F6EECF244321}">
+                <p14:modId xmlns:p14="http://schemas.microsoft.com/office/powerpoint/2010/main" val="2163342739"/>
+              </p:ext>
+            </p:extLst>
+          </p:nvPr>
+        </p:nvGraphicFramePr>
+        <p:xfrm>
+          <a:off x="3473450" y="1428750"/>
+          <a:ext cx="5245100" cy="4000500"/>
+        </p:xfrm>
+        <a:graphic>
+          <a:graphicData uri="http://schemas.openxmlformats.org/drawingml/2006/table">
+            <a:tbl>
+              <a:tblPr>
+                <a:tableStyleId>{00A15C55-8517-42AA-B614-E9B94910E393}</a:tableStyleId>
+              </a:tblPr>
+              <a:tblGrid>
+                <a:gridCol w="749300">
+                  <a:extLst>
+                    <a:ext uri="{9D8B030D-6E8A-4147-A177-3AD203B41FA5}">
+                      <a16:colId xmlns:a16="http://schemas.microsoft.com/office/drawing/2014/main" val="820614285"/>
+                    </a:ext>
+                  </a:extLst>
+                </a:gridCol>
+                <a:gridCol w="749300">
+                  <a:extLst>
+                    <a:ext uri="{9D8B030D-6E8A-4147-A177-3AD203B41FA5}">
+                      <a16:colId xmlns:a16="http://schemas.microsoft.com/office/drawing/2014/main" val="51381889"/>
+                    </a:ext>
+                  </a:extLst>
+                </a:gridCol>
+                <a:gridCol w="749300">
+                  <a:extLst>
+                    <a:ext uri="{9D8B030D-6E8A-4147-A177-3AD203B41FA5}">
+                      <a16:colId xmlns:a16="http://schemas.microsoft.com/office/drawing/2014/main" val="1330208143"/>
+                    </a:ext>
+                  </a:extLst>
+                </a:gridCol>
+                <a:gridCol w="749300">
+                  <a:extLst>
+                    <a:ext uri="{9D8B030D-6E8A-4147-A177-3AD203B41FA5}">
+                      <a16:colId xmlns:a16="http://schemas.microsoft.com/office/drawing/2014/main" val="3369406968"/>
+                    </a:ext>
+                  </a:extLst>
+                </a:gridCol>
+                <a:gridCol w="749300">
+                  <a:extLst>
+                    <a:ext uri="{9D8B030D-6E8A-4147-A177-3AD203B41FA5}">
+                      <a16:colId xmlns:a16="http://schemas.microsoft.com/office/drawing/2014/main" val="2218853174"/>
+                    </a:ext>
+                  </a:extLst>
+                </a:gridCol>
+                <a:gridCol w="749300">
+                  <a:extLst>
+                    <a:ext uri="{9D8B030D-6E8A-4147-A177-3AD203B41FA5}">
+                      <a16:colId xmlns:a16="http://schemas.microsoft.com/office/drawing/2014/main" val="1044150607"/>
+                    </a:ext>
+                  </a:extLst>
+                </a:gridCol>
+                <a:gridCol w="749300">
+                  <a:extLst>
+                    <a:ext uri="{9D8B030D-6E8A-4147-A177-3AD203B41FA5}">
+                      <a16:colId xmlns:a16="http://schemas.microsoft.com/office/drawing/2014/main" val="2589923993"/>
+                    </a:ext>
+                  </a:extLst>
+                </a:gridCol>
+              </a:tblGrid>
+              <a:tr h="571500">
+                <a:tc>
+                  <a:txBody>
+                    <a:bodyPr/>
+                    <a:lstStyle/>
+                    <a:p>
+                      <a:pPr algn="ctr" fontAlgn="ctr"/>
+                      <a:r>
+                        <a:rPr lang="en-US" sz="1600" u="none" strike="noStrike" dirty="0">
+                          <a:effectLst/>
+                        </a:rPr>
+                        <a:t>Nodes</a:t>
+                      </a:r>
+                      <a:endParaRPr lang="en-US" sz="1600" b="1" i="0" u="none" strike="noStrike" dirty="0">
+                        <a:solidFill>
+                          <a:srgbClr val="000000"/>
+                        </a:solidFill>
+                        <a:effectLst/>
+                        <a:latin typeface="Calibri" panose="020F0502020204030204" pitchFamily="34" charset="0"/>
+                      </a:endParaRPr>
+                    </a:p>
+                  </a:txBody>
+                  <a:tcPr marL="9525" marR="9525" marT="9525" marB="0" anchor="ctr">
+                    <a:solidFill>
+                      <a:schemeClr val="accent4">
+                        <a:lumMod val="60000"/>
+                        <a:lumOff val="40000"/>
+                      </a:schemeClr>
+                    </a:solidFill>
+                  </a:tcPr>
+                </a:tc>
+                <a:tc>
+                  <a:txBody>
+                    <a:bodyPr/>
+                    <a:lstStyle/>
+                    <a:p>
+                      <a:pPr algn="ctr" fontAlgn="ctr"/>
+                      <a:r>
+                        <a:rPr lang="en-US" sz="1600" u="none" strike="noStrike" dirty="0">
+                          <a:ln>
+                            <a:noFill/>
+                          </a:ln>
+                          <a:effectLst/>
+                        </a:rPr>
+                        <a:t>X</a:t>
+                      </a:r>
+                      <a:r>
+                        <a:rPr lang="en-US" sz="1600" u="none" strike="noStrike" baseline="-25000" dirty="0">
+                          <a:ln>
+                            <a:noFill/>
+                          </a:ln>
+                          <a:effectLst/>
+                        </a:rPr>
+                        <a:t>0</a:t>
+                      </a:r>
+                      <a:endParaRPr lang="en-US" sz="1600" b="1" i="0" u="none" strike="noStrike" dirty="0">
+                        <a:ln>
+                          <a:noFill/>
+                        </a:ln>
+                        <a:solidFill>
+                          <a:srgbClr val="000000"/>
+                        </a:solidFill>
+                        <a:effectLst/>
+                        <a:latin typeface="Calibri" panose="020F0502020204030204" pitchFamily="34" charset="0"/>
+                      </a:endParaRPr>
+                    </a:p>
+                  </a:txBody>
+                  <a:tcPr marL="9525" marR="9525" marT="9525" marB="0" anchor="ctr">
+                    <a:solidFill>
+                      <a:schemeClr val="accent4">
+                        <a:lumMod val="40000"/>
+                        <a:lumOff val="60000"/>
+                      </a:schemeClr>
+                    </a:solidFill>
+                  </a:tcPr>
+                </a:tc>
+                <a:tc>
+                  <a:txBody>
+                    <a:bodyPr/>
+                    <a:lstStyle/>
+                    <a:p>
+                      <a:pPr algn="ctr" fontAlgn="ctr"/>
+                      <a:r>
+                        <a:rPr lang="en-US" sz="1600" u="none" strike="noStrike" dirty="0">
+                          <a:ln>
+                            <a:noFill/>
+                          </a:ln>
+                          <a:effectLst/>
+                        </a:rPr>
+                        <a:t>X</a:t>
+                      </a:r>
+                      <a:r>
+                        <a:rPr lang="en-US" sz="1600" u="none" strike="noStrike" baseline="-25000" dirty="0">
+                          <a:ln>
+                            <a:noFill/>
+                          </a:ln>
+                          <a:effectLst/>
+                        </a:rPr>
+                        <a:t>1</a:t>
+                      </a:r>
+                      <a:endParaRPr lang="en-US" sz="1600" b="1" i="0" u="none" strike="noStrike" dirty="0">
+                        <a:ln>
+                          <a:noFill/>
+                        </a:ln>
+                        <a:solidFill>
+                          <a:srgbClr val="000000"/>
+                        </a:solidFill>
+                        <a:effectLst/>
+                        <a:latin typeface="Calibri" panose="020F0502020204030204" pitchFamily="34" charset="0"/>
+                      </a:endParaRPr>
+                    </a:p>
+                  </a:txBody>
+                  <a:tcPr marL="9525" marR="9525" marT="9525" marB="0" anchor="ctr">
+                    <a:solidFill>
+                      <a:schemeClr val="accent4">
+                        <a:lumMod val="40000"/>
+                        <a:lumOff val="60000"/>
+                      </a:schemeClr>
+                    </a:solidFill>
+                  </a:tcPr>
+                </a:tc>
+                <a:tc>
+                  <a:txBody>
+                    <a:bodyPr/>
+                    <a:lstStyle/>
+                    <a:p>
+                      <a:pPr algn="ctr" fontAlgn="ctr"/>
+                      <a:r>
+                        <a:rPr lang="en-US" sz="1600" u="none" strike="noStrike" dirty="0">
+                          <a:ln>
+                            <a:noFill/>
+                          </a:ln>
+                          <a:effectLst/>
+                        </a:rPr>
+                        <a:t>X</a:t>
+                      </a:r>
+                      <a:r>
+                        <a:rPr lang="en-US" sz="1600" u="none" strike="noStrike" baseline="-25000" dirty="0">
+                          <a:ln>
+                            <a:noFill/>
+                          </a:ln>
+                          <a:effectLst/>
+                        </a:rPr>
+                        <a:t>2</a:t>
+                      </a:r>
+                      <a:endParaRPr lang="en-US" sz="1600" b="1" i="0" u="none" strike="noStrike" dirty="0">
+                        <a:ln>
+                          <a:noFill/>
+                        </a:ln>
+                        <a:solidFill>
+                          <a:srgbClr val="000000"/>
+                        </a:solidFill>
+                        <a:effectLst/>
+                        <a:latin typeface="Calibri" panose="020F0502020204030204" pitchFamily="34" charset="0"/>
+                      </a:endParaRPr>
+                    </a:p>
+                  </a:txBody>
+                  <a:tcPr marL="9525" marR="9525" marT="9525" marB="0" anchor="ctr">
+                    <a:solidFill>
+                      <a:schemeClr val="accent4">
+                        <a:lumMod val="40000"/>
+                        <a:lumOff val="60000"/>
+                      </a:schemeClr>
+                    </a:solidFill>
+                  </a:tcPr>
+                </a:tc>
+                <a:tc>
+                  <a:txBody>
+                    <a:bodyPr/>
+                    <a:lstStyle/>
+                    <a:p>
+                      <a:pPr algn="ctr" fontAlgn="ctr"/>
+                      <a:r>
+                        <a:rPr lang="en-US" sz="1600" u="none" strike="noStrike" dirty="0">
+                          <a:ln>
+                            <a:noFill/>
+                          </a:ln>
+                          <a:effectLst/>
+                        </a:rPr>
+                        <a:t>X</a:t>
+                      </a:r>
+                      <a:r>
+                        <a:rPr lang="en-US" sz="1600" u="none" strike="noStrike" baseline="-25000" dirty="0">
+                          <a:ln>
+                            <a:noFill/>
+                          </a:ln>
+                          <a:effectLst/>
+                        </a:rPr>
+                        <a:t>3</a:t>
+                      </a:r>
+                      <a:endParaRPr lang="en-US" sz="1600" b="1" i="0" u="none" strike="noStrike" dirty="0">
+                        <a:ln>
+                          <a:noFill/>
+                        </a:ln>
+                        <a:solidFill>
+                          <a:srgbClr val="000000"/>
+                        </a:solidFill>
+                        <a:effectLst/>
+                        <a:latin typeface="Calibri" panose="020F0502020204030204" pitchFamily="34" charset="0"/>
+                      </a:endParaRPr>
+                    </a:p>
+                  </a:txBody>
+                  <a:tcPr marL="9525" marR="9525" marT="9525" marB="0" anchor="ctr">
+                    <a:solidFill>
+                      <a:schemeClr val="accent4">
+                        <a:lumMod val="40000"/>
+                        <a:lumOff val="60000"/>
+                      </a:schemeClr>
+                    </a:solidFill>
+                  </a:tcPr>
+                </a:tc>
+                <a:tc>
+                  <a:txBody>
+                    <a:bodyPr/>
+                    <a:lstStyle/>
+                    <a:p>
+                      <a:pPr algn="ctr" fontAlgn="ctr"/>
+                      <a:r>
+                        <a:rPr lang="en-US" sz="1600" u="none" strike="noStrike" dirty="0">
+                          <a:ln>
+                            <a:noFill/>
+                          </a:ln>
+                          <a:effectLst/>
+                        </a:rPr>
+                        <a:t>X</a:t>
+                      </a:r>
+                      <a:r>
+                        <a:rPr lang="en-US" sz="1600" u="none" strike="noStrike" baseline="-25000" dirty="0">
+                          <a:ln>
+                            <a:noFill/>
+                          </a:ln>
+                          <a:effectLst/>
+                        </a:rPr>
+                        <a:t>4</a:t>
+                      </a:r>
+                      <a:endParaRPr lang="en-US" sz="1600" b="1" i="0" u="none" strike="noStrike" dirty="0">
+                        <a:ln>
+                          <a:noFill/>
+                        </a:ln>
+                        <a:solidFill>
+                          <a:srgbClr val="000000"/>
+                        </a:solidFill>
+                        <a:effectLst/>
+                        <a:latin typeface="Calibri" panose="020F0502020204030204" pitchFamily="34" charset="0"/>
+                      </a:endParaRPr>
+                    </a:p>
+                  </a:txBody>
+                  <a:tcPr marL="9525" marR="9525" marT="9525" marB="0" anchor="ctr">
+                    <a:solidFill>
+                      <a:schemeClr val="accent4">
+                        <a:lumMod val="40000"/>
+                        <a:lumOff val="60000"/>
+                      </a:schemeClr>
+                    </a:solidFill>
+                  </a:tcPr>
+                </a:tc>
+                <a:tc>
+                  <a:txBody>
+                    <a:bodyPr/>
+                    <a:lstStyle/>
+                    <a:p>
+                      <a:pPr algn="ctr" fontAlgn="ctr"/>
+                      <a:r>
+                        <a:rPr lang="en-US" sz="1600" u="none" strike="noStrike" dirty="0">
+                          <a:ln>
+                            <a:noFill/>
+                          </a:ln>
+                          <a:effectLst/>
+                        </a:rPr>
+                        <a:t>X</a:t>
+                      </a:r>
+                      <a:r>
+                        <a:rPr lang="en-US" sz="1600" u="none" strike="noStrike" baseline="-25000" dirty="0">
+                          <a:ln>
+                            <a:noFill/>
+                          </a:ln>
+                          <a:effectLst/>
+                        </a:rPr>
+                        <a:t>5</a:t>
+                      </a:r>
+                      <a:endParaRPr lang="en-US" sz="1600" b="1" i="0" u="none" strike="noStrike" dirty="0">
+                        <a:ln>
+                          <a:noFill/>
+                        </a:ln>
+                        <a:solidFill>
+                          <a:srgbClr val="000000"/>
+                        </a:solidFill>
+                        <a:effectLst/>
+                        <a:latin typeface="Calibri" panose="020F0502020204030204" pitchFamily="34" charset="0"/>
+                      </a:endParaRPr>
+                    </a:p>
+                  </a:txBody>
+                  <a:tcPr marL="9525" marR="9525" marT="9525" marB="0" anchor="ctr">
+                    <a:solidFill>
+                      <a:schemeClr val="accent4">
+                        <a:lumMod val="40000"/>
+                        <a:lumOff val="60000"/>
+                      </a:schemeClr>
+                    </a:solidFill>
+                  </a:tcPr>
+                </a:tc>
+                <a:extLst>
+                  <a:ext uri="{0D108BD9-81ED-4DB2-BD59-A6C34878D82A}">
+                    <a16:rowId xmlns:a16="http://schemas.microsoft.com/office/drawing/2014/main" val="717596721"/>
+                  </a:ext>
+                </a:extLst>
+              </a:tr>
+              <a:tr h="571500">
+                <a:tc>
+                  <a:txBody>
+                    <a:bodyPr/>
+                    <a:lstStyle/>
+                    <a:p>
+                      <a:pPr algn="ctr" fontAlgn="ctr"/>
+                      <a:r>
+                        <a:rPr lang="en-US" sz="1600" u="none" strike="noStrike" dirty="0">
+                          <a:effectLst/>
+                        </a:rPr>
+                        <a:t>X</a:t>
+                      </a:r>
+                      <a:r>
+                        <a:rPr lang="en-US" sz="1600" u="none" strike="noStrike" baseline="-25000" dirty="0">
+                          <a:effectLst/>
+                        </a:rPr>
+                        <a:t>0</a:t>
+                      </a:r>
+                      <a:endParaRPr lang="en-US" sz="1600" b="1" i="0" u="none" strike="noStrike" dirty="0">
+                        <a:solidFill>
+                          <a:srgbClr val="000000"/>
+                        </a:solidFill>
+                        <a:effectLst/>
+                        <a:latin typeface="Calibri" panose="020F0502020204030204" pitchFamily="34" charset="0"/>
+                      </a:endParaRPr>
+                    </a:p>
+                  </a:txBody>
+                  <a:tcPr marL="9525" marR="9525" marT="9525" marB="0" anchor="ctr">
+                    <a:solidFill>
+                      <a:schemeClr val="accent4">
+                        <a:lumMod val="40000"/>
+                        <a:lumOff val="60000"/>
+                      </a:schemeClr>
+                    </a:solidFill>
+                  </a:tcPr>
+                </a:tc>
+                <a:tc>
+                  <a:txBody>
+                    <a:bodyPr/>
+                    <a:lstStyle/>
+                    <a:p>
+                      <a:pPr algn="ctr" fontAlgn="ctr"/>
+                      <a:r>
+                        <a:rPr lang="en-US" sz="1200" u="none" strike="noStrike" dirty="0">
+                          <a:effectLst/>
+                        </a:rPr>
+                        <a:t> 0</a:t>
+                      </a:r>
+                      <a:endParaRPr lang="en-US" sz="1200" b="0" i="0" u="none" strike="noStrike" dirty="0">
+                        <a:solidFill>
+                          <a:srgbClr val="000000"/>
+                        </a:solidFill>
+                        <a:effectLst/>
+                        <a:latin typeface="Calibri" panose="020F0502020204030204" pitchFamily="34" charset="0"/>
+                      </a:endParaRPr>
+                    </a:p>
+                  </a:txBody>
+                  <a:tcPr marL="9525" marR="9525" marT="9525" marB="0" anchor="ctr">
+                    <a:solidFill>
+                      <a:schemeClr val="accent2">
+                        <a:lumMod val="20000"/>
+                        <a:lumOff val="80000"/>
+                      </a:schemeClr>
+                    </a:solidFill>
+                  </a:tcPr>
+                </a:tc>
+                <a:tc>
+                  <a:txBody>
+                    <a:bodyPr/>
+                    <a:lstStyle/>
+                    <a:p>
+                      <a:pPr algn="ctr" fontAlgn="ctr"/>
+                      <a:r>
+                        <a:rPr lang="en-US" sz="1200" u="none" strike="noStrike" dirty="0">
+                          <a:effectLst/>
+                        </a:rPr>
+                        <a:t>20</a:t>
+                      </a:r>
+                      <a:endParaRPr lang="en-US" sz="1200" b="0" i="0" u="none" strike="noStrike" dirty="0">
+                        <a:solidFill>
+                          <a:srgbClr val="000000"/>
+                        </a:solidFill>
+                        <a:effectLst/>
+                        <a:latin typeface="Calibri" panose="020F0502020204030204" pitchFamily="34" charset="0"/>
+                      </a:endParaRPr>
+                    </a:p>
+                  </a:txBody>
+                  <a:tcPr marL="9525" marR="9525" marT="9525" marB="0" anchor="ctr">
+                    <a:solidFill>
+                      <a:schemeClr val="accent2">
+                        <a:lumMod val="20000"/>
+                        <a:lumOff val="80000"/>
+                      </a:schemeClr>
+                    </a:solidFill>
+                  </a:tcPr>
+                </a:tc>
+                <a:tc>
+                  <a:txBody>
+                    <a:bodyPr/>
+                    <a:lstStyle/>
+                    <a:p>
+                      <a:pPr algn="ctr" fontAlgn="ctr"/>
+                      <a:r>
+                        <a:rPr lang="en-US" sz="1200" u="none" strike="noStrike" dirty="0">
+                          <a:effectLst/>
+                        </a:rPr>
+                        <a:t>0 </a:t>
+                      </a:r>
+                      <a:endParaRPr lang="en-US" sz="1200" b="0" i="0" u="none" strike="noStrike" dirty="0">
+                        <a:solidFill>
+                          <a:srgbClr val="000000"/>
+                        </a:solidFill>
+                        <a:effectLst/>
+                        <a:latin typeface="Calibri" panose="020F0502020204030204" pitchFamily="34" charset="0"/>
+                      </a:endParaRPr>
+                    </a:p>
+                  </a:txBody>
+                  <a:tcPr marL="9525" marR="9525" marT="9525" marB="0" anchor="ctr">
+                    <a:solidFill>
+                      <a:schemeClr val="accent2">
+                        <a:lumMod val="20000"/>
+                        <a:lumOff val="80000"/>
+                      </a:schemeClr>
+                    </a:solidFill>
+                  </a:tcPr>
+                </a:tc>
+                <a:tc>
+                  <a:txBody>
+                    <a:bodyPr/>
+                    <a:lstStyle/>
+                    <a:p>
+                      <a:pPr algn="ctr" fontAlgn="ctr"/>
+                      <a:r>
+                        <a:rPr lang="en-US" sz="1200" u="none" strike="noStrike" dirty="0">
+                          <a:effectLst/>
+                        </a:rPr>
+                        <a:t>0 </a:t>
+                      </a:r>
+                      <a:endParaRPr lang="en-US" sz="1200" b="0" i="0" u="none" strike="noStrike" dirty="0">
+                        <a:solidFill>
+                          <a:srgbClr val="000000"/>
+                        </a:solidFill>
+                        <a:effectLst/>
+                        <a:latin typeface="Calibri" panose="020F0502020204030204" pitchFamily="34" charset="0"/>
+                      </a:endParaRPr>
+                    </a:p>
+                  </a:txBody>
+                  <a:tcPr marL="9525" marR="9525" marT="9525" marB="0" anchor="ctr">
+                    <a:solidFill>
+                      <a:schemeClr val="accent2">
+                        <a:lumMod val="20000"/>
+                        <a:lumOff val="80000"/>
+                      </a:schemeClr>
+                    </a:solidFill>
+                  </a:tcPr>
+                </a:tc>
+                <a:tc>
+                  <a:txBody>
+                    <a:bodyPr/>
+                    <a:lstStyle/>
+                    <a:p>
+                      <a:pPr algn="ctr" fontAlgn="ctr"/>
+                      <a:r>
+                        <a:rPr lang="en-US" sz="1200" u="none" strike="noStrike" dirty="0">
+                          <a:effectLst/>
+                        </a:rPr>
+                        <a:t>0 </a:t>
+                      </a:r>
+                      <a:endParaRPr lang="en-US" sz="1200" b="0" i="0" u="none" strike="noStrike" dirty="0">
+                        <a:solidFill>
+                          <a:srgbClr val="000000"/>
+                        </a:solidFill>
+                        <a:effectLst/>
+                        <a:latin typeface="Calibri" panose="020F0502020204030204" pitchFamily="34" charset="0"/>
+                      </a:endParaRPr>
+                    </a:p>
+                  </a:txBody>
+                  <a:tcPr marL="9525" marR="9525" marT="9525" marB="0" anchor="ctr">
+                    <a:solidFill>
+                      <a:schemeClr val="accent2">
+                        <a:lumMod val="20000"/>
+                        <a:lumOff val="80000"/>
+                      </a:schemeClr>
+                    </a:solidFill>
+                  </a:tcPr>
+                </a:tc>
+                <a:tc>
+                  <a:txBody>
+                    <a:bodyPr/>
+                    <a:lstStyle/>
+                    <a:p>
+                      <a:pPr algn="ctr" fontAlgn="ctr"/>
+                      <a:r>
+                        <a:rPr lang="en-US" sz="1200" u="none" strike="noStrike" dirty="0">
+                          <a:effectLst/>
+                        </a:rPr>
+                        <a:t>50 </a:t>
+                      </a:r>
+                      <a:endParaRPr lang="en-US" sz="1200" b="0" i="0" u="none" strike="noStrike" dirty="0">
+                        <a:solidFill>
+                          <a:srgbClr val="000000"/>
+                        </a:solidFill>
+                        <a:effectLst/>
+                        <a:latin typeface="Calibri" panose="020F0502020204030204" pitchFamily="34" charset="0"/>
+                      </a:endParaRPr>
+                    </a:p>
+                  </a:txBody>
+                  <a:tcPr marL="9525" marR="9525" marT="9525" marB="0" anchor="ctr">
+                    <a:solidFill>
+                      <a:schemeClr val="accent2">
+                        <a:lumMod val="20000"/>
+                        <a:lumOff val="80000"/>
+                      </a:schemeClr>
+                    </a:solidFill>
+                  </a:tcPr>
+                </a:tc>
+                <a:extLst>
+                  <a:ext uri="{0D108BD9-81ED-4DB2-BD59-A6C34878D82A}">
+                    <a16:rowId xmlns:a16="http://schemas.microsoft.com/office/drawing/2014/main" val="3652625061"/>
+                  </a:ext>
+                </a:extLst>
+              </a:tr>
+              <a:tr h="571500">
+                <a:tc>
+                  <a:txBody>
+                    <a:bodyPr/>
+                    <a:lstStyle/>
+                    <a:p>
+                      <a:pPr algn="ctr" fontAlgn="ctr"/>
+                      <a:r>
+                        <a:rPr lang="en-US" sz="1600" u="none" strike="noStrike" dirty="0">
+                          <a:effectLst/>
+                        </a:rPr>
+                        <a:t>X</a:t>
+                      </a:r>
+                      <a:r>
+                        <a:rPr lang="en-US" sz="1600" u="none" strike="noStrike" baseline="-25000" dirty="0">
+                          <a:effectLst/>
+                        </a:rPr>
+                        <a:t>1</a:t>
+                      </a:r>
+                      <a:endParaRPr lang="en-US" sz="1600" b="1" i="0" u="none" strike="noStrike" dirty="0">
+                        <a:solidFill>
+                          <a:srgbClr val="000000"/>
+                        </a:solidFill>
+                        <a:effectLst/>
+                        <a:latin typeface="Calibri" panose="020F0502020204030204" pitchFamily="34" charset="0"/>
+                      </a:endParaRPr>
+                    </a:p>
+                  </a:txBody>
+                  <a:tcPr marL="9525" marR="9525" marT="9525" marB="0" anchor="ctr">
+                    <a:solidFill>
+                      <a:schemeClr val="accent4">
+                        <a:lumMod val="40000"/>
+                        <a:lumOff val="60000"/>
+                      </a:schemeClr>
+                    </a:solidFill>
+                  </a:tcPr>
+                </a:tc>
+                <a:tc>
+                  <a:txBody>
+                    <a:bodyPr/>
+                    <a:lstStyle/>
+                    <a:p>
+                      <a:pPr algn="ctr" fontAlgn="ctr"/>
+                      <a:r>
+                        <a:rPr lang="en-US" sz="1200" u="none" strike="noStrike" dirty="0">
+                          <a:effectLst/>
+                        </a:rPr>
+                        <a:t>10 </a:t>
+                      </a:r>
+                      <a:endParaRPr lang="en-US" sz="1200" b="0" i="0" u="none" strike="noStrike" dirty="0">
+                        <a:solidFill>
+                          <a:srgbClr val="000000"/>
+                        </a:solidFill>
+                        <a:effectLst/>
+                        <a:latin typeface="Calibri" panose="020F0502020204030204" pitchFamily="34" charset="0"/>
+                      </a:endParaRPr>
+                    </a:p>
+                  </a:txBody>
+                  <a:tcPr marL="9525" marR="9525" marT="9525" marB="0" anchor="ctr">
+                    <a:solidFill>
+                      <a:schemeClr val="accent2">
+                        <a:lumMod val="20000"/>
+                        <a:lumOff val="80000"/>
+                      </a:schemeClr>
+                    </a:solidFill>
+                  </a:tcPr>
+                </a:tc>
+                <a:tc>
+                  <a:txBody>
+                    <a:bodyPr/>
+                    <a:lstStyle/>
+                    <a:p>
+                      <a:pPr algn="ctr" fontAlgn="ctr"/>
+                      <a:r>
+                        <a:rPr lang="en-US" sz="1200" u="none" strike="noStrike" dirty="0">
+                          <a:effectLst/>
+                        </a:rPr>
+                        <a:t>0 </a:t>
+                      </a:r>
+                      <a:endParaRPr lang="en-US" sz="1200" b="0" i="0" u="none" strike="noStrike" dirty="0">
+                        <a:solidFill>
+                          <a:srgbClr val="000000"/>
+                        </a:solidFill>
+                        <a:effectLst/>
+                        <a:latin typeface="Calibri" panose="020F0502020204030204" pitchFamily="34" charset="0"/>
+                      </a:endParaRPr>
+                    </a:p>
+                  </a:txBody>
+                  <a:tcPr marL="9525" marR="9525" marT="9525" marB="0" anchor="ctr">
+                    <a:solidFill>
+                      <a:schemeClr val="accent2">
+                        <a:lumMod val="20000"/>
+                        <a:lumOff val="80000"/>
+                      </a:schemeClr>
+                    </a:solidFill>
+                  </a:tcPr>
+                </a:tc>
+                <a:tc>
+                  <a:txBody>
+                    <a:bodyPr/>
+                    <a:lstStyle/>
+                    <a:p>
+                      <a:pPr algn="ctr" fontAlgn="ctr"/>
+                      <a:r>
+                        <a:rPr lang="en-US" sz="1200" u="none" strike="noStrike" dirty="0">
+                          <a:effectLst/>
+                        </a:rPr>
+                        <a:t> 50</a:t>
+                      </a:r>
+                      <a:endParaRPr lang="en-US" sz="1200" b="0" i="0" u="none" strike="noStrike" dirty="0">
+                        <a:solidFill>
+                          <a:srgbClr val="000000"/>
+                        </a:solidFill>
+                        <a:effectLst/>
+                        <a:latin typeface="Calibri" panose="020F0502020204030204" pitchFamily="34" charset="0"/>
+                      </a:endParaRPr>
+                    </a:p>
+                  </a:txBody>
+                  <a:tcPr marL="9525" marR="9525" marT="9525" marB="0" anchor="ctr">
+                    <a:solidFill>
+                      <a:schemeClr val="accent2">
+                        <a:lumMod val="20000"/>
+                        <a:lumOff val="80000"/>
+                      </a:schemeClr>
+                    </a:solidFill>
+                  </a:tcPr>
+                </a:tc>
+                <a:tc>
+                  <a:txBody>
+                    <a:bodyPr/>
+                    <a:lstStyle/>
+                    <a:p>
+                      <a:pPr algn="ctr" fontAlgn="ctr"/>
+                      <a:r>
+                        <a:rPr lang="en-US" sz="1200" u="none" strike="noStrike" dirty="0">
+                          <a:effectLst/>
+                        </a:rPr>
+                        <a:t> 0</a:t>
+                      </a:r>
+                      <a:endParaRPr lang="en-US" sz="1200" b="0" i="0" u="none" strike="noStrike" dirty="0">
+                        <a:solidFill>
+                          <a:srgbClr val="000000"/>
+                        </a:solidFill>
+                        <a:effectLst/>
+                        <a:latin typeface="Calibri" panose="020F0502020204030204" pitchFamily="34" charset="0"/>
+                      </a:endParaRPr>
+                    </a:p>
+                  </a:txBody>
+                  <a:tcPr marL="9525" marR="9525" marT="9525" marB="0" anchor="ctr">
+                    <a:solidFill>
+                      <a:schemeClr val="accent2">
+                        <a:lumMod val="20000"/>
+                        <a:lumOff val="80000"/>
+                      </a:schemeClr>
+                    </a:solidFill>
+                  </a:tcPr>
+                </a:tc>
+                <a:tc>
+                  <a:txBody>
+                    <a:bodyPr/>
+                    <a:lstStyle/>
+                    <a:p>
+                      <a:pPr algn="ctr" fontAlgn="ctr"/>
+                      <a:r>
+                        <a:rPr lang="en-US" sz="1200" u="none" strike="noStrike" dirty="0">
+                          <a:effectLst/>
+                        </a:rPr>
+                        <a:t>0 </a:t>
+                      </a:r>
+                      <a:endParaRPr lang="en-US" sz="1200" b="0" i="0" u="none" strike="noStrike" dirty="0">
+                        <a:solidFill>
+                          <a:srgbClr val="000000"/>
+                        </a:solidFill>
+                        <a:effectLst/>
+                        <a:latin typeface="Calibri" panose="020F0502020204030204" pitchFamily="34" charset="0"/>
+                      </a:endParaRPr>
+                    </a:p>
+                  </a:txBody>
+                  <a:tcPr marL="9525" marR="9525" marT="9525" marB="0" anchor="ctr">
+                    <a:solidFill>
+                      <a:schemeClr val="accent2">
+                        <a:lumMod val="20000"/>
+                        <a:lumOff val="80000"/>
+                      </a:schemeClr>
+                    </a:solidFill>
+                  </a:tcPr>
+                </a:tc>
+                <a:tc>
+                  <a:txBody>
+                    <a:bodyPr/>
+                    <a:lstStyle/>
+                    <a:p>
+                      <a:pPr algn="ctr" fontAlgn="ctr"/>
+                      <a:r>
+                        <a:rPr lang="en-US" sz="1200" u="none" strike="noStrike" dirty="0">
+                          <a:effectLst/>
+                        </a:rPr>
+                        <a:t> 0</a:t>
+                      </a:r>
+                      <a:endParaRPr lang="en-US" sz="1200" b="0" i="0" u="none" strike="noStrike" dirty="0">
+                        <a:solidFill>
+                          <a:srgbClr val="000000"/>
+                        </a:solidFill>
+                        <a:effectLst/>
+                        <a:latin typeface="Calibri" panose="020F0502020204030204" pitchFamily="34" charset="0"/>
+                      </a:endParaRPr>
+                    </a:p>
+                  </a:txBody>
+                  <a:tcPr marL="9525" marR="9525" marT="9525" marB="0" anchor="ctr">
+                    <a:solidFill>
+                      <a:schemeClr val="accent2">
+                        <a:lumMod val="20000"/>
+                        <a:lumOff val="80000"/>
+                      </a:schemeClr>
+                    </a:solidFill>
+                  </a:tcPr>
+                </a:tc>
+                <a:extLst>
+                  <a:ext uri="{0D108BD9-81ED-4DB2-BD59-A6C34878D82A}">
+                    <a16:rowId xmlns:a16="http://schemas.microsoft.com/office/drawing/2014/main" val="1395213566"/>
+                  </a:ext>
+                </a:extLst>
+              </a:tr>
+              <a:tr h="571500">
+                <a:tc>
+                  <a:txBody>
+                    <a:bodyPr/>
+                    <a:lstStyle/>
+                    <a:p>
+                      <a:pPr algn="ctr" fontAlgn="ctr"/>
+                      <a:r>
+                        <a:rPr lang="en-US" sz="1600" u="none" strike="noStrike" dirty="0">
+                          <a:effectLst/>
+                        </a:rPr>
+                        <a:t>X</a:t>
+                      </a:r>
+                      <a:r>
+                        <a:rPr lang="en-US" sz="1600" u="none" strike="noStrike" baseline="-25000" dirty="0">
+                          <a:effectLst/>
+                        </a:rPr>
+                        <a:t>2</a:t>
+                      </a:r>
+                      <a:endParaRPr lang="en-US" sz="1600" b="1" i="0" u="none" strike="noStrike" dirty="0">
+                        <a:solidFill>
+                          <a:srgbClr val="000000"/>
+                        </a:solidFill>
+                        <a:effectLst/>
+                        <a:latin typeface="Calibri" panose="020F0502020204030204" pitchFamily="34" charset="0"/>
+                      </a:endParaRPr>
+                    </a:p>
+                  </a:txBody>
+                  <a:tcPr marL="9525" marR="9525" marT="9525" marB="0" anchor="ctr">
+                    <a:solidFill>
+                      <a:schemeClr val="accent4">
+                        <a:lumMod val="40000"/>
+                        <a:lumOff val="60000"/>
+                      </a:schemeClr>
+                    </a:solidFill>
+                  </a:tcPr>
+                </a:tc>
+                <a:tc>
+                  <a:txBody>
+                    <a:bodyPr/>
+                    <a:lstStyle/>
+                    <a:p>
+                      <a:pPr algn="ctr" fontAlgn="ctr"/>
+                      <a:r>
+                        <a:rPr lang="en-US" sz="1200" u="none" strike="noStrike" dirty="0">
+                          <a:effectLst/>
+                        </a:rPr>
+                        <a:t>0 </a:t>
+                      </a:r>
+                      <a:endParaRPr lang="en-US" sz="1200" b="0" i="0" u="none" strike="noStrike" dirty="0">
+                        <a:solidFill>
+                          <a:srgbClr val="000000"/>
+                        </a:solidFill>
+                        <a:effectLst/>
+                        <a:latin typeface="Calibri" panose="020F0502020204030204" pitchFamily="34" charset="0"/>
+                      </a:endParaRPr>
+                    </a:p>
+                  </a:txBody>
+                  <a:tcPr marL="9525" marR="9525" marT="9525" marB="0" anchor="ctr">
+                    <a:solidFill>
+                      <a:schemeClr val="accent2">
+                        <a:lumMod val="20000"/>
+                        <a:lumOff val="80000"/>
+                      </a:schemeClr>
+                    </a:solidFill>
+                  </a:tcPr>
+                </a:tc>
+                <a:tc>
+                  <a:txBody>
+                    <a:bodyPr/>
+                    <a:lstStyle/>
+                    <a:p>
+                      <a:pPr algn="ctr" fontAlgn="ctr"/>
+                      <a:r>
+                        <a:rPr lang="en-US" sz="1200" u="none" strike="noStrike" dirty="0">
+                          <a:effectLst/>
+                        </a:rPr>
+                        <a:t> 40</a:t>
+                      </a:r>
+                      <a:endParaRPr lang="en-US" sz="1200" b="0" i="0" u="none" strike="noStrike" dirty="0">
+                        <a:solidFill>
+                          <a:srgbClr val="000000"/>
+                        </a:solidFill>
+                        <a:effectLst/>
+                        <a:latin typeface="Calibri" panose="020F0502020204030204" pitchFamily="34" charset="0"/>
+                      </a:endParaRPr>
+                    </a:p>
+                  </a:txBody>
+                  <a:tcPr marL="9525" marR="9525" marT="9525" marB="0" anchor="ctr">
+                    <a:solidFill>
+                      <a:schemeClr val="accent2">
+                        <a:lumMod val="20000"/>
+                        <a:lumOff val="80000"/>
+                      </a:schemeClr>
+                    </a:solidFill>
+                  </a:tcPr>
+                </a:tc>
+                <a:tc>
+                  <a:txBody>
+                    <a:bodyPr/>
+                    <a:lstStyle/>
+                    <a:p>
+                      <a:pPr algn="ctr" fontAlgn="ctr"/>
+                      <a:r>
+                        <a:rPr lang="en-US" sz="1200" b="0" i="0" u="none" strike="noStrike" dirty="0">
+                          <a:solidFill>
+                            <a:srgbClr val="000000"/>
+                          </a:solidFill>
+                          <a:effectLst/>
+                          <a:latin typeface="Calibri" panose="020F0502020204030204" pitchFamily="34" charset="0"/>
+                        </a:rPr>
+                        <a:t>0</a:t>
+                      </a:r>
+                    </a:p>
+                  </a:txBody>
+                  <a:tcPr marL="9525" marR="9525" marT="9525" marB="0" anchor="ctr">
+                    <a:solidFill>
+                      <a:schemeClr val="accent2">
+                        <a:lumMod val="20000"/>
+                        <a:lumOff val="80000"/>
+                      </a:schemeClr>
+                    </a:solidFill>
+                  </a:tcPr>
+                </a:tc>
+                <a:tc>
+                  <a:txBody>
+                    <a:bodyPr/>
+                    <a:lstStyle/>
+                    <a:p>
+                      <a:pPr algn="ctr" fontAlgn="ctr"/>
+                      <a:r>
+                        <a:rPr lang="en-US" sz="1200" u="none" strike="noStrike" dirty="0">
+                          <a:effectLst/>
+                        </a:rPr>
+                        <a:t> 10</a:t>
+                      </a:r>
+                      <a:endParaRPr lang="en-US" sz="1200" b="0" i="0" u="none" strike="noStrike" dirty="0">
+                        <a:solidFill>
+                          <a:srgbClr val="000000"/>
+                        </a:solidFill>
+                        <a:effectLst/>
+                        <a:latin typeface="Calibri" panose="020F0502020204030204" pitchFamily="34" charset="0"/>
+                      </a:endParaRPr>
+                    </a:p>
+                  </a:txBody>
+                  <a:tcPr marL="9525" marR="9525" marT="9525" marB="0" anchor="ctr">
+                    <a:solidFill>
+                      <a:schemeClr val="accent2">
+                        <a:lumMod val="20000"/>
+                        <a:lumOff val="80000"/>
+                      </a:schemeClr>
+                    </a:solidFill>
+                  </a:tcPr>
+                </a:tc>
+                <a:tc>
+                  <a:txBody>
+                    <a:bodyPr/>
+                    <a:lstStyle/>
+                    <a:p>
+                      <a:pPr algn="ctr" fontAlgn="ctr"/>
+                      <a:r>
+                        <a:rPr lang="en-US" sz="1200" u="none" strike="noStrike" dirty="0">
+                          <a:effectLst/>
+                        </a:rPr>
+                        <a:t> 10</a:t>
+                      </a:r>
+                      <a:endParaRPr lang="en-US" sz="1200" b="0" i="0" u="none" strike="noStrike" dirty="0">
+                        <a:solidFill>
+                          <a:srgbClr val="000000"/>
+                        </a:solidFill>
+                        <a:effectLst/>
+                        <a:latin typeface="Calibri" panose="020F0502020204030204" pitchFamily="34" charset="0"/>
+                      </a:endParaRPr>
+                    </a:p>
+                  </a:txBody>
+                  <a:tcPr marL="9525" marR="9525" marT="9525" marB="0" anchor="ctr">
+                    <a:solidFill>
+                      <a:schemeClr val="accent2">
+                        <a:lumMod val="20000"/>
+                        <a:lumOff val="80000"/>
+                      </a:schemeClr>
+                    </a:solidFill>
+                  </a:tcPr>
+                </a:tc>
+                <a:tc>
+                  <a:txBody>
+                    <a:bodyPr/>
+                    <a:lstStyle/>
+                    <a:p>
+                      <a:pPr algn="ctr" fontAlgn="ctr"/>
+                      <a:r>
+                        <a:rPr lang="en-US" sz="1200" u="none" strike="noStrike" dirty="0">
+                          <a:effectLst/>
+                        </a:rPr>
+                        <a:t>0 </a:t>
+                      </a:r>
+                      <a:endParaRPr lang="en-US" sz="1200" b="0" i="0" u="none" strike="noStrike" dirty="0">
+                        <a:solidFill>
+                          <a:srgbClr val="000000"/>
+                        </a:solidFill>
+                        <a:effectLst/>
+                        <a:latin typeface="Calibri" panose="020F0502020204030204" pitchFamily="34" charset="0"/>
+                      </a:endParaRPr>
+                    </a:p>
+                  </a:txBody>
+                  <a:tcPr marL="9525" marR="9525" marT="9525" marB="0" anchor="ctr">
+                    <a:solidFill>
+                      <a:schemeClr val="accent2">
+                        <a:lumMod val="20000"/>
+                        <a:lumOff val="80000"/>
+                      </a:schemeClr>
+                    </a:solidFill>
+                  </a:tcPr>
+                </a:tc>
+                <a:extLst>
+                  <a:ext uri="{0D108BD9-81ED-4DB2-BD59-A6C34878D82A}">
+                    <a16:rowId xmlns:a16="http://schemas.microsoft.com/office/drawing/2014/main" val="763912984"/>
+                  </a:ext>
+                </a:extLst>
+              </a:tr>
+              <a:tr h="571500">
+                <a:tc>
+                  <a:txBody>
+                    <a:bodyPr/>
+                    <a:lstStyle/>
+                    <a:p>
+                      <a:pPr algn="ctr" fontAlgn="ctr"/>
+                      <a:r>
+                        <a:rPr lang="en-US" sz="1600" u="none" strike="noStrike" dirty="0">
+                          <a:effectLst/>
+                        </a:rPr>
+                        <a:t>X</a:t>
+                      </a:r>
+                      <a:r>
+                        <a:rPr lang="en-US" sz="1600" u="none" strike="noStrike" baseline="-25000" dirty="0">
+                          <a:effectLst/>
+                        </a:rPr>
+                        <a:t>3</a:t>
+                      </a:r>
+                      <a:endParaRPr lang="en-US" sz="1600" b="1" i="0" u="none" strike="noStrike" dirty="0">
+                        <a:solidFill>
+                          <a:srgbClr val="000000"/>
+                        </a:solidFill>
+                        <a:effectLst/>
+                        <a:latin typeface="Calibri" panose="020F0502020204030204" pitchFamily="34" charset="0"/>
+                      </a:endParaRPr>
+                    </a:p>
+                  </a:txBody>
+                  <a:tcPr marL="9525" marR="9525" marT="9525" marB="0" anchor="ctr">
+                    <a:solidFill>
+                      <a:schemeClr val="accent4">
+                        <a:lumMod val="40000"/>
+                        <a:lumOff val="60000"/>
+                      </a:schemeClr>
+                    </a:solidFill>
+                  </a:tcPr>
+                </a:tc>
+                <a:tc>
+                  <a:txBody>
+                    <a:bodyPr/>
+                    <a:lstStyle/>
+                    <a:p>
+                      <a:pPr algn="ctr" fontAlgn="ctr"/>
+                      <a:r>
+                        <a:rPr lang="en-US" sz="1200" u="none" strike="noStrike" dirty="0">
+                          <a:effectLst/>
+                        </a:rPr>
+                        <a:t>0 </a:t>
+                      </a:r>
+                      <a:endParaRPr lang="en-US" sz="1200" b="0" i="0" u="none" strike="noStrike" dirty="0">
+                        <a:solidFill>
+                          <a:srgbClr val="000000"/>
+                        </a:solidFill>
+                        <a:effectLst/>
+                        <a:latin typeface="Calibri" panose="020F0502020204030204" pitchFamily="34" charset="0"/>
+                      </a:endParaRPr>
+                    </a:p>
+                  </a:txBody>
+                  <a:tcPr marL="9525" marR="9525" marT="9525" marB="0" anchor="ctr">
+                    <a:solidFill>
+                      <a:schemeClr val="accent2">
+                        <a:lumMod val="20000"/>
+                        <a:lumOff val="80000"/>
+                      </a:schemeClr>
+                    </a:solidFill>
+                  </a:tcPr>
+                </a:tc>
+                <a:tc>
+                  <a:txBody>
+                    <a:bodyPr/>
+                    <a:lstStyle/>
+                    <a:p>
+                      <a:pPr algn="ctr" fontAlgn="ctr"/>
+                      <a:r>
+                        <a:rPr lang="en-US" sz="1200" u="none" strike="noStrike" dirty="0">
+                          <a:effectLst/>
+                        </a:rPr>
+                        <a:t>0 </a:t>
+                      </a:r>
+                      <a:endParaRPr lang="en-US" sz="1200" b="0" i="0" u="none" strike="noStrike" dirty="0">
+                        <a:solidFill>
+                          <a:srgbClr val="000000"/>
+                        </a:solidFill>
+                        <a:effectLst/>
+                        <a:latin typeface="Calibri" panose="020F0502020204030204" pitchFamily="34" charset="0"/>
+                      </a:endParaRPr>
+                    </a:p>
+                  </a:txBody>
+                  <a:tcPr marL="9525" marR="9525" marT="9525" marB="0" anchor="ctr">
+                    <a:solidFill>
+                      <a:schemeClr val="accent2">
+                        <a:lumMod val="20000"/>
+                        <a:lumOff val="80000"/>
+                      </a:schemeClr>
+                    </a:solidFill>
+                  </a:tcPr>
+                </a:tc>
+                <a:tc>
+                  <a:txBody>
+                    <a:bodyPr/>
+                    <a:lstStyle/>
+                    <a:p>
+                      <a:pPr algn="ctr" fontAlgn="ctr"/>
+                      <a:r>
+                        <a:rPr lang="en-US" sz="1200" u="none" strike="noStrike" dirty="0">
+                          <a:effectLst/>
+                        </a:rPr>
+                        <a:t> 20</a:t>
+                      </a:r>
+                      <a:endParaRPr lang="en-US" sz="1200" b="0" i="0" u="none" strike="noStrike" dirty="0">
+                        <a:solidFill>
+                          <a:srgbClr val="000000"/>
+                        </a:solidFill>
+                        <a:effectLst/>
+                        <a:latin typeface="Calibri" panose="020F0502020204030204" pitchFamily="34" charset="0"/>
+                      </a:endParaRPr>
+                    </a:p>
+                  </a:txBody>
+                  <a:tcPr marL="9525" marR="9525" marT="9525" marB="0" anchor="ctr">
+                    <a:solidFill>
+                      <a:schemeClr val="accent2">
+                        <a:lumMod val="20000"/>
+                        <a:lumOff val="80000"/>
+                      </a:schemeClr>
+                    </a:solidFill>
+                  </a:tcPr>
+                </a:tc>
+                <a:tc>
+                  <a:txBody>
+                    <a:bodyPr/>
+                    <a:lstStyle/>
+                    <a:p>
+                      <a:pPr algn="ctr" fontAlgn="ctr"/>
+                      <a:r>
+                        <a:rPr lang="en-US" sz="1200" u="none" strike="noStrike" dirty="0">
+                          <a:effectLst/>
+                        </a:rPr>
+                        <a:t> 0</a:t>
+                      </a:r>
+                      <a:endParaRPr lang="en-US" sz="1200" b="0" i="0" u="none" strike="noStrike" dirty="0">
+                        <a:solidFill>
+                          <a:srgbClr val="000000"/>
+                        </a:solidFill>
+                        <a:effectLst/>
+                        <a:latin typeface="Calibri" panose="020F0502020204030204" pitchFamily="34" charset="0"/>
+                      </a:endParaRPr>
+                    </a:p>
+                  </a:txBody>
+                  <a:tcPr marL="9525" marR="9525" marT="9525" marB="0" anchor="ctr">
+                    <a:solidFill>
+                      <a:schemeClr val="accent2">
+                        <a:lumMod val="20000"/>
+                        <a:lumOff val="80000"/>
+                      </a:schemeClr>
+                    </a:solidFill>
+                  </a:tcPr>
+                </a:tc>
+                <a:tc>
+                  <a:txBody>
+                    <a:bodyPr/>
+                    <a:lstStyle/>
+                    <a:p>
+                      <a:pPr algn="ctr" fontAlgn="ctr"/>
+                      <a:r>
+                        <a:rPr lang="en-US" sz="1200" u="none" strike="noStrike" dirty="0">
+                          <a:effectLst/>
+                        </a:rPr>
+                        <a:t>10 </a:t>
+                      </a:r>
+                      <a:endParaRPr lang="en-US" sz="1200" b="0" i="0" u="none" strike="noStrike" dirty="0">
+                        <a:solidFill>
+                          <a:srgbClr val="000000"/>
+                        </a:solidFill>
+                        <a:effectLst/>
+                        <a:latin typeface="Calibri" panose="020F0502020204030204" pitchFamily="34" charset="0"/>
+                      </a:endParaRPr>
+                    </a:p>
+                  </a:txBody>
+                  <a:tcPr marL="9525" marR="9525" marT="9525" marB="0" anchor="ctr">
+                    <a:solidFill>
+                      <a:schemeClr val="accent2">
+                        <a:lumMod val="20000"/>
+                        <a:lumOff val="80000"/>
+                      </a:schemeClr>
+                    </a:solidFill>
+                  </a:tcPr>
+                </a:tc>
+                <a:tc>
+                  <a:txBody>
+                    <a:bodyPr/>
+                    <a:lstStyle/>
+                    <a:p>
+                      <a:pPr algn="ctr" fontAlgn="ctr"/>
+                      <a:r>
+                        <a:rPr lang="en-US" sz="1200" u="none" strike="noStrike" dirty="0">
+                          <a:effectLst/>
+                        </a:rPr>
+                        <a:t> 0</a:t>
+                      </a:r>
+                      <a:endParaRPr lang="en-US" sz="1200" b="0" i="0" u="none" strike="noStrike" dirty="0">
+                        <a:solidFill>
+                          <a:srgbClr val="000000"/>
+                        </a:solidFill>
+                        <a:effectLst/>
+                        <a:latin typeface="Calibri" panose="020F0502020204030204" pitchFamily="34" charset="0"/>
+                      </a:endParaRPr>
+                    </a:p>
+                  </a:txBody>
+                  <a:tcPr marL="9525" marR="9525" marT="9525" marB="0" anchor="ctr">
+                    <a:solidFill>
+                      <a:schemeClr val="accent2">
+                        <a:lumMod val="20000"/>
+                        <a:lumOff val="80000"/>
+                      </a:schemeClr>
+                    </a:solidFill>
+                  </a:tcPr>
+                </a:tc>
+                <a:extLst>
+                  <a:ext uri="{0D108BD9-81ED-4DB2-BD59-A6C34878D82A}">
+                    <a16:rowId xmlns:a16="http://schemas.microsoft.com/office/drawing/2014/main" val="676619996"/>
+                  </a:ext>
+                </a:extLst>
+              </a:tr>
+              <a:tr h="571500">
+                <a:tc>
+                  <a:txBody>
+                    <a:bodyPr/>
+                    <a:lstStyle/>
+                    <a:p>
+                      <a:pPr algn="ctr" fontAlgn="ctr"/>
+                      <a:r>
+                        <a:rPr lang="en-US" sz="1600" u="none" strike="noStrike" dirty="0">
+                          <a:effectLst/>
+                        </a:rPr>
+                        <a:t>X</a:t>
+                      </a:r>
+                      <a:r>
+                        <a:rPr lang="en-US" sz="1600" u="none" strike="noStrike" baseline="-25000" dirty="0">
+                          <a:effectLst/>
+                        </a:rPr>
+                        <a:t>4</a:t>
+                      </a:r>
+                      <a:endParaRPr lang="en-US" sz="1600" b="1" i="0" u="none" strike="noStrike" dirty="0">
+                        <a:solidFill>
+                          <a:srgbClr val="000000"/>
+                        </a:solidFill>
+                        <a:effectLst/>
+                        <a:latin typeface="Calibri" panose="020F0502020204030204" pitchFamily="34" charset="0"/>
+                      </a:endParaRPr>
+                    </a:p>
+                  </a:txBody>
+                  <a:tcPr marL="9525" marR="9525" marT="9525" marB="0" anchor="ctr">
+                    <a:solidFill>
+                      <a:schemeClr val="accent4">
+                        <a:lumMod val="40000"/>
+                        <a:lumOff val="60000"/>
+                      </a:schemeClr>
+                    </a:solidFill>
+                  </a:tcPr>
+                </a:tc>
+                <a:tc>
+                  <a:txBody>
+                    <a:bodyPr/>
+                    <a:lstStyle/>
+                    <a:p>
+                      <a:pPr algn="ctr" fontAlgn="ctr"/>
+                      <a:r>
+                        <a:rPr lang="en-US" sz="1200" u="none" strike="noStrike" dirty="0">
+                          <a:effectLst/>
+                        </a:rPr>
+                        <a:t>0 </a:t>
+                      </a:r>
+                      <a:endParaRPr lang="en-US" sz="1200" b="0" i="0" u="none" strike="noStrike" dirty="0">
+                        <a:solidFill>
+                          <a:srgbClr val="000000"/>
+                        </a:solidFill>
+                        <a:effectLst/>
+                        <a:latin typeface="Calibri" panose="020F0502020204030204" pitchFamily="34" charset="0"/>
+                      </a:endParaRPr>
+                    </a:p>
+                  </a:txBody>
+                  <a:tcPr marL="9525" marR="9525" marT="9525" marB="0" anchor="ctr">
+                    <a:solidFill>
+                      <a:schemeClr val="accent2">
+                        <a:lumMod val="20000"/>
+                        <a:lumOff val="80000"/>
+                      </a:schemeClr>
+                    </a:solidFill>
+                  </a:tcPr>
+                </a:tc>
+                <a:tc>
+                  <a:txBody>
+                    <a:bodyPr/>
+                    <a:lstStyle/>
+                    <a:p>
+                      <a:pPr algn="ctr" fontAlgn="ctr"/>
+                      <a:r>
+                        <a:rPr lang="en-US" sz="1200" u="none" strike="noStrike" dirty="0">
+                          <a:effectLst/>
+                        </a:rPr>
+                        <a:t>0 </a:t>
+                      </a:r>
+                      <a:endParaRPr lang="en-US" sz="1200" b="0" i="0" u="none" strike="noStrike" dirty="0">
+                        <a:solidFill>
+                          <a:srgbClr val="000000"/>
+                        </a:solidFill>
+                        <a:effectLst/>
+                        <a:latin typeface="Calibri" panose="020F0502020204030204" pitchFamily="34" charset="0"/>
+                      </a:endParaRPr>
+                    </a:p>
+                  </a:txBody>
+                  <a:tcPr marL="9525" marR="9525" marT="9525" marB="0" anchor="ctr">
+                    <a:solidFill>
+                      <a:schemeClr val="accent2">
+                        <a:lumMod val="20000"/>
+                        <a:lumOff val="80000"/>
+                      </a:schemeClr>
+                    </a:solidFill>
+                  </a:tcPr>
+                </a:tc>
+                <a:tc>
+                  <a:txBody>
+                    <a:bodyPr/>
+                    <a:lstStyle/>
+                    <a:p>
+                      <a:pPr algn="ctr" fontAlgn="ctr"/>
+                      <a:r>
+                        <a:rPr lang="en-US" sz="1200" u="none" strike="noStrike" dirty="0">
+                          <a:effectLst/>
+                        </a:rPr>
+                        <a:t>20 </a:t>
+                      </a:r>
+                      <a:endParaRPr lang="en-US" sz="1200" b="0" i="0" u="none" strike="noStrike" dirty="0">
+                        <a:solidFill>
+                          <a:srgbClr val="000000"/>
+                        </a:solidFill>
+                        <a:effectLst/>
+                        <a:latin typeface="Calibri" panose="020F0502020204030204" pitchFamily="34" charset="0"/>
+                      </a:endParaRPr>
+                    </a:p>
+                  </a:txBody>
+                  <a:tcPr marL="9525" marR="9525" marT="9525" marB="0" anchor="ctr">
+                    <a:solidFill>
+                      <a:schemeClr val="accent2">
+                        <a:lumMod val="20000"/>
+                        <a:lumOff val="80000"/>
+                      </a:schemeClr>
+                    </a:solidFill>
+                  </a:tcPr>
+                </a:tc>
+                <a:tc>
+                  <a:txBody>
+                    <a:bodyPr/>
+                    <a:lstStyle/>
+                    <a:p>
+                      <a:pPr algn="ctr" fontAlgn="ctr"/>
+                      <a:r>
+                        <a:rPr lang="en-US" sz="1200" u="none" strike="noStrike" dirty="0">
+                          <a:effectLst/>
+                        </a:rPr>
+                        <a:t>5 </a:t>
+                      </a:r>
+                      <a:endParaRPr lang="en-US" sz="1200" b="0" i="0" u="none" strike="noStrike" dirty="0">
+                        <a:solidFill>
+                          <a:srgbClr val="000000"/>
+                        </a:solidFill>
+                        <a:effectLst/>
+                        <a:latin typeface="Calibri" panose="020F0502020204030204" pitchFamily="34" charset="0"/>
+                      </a:endParaRPr>
+                    </a:p>
+                  </a:txBody>
+                  <a:tcPr marL="9525" marR="9525" marT="9525" marB="0" anchor="ctr">
+                    <a:solidFill>
+                      <a:schemeClr val="accent2">
+                        <a:lumMod val="20000"/>
+                        <a:lumOff val="80000"/>
+                      </a:schemeClr>
+                    </a:solidFill>
+                  </a:tcPr>
+                </a:tc>
+                <a:tc>
+                  <a:txBody>
+                    <a:bodyPr/>
+                    <a:lstStyle/>
+                    <a:p>
+                      <a:pPr algn="ctr" fontAlgn="ctr"/>
+                      <a:r>
+                        <a:rPr lang="en-US" sz="1200" u="none" strike="noStrike" dirty="0">
+                          <a:effectLst/>
+                        </a:rPr>
+                        <a:t> 0</a:t>
+                      </a:r>
+                      <a:endParaRPr lang="en-US" sz="1200" b="0" i="0" u="none" strike="noStrike" dirty="0">
+                        <a:solidFill>
+                          <a:srgbClr val="000000"/>
+                        </a:solidFill>
+                        <a:effectLst/>
+                        <a:latin typeface="Calibri" panose="020F0502020204030204" pitchFamily="34" charset="0"/>
+                      </a:endParaRPr>
+                    </a:p>
+                  </a:txBody>
+                  <a:tcPr marL="9525" marR="9525" marT="9525" marB="0" anchor="ctr">
+                    <a:solidFill>
+                      <a:schemeClr val="accent2">
+                        <a:lumMod val="20000"/>
+                        <a:lumOff val="80000"/>
+                      </a:schemeClr>
+                    </a:solidFill>
+                  </a:tcPr>
+                </a:tc>
+                <a:tc>
+                  <a:txBody>
+                    <a:bodyPr/>
+                    <a:lstStyle/>
+                    <a:p>
+                      <a:pPr algn="ctr" fontAlgn="ctr"/>
+                      <a:r>
+                        <a:rPr lang="en-US" sz="1200" u="none" strike="noStrike" dirty="0">
+                          <a:effectLst/>
+                        </a:rPr>
+                        <a:t> 20</a:t>
+                      </a:r>
+                      <a:endParaRPr lang="en-US" sz="1200" b="0" i="0" u="none" strike="noStrike" dirty="0">
+                        <a:solidFill>
+                          <a:srgbClr val="000000"/>
+                        </a:solidFill>
+                        <a:effectLst/>
+                        <a:latin typeface="Calibri" panose="020F0502020204030204" pitchFamily="34" charset="0"/>
+                      </a:endParaRPr>
+                    </a:p>
+                  </a:txBody>
+                  <a:tcPr marL="9525" marR="9525" marT="9525" marB="0" anchor="ctr">
+                    <a:solidFill>
+                      <a:schemeClr val="accent2">
+                        <a:lumMod val="20000"/>
+                        <a:lumOff val="80000"/>
+                      </a:schemeClr>
+                    </a:solidFill>
+                  </a:tcPr>
+                </a:tc>
+                <a:extLst>
+                  <a:ext uri="{0D108BD9-81ED-4DB2-BD59-A6C34878D82A}">
+                    <a16:rowId xmlns:a16="http://schemas.microsoft.com/office/drawing/2014/main" val="3484265081"/>
+                  </a:ext>
+                </a:extLst>
+              </a:tr>
+              <a:tr h="571500">
+                <a:tc>
+                  <a:txBody>
+                    <a:bodyPr/>
+                    <a:lstStyle/>
+                    <a:p>
+                      <a:pPr algn="ctr" fontAlgn="ctr"/>
+                      <a:r>
+                        <a:rPr lang="en-US" sz="1600" u="none" strike="noStrike" dirty="0">
+                          <a:effectLst/>
+                        </a:rPr>
+                        <a:t>X</a:t>
+                      </a:r>
+                      <a:r>
+                        <a:rPr lang="en-US" sz="1600" u="none" strike="noStrike" baseline="-25000" dirty="0">
+                          <a:effectLst/>
+                        </a:rPr>
+                        <a:t>5</a:t>
+                      </a:r>
+                      <a:endParaRPr lang="en-US" sz="1600" b="1" i="0" u="none" strike="noStrike" dirty="0">
+                        <a:solidFill>
+                          <a:srgbClr val="000000"/>
+                        </a:solidFill>
+                        <a:effectLst/>
+                        <a:latin typeface="Calibri" panose="020F0502020204030204" pitchFamily="34" charset="0"/>
+                      </a:endParaRPr>
+                    </a:p>
+                  </a:txBody>
+                  <a:tcPr marL="9525" marR="9525" marT="9525" marB="0" anchor="ctr">
+                    <a:solidFill>
+                      <a:schemeClr val="accent4">
+                        <a:lumMod val="40000"/>
+                        <a:lumOff val="60000"/>
+                      </a:schemeClr>
+                    </a:solidFill>
+                  </a:tcPr>
+                </a:tc>
+                <a:tc>
+                  <a:txBody>
+                    <a:bodyPr/>
+                    <a:lstStyle/>
+                    <a:p>
+                      <a:pPr algn="ctr" fontAlgn="ctr"/>
+                      <a:r>
+                        <a:rPr lang="en-US" sz="1200" u="none" strike="noStrike" dirty="0">
+                          <a:effectLst/>
+                        </a:rPr>
+                        <a:t> 30</a:t>
+                      </a:r>
+                      <a:endParaRPr lang="en-US" sz="1200" b="0" i="0" u="none" strike="noStrike" dirty="0">
+                        <a:solidFill>
+                          <a:srgbClr val="000000"/>
+                        </a:solidFill>
+                        <a:effectLst/>
+                        <a:latin typeface="Calibri" panose="020F0502020204030204" pitchFamily="34" charset="0"/>
+                      </a:endParaRPr>
+                    </a:p>
+                  </a:txBody>
+                  <a:tcPr marL="9525" marR="9525" marT="9525" marB="0" anchor="ctr">
+                    <a:solidFill>
+                      <a:schemeClr val="accent2">
+                        <a:lumMod val="20000"/>
+                        <a:lumOff val="80000"/>
+                      </a:schemeClr>
+                    </a:solidFill>
+                  </a:tcPr>
+                </a:tc>
+                <a:tc>
+                  <a:txBody>
+                    <a:bodyPr/>
+                    <a:lstStyle/>
+                    <a:p>
+                      <a:pPr algn="ctr" fontAlgn="ctr"/>
+                      <a:r>
+                        <a:rPr lang="en-US" sz="1200" u="none" strike="noStrike" dirty="0">
+                          <a:effectLst/>
+                        </a:rPr>
+                        <a:t> 0</a:t>
+                      </a:r>
+                      <a:endParaRPr lang="en-US" sz="1200" b="0" i="0" u="none" strike="noStrike" dirty="0">
+                        <a:solidFill>
+                          <a:srgbClr val="000000"/>
+                        </a:solidFill>
+                        <a:effectLst/>
+                        <a:latin typeface="Calibri" panose="020F0502020204030204" pitchFamily="34" charset="0"/>
+                      </a:endParaRPr>
+                    </a:p>
+                  </a:txBody>
+                  <a:tcPr marL="9525" marR="9525" marT="9525" marB="0" anchor="ctr">
+                    <a:solidFill>
+                      <a:schemeClr val="accent2">
+                        <a:lumMod val="20000"/>
+                        <a:lumOff val="80000"/>
+                      </a:schemeClr>
+                    </a:solidFill>
+                  </a:tcPr>
+                </a:tc>
+                <a:tc>
+                  <a:txBody>
+                    <a:bodyPr/>
+                    <a:lstStyle/>
+                    <a:p>
+                      <a:pPr algn="ctr" fontAlgn="ctr"/>
+                      <a:r>
+                        <a:rPr lang="en-US" sz="1200" u="none" strike="noStrike" dirty="0">
+                          <a:effectLst/>
+                        </a:rPr>
+                        <a:t> 0</a:t>
+                      </a:r>
+                      <a:endParaRPr lang="en-US" sz="1200" b="0" i="0" u="none" strike="noStrike" dirty="0">
+                        <a:solidFill>
+                          <a:srgbClr val="000000"/>
+                        </a:solidFill>
+                        <a:effectLst/>
+                        <a:latin typeface="Calibri" panose="020F0502020204030204" pitchFamily="34" charset="0"/>
+                      </a:endParaRPr>
+                    </a:p>
+                  </a:txBody>
+                  <a:tcPr marL="9525" marR="9525" marT="9525" marB="0" anchor="ctr">
+                    <a:solidFill>
+                      <a:schemeClr val="accent2">
+                        <a:lumMod val="20000"/>
+                        <a:lumOff val="80000"/>
+                      </a:schemeClr>
+                    </a:solidFill>
+                  </a:tcPr>
+                </a:tc>
+                <a:tc>
+                  <a:txBody>
+                    <a:bodyPr/>
+                    <a:lstStyle/>
+                    <a:p>
+                      <a:pPr algn="ctr" fontAlgn="ctr"/>
+                      <a:r>
+                        <a:rPr lang="en-US" sz="1200" u="none" strike="noStrike" dirty="0">
+                          <a:effectLst/>
+                        </a:rPr>
+                        <a:t> 0</a:t>
+                      </a:r>
+                      <a:endParaRPr lang="en-US" sz="1200" b="0" i="0" u="none" strike="noStrike" dirty="0">
+                        <a:solidFill>
+                          <a:srgbClr val="000000"/>
+                        </a:solidFill>
+                        <a:effectLst/>
+                        <a:latin typeface="Calibri" panose="020F0502020204030204" pitchFamily="34" charset="0"/>
+                      </a:endParaRPr>
+                    </a:p>
+                  </a:txBody>
+                  <a:tcPr marL="9525" marR="9525" marT="9525" marB="0" anchor="ctr">
+                    <a:solidFill>
+                      <a:schemeClr val="accent2">
+                        <a:lumMod val="20000"/>
+                        <a:lumOff val="80000"/>
+                      </a:schemeClr>
+                    </a:solidFill>
+                  </a:tcPr>
+                </a:tc>
+                <a:tc>
+                  <a:txBody>
+                    <a:bodyPr/>
+                    <a:lstStyle/>
+                    <a:p>
+                      <a:pPr algn="ctr" fontAlgn="ctr"/>
+                      <a:r>
+                        <a:rPr lang="en-US" sz="1200" u="none" strike="noStrike" dirty="0">
+                          <a:effectLst/>
+                        </a:rPr>
+                        <a:t> 30</a:t>
+                      </a:r>
+                      <a:endParaRPr lang="en-US" sz="1200" b="0" i="0" u="none" strike="noStrike" dirty="0">
+                        <a:solidFill>
+                          <a:srgbClr val="000000"/>
+                        </a:solidFill>
+                        <a:effectLst/>
+                        <a:latin typeface="Calibri" panose="020F0502020204030204" pitchFamily="34" charset="0"/>
+                      </a:endParaRPr>
+                    </a:p>
+                  </a:txBody>
+                  <a:tcPr marL="9525" marR="9525" marT="9525" marB="0" anchor="ctr">
+                    <a:solidFill>
+                      <a:schemeClr val="accent2">
+                        <a:lumMod val="20000"/>
+                        <a:lumOff val="80000"/>
+                      </a:schemeClr>
+                    </a:solidFill>
+                  </a:tcPr>
+                </a:tc>
+                <a:tc>
+                  <a:txBody>
+                    <a:bodyPr/>
+                    <a:lstStyle/>
+                    <a:p>
+                      <a:pPr algn="ctr" fontAlgn="ctr"/>
+                      <a:r>
+                        <a:rPr lang="en-US" sz="1200" u="none" strike="noStrike" dirty="0">
+                          <a:effectLst/>
+                        </a:rPr>
+                        <a:t> 0</a:t>
+                      </a:r>
+                      <a:endParaRPr lang="en-US" sz="1200" b="0" i="0" u="none" strike="noStrike" dirty="0">
+                        <a:solidFill>
+                          <a:srgbClr val="000000"/>
+                        </a:solidFill>
+                        <a:effectLst/>
+                        <a:latin typeface="Calibri" panose="020F0502020204030204" pitchFamily="34" charset="0"/>
+                      </a:endParaRPr>
+                    </a:p>
+                  </a:txBody>
+                  <a:tcPr marL="9525" marR="9525" marT="9525" marB="0" anchor="ctr">
+                    <a:solidFill>
+                      <a:schemeClr val="accent2">
+                        <a:lumMod val="20000"/>
+                        <a:lumOff val="80000"/>
+                      </a:schemeClr>
+                    </a:solidFill>
+                  </a:tcPr>
+                </a:tc>
+                <a:extLst>
+                  <a:ext uri="{0D108BD9-81ED-4DB2-BD59-A6C34878D82A}">
+                    <a16:rowId xmlns:a16="http://schemas.microsoft.com/office/drawing/2014/main" val="596632790"/>
+                  </a:ext>
+                </a:extLst>
+              </a:tr>
+            </a:tbl>
+          </a:graphicData>
+        </a:graphic>
+      </p:graphicFrame>
+    </p:spTree>
+    <p:extLst>
+      <p:ext uri="{BB962C8B-B14F-4D97-AF65-F5344CB8AC3E}">
+        <p14:creationId xmlns:p14="http://schemas.microsoft.com/office/powerpoint/2010/main" val="498838808"/>
       </p:ext>
     </p:extLst>
   </p:cSld>
@@ -14143,6 +15903,1693 @@
 </p:sld>
 </file>
 
+<file path=ppt/slides/slide8.xml><?xml version="1.0" encoding="utf-8"?>
+<p:sld xmlns:a="http://schemas.openxmlformats.org/drawingml/2006/main" xmlns:r="http://schemas.openxmlformats.org/officeDocument/2006/relationships" xmlns:p="http://schemas.openxmlformats.org/presentationml/2006/main">
+  <p:cSld>
+    <p:spTree>
+      <p:nvGrpSpPr>
+        <p:cNvPr id="1" name=""/>
+        <p:cNvGrpSpPr/>
+        <p:nvPr/>
+      </p:nvGrpSpPr>
+      <p:grpSpPr>
+        <a:xfrm>
+          <a:off x="0" y="0"/>
+          <a:ext cx="0" cy="0"/>
+          <a:chOff x="0" y="0"/>
+          <a:chExt cx="0" cy="0"/>
+        </a:xfrm>
+      </p:grpSpPr>
+      <p:sp>
+        <p:nvSpPr>
+          <p:cNvPr id="4" name="TextBox 3">
+            <a:extLst>
+              <a:ext uri="{FF2B5EF4-FFF2-40B4-BE49-F238E27FC236}">
+                <a16:creationId xmlns:a16="http://schemas.microsoft.com/office/drawing/2014/main" id="{AA3F8E03-E52B-8845-8D1F-0DC4D8DD2095}"/>
+              </a:ext>
+            </a:extLst>
+          </p:cNvPr>
+          <p:cNvSpPr txBox="1"/>
+          <p:nvPr/>
+        </p:nvSpPr>
+        <p:spPr>
+          <a:xfrm>
+            <a:off x="3988130" y="3013501"/>
+            <a:ext cx="4215740" cy="830997"/>
+          </a:xfrm>
+          <a:prstGeom prst="rect">
+            <a:avLst/>
+          </a:prstGeom>
+          <a:noFill/>
+        </p:spPr>
+        <p:txBody>
+          <a:bodyPr wrap="square" rtlCol="0">
+            <a:spAutoFit/>
+          </a:bodyPr>
+          <a:lstStyle/>
+          <a:p>
+            <a:r>
+              <a:rPr lang="en-US" sz="4800" dirty="0"/>
+              <a:t>Solutions Below</a:t>
+            </a:r>
+          </a:p>
+        </p:txBody>
+      </p:sp>
+    </p:spTree>
+    <p:extLst>
+      <p:ext uri="{BB962C8B-B14F-4D97-AF65-F5344CB8AC3E}">
+        <p14:creationId xmlns:p14="http://schemas.microsoft.com/office/powerpoint/2010/main" val="2870530172"/>
+      </p:ext>
+    </p:extLst>
+  </p:cSld>
+  <p:clrMapOvr>
+    <a:masterClrMapping/>
+  </p:clrMapOvr>
+</p:sld>
+</file>
+
+<file path=ppt/slides/slide9.xml><?xml version="1.0" encoding="utf-8"?>
+<p:sld xmlns:a="http://schemas.openxmlformats.org/drawingml/2006/main" xmlns:r="http://schemas.openxmlformats.org/officeDocument/2006/relationships" xmlns:p="http://schemas.openxmlformats.org/presentationml/2006/main">
+  <p:cSld>
+    <p:spTree>
+      <p:nvGrpSpPr>
+        <p:cNvPr id="1" name=""/>
+        <p:cNvGrpSpPr/>
+        <p:nvPr/>
+      </p:nvGrpSpPr>
+      <p:grpSpPr>
+        <a:xfrm>
+          <a:off x="0" y="0"/>
+          <a:ext cx="0" cy="0"/>
+          <a:chOff x="0" y="0"/>
+          <a:chExt cx="0" cy="0"/>
+        </a:xfrm>
+      </p:grpSpPr>
+      <p:grpSp>
+        <p:nvGrpSpPr>
+          <p:cNvPr id="44" name="Group 43">
+            <a:extLst>
+              <a:ext uri="{FF2B5EF4-FFF2-40B4-BE49-F238E27FC236}">
+                <a16:creationId xmlns:a16="http://schemas.microsoft.com/office/drawing/2014/main" id="{0B807186-138A-C54E-90D9-E1EDF14899B2}"/>
+              </a:ext>
+            </a:extLst>
+          </p:cNvPr>
+          <p:cNvGrpSpPr/>
+          <p:nvPr/>
+        </p:nvGrpSpPr>
+        <p:grpSpPr>
+          <a:xfrm>
+            <a:off x="3643087" y="403761"/>
+            <a:ext cx="4905826" cy="5736681"/>
+            <a:chOff x="3643087" y="403761"/>
+            <a:chExt cx="4905826" cy="5736681"/>
+          </a:xfrm>
+        </p:grpSpPr>
+        <p:grpSp>
+          <p:nvGrpSpPr>
+            <p:cNvPr id="4" name="Group 3">
+              <a:extLst>
+                <a:ext uri="{FF2B5EF4-FFF2-40B4-BE49-F238E27FC236}">
+                  <a16:creationId xmlns:a16="http://schemas.microsoft.com/office/drawing/2014/main" id="{374D3F32-9050-C346-BAB1-E547436996C6}"/>
+                </a:ext>
+              </a:extLst>
+            </p:cNvPr>
+            <p:cNvGrpSpPr/>
+            <p:nvPr/>
+          </p:nvGrpSpPr>
+          <p:grpSpPr>
+            <a:xfrm>
+              <a:off x="3643087" y="1641206"/>
+              <a:ext cx="4905826" cy="3575587"/>
+              <a:chOff x="3538331" y="2010204"/>
+              <a:chExt cx="4905826" cy="3575587"/>
+            </a:xfrm>
+          </p:grpSpPr>
+          <p:sp>
+            <p:nvSpPr>
+              <p:cNvPr id="5" name="Oval 4">
+                <a:extLst>
+                  <a:ext uri="{FF2B5EF4-FFF2-40B4-BE49-F238E27FC236}">
+                    <a16:creationId xmlns:a16="http://schemas.microsoft.com/office/drawing/2014/main" id="{BE20CDBA-5D96-A744-BCE6-FB5F0E8AB92B}"/>
+                  </a:ext>
+                </a:extLst>
+              </p:cNvPr>
+              <p:cNvSpPr/>
+              <p:nvPr/>
+            </p:nvSpPr>
+            <p:spPr>
+              <a:xfrm>
+                <a:off x="3538331" y="2047461"/>
+                <a:ext cx="775252" cy="775252"/>
+              </a:xfrm>
+              <a:prstGeom prst="ellipse">
+                <a:avLst/>
+              </a:prstGeom>
+              <a:solidFill>
+                <a:schemeClr val="accent1">
+                  <a:lumMod val="20000"/>
+                  <a:lumOff val="80000"/>
+                </a:schemeClr>
+              </a:solidFill>
+              <a:ln>
+                <a:solidFill>
+                  <a:schemeClr val="accent1">
+                    <a:lumMod val="60000"/>
+                    <a:lumOff val="40000"/>
+                  </a:schemeClr>
+                </a:solidFill>
+              </a:ln>
+            </p:spPr>
+            <p:style>
+              <a:lnRef idx="2">
+                <a:schemeClr val="accent1">
+                  <a:shade val="50000"/>
+                </a:schemeClr>
+              </a:lnRef>
+              <a:fillRef idx="1">
+                <a:schemeClr val="accent1"/>
+              </a:fillRef>
+              <a:effectRef idx="0">
+                <a:schemeClr val="accent1"/>
+              </a:effectRef>
+              <a:fontRef idx="minor">
+                <a:schemeClr val="lt1"/>
+              </a:fontRef>
+            </p:style>
+            <p:txBody>
+              <a:bodyPr rtlCol="0" anchor="ctr"/>
+              <a:lstStyle/>
+              <a:p>
+                <a:pPr algn="ctr"/>
+                <a:r>
+                  <a:rPr lang="en-US" dirty="0">
+                    <a:solidFill>
+                      <a:schemeClr val="tx1"/>
+                    </a:solidFill>
+                  </a:rPr>
+                  <a:t>X</a:t>
+                </a:r>
+                <a:r>
+                  <a:rPr lang="en-US" baseline="-25000" dirty="0">
+                    <a:solidFill>
+                      <a:schemeClr val="tx1"/>
+                    </a:solidFill>
+                  </a:rPr>
+                  <a:t>0</a:t>
+                </a:r>
+                <a:endParaRPr lang="en-US" dirty="0">
+                  <a:solidFill>
+                    <a:schemeClr val="tx1"/>
+                  </a:solidFill>
+                </a:endParaRPr>
+              </a:p>
+            </p:txBody>
+          </p:sp>
+          <p:sp>
+            <p:nvSpPr>
+              <p:cNvPr id="6" name="Oval 5">
+                <a:extLst>
+                  <a:ext uri="{FF2B5EF4-FFF2-40B4-BE49-F238E27FC236}">
+                    <a16:creationId xmlns:a16="http://schemas.microsoft.com/office/drawing/2014/main" id="{03208BA5-6D85-264A-906E-B5AF23368F5E}"/>
+                  </a:ext>
+                </a:extLst>
+              </p:cNvPr>
+              <p:cNvSpPr/>
+              <p:nvPr/>
+            </p:nvSpPr>
+            <p:spPr>
+              <a:xfrm>
+                <a:off x="5320748" y="2047461"/>
+                <a:ext cx="775252" cy="775252"/>
+              </a:xfrm>
+              <a:prstGeom prst="ellipse">
+                <a:avLst/>
+              </a:prstGeom>
+              <a:solidFill>
+                <a:schemeClr val="accent1">
+                  <a:lumMod val="20000"/>
+                  <a:lumOff val="80000"/>
+                </a:schemeClr>
+              </a:solidFill>
+              <a:ln>
+                <a:solidFill>
+                  <a:schemeClr val="accent1">
+                    <a:lumMod val="60000"/>
+                    <a:lumOff val="40000"/>
+                  </a:schemeClr>
+                </a:solidFill>
+              </a:ln>
+            </p:spPr>
+            <p:style>
+              <a:lnRef idx="2">
+                <a:schemeClr val="accent1">
+                  <a:shade val="50000"/>
+                </a:schemeClr>
+              </a:lnRef>
+              <a:fillRef idx="1">
+                <a:schemeClr val="accent1"/>
+              </a:fillRef>
+              <a:effectRef idx="0">
+                <a:schemeClr val="accent1"/>
+              </a:effectRef>
+              <a:fontRef idx="minor">
+                <a:schemeClr val="lt1"/>
+              </a:fontRef>
+            </p:style>
+            <p:txBody>
+              <a:bodyPr rtlCol="0" anchor="ctr"/>
+              <a:lstStyle/>
+              <a:p>
+                <a:pPr algn="ctr"/>
+                <a:r>
+                  <a:rPr lang="en-US" dirty="0">
+                    <a:solidFill>
+                      <a:schemeClr val="tx1"/>
+                    </a:solidFill>
+                  </a:rPr>
+                  <a:t>X</a:t>
+                </a:r>
+                <a:r>
+                  <a:rPr lang="en-US" baseline="-25000" dirty="0">
+                    <a:solidFill>
+                      <a:schemeClr val="tx1"/>
+                    </a:solidFill>
+                  </a:rPr>
+                  <a:t>1</a:t>
+                </a:r>
+                <a:endParaRPr lang="en-US" dirty="0">
+                  <a:solidFill>
+                    <a:schemeClr val="tx1"/>
+                  </a:solidFill>
+                </a:endParaRPr>
+              </a:p>
+            </p:txBody>
+          </p:sp>
+          <p:sp>
+            <p:nvSpPr>
+              <p:cNvPr id="7" name="Oval 6">
+                <a:extLst>
+                  <a:ext uri="{FF2B5EF4-FFF2-40B4-BE49-F238E27FC236}">
+                    <a16:creationId xmlns:a16="http://schemas.microsoft.com/office/drawing/2014/main" id="{A6C2A1C4-D7C4-154A-A413-98A161B84EE4}"/>
+                  </a:ext>
+                </a:extLst>
+              </p:cNvPr>
+              <p:cNvSpPr/>
+              <p:nvPr/>
+            </p:nvSpPr>
+            <p:spPr>
+              <a:xfrm>
+                <a:off x="7103165" y="2047461"/>
+                <a:ext cx="775252" cy="775252"/>
+              </a:xfrm>
+              <a:prstGeom prst="ellipse">
+                <a:avLst/>
+              </a:prstGeom>
+              <a:solidFill>
+                <a:schemeClr val="accent1">
+                  <a:lumMod val="20000"/>
+                  <a:lumOff val="80000"/>
+                </a:schemeClr>
+              </a:solidFill>
+              <a:ln>
+                <a:solidFill>
+                  <a:schemeClr val="accent1">
+                    <a:lumMod val="60000"/>
+                    <a:lumOff val="40000"/>
+                  </a:schemeClr>
+                </a:solidFill>
+              </a:ln>
+            </p:spPr>
+            <p:style>
+              <a:lnRef idx="2">
+                <a:schemeClr val="accent1">
+                  <a:shade val="50000"/>
+                </a:schemeClr>
+              </a:lnRef>
+              <a:fillRef idx="1">
+                <a:schemeClr val="accent1"/>
+              </a:fillRef>
+              <a:effectRef idx="0">
+                <a:schemeClr val="accent1"/>
+              </a:effectRef>
+              <a:fontRef idx="minor">
+                <a:schemeClr val="lt1"/>
+              </a:fontRef>
+            </p:style>
+            <p:txBody>
+              <a:bodyPr rtlCol="0" anchor="ctr"/>
+              <a:lstStyle/>
+              <a:p>
+                <a:pPr algn="ctr"/>
+                <a:r>
+                  <a:rPr lang="en-US" dirty="0">
+                    <a:solidFill>
+                      <a:schemeClr val="tx1"/>
+                    </a:solidFill>
+                  </a:rPr>
+                  <a:t>X</a:t>
+                </a:r>
+                <a:r>
+                  <a:rPr lang="en-US" baseline="-25000" dirty="0">
+                    <a:solidFill>
+                      <a:schemeClr val="tx1"/>
+                    </a:solidFill>
+                  </a:rPr>
+                  <a:t>2</a:t>
+                </a:r>
+                <a:endParaRPr lang="en-US" dirty="0">
+                  <a:solidFill>
+                    <a:schemeClr val="tx1"/>
+                  </a:solidFill>
+                </a:endParaRPr>
+              </a:p>
+            </p:txBody>
+          </p:sp>
+          <p:sp>
+            <p:nvSpPr>
+              <p:cNvPr id="8" name="Oval 7">
+                <a:extLst>
+                  <a:ext uri="{FF2B5EF4-FFF2-40B4-BE49-F238E27FC236}">
+                    <a16:creationId xmlns:a16="http://schemas.microsoft.com/office/drawing/2014/main" id="{55DDCF50-6976-A344-A662-9EC49370921D}"/>
+                  </a:ext>
+                </a:extLst>
+              </p:cNvPr>
+              <p:cNvSpPr/>
+              <p:nvPr/>
+            </p:nvSpPr>
+            <p:spPr>
+              <a:xfrm>
+                <a:off x="5320748" y="3429000"/>
+                <a:ext cx="775252" cy="775252"/>
+              </a:xfrm>
+              <a:prstGeom prst="ellipse">
+                <a:avLst/>
+              </a:prstGeom>
+              <a:solidFill>
+                <a:schemeClr val="accent1">
+                  <a:lumMod val="20000"/>
+                  <a:lumOff val="80000"/>
+                </a:schemeClr>
+              </a:solidFill>
+              <a:ln>
+                <a:solidFill>
+                  <a:schemeClr val="accent1">
+                    <a:lumMod val="60000"/>
+                    <a:lumOff val="40000"/>
+                  </a:schemeClr>
+                </a:solidFill>
+              </a:ln>
+            </p:spPr>
+            <p:style>
+              <a:lnRef idx="2">
+                <a:schemeClr val="accent1">
+                  <a:shade val="50000"/>
+                </a:schemeClr>
+              </a:lnRef>
+              <a:fillRef idx="1">
+                <a:schemeClr val="accent1"/>
+              </a:fillRef>
+              <a:effectRef idx="0">
+                <a:schemeClr val="accent1"/>
+              </a:effectRef>
+              <a:fontRef idx="minor">
+                <a:schemeClr val="lt1"/>
+              </a:fontRef>
+            </p:style>
+            <p:txBody>
+              <a:bodyPr rtlCol="0" anchor="ctr"/>
+              <a:lstStyle/>
+              <a:p>
+                <a:pPr algn="ctr"/>
+                <a:r>
+                  <a:rPr lang="en-US" dirty="0">
+                    <a:solidFill>
+                      <a:schemeClr val="tx1"/>
+                    </a:solidFill>
+                  </a:rPr>
+                  <a:t>X</a:t>
+                </a:r>
+                <a:r>
+                  <a:rPr lang="en-US" baseline="-25000" dirty="0">
+                    <a:solidFill>
+                      <a:schemeClr val="tx1"/>
+                    </a:solidFill>
+                  </a:rPr>
+                  <a:t>3</a:t>
+                </a:r>
+                <a:endParaRPr lang="en-US" dirty="0">
+                  <a:solidFill>
+                    <a:schemeClr val="tx1"/>
+                  </a:solidFill>
+                </a:endParaRPr>
+              </a:p>
+            </p:txBody>
+          </p:sp>
+          <p:sp>
+            <p:nvSpPr>
+              <p:cNvPr id="9" name="Oval 8">
+                <a:extLst>
+                  <a:ext uri="{FF2B5EF4-FFF2-40B4-BE49-F238E27FC236}">
+                    <a16:creationId xmlns:a16="http://schemas.microsoft.com/office/drawing/2014/main" id="{1762BFB0-23EB-0243-A319-6B2223239312}"/>
+                  </a:ext>
+                </a:extLst>
+              </p:cNvPr>
+              <p:cNvSpPr/>
+              <p:nvPr/>
+            </p:nvSpPr>
+            <p:spPr>
+              <a:xfrm>
+                <a:off x="7103165" y="3429000"/>
+                <a:ext cx="775252" cy="775252"/>
+              </a:xfrm>
+              <a:prstGeom prst="ellipse">
+                <a:avLst/>
+              </a:prstGeom>
+              <a:solidFill>
+                <a:schemeClr val="accent1">
+                  <a:lumMod val="20000"/>
+                  <a:lumOff val="80000"/>
+                </a:schemeClr>
+              </a:solidFill>
+              <a:ln>
+                <a:solidFill>
+                  <a:schemeClr val="accent1">
+                    <a:lumMod val="60000"/>
+                    <a:lumOff val="40000"/>
+                  </a:schemeClr>
+                </a:solidFill>
+              </a:ln>
+            </p:spPr>
+            <p:style>
+              <a:lnRef idx="2">
+                <a:schemeClr val="accent1">
+                  <a:shade val="50000"/>
+                </a:schemeClr>
+              </a:lnRef>
+              <a:fillRef idx="1">
+                <a:schemeClr val="accent1"/>
+              </a:fillRef>
+              <a:effectRef idx="0">
+                <a:schemeClr val="accent1"/>
+              </a:effectRef>
+              <a:fontRef idx="minor">
+                <a:schemeClr val="lt1"/>
+              </a:fontRef>
+            </p:style>
+            <p:txBody>
+              <a:bodyPr rtlCol="0" anchor="ctr"/>
+              <a:lstStyle/>
+              <a:p>
+                <a:pPr algn="ctr"/>
+                <a:r>
+                  <a:rPr lang="en-US" dirty="0">
+                    <a:solidFill>
+                      <a:schemeClr val="tx1"/>
+                    </a:solidFill>
+                  </a:rPr>
+                  <a:t>X</a:t>
+                </a:r>
+                <a:r>
+                  <a:rPr lang="en-US" baseline="-25000" dirty="0">
+                    <a:solidFill>
+                      <a:schemeClr val="tx1"/>
+                    </a:solidFill>
+                  </a:rPr>
+                  <a:t>4</a:t>
+                </a:r>
+                <a:endParaRPr lang="en-US" dirty="0">
+                  <a:solidFill>
+                    <a:schemeClr val="tx1"/>
+                  </a:solidFill>
+                </a:endParaRPr>
+              </a:p>
+            </p:txBody>
+          </p:sp>
+          <p:sp>
+            <p:nvSpPr>
+              <p:cNvPr id="10" name="Oval 9">
+                <a:extLst>
+                  <a:ext uri="{FF2B5EF4-FFF2-40B4-BE49-F238E27FC236}">
+                    <a16:creationId xmlns:a16="http://schemas.microsoft.com/office/drawing/2014/main" id="{CBC8A930-76D8-7846-8F75-05C9D79EDC09}"/>
+                  </a:ext>
+                </a:extLst>
+              </p:cNvPr>
+              <p:cNvSpPr/>
+              <p:nvPr/>
+            </p:nvSpPr>
+            <p:spPr>
+              <a:xfrm>
+                <a:off x="5320748" y="4810539"/>
+                <a:ext cx="775252" cy="775252"/>
+              </a:xfrm>
+              <a:prstGeom prst="ellipse">
+                <a:avLst/>
+              </a:prstGeom>
+              <a:solidFill>
+                <a:schemeClr val="accent1">
+                  <a:lumMod val="20000"/>
+                  <a:lumOff val="80000"/>
+                </a:schemeClr>
+              </a:solidFill>
+              <a:ln>
+                <a:solidFill>
+                  <a:schemeClr val="accent1">
+                    <a:lumMod val="60000"/>
+                    <a:lumOff val="40000"/>
+                  </a:schemeClr>
+                </a:solidFill>
+              </a:ln>
+            </p:spPr>
+            <p:style>
+              <a:lnRef idx="2">
+                <a:schemeClr val="accent1">
+                  <a:shade val="50000"/>
+                </a:schemeClr>
+              </a:lnRef>
+              <a:fillRef idx="1">
+                <a:schemeClr val="accent1"/>
+              </a:fillRef>
+              <a:effectRef idx="0">
+                <a:schemeClr val="accent1"/>
+              </a:effectRef>
+              <a:fontRef idx="minor">
+                <a:schemeClr val="lt1"/>
+              </a:fontRef>
+            </p:style>
+            <p:txBody>
+              <a:bodyPr rtlCol="0" anchor="ctr"/>
+              <a:lstStyle/>
+              <a:p>
+                <a:pPr algn="ctr"/>
+                <a:r>
+                  <a:rPr lang="en-US" dirty="0">
+                    <a:solidFill>
+                      <a:schemeClr val="tx1"/>
+                    </a:solidFill>
+                  </a:rPr>
+                  <a:t>X</a:t>
+                </a:r>
+                <a:r>
+                  <a:rPr lang="en-US" baseline="-25000" dirty="0">
+                    <a:solidFill>
+                      <a:schemeClr val="tx1"/>
+                    </a:solidFill>
+                  </a:rPr>
+                  <a:t>5</a:t>
+                </a:r>
+                <a:endParaRPr lang="en-US" dirty="0">
+                  <a:solidFill>
+                    <a:schemeClr val="tx1"/>
+                  </a:solidFill>
+                </a:endParaRPr>
+              </a:p>
+            </p:txBody>
+          </p:sp>
+          <p:cxnSp>
+            <p:nvCxnSpPr>
+              <p:cNvPr id="11" name="Straight Arrow Connector 10">
+                <a:extLst>
+                  <a:ext uri="{FF2B5EF4-FFF2-40B4-BE49-F238E27FC236}">
+                    <a16:creationId xmlns:a16="http://schemas.microsoft.com/office/drawing/2014/main" id="{E789DC11-8457-2C4D-8618-7222E7AFE849}"/>
+                  </a:ext>
+                </a:extLst>
+              </p:cNvPr>
+              <p:cNvCxnSpPr>
+                <a:cxnSpLocks/>
+                <a:endCxn id="6" idx="2"/>
+              </p:cNvCxnSpPr>
+              <p:nvPr/>
+            </p:nvCxnSpPr>
+            <p:spPr>
+              <a:xfrm>
+                <a:off x="4313583" y="2435087"/>
+                <a:ext cx="1007165" cy="0"/>
+              </a:xfrm>
+              <a:prstGeom prst="straightConnector1">
+                <a:avLst/>
+              </a:prstGeom>
+              <a:ln w="38100">
+                <a:tailEnd type="triangle"/>
+              </a:ln>
+            </p:spPr>
+            <p:style>
+              <a:lnRef idx="1">
+                <a:schemeClr val="dk1"/>
+              </a:lnRef>
+              <a:fillRef idx="0">
+                <a:schemeClr val="dk1"/>
+              </a:fillRef>
+              <a:effectRef idx="0">
+                <a:schemeClr val="dk1"/>
+              </a:effectRef>
+              <a:fontRef idx="minor">
+                <a:schemeClr val="tx1"/>
+              </a:fontRef>
+            </p:style>
+          </p:cxnSp>
+          <p:cxnSp>
+            <p:nvCxnSpPr>
+              <p:cNvPr id="12" name="Straight Arrow Connector 11">
+                <a:extLst>
+                  <a:ext uri="{FF2B5EF4-FFF2-40B4-BE49-F238E27FC236}">
+                    <a16:creationId xmlns:a16="http://schemas.microsoft.com/office/drawing/2014/main" id="{F0EFA83B-F5D4-4645-9A4E-961D9268D98E}"/>
+                  </a:ext>
+                </a:extLst>
+              </p:cNvPr>
+              <p:cNvCxnSpPr>
+                <a:cxnSpLocks/>
+              </p:cNvCxnSpPr>
+              <p:nvPr/>
+            </p:nvCxnSpPr>
+            <p:spPr>
+              <a:xfrm>
+                <a:off x="6096000" y="2435087"/>
+                <a:ext cx="1007165" cy="0"/>
+              </a:xfrm>
+              <a:prstGeom prst="straightConnector1">
+                <a:avLst/>
+              </a:prstGeom>
+              <a:ln w="38100">
+                <a:tailEnd type="triangle"/>
+              </a:ln>
+            </p:spPr>
+            <p:style>
+              <a:lnRef idx="1">
+                <a:schemeClr val="dk1"/>
+              </a:lnRef>
+              <a:fillRef idx="0">
+                <a:schemeClr val="dk1"/>
+              </a:fillRef>
+              <a:effectRef idx="0">
+                <a:schemeClr val="dk1"/>
+              </a:effectRef>
+              <a:fontRef idx="minor">
+                <a:schemeClr val="tx1"/>
+              </a:fontRef>
+            </p:style>
+          </p:cxnSp>
+          <p:cxnSp>
+            <p:nvCxnSpPr>
+              <p:cNvPr id="13" name="Straight Arrow Connector 12">
+                <a:extLst>
+                  <a:ext uri="{FF2B5EF4-FFF2-40B4-BE49-F238E27FC236}">
+                    <a16:creationId xmlns:a16="http://schemas.microsoft.com/office/drawing/2014/main" id="{61BFA6F6-0260-624C-A6C7-F622E52C5680}"/>
+                  </a:ext>
+                </a:extLst>
+              </p:cNvPr>
+              <p:cNvCxnSpPr>
+                <a:stCxn id="5" idx="4"/>
+                <a:endCxn id="10" idx="2"/>
+              </p:cNvCxnSpPr>
+              <p:nvPr/>
+            </p:nvCxnSpPr>
+            <p:spPr>
+              <a:xfrm>
+                <a:off x="3925957" y="2822713"/>
+                <a:ext cx="1394791" cy="2375452"/>
+              </a:xfrm>
+              <a:prstGeom prst="straightConnector1">
+                <a:avLst/>
+              </a:prstGeom>
+              <a:ln w="38100">
+                <a:tailEnd type="triangle"/>
+              </a:ln>
+            </p:spPr>
+            <p:style>
+              <a:lnRef idx="1">
+                <a:schemeClr val="dk1"/>
+              </a:lnRef>
+              <a:fillRef idx="0">
+                <a:schemeClr val="dk1"/>
+              </a:fillRef>
+              <a:effectRef idx="0">
+                <a:schemeClr val="dk1"/>
+              </a:effectRef>
+              <a:fontRef idx="minor">
+                <a:schemeClr val="tx1"/>
+              </a:fontRef>
+            </p:style>
+          </p:cxnSp>
+          <p:cxnSp>
+            <p:nvCxnSpPr>
+              <p:cNvPr id="14" name="Straight Arrow Connector 13">
+                <a:extLst>
+                  <a:ext uri="{FF2B5EF4-FFF2-40B4-BE49-F238E27FC236}">
+                    <a16:creationId xmlns:a16="http://schemas.microsoft.com/office/drawing/2014/main" id="{A28641FD-002A-9347-A56F-44EA8D81386C}"/>
+                  </a:ext>
+                </a:extLst>
+              </p:cNvPr>
+              <p:cNvCxnSpPr>
+                <a:stCxn id="8" idx="6"/>
+                <a:endCxn id="7" idx="3"/>
+              </p:cNvCxnSpPr>
+              <p:nvPr/>
+            </p:nvCxnSpPr>
+            <p:spPr>
+              <a:xfrm flipV="1">
+                <a:off x="6096000" y="2709180"/>
+                <a:ext cx="1120698" cy="1107446"/>
+              </a:xfrm>
+              <a:prstGeom prst="straightConnector1">
+                <a:avLst/>
+              </a:prstGeom>
+              <a:ln w="38100">
+                <a:tailEnd type="triangle"/>
+              </a:ln>
+            </p:spPr>
+            <p:style>
+              <a:lnRef idx="1">
+                <a:schemeClr val="dk1"/>
+              </a:lnRef>
+              <a:fillRef idx="0">
+                <a:schemeClr val="dk1"/>
+              </a:fillRef>
+              <a:effectRef idx="0">
+                <a:schemeClr val="dk1"/>
+              </a:effectRef>
+              <a:fontRef idx="minor">
+                <a:schemeClr val="tx1"/>
+              </a:fontRef>
+            </p:style>
+          </p:cxnSp>
+          <p:cxnSp>
+            <p:nvCxnSpPr>
+              <p:cNvPr id="15" name="Straight Arrow Connector 14">
+                <a:extLst>
+                  <a:ext uri="{FF2B5EF4-FFF2-40B4-BE49-F238E27FC236}">
+                    <a16:creationId xmlns:a16="http://schemas.microsoft.com/office/drawing/2014/main" id="{61E194AD-5BE0-F544-B3C6-1533DB979694}"/>
+                  </a:ext>
+                </a:extLst>
+              </p:cNvPr>
+              <p:cNvCxnSpPr>
+                <a:stCxn id="10" idx="6"/>
+                <a:endCxn id="9" idx="3"/>
+              </p:cNvCxnSpPr>
+              <p:nvPr/>
+            </p:nvCxnSpPr>
+            <p:spPr>
+              <a:xfrm flipV="1">
+                <a:off x="6096000" y="4090719"/>
+                <a:ext cx="1120698" cy="1107446"/>
+              </a:xfrm>
+              <a:prstGeom prst="straightConnector1">
+                <a:avLst/>
+              </a:prstGeom>
+              <a:ln w="38100">
+                <a:tailEnd type="triangle"/>
+              </a:ln>
+            </p:spPr>
+            <p:style>
+              <a:lnRef idx="1">
+                <a:schemeClr val="dk1"/>
+              </a:lnRef>
+              <a:fillRef idx="0">
+                <a:schemeClr val="dk1"/>
+              </a:fillRef>
+              <a:effectRef idx="0">
+                <a:schemeClr val="dk1"/>
+              </a:effectRef>
+              <a:fontRef idx="minor">
+                <a:schemeClr val="tx1"/>
+              </a:fontRef>
+            </p:style>
+          </p:cxnSp>
+          <p:cxnSp>
+            <p:nvCxnSpPr>
+              <p:cNvPr id="16" name="Straight Arrow Connector 15">
+                <a:extLst>
+                  <a:ext uri="{FF2B5EF4-FFF2-40B4-BE49-F238E27FC236}">
+                    <a16:creationId xmlns:a16="http://schemas.microsoft.com/office/drawing/2014/main" id="{B248C0FD-54E4-5849-99F6-EFAD25E420D7}"/>
+                  </a:ext>
+                </a:extLst>
+              </p:cNvPr>
+              <p:cNvCxnSpPr>
+                <a:stCxn id="8" idx="6"/>
+                <a:endCxn id="9" idx="2"/>
+              </p:cNvCxnSpPr>
+              <p:nvPr/>
+            </p:nvCxnSpPr>
+            <p:spPr>
+              <a:xfrm>
+                <a:off x="6096000" y="3816626"/>
+                <a:ext cx="1007165" cy="0"/>
+              </a:xfrm>
+              <a:prstGeom prst="straightConnector1">
+                <a:avLst/>
+              </a:prstGeom>
+              <a:ln w="38100">
+                <a:tailEnd type="triangle"/>
+              </a:ln>
+            </p:spPr>
+            <p:style>
+              <a:lnRef idx="1">
+                <a:schemeClr val="dk1"/>
+              </a:lnRef>
+              <a:fillRef idx="0">
+                <a:schemeClr val="dk1"/>
+              </a:fillRef>
+              <a:effectRef idx="0">
+                <a:schemeClr val="dk1"/>
+              </a:effectRef>
+              <a:fontRef idx="minor">
+                <a:schemeClr val="tx1"/>
+              </a:fontRef>
+            </p:style>
+          </p:cxnSp>
+          <p:cxnSp>
+            <p:nvCxnSpPr>
+              <p:cNvPr id="17" name="Straight Arrow Connector 16">
+                <a:extLst>
+                  <a:ext uri="{FF2B5EF4-FFF2-40B4-BE49-F238E27FC236}">
+                    <a16:creationId xmlns:a16="http://schemas.microsoft.com/office/drawing/2014/main" id="{6A1ED663-56E0-2C4E-82B2-5B03FC9F2DA2}"/>
+                  </a:ext>
+                </a:extLst>
+              </p:cNvPr>
+              <p:cNvCxnSpPr>
+                <a:stCxn id="9" idx="0"/>
+                <a:endCxn id="7" idx="4"/>
+              </p:cNvCxnSpPr>
+              <p:nvPr/>
+            </p:nvCxnSpPr>
+            <p:spPr>
+              <a:xfrm flipV="1">
+                <a:off x="7490791" y="2822713"/>
+                <a:ext cx="0" cy="606287"/>
+              </a:xfrm>
+              <a:prstGeom prst="straightConnector1">
+                <a:avLst/>
+              </a:prstGeom>
+              <a:ln w="38100">
+                <a:tailEnd type="triangle"/>
+              </a:ln>
+            </p:spPr>
+            <p:style>
+              <a:lnRef idx="1">
+                <a:schemeClr val="dk1"/>
+              </a:lnRef>
+              <a:fillRef idx="0">
+                <a:schemeClr val="dk1"/>
+              </a:fillRef>
+              <a:effectRef idx="0">
+                <a:schemeClr val="dk1"/>
+              </a:effectRef>
+              <a:fontRef idx="minor">
+                <a:schemeClr val="tx1"/>
+              </a:fontRef>
+            </p:style>
+          </p:cxnSp>
+          <p:sp>
+            <p:nvSpPr>
+              <p:cNvPr id="18" name="TextBox 17">
+                <a:extLst>
+                  <a:ext uri="{FF2B5EF4-FFF2-40B4-BE49-F238E27FC236}">
+                    <a16:creationId xmlns:a16="http://schemas.microsoft.com/office/drawing/2014/main" id="{0B9E6AD5-91A2-B04C-AA57-24DA7D7D99B9}"/>
+                  </a:ext>
+                </a:extLst>
+              </p:cNvPr>
+              <p:cNvSpPr txBox="1"/>
+              <p:nvPr/>
+            </p:nvSpPr>
+            <p:spPr>
+              <a:xfrm>
+                <a:off x="4364957" y="2010204"/>
+                <a:ext cx="904415" cy="369332"/>
+              </a:xfrm>
+              <a:prstGeom prst="rect">
+                <a:avLst/>
+              </a:prstGeom>
+              <a:noFill/>
+            </p:spPr>
+            <p:txBody>
+              <a:bodyPr wrap="none" rtlCol="0">
+                <a:spAutoFit/>
+              </a:bodyPr>
+              <a:lstStyle/>
+              <a:p>
+                <a:r>
+                  <a:rPr lang="en-US" dirty="0"/>
+                  <a:t>[10, 20]</a:t>
+                </a:r>
+              </a:p>
+            </p:txBody>
+          </p:sp>
+          <p:sp>
+            <p:nvSpPr>
+              <p:cNvPr id="19" name="TextBox 18">
+                <a:extLst>
+                  <a:ext uri="{FF2B5EF4-FFF2-40B4-BE49-F238E27FC236}">
+                    <a16:creationId xmlns:a16="http://schemas.microsoft.com/office/drawing/2014/main" id="{5FECA82F-0EED-E648-BBF6-0530636536F8}"/>
+                  </a:ext>
+                </a:extLst>
+              </p:cNvPr>
+              <p:cNvSpPr txBox="1"/>
+              <p:nvPr/>
+            </p:nvSpPr>
+            <p:spPr>
+              <a:xfrm>
+                <a:off x="6147375" y="2043472"/>
+                <a:ext cx="904415" cy="369332"/>
+              </a:xfrm>
+              <a:prstGeom prst="rect">
+                <a:avLst/>
+              </a:prstGeom>
+              <a:noFill/>
+            </p:spPr>
+            <p:txBody>
+              <a:bodyPr wrap="none" rtlCol="0">
+                <a:spAutoFit/>
+              </a:bodyPr>
+              <a:lstStyle/>
+              <a:p>
+                <a:r>
+                  <a:rPr lang="en-US" dirty="0"/>
+                  <a:t>[40, 50]</a:t>
+                </a:r>
+              </a:p>
+            </p:txBody>
+          </p:sp>
+          <p:sp>
+            <p:nvSpPr>
+              <p:cNvPr id="20" name="TextBox 19">
+                <a:extLst>
+                  <a:ext uri="{FF2B5EF4-FFF2-40B4-BE49-F238E27FC236}">
+                    <a16:creationId xmlns:a16="http://schemas.microsoft.com/office/drawing/2014/main" id="{ECEEC887-81C3-8D4F-BCE2-48B45EA089F4}"/>
+                  </a:ext>
+                </a:extLst>
+              </p:cNvPr>
+              <p:cNvSpPr txBox="1"/>
+              <p:nvPr/>
+            </p:nvSpPr>
+            <p:spPr>
+              <a:xfrm>
+                <a:off x="5821907" y="2893571"/>
+                <a:ext cx="904415" cy="369332"/>
+              </a:xfrm>
+              <a:prstGeom prst="rect">
+                <a:avLst/>
+              </a:prstGeom>
+              <a:noFill/>
+            </p:spPr>
+            <p:txBody>
+              <a:bodyPr wrap="none" rtlCol="0">
+                <a:spAutoFit/>
+              </a:bodyPr>
+              <a:lstStyle/>
+              <a:p>
+                <a:r>
+                  <a:rPr lang="en-US" dirty="0"/>
+                  <a:t>[10, 20]</a:t>
+                </a:r>
+              </a:p>
+            </p:txBody>
+          </p:sp>
+          <p:sp>
+            <p:nvSpPr>
+              <p:cNvPr id="21" name="TextBox 20">
+                <a:extLst>
+                  <a:ext uri="{FF2B5EF4-FFF2-40B4-BE49-F238E27FC236}">
+                    <a16:creationId xmlns:a16="http://schemas.microsoft.com/office/drawing/2014/main" id="{6FF84B1A-96B0-5D4E-9D87-2C431BC992BF}"/>
+                  </a:ext>
+                </a:extLst>
+              </p:cNvPr>
+              <p:cNvSpPr txBox="1"/>
+              <p:nvPr/>
+            </p:nvSpPr>
+            <p:spPr>
+              <a:xfrm>
+                <a:off x="7539742" y="2893571"/>
+                <a:ext cx="904415" cy="369332"/>
+              </a:xfrm>
+              <a:prstGeom prst="rect">
+                <a:avLst/>
+              </a:prstGeom>
+              <a:noFill/>
+            </p:spPr>
+            <p:txBody>
+              <a:bodyPr wrap="none" rtlCol="0">
+                <a:spAutoFit/>
+              </a:bodyPr>
+              <a:lstStyle/>
+              <a:p>
+                <a:r>
+                  <a:rPr lang="en-US" dirty="0"/>
+                  <a:t>[10, 20]</a:t>
+                </a:r>
+              </a:p>
+            </p:txBody>
+          </p:sp>
+          <p:sp>
+            <p:nvSpPr>
+              <p:cNvPr id="22" name="TextBox 21">
+                <a:extLst>
+                  <a:ext uri="{FF2B5EF4-FFF2-40B4-BE49-F238E27FC236}">
+                    <a16:creationId xmlns:a16="http://schemas.microsoft.com/office/drawing/2014/main" id="{E9203D7C-FB12-6A44-AB6C-90F85E2FCD7F}"/>
+                  </a:ext>
+                </a:extLst>
+              </p:cNvPr>
+              <p:cNvSpPr txBox="1"/>
+              <p:nvPr/>
+            </p:nvSpPr>
+            <p:spPr>
+              <a:xfrm>
+                <a:off x="6205884" y="3851048"/>
+                <a:ext cx="787395" cy="369332"/>
+              </a:xfrm>
+              <a:prstGeom prst="rect">
+                <a:avLst/>
+              </a:prstGeom>
+              <a:noFill/>
+            </p:spPr>
+            <p:txBody>
+              <a:bodyPr wrap="none" rtlCol="0">
+                <a:spAutoFit/>
+              </a:bodyPr>
+              <a:lstStyle/>
+              <a:p>
+                <a:r>
+                  <a:rPr lang="en-US" dirty="0"/>
+                  <a:t>[5, 10]</a:t>
+                </a:r>
+              </a:p>
+            </p:txBody>
+          </p:sp>
+          <p:sp>
+            <p:nvSpPr>
+              <p:cNvPr id="23" name="TextBox 22">
+                <a:extLst>
+                  <a:ext uri="{FF2B5EF4-FFF2-40B4-BE49-F238E27FC236}">
+                    <a16:creationId xmlns:a16="http://schemas.microsoft.com/office/drawing/2014/main" id="{3DFCE4F0-547F-D54B-99CA-7A1281B97286}"/>
+                  </a:ext>
+                </a:extLst>
+              </p:cNvPr>
+              <p:cNvSpPr txBox="1"/>
+              <p:nvPr/>
+            </p:nvSpPr>
+            <p:spPr>
+              <a:xfrm>
+                <a:off x="3718937" y="3906053"/>
+                <a:ext cx="904415" cy="369332"/>
+              </a:xfrm>
+              <a:prstGeom prst="rect">
+                <a:avLst/>
+              </a:prstGeom>
+              <a:noFill/>
+            </p:spPr>
+            <p:txBody>
+              <a:bodyPr wrap="none" rtlCol="0">
+                <a:spAutoFit/>
+              </a:bodyPr>
+              <a:lstStyle/>
+              <a:p>
+                <a:r>
+                  <a:rPr lang="en-US" dirty="0"/>
+                  <a:t>[30, 50]</a:t>
+                </a:r>
+              </a:p>
+            </p:txBody>
+          </p:sp>
+          <p:sp>
+            <p:nvSpPr>
+              <p:cNvPr id="24" name="TextBox 23">
+                <a:extLst>
+                  <a:ext uri="{FF2B5EF4-FFF2-40B4-BE49-F238E27FC236}">
+                    <a16:creationId xmlns:a16="http://schemas.microsoft.com/office/drawing/2014/main" id="{53CF48AE-8F33-0E47-B7E5-4986C80A58AE}"/>
+                  </a:ext>
+                </a:extLst>
+              </p:cNvPr>
+              <p:cNvSpPr txBox="1"/>
+              <p:nvPr/>
+            </p:nvSpPr>
+            <p:spPr>
+              <a:xfrm>
+                <a:off x="6656349" y="4625873"/>
+                <a:ext cx="904415" cy="369332"/>
+              </a:xfrm>
+              <a:prstGeom prst="rect">
+                <a:avLst/>
+              </a:prstGeom>
+              <a:noFill/>
+            </p:spPr>
+            <p:txBody>
+              <a:bodyPr wrap="none" rtlCol="0">
+                <a:spAutoFit/>
+              </a:bodyPr>
+              <a:lstStyle/>
+              <a:p>
+                <a:r>
+                  <a:rPr lang="en-US" dirty="0"/>
+                  <a:t>[20, 30]</a:t>
+                </a:r>
+              </a:p>
+            </p:txBody>
+          </p:sp>
+        </p:grpSp>
+        <p:sp>
+          <p:nvSpPr>
+            <p:cNvPr id="28" name="U-Turn Arrow 27">
+              <a:extLst>
+                <a:ext uri="{FF2B5EF4-FFF2-40B4-BE49-F238E27FC236}">
+                  <a16:creationId xmlns:a16="http://schemas.microsoft.com/office/drawing/2014/main" id="{D7CE4513-12EB-BE48-B432-F7708ABB276D}"/>
+                </a:ext>
+              </a:extLst>
+            </p:cNvPr>
+            <p:cNvSpPr/>
+            <p:nvPr/>
+          </p:nvSpPr>
+          <p:spPr>
+            <a:xfrm>
+              <a:off x="4109259" y="807027"/>
+              <a:ext cx="3634807" cy="775252"/>
+            </a:xfrm>
+            <a:prstGeom prst="uturnArrow">
+              <a:avLst>
+                <a:gd name="adj1" fmla="val 6854"/>
+                <a:gd name="adj2" fmla="val 6515"/>
+                <a:gd name="adj3" fmla="val 5592"/>
+                <a:gd name="adj4" fmla="val 43750"/>
+                <a:gd name="adj5" fmla="val 81469"/>
+              </a:avLst>
+            </a:prstGeom>
+            <a:solidFill>
+              <a:srgbClr val="FF0000"/>
+            </a:solidFill>
+            <a:ln>
+              <a:solidFill>
+                <a:srgbClr val="FF0000"/>
+              </a:solidFill>
+            </a:ln>
+          </p:spPr>
+          <p:style>
+            <a:lnRef idx="2">
+              <a:schemeClr val="accent1">
+                <a:shade val="50000"/>
+              </a:schemeClr>
+            </a:lnRef>
+            <a:fillRef idx="1">
+              <a:schemeClr val="accent1"/>
+            </a:fillRef>
+            <a:effectRef idx="0">
+              <a:schemeClr val="accent1"/>
+            </a:effectRef>
+            <a:fontRef idx="minor">
+              <a:schemeClr val="lt1"/>
+            </a:fontRef>
+          </p:style>
+          <p:txBody>
+            <a:bodyPr rtlCol="0" anchor="ctr"/>
+            <a:lstStyle/>
+            <a:p>
+              <a:pPr algn="ctr"/>
+              <a:endParaRPr lang="en-US">
+                <a:solidFill>
+                  <a:schemeClr val="tx1"/>
+                </a:solidFill>
+              </a:endParaRPr>
+            </a:p>
+          </p:txBody>
+        </p:sp>
+        <p:sp>
+          <p:nvSpPr>
+            <p:cNvPr id="29" name="U-Turn Arrow 28">
+              <a:extLst>
+                <a:ext uri="{FF2B5EF4-FFF2-40B4-BE49-F238E27FC236}">
+                  <a16:creationId xmlns:a16="http://schemas.microsoft.com/office/drawing/2014/main" id="{2265385A-C27B-4946-8866-855BD5AF0B86}"/>
+                </a:ext>
+              </a:extLst>
+            </p:cNvPr>
+            <p:cNvSpPr/>
+            <p:nvPr/>
+          </p:nvSpPr>
+          <p:spPr>
+            <a:xfrm flipV="1">
+              <a:off x="3729516" y="2431431"/>
+              <a:ext cx="4253657" cy="3221202"/>
+            </a:xfrm>
+            <a:prstGeom prst="uturnArrow">
+              <a:avLst>
+                <a:gd name="adj1" fmla="val 1176"/>
+                <a:gd name="adj2" fmla="val 2052"/>
+                <a:gd name="adj3" fmla="val 2514"/>
+                <a:gd name="adj4" fmla="val 7812"/>
+                <a:gd name="adj5" fmla="val 51761"/>
+              </a:avLst>
+            </a:prstGeom>
+            <a:solidFill>
+              <a:srgbClr val="FF0000"/>
+            </a:solidFill>
+            <a:ln>
+              <a:solidFill>
+                <a:srgbClr val="FF0000"/>
+              </a:solidFill>
+            </a:ln>
+          </p:spPr>
+          <p:style>
+            <a:lnRef idx="2">
+              <a:schemeClr val="accent1">
+                <a:shade val="50000"/>
+              </a:schemeClr>
+            </a:lnRef>
+            <a:fillRef idx="1">
+              <a:schemeClr val="accent1"/>
+            </a:fillRef>
+            <a:effectRef idx="0">
+              <a:schemeClr val="accent1"/>
+            </a:effectRef>
+            <a:fontRef idx="minor">
+              <a:schemeClr val="lt1"/>
+            </a:fontRef>
+          </p:style>
+          <p:txBody>
+            <a:bodyPr rtlCol="0" anchor="ctr"/>
+            <a:lstStyle/>
+            <a:p>
+              <a:pPr algn="ctr"/>
+              <a:endParaRPr lang="en-US">
+                <a:solidFill>
+                  <a:schemeClr val="tx1"/>
+                </a:solidFill>
+              </a:endParaRPr>
+            </a:p>
+          </p:txBody>
+        </p:sp>
+        <p:cxnSp>
+          <p:nvCxnSpPr>
+            <p:cNvPr id="31" name="Straight Arrow Connector 30">
+              <a:extLst>
+                <a:ext uri="{FF2B5EF4-FFF2-40B4-BE49-F238E27FC236}">
+                  <a16:creationId xmlns:a16="http://schemas.microsoft.com/office/drawing/2014/main" id="{8C692647-B982-9941-A9BD-4B011316CB66}"/>
+                </a:ext>
+              </a:extLst>
+            </p:cNvPr>
+            <p:cNvCxnSpPr/>
+            <p:nvPr/>
+          </p:nvCxnSpPr>
+          <p:spPr>
+            <a:xfrm>
+              <a:off x="4418339" y="2431431"/>
+              <a:ext cx="955789" cy="739281"/>
+            </a:xfrm>
+            <a:prstGeom prst="straightConnector1">
+              <a:avLst/>
+            </a:prstGeom>
+            <a:ln w="57150">
+              <a:solidFill>
+                <a:srgbClr val="FF0000"/>
+              </a:solidFill>
+              <a:tailEnd type="triangle"/>
+            </a:ln>
+          </p:spPr>
+          <p:style>
+            <a:lnRef idx="1">
+              <a:schemeClr val="accent1"/>
+            </a:lnRef>
+            <a:fillRef idx="0">
+              <a:schemeClr val="accent1"/>
+            </a:fillRef>
+            <a:effectRef idx="0">
+              <a:schemeClr val="accent1"/>
+            </a:effectRef>
+            <a:fontRef idx="minor">
+              <a:schemeClr val="tx1"/>
+            </a:fontRef>
+          </p:style>
+        </p:cxnSp>
+        <p:cxnSp>
+          <p:nvCxnSpPr>
+            <p:cNvPr id="33" name="Straight Arrow Connector 32">
+              <a:extLst>
+                <a:ext uri="{FF2B5EF4-FFF2-40B4-BE49-F238E27FC236}">
+                  <a16:creationId xmlns:a16="http://schemas.microsoft.com/office/drawing/2014/main" id="{9BE30089-82E5-7247-A168-31686D8E2558}"/>
+                </a:ext>
+              </a:extLst>
+            </p:cNvPr>
+            <p:cNvCxnSpPr/>
+            <p:nvPr/>
+          </p:nvCxnSpPr>
+          <p:spPr>
+            <a:xfrm>
+              <a:off x="5676405" y="2500823"/>
+              <a:ext cx="0" cy="535429"/>
+            </a:xfrm>
+            <a:prstGeom prst="straightConnector1">
+              <a:avLst/>
+            </a:prstGeom>
+            <a:ln w="57150">
+              <a:solidFill>
+                <a:srgbClr val="FF0000"/>
+              </a:solidFill>
+              <a:tailEnd type="triangle"/>
+            </a:ln>
+          </p:spPr>
+          <p:style>
+            <a:lnRef idx="1">
+              <a:schemeClr val="accent1"/>
+            </a:lnRef>
+            <a:fillRef idx="0">
+              <a:schemeClr val="accent1"/>
+            </a:fillRef>
+            <a:effectRef idx="0">
+              <a:schemeClr val="accent1"/>
+            </a:effectRef>
+            <a:fontRef idx="minor">
+              <a:schemeClr val="tx1"/>
+            </a:fontRef>
+          </p:style>
+        </p:cxnSp>
+        <p:cxnSp>
+          <p:nvCxnSpPr>
+            <p:cNvPr id="34" name="Straight Arrow Connector 33">
+              <a:extLst>
+                <a:ext uri="{FF2B5EF4-FFF2-40B4-BE49-F238E27FC236}">
+                  <a16:creationId xmlns:a16="http://schemas.microsoft.com/office/drawing/2014/main" id="{DB9BD2B5-00A8-6A4B-A521-239DA7BEC4A2}"/>
+                </a:ext>
+              </a:extLst>
+            </p:cNvPr>
+            <p:cNvCxnSpPr>
+              <a:cxnSpLocks/>
+            </p:cNvCxnSpPr>
+            <p:nvPr/>
+          </p:nvCxnSpPr>
+          <p:spPr>
+            <a:xfrm flipV="1">
+              <a:off x="5801410" y="3877294"/>
+              <a:ext cx="11720" cy="483436"/>
+            </a:xfrm>
+            <a:prstGeom prst="straightConnector1">
+              <a:avLst/>
+            </a:prstGeom>
+            <a:ln w="57150">
+              <a:solidFill>
+                <a:srgbClr val="FF0000"/>
+              </a:solidFill>
+              <a:tailEnd type="triangle"/>
+            </a:ln>
+          </p:spPr>
+          <p:style>
+            <a:lnRef idx="1">
+              <a:schemeClr val="accent1"/>
+            </a:lnRef>
+            <a:fillRef idx="0">
+              <a:schemeClr val="accent1"/>
+            </a:fillRef>
+            <a:effectRef idx="0">
+              <a:schemeClr val="accent1"/>
+            </a:effectRef>
+            <a:fontRef idx="minor">
+              <a:schemeClr val="tx1"/>
+            </a:fontRef>
+          </p:style>
+        </p:cxnSp>
+        <p:cxnSp>
+          <p:nvCxnSpPr>
+            <p:cNvPr id="37" name="Straight Arrow Connector 36">
+              <a:extLst>
+                <a:ext uri="{FF2B5EF4-FFF2-40B4-BE49-F238E27FC236}">
+                  <a16:creationId xmlns:a16="http://schemas.microsoft.com/office/drawing/2014/main" id="{FA0287C6-2588-CB44-9460-614DFAEEC90D}"/>
+                </a:ext>
+              </a:extLst>
+            </p:cNvPr>
+            <p:cNvCxnSpPr/>
+            <p:nvPr/>
+          </p:nvCxnSpPr>
+          <p:spPr>
+            <a:xfrm>
+              <a:off x="6197189" y="2398896"/>
+              <a:ext cx="955789" cy="739281"/>
+            </a:xfrm>
+            <a:prstGeom prst="straightConnector1">
+              <a:avLst/>
+            </a:prstGeom>
+            <a:ln w="57150">
+              <a:solidFill>
+                <a:srgbClr val="FF0000"/>
+              </a:solidFill>
+              <a:tailEnd type="triangle"/>
+            </a:ln>
+          </p:spPr>
+          <p:style>
+            <a:lnRef idx="1">
+              <a:schemeClr val="accent1"/>
+            </a:lnRef>
+            <a:fillRef idx="0">
+              <a:schemeClr val="accent1"/>
+            </a:fillRef>
+            <a:effectRef idx="0">
+              <a:schemeClr val="accent1"/>
+            </a:effectRef>
+            <a:fontRef idx="minor">
+              <a:schemeClr val="tx1"/>
+            </a:fontRef>
+          </p:style>
+        </p:cxnSp>
+        <p:sp>
+          <p:nvSpPr>
+            <p:cNvPr id="38" name="TextBox 37">
+              <a:extLst>
+                <a:ext uri="{FF2B5EF4-FFF2-40B4-BE49-F238E27FC236}">
+                  <a16:creationId xmlns:a16="http://schemas.microsoft.com/office/drawing/2014/main" id="{13DC69DC-C71B-6F48-81CF-D6976232662D}"/>
+                </a:ext>
+              </a:extLst>
+            </p:cNvPr>
+            <p:cNvSpPr txBox="1"/>
+            <p:nvPr/>
+          </p:nvSpPr>
+          <p:spPr>
+            <a:xfrm>
+              <a:off x="5425504" y="403761"/>
+              <a:ext cx="904415" cy="369332"/>
+            </a:xfrm>
+            <a:prstGeom prst="rect">
+              <a:avLst/>
+            </a:prstGeom>
+            <a:noFill/>
+          </p:spPr>
+          <p:txBody>
+            <a:bodyPr wrap="none" rtlCol="0">
+              <a:spAutoFit/>
+            </a:bodyPr>
+            <a:lstStyle/>
+            <a:p>
+              <a:r>
+                <a:rPr lang="en-US" dirty="0">
+                  <a:solidFill>
+                    <a:srgbClr val="FF0000"/>
+                  </a:solidFill>
+                </a:rPr>
+                <a:t>[60, 70]</a:t>
+              </a:r>
+            </a:p>
+          </p:txBody>
+        </p:sp>
+        <p:sp>
+          <p:nvSpPr>
+            <p:cNvPr id="39" name="TextBox 38">
+              <a:extLst>
+                <a:ext uri="{FF2B5EF4-FFF2-40B4-BE49-F238E27FC236}">
+                  <a16:creationId xmlns:a16="http://schemas.microsoft.com/office/drawing/2014/main" id="{95813AB3-49DF-4944-AE7E-52CD91BE54E8}"/>
+                </a:ext>
+              </a:extLst>
+            </p:cNvPr>
+            <p:cNvSpPr txBox="1"/>
+            <p:nvPr/>
+          </p:nvSpPr>
+          <p:spPr>
+            <a:xfrm>
+              <a:off x="5425504" y="5771110"/>
+              <a:ext cx="904415" cy="369332"/>
+            </a:xfrm>
+            <a:prstGeom prst="rect">
+              <a:avLst/>
+            </a:prstGeom>
+            <a:noFill/>
+          </p:spPr>
+          <p:txBody>
+            <a:bodyPr wrap="none" rtlCol="0">
+              <a:spAutoFit/>
+            </a:bodyPr>
+            <a:lstStyle/>
+            <a:p>
+              <a:r>
+                <a:rPr lang="en-US" dirty="0">
+                  <a:solidFill>
+                    <a:srgbClr val="FF0000"/>
+                  </a:solidFill>
+                </a:rPr>
+                <a:t>[50, 80]</a:t>
+              </a:r>
+            </a:p>
+          </p:txBody>
+        </p:sp>
+        <p:sp>
+          <p:nvSpPr>
+            <p:cNvPr id="40" name="TextBox 39">
+              <a:extLst>
+                <a:ext uri="{FF2B5EF4-FFF2-40B4-BE49-F238E27FC236}">
+                  <a16:creationId xmlns:a16="http://schemas.microsoft.com/office/drawing/2014/main" id="{21F108D2-6A25-464F-909D-177F0BFA363B}"/>
+                </a:ext>
+              </a:extLst>
+            </p:cNvPr>
+            <p:cNvSpPr txBox="1"/>
+            <p:nvPr/>
+          </p:nvSpPr>
+          <p:spPr>
+            <a:xfrm>
+              <a:off x="4544992" y="3156109"/>
+              <a:ext cx="904415" cy="369332"/>
+            </a:xfrm>
+            <a:prstGeom prst="rect">
+              <a:avLst/>
+            </a:prstGeom>
+            <a:noFill/>
+          </p:spPr>
+          <p:txBody>
+            <a:bodyPr wrap="none" rtlCol="0">
+              <a:spAutoFit/>
+            </a:bodyPr>
+            <a:lstStyle/>
+            <a:p>
+              <a:r>
+                <a:rPr lang="en-US" dirty="0">
+                  <a:solidFill>
+                    <a:srgbClr val="FF0000"/>
+                  </a:solidFill>
+                </a:rPr>
+                <a:t>[40, 60]</a:t>
+              </a:r>
+            </a:p>
+          </p:txBody>
+        </p:sp>
+        <p:sp>
+          <p:nvSpPr>
+            <p:cNvPr id="41" name="TextBox 40">
+              <a:extLst>
+                <a:ext uri="{FF2B5EF4-FFF2-40B4-BE49-F238E27FC236}">
+                  <a16:creationId xmlns:a16="http://schemas.microsoft.com/office/drawing/2014/main" id="{A78B21A9-E49B-8C49-ACDD-CEEFCD361DB5}"/>
+                </a:ext>
+              </a:extLst>
+            </p:cNvPr>
+            <p:cNvSpPr txBox="1"/>
+            <p:nvPr/>
+          </p:nvSpPr>
+          <p:spPr>
+            <a:xfrm>
+              <a:off x="4791615" y="2382346"/>
+              <a:ext cx="904415" cy="369332"/>
+            </a:xfrm>
+            <a:prstGeom prst="rect">
+              <a:avLst/>
+            </a:prstGeom>
+            <a:noFill/>
+          </p:spPr>
+          <p:txBody>
+            <a:bodyPr wrap="none" rtlCol="0">
+              <a:spAutoFit/>
+            </a:bodyPr>
+            <a:lstStyle/>
+            <a:p>
+              <a:r>
+                <a:rPr lang="en-US" dirty="0">
+                  <a:solidFill>
+                    <a:srgbClr val="FF0000"/>
+                  </a:solidFill>
+                </a:rPr>
+                <a:t>[30, 30]</a:t>
+              </a:r>
+            </a:p>
+          </p:txBody>
+        </p:sp>
+        <p:sp>
+          <p:nvSpPr>
+            <p:cNvPr id="42" name="TextBox 41">
+              <a:extLst>
+                <a:ext uri="{FF2B5EF4-FFF2-40B4-BE49-F238E27FC236}">
+                  <a16:creationId xmlns:a16="http://schemas.microsoft.com/office/drawing/2014/main" id="{B61BE37C-4651-8143-98D8-BEB8E174FF02}"/>
+                </a:ext>
+              </a:extLst>
+            </p:cNvPr>
+            <p:cNvSpPr txBox="1"/>
+            <p:nvPr/>
+          </p:nvSpPr>
+          <p:spPr>
+            <a:xfrm>
+              <a:off x="5858432" y="3935163"/>
+              <a:ext cx="904415" cy="369332"/>
+            </a:xfrm>
+            <a:prstGeom prst="rect">
+              <a:avLst/>
+            </a:prstGeom>
+            <a:noFill/>
+          </p:spPr>
+          <p:txBody>
+            <a:bodyPr wrap="none" rtlCol="0">
+              <a:spAutoFit/>
+            </a:bodyPr>
+            <a:lstStyle/>
+            <a:p>
+              <a:r>
+                <a:rPr lang="en-US" dirty="0">
+                  <a:solidFill>
+                    <a:srgbClr val="FF0000"/>
+                  </a:solidFill>
+                </a:rPr>
+                <a:t>[15, 20]</a:t>
+              </a:r>
+            </a:p>
+          </p:txBody>
+        </p:sp>
+        <p:sp>
+          <p:nvSpPr>
+            <p:cNvPr id="43" name="TextBox 42">
+              <a:extLst>
+                <a:ext uri="{FF2B5EF4-FFF2-40B4-BE49-F238E27FC236}">
+                  <a16:creationId xmlns:a16="http://schemas.microsoft.com/office/drawing/2014/main" id="{DE1606EF-5C38-F042-91FF-9C3EF3B02B2A}"/>
+                </a:ext>
+              </a:extLst>
+            </p:cNvPr>
+            <p:cNvSpPr txBox="1"/>
+            <p:nvPr/>
+          </p:nvSpPr>
+          <p:spPr>
+            <a:xfrm>
+              <a:off x="6295691" y="2141942"/>
+              <a:ext cx="904415" cy="369332"/>
+            </a:xfrm>
+            <a:prstGeom prst="rect">
+              <a:avLst/>
+            </a:prstGeom>
+            <a:noFill/>
+          </p:spPr>
+          <p:txBody>
+            <a:bodyPr wrap="none" rtlCol="0">
+              <a:spAutoFit/>
+            </a:bodyPr>
+            <a:lstStyle/>
+            <a:p>
+              <a:r>
+                <a:rPr lang="en-US" dirty="0">
+                  <a:solidFill>
+                    <a:srgbClr val="FF0000"/>
+                  </a:solidFill>
+                </a:rPr>
+                <a:t>[50, 60]</a:t>
+              </a:r>
+            </a:p>
+          </p:txBody>
+        </p:sp>
+      </p:grpSp>
+    </p:spTree>
+    <p:extLst>
+      <p:ext uri="{BB962C8B-B14F-4D97-AF65-F5344CB8AC3E}">
+        <p14:creationId xmlns:p14="http://schemas.microsoft.com/office/powerpoint/2010/main" val="1260411906"/>
+      </p:ext>
+    </p:extLst>
+  </p:cSld>
+  <p:clrMapOvr>
+    <a:masterClrMapping/>
+  </p:clrMapOvr>
+</p:sld>
+</file>
+
 <file path=ppt/theme/theme1.xml><?xml version="1.0" encoding="utf-8"?>
 <a:theme xmlns:a="http://schemas.openxmlformats.org/drawingml/2006/main" name="Office Theme">
   <a:themeElements>

--- a/images.pptx
+++ b/images.pptx
@@ -7,14 +7,15 @@
   <p:sldIdLst>
     <p:sldId id="256" r:id="rId2"/>
     <p:sldId id="257" r:id="rId3"/>
-    <p:sldId id="258" r:id="rId4"/>
-    <p:sldId id="260" r:id="rId5"/>
-    <p:sldId id="261" r:id="rId6"/>
-    <p:sldId id="262" r:id="rId7"/>
-    <p:sldId id="263" r:id="rId8"/>
-    <p:sldId id="264" r:id="rId9"/>
-    <p:sldId id="265" r:id="rId10"/>
-    <p:sldId id="266" r:id="rId11"/>
+    <p:sldId id="267" r:id="rId4"/>
+    <p:sldId id="258" r:id="rId5"/>
+    <p:sldId id="260" r:id="rId6"/>
+    <p:sldId id="261" r:id="rId7"/>
+    <p:sldId id="262" r:id="rId8"/>
+    <p:sldId id="263" r:id="rId9"/>
+    <p:sldId id="264" r:id="rId10"/>
+    <p:sldId id="265" r:id="rId11"/>
+    <p:sldId id="266" r:id="rId12"/>
   </p:sldIdLst>
   <p:sldSz cx="12192000" cy="6858000"/>
   <p:notesSz cx="6858000" cy="9144000"/>
@@ -268,7 +269,7 @@
           <a:p>
             <a:fld id="{C9D7E1C7-362E-0A4F-BED6-EEFD53131585}" type="datetimeFigureOut">
               <a:rPr lang="en-US" smtClean="0"/>
-              <a:t>11/3/19</a:t>
+              <a:t>11/15/19</a:t>
             </a:fld>
             <a:endParaRPr lang="en-US"/>
           </a:p>
@@ -466,7 +467,7 @@
           <a:p>
             <a:fld id="{C9D7E1C7-362E-0A4F-BED6-EEFD53131585}" type="datetimeFigureOut">
               <a:rPr lang="en-US" smtClean="0"/>
-              <a:t>11/3/19</a:t>
+              <a:t>11/15/19</a:t>
             </a:fld>
             <a:endParaRPr lang="en-US"/>
           </a:p>
@@ -674,7 +675,7 @@
           <a:p>
             <a:fld id="{C9D7E1C7-362E-0A4F-BED6-EEFD53131585}" type="datetimeFigureOut">
               <a:rPr lang="en-US" smtClean="0"/>
-              <a:t>11/3/19</a:t>
+              <a:t>11/15/19</a:t>
             </a:fld>
             <a:endParaRPr lang="en-US"/>
           </a:p>
@@ -872,7 +873,7 @@
           <a:p>
             <a:fld id="{C9D7E1C7-362E-0A4F-BED6-EEFD53131585}" type="datetimeFigureOut">
               <a:rPr lang="en-US" smtClean="0"/>
-              <a:t>11/3/19</a:t>
+              <a:t>11/15/19</a:t>
             </a:fld>
             <a:endParaRPr lang="en-US"/>
           </a:p>
@@ -1147,7 +1148,7 @@
           <a:p>
             <a:fld id="{C9D7E1C7-362E-0A4F-BED6-EEFD53131585}" type="datetimeFigureOut">
               <a:rPr lang="en-US" smtClean="0"/>
-              <a:t>11/3/19</a:t>
+              <a:t>11/15/19</a:t>
             </a:fld>
             <a:endParaRPr lang="en-US"/>
           </a:p>
@@ -1412,7 +1413,7 @@
           <a:p>
             <a:fld id="{C9D7E1C7-362E-0A4F-BED6-EEFD53131585}" type="datetimeFigureOut">
               <a:rPr lang="en-US" smtClean="0"/>
-              <a:t>11/3/19</a:t>
+              <a:t>11/15/19</a:t>
             </a:fld>
             <a:endParaRPr lang="en-US"/>
           </a:p>
@@ -1824,7 +1825,7 @@
           <a:p>
             <a:fld id="{C9D7E1C7-362E-0A4F-BED6-EEFD53131585}" type="datetimeFigureOut">
               <a:rPr lang="en-US" smtClean="0"/>
-              <a:t>11/3/19</a:t>
+              <a:t>11/15/19</a:t>
             </a:fld>
             <a:endParaRPr lang="en-US"/>
           </a:p>
@@ -1965,7 +1966,7 @@
           <a:p>
             <a:fld id="{C9D7E1C7-362E-0A4F-BED6-EEFD53131585}" type="datetimeFigureOut">
               <a:rPr lang="en-US" smtClean="0"/>
-              <a:t>11/3/19</a:t>
+              <a:t>11/15/19</a:t>
             </a:fld>
             <a:endParaRPr lang="en-US"/>
           </a:p>
@@ -2078,7 +2079,7 @@
           <a:p>
             <a:fld id="{C9D7E1C7-362E-0A4F-BED6-EEFD53131585}" type="datetimeFigureOut">
               <a:rPr lang="en-US" smtClean="0"/>
-              <a:t>11/3/19</a:t>
+              <a:t>11/15/19</a:t>
             </a:fld>
             <a:endParaRPr lang="en-US"/>
           </a:p>
@@ -2389,7 +2390,7 @@
           <a:p>
             <a:fld id="{C9D7E1C7-362E-0A4F-BED6-EEFD53131585}" type="datetimeFigureOut">
               <a:rPr lang="en-US" smtClean="0"/>
-              <a:t>11/3/19</a:t>
+              <a:t>11/15/19</a:t>
             </a:fld>
             <a:endParaRPr lang="en-US"/>
           </a:p>
@@ -2677,7 +2678,7 @@
           <a:p>
             <a:fld id="{C9D7E1C7-362E-0A4F-BED6-EEFD53131585}" type="datetimeFigureOut">
               <a:rPr lang="en-US" smtClean="0"/>
-              <a:t>11/3/19</a:t>
+              <a:t>11/15/19</a:t>
             </a:fld>
             <a:endParaRPr lang="en-US"/>
           </a:p>
@@ -2918,7 +2919,7 @@
           <a:p>
             <a:fld id="{C9D7E1C7-362E-0A4F-BED6-EEFD53131585}" type="datetimeFigureOut">
               <a:rPr lang="en-US" smtClean="0"/>
-              <a:t>11/3/19</a:t>
+              <a:t>11/15/19</a:t>
             </a:fld>
             <a:endParaRPr lang="en-US"/>
           </a:p>
@@ -4798,6 +4799,1628 @@
 </file>
 
 <file path=ppt/slides/slide10.xml><?xml version="1.0" encoding="utf-8"?>
+<p:sld xmlns:a="http://schemas.openxmlformats.org/drawingml/2006/main" xmlns:r="http://schemas.openxmlformats.org/officeDocument/2006/relationships" xmlns:p="http://schemas.openxmlformats.org/presentationml/2006/main">
+  <p:cSld>
+    <p:spTree>
+      <p:nvGrpSpPr>
+        <p:cNvPr id="1" name=""/>
+        <p:cNvGrpSpPr/>
+        <p:nvPr/>
+      </p:nvGrpSpPr>
+      <p:grpSpPr>
+        <a:xfrm>
+          <a:off x="0" y="0"/>
+          <a:ext cx="0" cy="0"/>
+          <a:chOff x="0" y="0"/>
+          <a:chExt cx="0" cy="0"/>
+        </a:xfrm>
+      </p:grpSpPr>
+      <p:grpSp>
+        <p:nvGrpSpPr>
+          <p:cNvPr id="44" name="Group 43">
+            <a:extLst>
+              <a:ext uri="{FF2B5EF4-FFF2-40B4-BE49-F238E27FC236}">
+                <a16:creationId xmlns:a16="http://schemas.microsoft.com/office/drawing/2014/main" id="{0B807186-138A-C54E-90D9-E1EDF14899B2}"/>
+              </a:ext>
+            </a:extLst>
+          </p:cNvPr>
+          <p:cNvGrpSpPr/>
+          <p:nvPr/>
+        </p:nvGrpSpPr>
+        <p:grpSpPr>
+          <a:xfrm>
+            <a:off x="3643087" y="403761"/>
+            <a:ext cx="4905826" cy="5736681"/>
+            <a:chOff x="3643087" y="403761"/>
+            <a:chExt cx="4905826" cy="5736681"/>
+          </a:xfrm>
+        </p:grpSpPr>
+        <p:grpSp>
+          <p:nvGrpSpPr>
+            <p:cNvPr id="4" name="Group 3">
+              <a:extLst>
+                <a:ext uri="{FF2B5EF4-FFF2-40B4-BE49-F238E27FC236}">
+                  <a16:creationId xmlns:a16="http://schemas.microsoft.com/office/drawing/2014/main" id="{374D3F32-9050-C346-BAB1-E547436996C6}"/>
+                </a:ext>
+              </a:extLst>
+            </p:cNvPr>
+            <p:cNvGrpSpPr/>
+            <p:nvPr/>
+          </p:nvGrpSpPr>
+          <p:grpSpPr>
+            <a:xfrm>
+              <a:off x="3643087" y="1641206"/>
+              <a:ext cx="4905826" cy="3575587"/>
+              <a:chOff x="3538331" y="2010204"/>
+              <a:chExt cx="4905826" cy="3575587"/>
+            </a:xfrm>
+          </p:grpSpPr>
+          <p:sp>
+            <p:nvSpPr>
+              <p:cNvPr id="5" name="Oval 4">
+                <a:extLst>
+                  <a:ext uri="{FF2B5EF4-FFF2-40B4-BE49-F238E27FC236}">
+                    <a16:creationId xmlns:a16="http://schemas.microsoft.com/office/drawing/2014/main" id="{BE20CDBA-5D96-A744-BCE6-FB5F0E8AB92B}"/>
+                  </a:ext>
+                </a:extLst>
+              </p:cNvPr>
+              <p:cNvSpPr/>
+              <p:nvPr/>
+            </p:nvSpPr>
+            <p:spPr>
+              <a:xfrm>
+                <a:off x="3538331" y="2047461"/>
+                <a:ext cx="775252" cy="775252"/>
+              </a:xfrm>
+              <a:prstGeom prst="ellipse">
+                <a:avLst/>
+              </a:prstGeom>
+              <a:solidFill>
+                <a:schemeClr val="accent1">
+                  <a:lumMod val="20000"/>
+                  <a:lumOff val="80000"/>
+                </a:schemeClr>
+              </a:solidFill>
+              <a:ln>
+                <a:solidFill>
+                  <a:schemeClr val="accent1">
+                    <a:lumMod val="60000"/>
+                    <a:lumOff val="40000"/>
+                  </a:schemeClr>
+                </a:solidFill>
+              </a:ln>
+            </p:spPr>
+            <p:style>
+              <a:lnRef idx="2">
+                <a:schemeClr val="accent1">
+                  <a:shade val="50000"/>
+                </a:schemeClr>
+              </a:lnRef>
+              <a:fillRef idx="1">
+                <a:schemeClr val="accent1"/>
+              </a:fillRef>
+              <a:effectRef idx="0">
+                <a:schemeClr val="accent1"/>
+              </a:effectRef>
+              <a:fontRef idx="minor">
+                <a:schemeClr val="lt1"/>
+              </a:fontRef>
+            </p:style>
+            <p:txBody>
+              <a:bodyPr rtlCol="0" anchor="ctr"/>
+              <a:lstStyle/>
+              <a:p>
+                <a:pPr algn="ctr"/>
+                <a:r>
+                  <a:rPr lang="en-US" dirty="0">
+                    <a:solidFill>
+                      <a:schemeClr val="tx1"/>
+                    </a:solidFill>
+                  </a:rPr>
+                  <a:t>X</a:t>
+                </a:r>
+                <a:r>
+                  <a:rPr lang="en-US" baseline="-25000" dirty="0">
+                    <a:solidFill>
+                      <a:schemeClr val="tx1"/>
+                    </a:solidFill>
+                  </a:rPr>
+                  <a:t>0</a:t>
+                </a:r>
+                <a:endParaRPr lang="en-US" dirty="0">
+                  <a:solidFill>
+                    <a:schemeClr val="tx1"/>
+                  </a:solidFill>
+                </a:endParaRPr>
+              </a:p>
+            </p:txBody>
+          </p:sp>
+          <p:sp>
+            <p:nvSpPr>
+              <p:cNvPr id="6" name="Oval 5">
+                <a:extLst>
+                  <a:ext uri="{FF2B5EF4-FFF2-40B4-BE49-F238E27FC236}">
+                    <a16:creationId xmlns:a16="http://schemas.microsoft.com/office/drawing/2014/main" id="{03208BA5-6D85-264A-906E-B5AF23368F5E}"/>
+                  </a:ext>
+                </a:extLst>
+              </p:cNvPr>
+              <p:cNvSpPr/>
+              <p:nvPr/>
+            </p:nvSpPr>
+            <p:spPr>
+              <a:xfrm>
+                <a:off x="5320748" y="2047461"/>
+                <a:ext cx="775252" cy="775252"/>
+              </a:xfrm>
+              <a:prstGeom prst="ellipse">
+                <a:avLst/>
+              </a:prstGeom>
+              <a:solidFill>
+                <a:schemeClr val="accent1">
+                  <a:lumMod val="20000"/>
+                  <a:lumOff val="80000"/>
+                </a:schemeClr>
+              </a:solidFill>
+              <a:ln>
+                <a:solidFill>
+                  <a:schemeClr val="accent1">
+                    <a:lumMod val="60000"/>
+                    <a:lumOff val="40000"/>
+                  </a:schemeClr>
+                </a:solidFill>
+              </a:ln>
+            </p:spPr>
+            <p:style>
+              <a:lnRef idx="2">
+                <a:schemeClr val="accent1">
+                  <a:shade val="50000"/>
+                </a:schemeClr>
+              </a:lnRef>
+              <a:fillRef idx="1">
+                <a:schemeClr val="accent1"/>
+              </a:fillRef>
+              <a:effectRef idx="0">
+                <a:schemeClr val="accent1"/>
+              </a:effectRef>
+              <a:fontRef idx="minor">
+                <a:schemeClr val="lt1"/>
+              </a:fontRef>
+            </p:style>
+            <p:txBody>
+              <a:bodyPr rtlCol="0" anchor="ctr"/>
+              <a:lstStyle/>
+              <a:p>
+                <a:pPr algn="ctr"/>
+                <a:r>
+                  <a:rPr lang="en-US" dirty="0">
+                    <a:solidFill>
+                      <a:schemeClr val="tx1"/>
+                    </a:solidFill>
+                  </a:rPr>
+                  <a:t>X</a:t>
+                </a:r>
+                <a:r>
+                  <a:rPr lang="en-US" baseline="-25000" dirty="0">
+                    <a:solidFill>
+                      <a:schemeClr val="tx1"/>
+                    </a:solidFill>
+                  </a:rPr>
+                  <a:t>1</a:t>
+                </a:r>
+                <a:endParaRPr lang="en-US" dirty="0">
+                  <a:solidFill>
+                    <a:schemeClr val="tx1"/>
+                  </a:solidFill>
+                </a:endParaRPr>
+              </a:p>
+            </p:txBody>
+          </p:sp>
+          <p:sp>
+            <p:nvSpPr>
+              <p:cNvPr id="7" name="Oval 6">
+                <a:extLst>
+                  <a:ext uri="{FF2B5EF4-FFF2-40B4-BE49-F238E27FC236}">
+                    <a16:creationId xmlns:a16="http://schemas.microsoft.com/office/drawing/2014/main" id="{A6C2A1C4-D7C4-154A-A413-98A161B84EE4}"/>
+                  </a:ext>
+                </a:extLst>
+              </p:cNvPr>
+              <p:cNvSpPr/>
+              <p:nvPr/>
+            </p:nvSpPr>
+            <p:spPr>
+              <a:xfrm>
+                <a:off x="7103165" y="2047461"/>
+                <a:ext cx="775252" cy="775252"/>
+              </a:xfrm>
+              <a:prstGeom prst="ellipse">
+                <a:avLst/>
+              </a:prstGeom>
+              <a:solidFill>
+                <a:schemeClr val="accent1">
+                  <a:lumMod val="20000"/>
+                  <a:lumOff val="80000"/>
+                </a:schemeClr>
+              </a:solidFill>
+              <a:ln>
+                <a:solidFill>
+                  <a:schemeClr val="accent1">
+                    <a:lumMod val="60000"/>
+                    <a:lumOff val="40000"/>
+                  </a:schemeClr>
+                </a:solidFill>
+              </a:ln>
+            </p:spPr>
+            <p:style>
+              <a:lnRef idx="2">
+                <a:schemeClr val="accent1">
+                  <a:shade val="50000"/>
+                </a:schemeClr>
+              </a:lnRef>
+              <a:fillRef idx="1">
+                <a:schemeClr val="accent1"/>
+              </a:fillRef>
+              <a:effectRef idx="0">
+                <a:schemeClr val="accent1"/>
+              </a:effectRef>
+              <a:fontRef idx="minor">
+                <a:schemeClr val="lt1"/>
+              </a:fontRef>
+            </p:style>
+            <p:txBody>
+              <a:bodyPr rtlCol="0" anchor="ctr"/>
+              <a:lstStyle/>
+              <a:p>
+                <a:pPr algn="ctr"/>
+                <a:r>
+                  <a:rPr lang="en-US" dirty="0">
+                    <a:solidFill>
+                      <a:schemeClr val="tx1"/>
+                    </a:solidFill>
+                  </a:rPr>
+                  <a:t>X</a:t>
+                </a:r>
+                <a:r>
+                  <a:rPr lang="en-US" baseline="-25000" dirty="0">
+                    <a:solidFill>
+                      <a:schemeClr val="tx1"/>
+                    </a:solidFill>
+                  </a:rPr>
+                  <a:t>2</a:t>
+                </a:r>
+                <a:endParaRPr lang="en-US" dirty="0">
+                  <a:solidFill>
+                    <a:schemeClr val="tx1"/>
+                  </a:solidFill>
+                </a:endParaRPr>
+              </a:p>
+            </p:txBody>
+          </p:sp>
+          <p:sp>
+            <p:nvSpPr>
+              <p:cNvPr id="8" name="Oval 7">
+                <a:extLst>
+                  <a:ext uri="{FF2B5EF4-FFF2-40B4-BE49-F238E27FC236}">
+                    <a16:creationId xmlns:a16="http://schemas.microsoft.com/office/drawing/2014/main" id="{55DDCF50-6976-A344-A662-9EC49370921D}"/>
+                  </a:ext>
+                </a:extLst>
+              </p:cNvPr>
+              <p:cNvSpPr/>
+              <p:nvPr/>
+            </p:nvSpPr>
+            <p:spPr>
+              <a:xfrm>
+                <a:off x="5320748" y="3429000"/>
+                <a:ext cx="775252" cy="775252"/>
+              </a:xfrm>
+              <a:prstGeom prst="ellipse">
+                <a:avLst/>
+              </a:prstGeom>
+              <a:solidFill>
+                <a:schemeClr val="accent1">
+                  <a:lumMod val="20000"/>
+                  <a:lumOff val="80000"/>
+                </a:schemeClr>
+              </a:solidFill>
+              <a:ln>
+                <a:solidFill>
+                  <a:schemeClr val="accent1">
+                    <a:lumMod val="60000"/>
+                    <a:lumOff val="40000"/>
+                  </a:schemeClr>
+                </a:solidFill>
+              </a:ln>
+            </p:spPr>
+            <p:style>
+              <a:lnRef idx="2">
+                <a:schemeClr val="accent1">
+                  <a:shade val="50000"/>
+                </a:schemeClr>
+              </a:lnRef>
+              <a:fillRef idx="1">
+                <a:schemeClr val="accent1"/>
+              </a:fillRef>
+              <a:effectRef idx="0">
+                <a:schemeClr val="accent1"/>
+              </a:effectRef>
+              <a:fontRef idx="minor">
+                <a:schemeClr val="lt1"/>
+              </a:fontRef>
+            </p:style>
+            <p:txBody>
+              <a:bodyPr rtlCol="0" anchor="ctr"/>
+              <a:lstStyle/>
+              <a:p>
+                <a:pPr algn="ctr"/>
+                <a:r>
+                  <a:rPr lang="en-US" dirty="0">
+                    <a:solidFill>
+                      <a:schemeClr val="tx1"/>
+                    </a:solidFill>
+                  </a:rPr>
+                  <a:t>X</a:t>
+                </a:r>
+                <a:r>
+                  <a:rPr lang="en-US" baseline="-25000" dirty="0">
+                    <a:solidFill>
+                      <a:schemeClr val="tx1"/>
+                    </a:solidFill>
+                  </a:rPr>
+                  <a:t>3</a:t>
+                </a:r>
+                <a:endParaRPr lang="en-US" dirty="0">
+                  <a:solidFill>
+                    <a:schemeClr val="tx1"/>
+                  </a:solidFill>
+                </a:endParaRPr>
+              </a:p>
+            </p:txBody>
+          </p:sp>
+          <p:sp>
+            <p:nvSpPr>
+              <p:cNvPr id="9" name="Oval 8">
+                <a:extLst>
+                  <a:ext uri="{FF2B5EF4-FFF2-40B4-BE49-F238E27FC236}">
+                    <a16:creationId xmlns:a16="http://schemas.microsoft.com/office/drawing/2014/main" id="{1762BFB0-23EB-0243-A319-6B2223239312}"/>
+                  </a:ext>
+                </a:extLst>
+              </p:cNvPr>
+              <p:cNvSpPr/>
+              <p:nvPr/>
+            </p:nvSpPr>
+            <p:spPr>
+              <a:xfrm>
+                <a:off x="7103165" y="3429000"/>
+                <a:ext cx="775252" cy="775252"/>
+              </a:xfrm>
+              <a:prstGeom prst="ellipse">
+                <a:avLst/>
+              </a:prstGeom>
+              <a:solidFill>
+                <a:schemeClr val="accent1">
+                  <a:lumMod val="20000"/>
+                  <a:lumOff val="80000"/>
+                </a:schemeClr>
+              </a:solidFill>
+              <a:ln>
+                <a:solidFill>
+                  <a:schemeClr val="accent1">
+                    <a:lumMod val="60000"/>
+                    <a:lumOff val="40000"/>
+                  </a:schemeClr>
+                </a:solidFill>
+              </a:ln>
+            </p:spPr>
+            <p:style>
+              <a:lnRef idx="2">
+                <a:schemeClr val="accent1">
+                  <a:shade val="50000"/>
+                </a:schemeClr>
+              </a:lnRef>
+              <a:fillRef idx="1">
+                <a:schemeClr val="accent1"/>
+              </a:fillRef>
+              <a:effectRef idx="0">
+                <a:schemeClr val="accent1"/>
+              </a:effectRef>
+              <a:fontRef idx="minor">
+                <a:schemeClr val="lt1"/>
+              </a:fontRef>
+            </p:style>
+            <p:txBody>
+              <a:bodyPr rtlCol="0" anchor="ctr"/>
+              <a:lstStyle/>
+              <a:p>
+                <a:pPr algn="ctr"/>
+                <a:r>
+                  <a:rPr lang="en-US" dirty="0">
+                    <a:solidFill>
+                      <a:schemeClr val="tx1"/>
+                    </a:solidFill>
+                  </a:rPr>
+                  <a:t>X</a:t>
+                </a:r>
+                <a:r>
+                  <a:rPr lang="en-US" baseline="-25000" dirty="0">
+                    <a:solidFill>
+                      <a:schemeClr val="tx1"/>
+                    </a:solidFill>
+                  </a:rPr>
+                  <a:t>4</a:t>
+                </a:r>
+                <a:endParaRPr lang="en-US" dirty="0">
+                  <a:solidFill>
+                    <a:schemeClr val="tx1"/>
+                  </a:solidFill>
+                </a:endParaRPr>
+              </a:p>
+            </p:txBody>
+          </p:sp>
+          <p:sp>
+            <p:nvSpPr>
+              <p:cNvPr id="10" name="Oval 9">
+                <a:extLst>
+                  <a:ext uri="{FF2B5EF4-FFF2-40B4-BE49-F238E27FC236}">
+                    <a16:creationId xmlns:a16="http://schemas.microsoft.com/office/drawing/2014/main" id="{CBC8A930-76D8-7846-8F75-05C9D79EDC09}"/>
+                  </a:ext>
+                </a:extLst>
+              </p:cNvPr>
+              <p:cNvSpPr/>
+              <p:nvPr/>
+            </p:nvSpPr>
+            <p:spPr>
+              <a:xfrm>
+                <a:off x="5320748" y="4810539"/>
+                <a:ext cx="775252" cy="775252"/>
+              </a:xfrm>
+              <a:prstGeom prst="ellipse">
+                <a:avLst/>
+              </a:prstGeom>
+              <a:solidFill>
+                <a:schemeClr val="accent1">
+                  <a:lumMod val="20000"/>
+                  <a:lumOff val="80000"/>
+                </a:schemeClr>
+              </a:solidFill>
+              <a:ln>
+                <a:solidFill>
+                  <a:schemeClr val="accent1">
+                    <a:lumMod val="60000"/>
+                    <a:lumOff val="40000"/>
+                  </a:schemeClr>
+                </a:solidFill>
+              </a:ln>
+            </p:spPr>
+            <p:style>
+              <a:lnRef idx="2">
+                <a:schemeClr val="accent1">
+                  <a:shade val="50000"/>
+                </a:schemeClr>
+              </a:lnRef>
+              <a:fillRef idx="1">
+                <a:schemeClr val="accent1"/>
+              </a:fillRef>
+              <a:effectRef idx="0">
+                <a:schemeClr val="accent1"/>
+              </a:effectRef>
+              <a:fontRef idx="minor">
+                <a:schemeClr val="lt1"/>
+              </a:fontRef>
+            </p:style>
+            <p:txBody>
+              <a:bodyPr rtlCol="0" anchor="ctr"/>
+              <a:lstStyle/>
+              <a:p>
+                <a:pPr algn="ctr"/>
+                <a:r>
+                  <a:rPr lang="en-US" dirty="0">
+                    <a:solidFill>
+                      <a:schemeClr val="tx1"/>
+                    </a:solidFill>
+                  </a:rPr>
+                  <a:t>X</a:t>
+                </a:r>
+                <a:r>
+                  <a:rPr lang="en-US" baseline="-25000" dirty="0">
+                    <a:solidFill>
+                      <a:schemeClr val="tx1"/>
+                    </a:solidFill>
+                  </a:rPr>
+                  <a:t>5</a:t>
+                </a:r>
+                <a:endParaRPr lang="en-US" dirty="0">
+                  <a:solidFill>
+                    <a:schemeClr val="tx1"/>
+                  </a:solidFill>
+                </a:endParaRPr>
+              </a:p>
+            </p:txBody>
+          </p:sp>
+          <p:cxnSp>
+            <p:nvCxnSpPr>
+              <p:cNvPr id="11" name="Straight Arrow Connector 10">
+                <a:extLst>
+                  <a:ext uri="{FF2B5EF4-FFF2-40B4-BE49-F238E27FC236}">
+                    <a16:creationId xmlns:a16="http://schemas.microsoft.com/office/drawing/2014/main" id="{E789DC11-8457-2C4D-8618-7222E7AFE849}"/>
+                  </a:ext>
+                </a:extLst>
+              </p:cNvPr>
+              <p:cNvCxnSpPr>
+                <a:cxnSpLocks/>
+                <a:endCxn id="6" idx="2"/>
+              </p:cNvCxnSpPr>
+              <p:nvPr/>
+            </p:nvCxnSpPr>
+            <p:spPr>
+              <a:xfrm>
+                <a:off x="4313583" y="2435087"/>
+                <a:ext cx="1007165" cy="0"/>
+              </a:xfrm>
+              <a:prstGeom prst="straightConnector1">
+                <a:avLst/>
+              </a:prstGeom>
+              <a:ln w="38100">
+                <a:tailEnd type="triangle"/>
+              </a:ln>
+            </p:spPr>
+            <p:style>
+              <a:lnRef idx="1">
+                <a:schemeClr val="dk1"/>
+              </a:lnRef>
+              <a:fillRef idx="0">
+                <a:schemeClr val="dk1"/>
+              </a:fillRef>
+              <a:effectRef idx="0">
+                <a:schemeClr val="dk1"/>
+              </a:effectRef>
+              <a:fontRef idx="minor">
+                <a:schemeClr val="tx1"/>
+              </a:fontRef>
+            </p:style>
+          </p:cxnSp>
+          <p:cxnSp>
+            <p:nvCxnSpPr>
+              <p:cNvPr id="12" name="Straight Arrow Connector 11">
+                <a:extLst>
+                  <a:ext uri="{FF2B5EF4-FFF2-40B4-BE49-F238E27FC236}">
+                    <a16:creationId xmlns:a16="http://schemas.microsoft.com/office/drawing/2014/main" id="{F0EFA83B-F5D4-4645-9A4E-961D9268D98E}"/>
+                  </a:ext>
+                </a:extLst>
+              </p:cNvPr>
+              <p:cNvCxnSpPr>
+                <a:cxnSpLocks/>
+              </p:cNvCxnSpPr>
+              <p:nvPr/>
+            </p:nvCxnSpPr>
+            <p:spPr>
+              <a:xfrm>
+                <a:off x="6096000" y="2435087"/>
+                <a:ext cx="1007165" cy="0"/>
+              </a:xfrm>
+              <a:prstGeom prst="straightConnector1">
+                <a:avLst/>
+              </a:prstGeom>
+              <a:ln w="38100">
+                <a:tailEnd type="triangle"/>
+              </a:ln>
+            </p:spPr>
+            <p:style>
+              <a:lnRef idx="1">
+                <a:schemeClr val="dk1"/>
+              </a:lnRef>
+              <a:fillRef idx="0">
+                <a:schemeClr val="dk1"/>
+              </a:fillRef>
+              <a:effectRef idx="0">
+                <a:schemeClr val="dk1"/>
+              </a:effectRef>
+              <a:fontRef idx="minor">
+                <a:schemeClr val="tx1"/>
+              </a:fontRef>
+            </p:style>
+          </p:cxnSp>
+          <p:cxnSp>
+            <p:nvCxnSpPr>
+              <p:cNvPr id="13" name="Straight Arrow Connector 12">
+                <a:extLst>
+                  <a:ext uri="{FF2B5EF4-FFF2-40B4-BE49-F238E27FC236}">
+                    <a16:creationId xmlns:a16="http://schemas.microsoft.com/office/drawing/2014/main" id="{61BFA6F6-0260-624C-A6C7-F622E52C5680}"/>
+                  </a:ext>
+                </a:extLst>
+              </p:cNvPr>
+              <p:cNvCxnSpPr>
+                <a:stCxn id="5" idx="4"/>
+                <a:endCxn id="10" idx="2"/>
+              </p:cNvCxnSpPr>
+              <p:nvPr/>
+            </p:nvCxnSpPr>
+            <p:spPr>
+              <a:xfrm>
+                <a:off x="3925957" y="2822713"/>
+                <a:ext cx="1394791" cy="2375452"/>
+              </a:xfrm>
+              <a:prstGeom prst="straightConnector1">
+                <a:avLst/>
+              </a:prstGeom>
+              <a:ln w="38100">
+                <a:tailEnd type="triangle"/>
+              </a:ln>
+            </p:spPr>
+            <p:style>
+              <a:lnRef idx="1">
+                <a:schemeClr val="dk1"/>
+              </a:lnRef>
+              <a:fillRef idx="0">
+                <a:schemeClr val="dk1"/>
+              </a:fillRef>
+              <a:effectRef idx="0">
+                <a:schemeClr val="dk1"/>
+              </a:effectRef>
+              <a:fontRef idx="minor">
+                <a:schemeClr val="tx1"/>
+              </a:fontRef>
+            </p:style>
+          </p:cxnSp>
+          <p:cxnSp>
+            <p:nvCxnSpPr>
+              <p:cNvPr id="14" name="Straight Arrow Connector 13">
+                <a:extLst>
+                  <a:ext uri="{FF2B5EF4-FFF2-40B4-BE49-F238E27FC236}">
+                    <a16:creationId xmlns:a16="http://schemas.microsoft.com/office/drawing/2014/main" id="{A28641FD-002A-9347-A56F-44EA8D81386C}"/>
+                  </a:ext>
+                </a:extLst>
+              </p:cNvPr>
+              <p:cNvCxnSpPr>
+                <a:stCxn id="8" idx="6"/>
+                <a:endCxn id="7" idx="3"/>
+              </p:cNvCxnSpPr>
+              <p:nvPr/>
+            </p:nvCxnSpPr>
+            <p:spPr>
+              <a:xfrm flipV="1">
+                <a:off x="6096000" y="2709180"/>
+                <a:ext cx="1120698" cy="1107446"/>
+              </a:xfrm>
+              <a:prstGeom prst="straightConnector1">
+                <a:avLst/>
+              </a:prstGeom>
+              <a:ln w="38100">
+                <a:tailEnd type="triangle"/>
+              </a:ln>
+            </p:spPr>
+            <p:style>
+              <a:lnRef idx="1">
+                <a:schemeClr val="dk1"/>
+              </a:lnRef>
+              <a:fillRef idx="0">
+                <a:schemeClr val="dk1"/>
+              </a:fillRef>
+              <a:effectRef idx="0">
+                <a:schemeClr val="dk1"/>
+              </a:effectRef>
+              <a:fontRef idx="minor">
+                <a:schemeClr val="tx1"/>
+              </a:fontRef>
+            </p:style>
+          </p:cxnSp>
+          <p:cxnSp>
+            <p:nvCxnSpPr>
+              <p:cNvPr id="15" name="Straight Arrow Connector 14">
+                <a:extLst>
+                  <a:ext uri="{FF2B5EF4-FFF2-40B4-BE49-F238E27FC236}">
+                    <a16:creationId xmlns:a16="http://schemas.microsoft.com/office/drawing/2014/main" id="{61E194AD-5BE0-F544-B3C6-1533DB979694}"/>
+                  </a:ext>
+                </a:extLst>
+              </p:cNvPr>
+              <p:cNvCxnSpPr>
+                <a:stCxn id="10" idx="6"/>
+                <a:endCxn id="9" idx="3"/>
+              </p:cNvCxnSpPr>
+              <p:nvPr/>
+            </p:nvCxnSpPr>
+            <p:spPr>
+              <a:xfrm flipV="1">
+                <a:off x="6096000" y="4090719"/>
+                <a:ext cx="1120698" cy="1107446"/>
+              </a:xfrm>
+              <a:prstGeom prst="straightConnector1">
+                <a:avLst/>
+              </a:prstGeom>
+              <a:ln w="38100">
+                <a:tailEnd type="triangle"/>
+              </a:ln>
+            </p:spPr>
+            <p:style>
+              <a:lnRef idx="1">
+                <a:schemeClr val="dk1"/>
+              </a:lnRef>
+              <a:fillRef idx="0">
+                <a:schemeClr val="dk1"/>
+              </a:fillRef>
+              <a:effectRef idx="0">
+                <a:schemeClr val="dk1"/>
+              </a:effectRef>
+              <a:fontRef idx="minor">
+                <a:schemeClr val="tx1"/>
+              </a:fontRef>
+            </p:style>
+          </p:cxnSp>
+          <p:cxnSp>
+            <p:nvCxnSpPr>
+              <p:cNvPr id="16" name="Straight Arrow Connector 15">
+                <a:extLst>
+                  <a:ext uri="{FF2B5EF4-FFF2-40B4-BE49-F238E27FC236}">
+                    <a16:creationId xmlns:a16="http://schemas.microsoft.com/office/drawing/2014/main" id="{B248C0FD-54E4-5849-99F6-EFAD25E420D7}"/>
+                  </a:ext>
+                </a:extLst>
+              </p:cNvPr>
+              <p:cNvCxnSpPr>
+                <a:stCxn id="8" idx="6"/>
+                <a:endCxn id="9" idx="2"/>
+              </p:cNvCxnSpPr>
+              <p:nvPr/>
+            </p:nvCxnSpPr>
+            <p:spPr>
+              <a:xfrm>
+                <a:off x="6096000" y="3816626"/>
+                <a:ext cx="1007165" cy="0"/>
+              </a:xfrm>
+              <a:prstGeom prst="straightConnector1">
+                <a:avLst/>
+              </a:prstGeom>
+              <a:ln w="38100">
+                <a:tailEnd type="triangle"/>
+              </a:ln>
+            </p:spPr>
+            <p:style>
+              <a:lnRef idx="1">
+                <a:schemeClr val="dk1"/>
+              </a:lnRef>
+              <a:fillRef idx="0">
+                <a:schemeClr val="dk1"/>
+              </a:fillRef>
+              <a:effectRef idx="0">
+                <a:schemeClr val="dk1"/>
+              </a:effectRef>
+              <a:fontRef idx="minor">
+                <a:schemeClr val="tx1"/>
+              </a:fontRef>
+            </p:style>
+          </p:cxnSp>
+          <p:cxnSp>
+            <p:nvCxnSpPr>
+              <p:cNvPr id="17" name="Straight Arrow Connector 16">
+                <a:extLst>
+                  <a:ext uri="{FF2B5EF4-FFF2-40B4-BE49-F238E27FC236}">
+                    <a16:creationId xmlns:a16="http://schemas.microsoft.com/office/drawing/2014/main" id="{6A1ED663-56E0-2C4E-82B2-5B03FC9F2DA2}"/>
+                  </a:ext>
+                </a:extLst>
+              </p:cNvPr>
+              <p:cNvCxnSpPr>
+                <a:stCxn id="9" idx="0"/>
+                <a:endCxn id="7" idx="4"/>
+              </p:cNvCxnSpPr>
+              <p:nvPr/>
+            </p:nvCxnSpPr>
+            <p:spPr>
+              <a:xfrm flipV="1">
+                <a:off x="7490791" y="2822713"/>
+                <a:ext cx="0" cy="606287"/>
+              </a:xfrm>
+              <a:prstGeom prst="straightConnector1">
+                <a:avLst/>
+              </a:prstGeom>
+              <a:ln w="38100">
+                <a:tailEnd type="triangle"/>
+              </a:ln>
+            </p:spPr>
+            <p:style>
+              <a:lnRef idx="1">
+                <a:schemeClr val="dk1"/>
+              </a:lnRef>
+              <a:fillRef idx="0">
+                <a:schemeClr val="dk1"/>
+              </a:fillRef>
+              <a:effectRef idx="0">
+                <a:schemeClr val="dk1"/>
+              </a:effectRef>
+              <a:fontRef idx="minor">
+                <a:schemeClr val="tx1"/>
+              </a:fontRef>
+            </p:style>
+          </p:cxnSp>
+          <p:sp>
+            <p:nvSpPr>
+              <p:cNvPr id="18" name="TextBox 17">
+                <a:extLst>
+                  <a:ext uri="{FF2B5EF4-FFF2-40B4-BE49-F238E27FC236}">
+                    <a16:creationId xmlns:a16="http://schemas.microsoft.com/office/drawing/2014/main" id="{0B9E6AD5-91A2-B04C-AA57-24DA7D7D99B9}"/>
+                  </a:ext>
+                </a:extLst>
+              </p:cNvPr>
+              <p:cNvSpPr txBox="1"/>
+              <p:nvPr/>
+            </p:nvSpPr>
+            <p:spPr>
+              <a:xfrm>
+                <a:off x="4364957" y="2010204"/>
+                <a:ext cx="904415" cy="369332"/>
+              </a:xfrm>
+              <a:prstGeom prst="rect">
+                <a:avLst/>
+              </a:prstGeom>
+              <a:noFill/>
+            </p:spPr>
+            <p:txBody>
+              <a:bodyPr wrap="none" rtlCol="0">
+                <a:spAutoFit/>
+              </a:bodyPr>
+              <a:lstStyle/>
+              <a:p>
+                <a:r>
+                  <a:rPr lang="en-US" dirty="0"/>
+                  <a:t>[10, 20]</a:t>
+                </a:r>
+              </a:p>
+            </p:txBody>
+          </p:sp>
+          <p:sp>
+            <p:nvSpPr>
+              <p:cNvPr id="19" name="TextBox 18">
+                <a:extLst>
+                  <a:ext uri="{FF2B5EF4-FFF2-40B4-BE49-F238E27FC236}">
+                    <a16:creationId xmlns:a16="http://schemas.microsoft.com/office/drawing/2014/main" id="{5FECA82F-0EED-E648-BBF6-0530636536F8}"/>
+                  </a:ext>
+                </a:extLst>
+              </p:cNvPr>
+              <p:cNvSpPr txBox="1"/>
+              <p:nvPr/>
+            </p:nvSpPr>
+            <p:spPr>
+              <a:xfrm>
+                <a:off x="6147375" y="2043472"/>
+                <a:ext cx="904415" cy="369332"/>
+              </a:xfrm>
+              <a:prstGeom prst="rect">
+                <a:avLst/>
+              </a:prstGeom>
+              <a:noFill/>
+            </p:spPr>
+            <p:txBody>
+              <a:bodyPr wrap="none" rtlCol="0">
+                <a:spAutoFit/>
+              </a:bodyPr>
+              <a:lstStyle/>
+              <a:p>
+                <a:r>
+                  <a:rPr lang="en-US" dirty="0"/>
+                  <a:t>[40, 50]</a:t>
+                </a:r>
+              </a:p>
+            </p:txBody>
+          </p:sp>
+          <p:sp>
+            <p:nvSpPr>
+              <p:cNvPr id="20" name="TextBox 19">
+                <a:extLst>
+                  <a:ext uri="{FF2B5EF4-FFF2-40B4-BE49-F238E27FC236}">
+                    <a16:creationId xmlns:a16="http://schemas.microsoft.com/office/drawing/2014/main" id="{ECEEC887-81C3-8D4F-BCE2-48B45EA089F4}"/>
+                  </a:ext>
+                </a:extLst>
+              </p:cNvPr>
+              <p:cNvSpPr txBox="1"/>
+              <p:nvPr/>
+            </p:nvSpPr>
+            <p:spPr>
+              <a:xfrm>
+                <a:off x="5821907" y="2893571"/>
+                <a:ext cx="904415" cy="369332"/>
+              </a:xfrm>
+              <a:prstGeom prst="rect">
+                <a:avLst/>
+              </a:prstGeom>
+              <a:noFill/>
+            </p:spPr>
+            <p:txBody>
+              <a:bodyPr wrap="none" rtlCol="0">
+                <a:spAutoFit/>
+              </a:bodyPr>
+              <a:lstStyle/>
+              <a:p>
+                <a:r>
+                  <a:rPr lang="en-US" dirty="0"/>
+                  <a:t>[10, 20]</a:t>
+                </a:r>
+              </a:p>
+            </p:txBody>
+          </p:sp>
+          <p:sp>
+            <p:nvSpPr>
+              <p:cNvPr id="21" name="TextBox 20">
+                <a:extLst>
+                  <a:ext uri="{FF2B5EF4-FFF2-40B4-BE49-F238E27FC236}">
+                    <a16:creationId xmlns:a16="http://schemas.microsoft.com/office/drawing/2014/main" id="{6FF84B1A-96B0-5D4E-9D87-2C431BC992BF}"/>
+                  </a:ext>
+                </a:extLst>
+              </p:cNvPr>
+              <p:cNvSpPr txBox="1"/>
+              <p:nvPr/>
+            </p:nvSpPr>
+            <p:spPr>
+              <a:xfrm>
+                <a:off x="7539742" y="2893571"/>
+                <a:ext cx="904415" cy="369332"/>
+              </a:xfrm>
+              <a:prstGeom prst="rect">
+                <a:avLst/>
+              </a:prstGeom>
+              <a:noFill/>
+            </p:spPr>
+            <p:txBody>
+              <a:bodyPr wrap="none" rtlCol="0">
+                <a:spAutoFit/>
+              </a:bodyPr>
+              <a:lstStyle/>
+              <a:p>
+                <a:r>
+                  <a:rPr lang="en-US" dirty="0"/>
+                  <a:t>[10, 20]</a:t>
+                </a:r>
+              </a:p>
+            </p:txBody>
+          </p:sp>
+          <p:sp>
+            <p:nvSpPr>
+              <p:cNvPr id="22" name="TextBox 21">
+                <a:extLst>
+                  <a:ext uri="{FF2B5EF4-FFF2-40B4-BE49-F238E27FC236}">
+                    <a16:creationId xmlns:a16="http://schemas.microsoft.com/office/drawing/2014/main" id="{E9203D7C-FB12-6A44-AB6C-90F85E2FCD7F}"/>
+                  </a:ext>
+                </a:extLst>
+              </p:cNvPr>
+              <p:cNvSpPr txBox="1"/>
+              <p:nvPr/>
+            </p:nvSpPr>
+            <p:spPr>
+              <a:xfrm>
+                <a:off x="6205884" y="3851048"/>
+                <a:ext cx="787395" cy="369332"/>
+              </a:xfrm>
+              <a:prstGeom prst="rect">
+                <a:avLst/>
+              </a:prstGeom>
+              <a:noFill/>
+            </p:spPr>
+            <p:txBody>
+              <a:bodyPr wrap="none" rtlCol="0">
+                <a:spAutoFit/>
+              </a:bodyPr>
+              <a:lstStyle/>
+              <a:p>
+                <a:r>
+                  <a:rPr lang="en-US" dirty="0"/>
+                  <a:t>[5, 10]</a:t>
+                </a:r>
+              </a:p>
+            </p:txBody>
+          </p:sp>
+          <p:sp>
+            <p:nvSpPr>
+              <p:cNvPr id="23" name="TextBox 22">
+                <a:extLst>
+                  <a:ext uri="{FF2B5EF4-FFF2-40B4-BE49-F238E27FC236}">
+                    <a16:creationId xmlns:a16="http://schemas.microsoft.com/office/drawing/2014/main" id="{3DFCE4F0-547F-D54B-99CA-7A1281B97286}"/>
+                  </a:ext>
+                </a:extLst>
+              </p:cNvPr>
+              <p:cNvSpPr txBox="1"/>
+              <p:nvPr/>
+            </p:nvSpPr>
+            <p:spPr>
+              <a:xfrm>
+                <a:off x="3718937" y="3906053"/>
+                <a:ext cx="904415" cy="369332"/>
+              </a:xfrm>
+              <a:prstGeom prst="rect">
+                <a:avLst/>
+              </a:prstGeom>
+              <a:noFill/>
+            </p:spPr>
+            <p:txBody>
+              <a:bodyPr wrap="none" rtlCol="0">
+                <a:spAutoFit/>
+              </a:bodyPr>
+              <a:lstStyle/>
+              <a:p>
+                <a:r>
+                  <a:rPr lang="en-US" dirty="0"/>
+                  <a:t>[30, 50]</a:t>
+                </a:r>
+              </a:p>
+            </p:txBody>
+          </p:sp>
+          <p:sp>
+            <p:nvSpPr>
+              <p:cNvPr id="24" name="TextBox 23">
+                <a:extLst>
+                  <a:ext uri="{FF2B5EF4-FFF2-40B4-BE49-F238E27FC236}">
+                    <a16:creationId xmlns:a16="http://schemas.microsoft.com/office/drawing/2014/main" id="{53CF48AE-8F33-0E47-B7E5-4986C80A58AE}"/>
+                  </a:ext>
+                </a:extLst>
+              </p:cNvPr>
+              <p:cNvSpPr txBox="1"/>
+              <p:nvPr/>
+            </p:nvSpPr>
+            <p:spPr>
+              <a:xfrm>
+                <a:off x="6656349" y="4625873"/>
+                <a:ext cx="904415" cy="369332"/>
+              </a:xfrm>
+              <a:prstGeom prst="rect">
+                <a:avLst/>
+              </a:prstGeom>
+              <a:noFill/>
+            </p:spPr>
+            <p:txBody>
+              <a:bodyPr wrap="none" rtlCol="0">
+                <a:spAutoFit/>
+              </a:bodyPr>
+              <a:lstStyle/>
+              <a:p>
+                <a:r>
+                  <a:rPr lang="en-US" dirty="0"/>
+                  <a:t>[20, 30]</a:t>
+                </a:r>
+              </a:p>
+            </p:txBody>
+          </p:sp>
+        </p:grpSp>
+        <p:sp>
+          <p:nvSpPr>
+            <p:cNvPr id="28" name="U-Turn Arrow 27">
+              <a:extLst>
+                <a:ext uri="{FF2B5EF4-FFF2-40B4-BE49-F238E27FC236}">
+                  <a16:creationId xmlns:a16="http://schemas.microsoft.com/office/drawing/2014/main" id="{D7CE4513-12EB-BE48-B432-F7708ABB276D}"/>
+                </a:ext>
+              </a:extLst>
+            </p:cNvPr>
+            <p:cNvSpPr/>
+            <p:nvPr/>
+          </p:nvSpPr>
+          <p:spPr>
+            <a:xfrm>
+              <a:off x="4109259" y="807027"/>
+              <a:ext cx="3634807" cy="775252"/>
+            </a:xfrm>
+            <a:prstGeom prst="uturnArrow">
+              <a:avLst>
+                <a:gd name="adj1" fmla="val 6854"/>
+                <a:gd name="adj2" fmla="val 6515"/>
+                <a:gd name="adj3" fmla="val 5592"/>
+                <a:gd name="adj4" fmla="val 43750"/>
+                <a:gd name="adj5" fmla="val 81469"/>
+              </a:avLst>
+            </a:prstGeom>
+            <a:solidFill>
+              <a:srgbClr val="FF0000"/>
+            </a:solidFill>
+            <a:ln>
+              <a:solidFill>
+                <a:srgbClr val="FF0000"/>
+              </a:solidFill>
+            </a:ln>
+          </p:spPr>
+          <p:style>
+            <a:lnRef idx="2">
+              <a:schemeClr val="accent1">
+                <a:shade val="50000"/>
+              </a:schemeClr>
+            </a:lnRef>
+            <a:fillRef idx="1">
+              <a:schemeClr val="accent1"/>
+            </a:fillRef>
+            <a:effectRef idx="0">
+              <a:schemeClr val="accent1"/>
+            </a:effectRef>
+            <a:fontRef idx="minor">
+              <a:schemeClr val="lt1"/>
+            </a:fontRef>
+          </p:style>
+          <p:txBody>
+            <a:bodyPr rtlCol="0" anchor="ctr"/>
+            <a:lstStyle/>
+            <a:p>
+              <a:pPr algn="ctr"/>
+              <a:endParaRPr lang="en-US">
+                <a:solidFill>
+                  <a:schemeClr val="tx1"/>
+                </a:solidFill>
+              </a:endParaRPr>
+            </a:p>
+          </p:txBody>
+        </p:sp>
+        <p:sp>
+          <p:nvSpPr>
+            <p:cNvPr id="29" name="U-Turn Arrow 28">
+              <a:extLst>
+                <a:ext uri="{FF2B5EF4-FFF2-40B4-BE49-F238E27FC236}">
+                  <a16:creationId xmlns:a16="http://schemas.microsoft.com/office/drawing/2014/main" id="{2265385A-C27B-4946-8866-855BD5AF0B86}"/>
+                </a:ext>
+              </a:extLst>
+            </p:cNvPr>
+            <p:cNvSpPr/>
+            <p:nvPr/>
+          </p:nvSpPr>
+          <p:spPr>
+            <a:xfrm flipV="1">
+              <a:off x="3729516" y="2431431"/>
+              <a:ext cx="4253657" cy="3221202"/>
+            </a:xfrm>
+            <a:prstGeom prst="uturnArrow">
+              <a:avLst>
+                <a:gd name="adj1" fmla="val 1176"/>
+                <a:gd name="adj2" fmla="val 2052"/>
+                <a:gd name="adj3" fmla="val 2514"/>
+                <a:gd name="adj4" fmla="val 7812"/>
+                <a:gd name="adj5" fmla="val 51761"/>
+              </a:avLst>
+            </a:prstGeom>
+            <a:solidFill>
+              <a:srgbClr val="FF0000"/>
+            </a:solidFill>
+            <a:ln>
+              <a:solidFill>
+                <a:srgbClr val="FF0000"/>
+              </a:solidFill>
+            </a:ln>
+          </p:spPr>
+          <p:style>
+            <a:lnRef idx="2">
+              <a:schemeClr val="accent1">
+                <a:shade val="50000"/>
+              </a:schemeClr>
+            </a:lnRef>
+            <a:fillRef idx="1">
+              <a:schemeClr val="accent1"/>
+            </a:fillRef>
+            <a:effectRef idx="0">
+              <a:schemeClr val="accent1"/>
+            </a:effectRef>
+            <a:fontRef idx="minor">
+              <a:schemeClr val="lt1"/>
+            </a:fontRef>
+          </p:style>
+          <p:txBody>
+            <a:bodyPr rtlCol="0" anchor="ctr"/>
+            <a:lstStyle/>
+            <a:p>
+              <a:pPr algn="ctr"/>
+              <a:endParaRPr lang="en-US">
+                <a:solidFill>
+                  <a:schemeClr val="tx1"/>
+                </a:solidFill>
+              </a:endParaRPr>
+            </a:p>
+          </p:txBody>
+        </p:sp>
+        <p:cxnSp>
+          <p:nvCxnSpPr>
+            <p:cNvPr id="31" name="Straight Arrow Connector 30">
+              <a:extLst>
+                <a:ext uri="{FF2B5EF4-FFF2-40B4-BE49-F238E27FC236}">
+                  <a16:creationId xmlns:a16="http://schemas.microsoft.com/office/drawing/2014/main" id="{8C692647-B982-9941-A9BD-4B011316CB66}"/>
+                </a:ext>
+              </a:extLst>
+            </p:cNvPr>
+            <p:cNvCxnSpPr/>
+            <p:nvPr/>
+          </p:nvCxnSpPr>
+          <p:spPr>
+            <a:xfrm>
+              <a:off x="4418339" y="2431431"/>
+              <a:ext cx="955789" cy="739281"/>
+            </a:xfrm>
+            <a:prstGeom prst="straightConnector1">
+              <a:avLst/>
+            </a:prstGeom>
+            <a:ln w="57150">
+              <a:solidFill>
+                <a:srgbClr val="FF0000"/>
+              </a:solidFill>
+              <a:tailEnd type="triangle"/>
+            </a:ln>
+          </p:spPr>
+          <p:style>
+            <a:lnRef idx="1">
+              <a:schemeClr val="accent1"/>
+            </a:lnRef>
+            <a:fillRef idx="0">
+              <a:schemeClr val="accent1"/>
+            </a:fillRef>
+            <a:effectRef idx="0">
+              <a:schemeClr val="accent1"/>
+            </a:effectRef>
+            <a:fontRef idx="minor">
+              <a:schemeClr val="tx1"/>
+            </a:fontRef>
+          </p:style>
+        </p:cxnSp>
+        <p:cxnSp>
+          <p:nvCxnSpPr>
+            <p:cNvPr id="33" name="Straight Arrow Connector 32">
+              <a:extLst>
+                <a:ext uri="{FF2B5EF4-FFF2-40B4-BE49-F238E27FC236}">
+                  <a16:creationId xmlns:a16="http://schemas.microsoft.com/office/drawing/2014/main" id="{9BE30089-82E5-7247-A168-31686D8E2558}"/>
+                </a:ext>
+              </a:extLst>
+            </p:cNvPr>
+            <p:cNvCxnSpPr/>
+            <p:nvPr/>
+          </p:nvCxnSpPr>
+          <p:spPr>
+            <a:xfrm>
+              <a:off x="5676405" y="2500823"/>
+              <a:ext cx="0" cy="535429"/>
+            </a:xfrm>
+            <a:prstGeom prst="straightConnector1">
+              <a:avLst/>
+            </a:prstGeom>
+            <a:ln w="57150">
+              <a:solidFill>
+                <a:srgbClr val="FF0000"/>
+              </a:solidFill>
+              <a:tailEnd type="triangle"/>
+            </a:ln>
+          </p:spPr>
+          <p:style>
+            <a:lnRef idx="1">
+              <a:schemeClr val="accent1"/>
+            </a:lnRef>
+            <a:fillRef idx="0">
+              <a:schemeClr val="accent1"/>
+            </a:fillRef>
+            <a:effectRef idx="0">
+              <a:schemeClr val="accent1"/>
+            </a:effectRef>
+            <a:fontRef idx="minor">
+              <a:schemeClr val="tx1"/>
+            </a:fontRef>
+          </p:style>
+        </p:cxnSp>
+        <p:cxnSp>
+          <p:nvCxnSpPr>
+            <p:cNvPr id="34" name="Straight Arrow Connector 33">
+              <a:extLst>
+                <a:ext uri="{FF2B5EF4-FFF2-40B4-BE49-F238E27FC236}">
+                  <a16:creationId xmlns:a16="http://schemas.microsoft.com/office/drawing/2014/main" id="{DB9BD2B5-00A8-6A4B-A521-239DA7BEC4A2}"/>
+                </a:ext>
+              </a:extLst>
+            </p:cNvPr>
+            <p:cNvCxnSpPr>
+              <a:cxnSpLocks/>
+            </p:cNvCxnSpPr>
+            <p:nvPr/>
+          </p:nvCxnSpPr>
+          <p:spPr>
+            <a:xfrm flipV="1">
+              <a:off x="5801410" y="3877294"/>
+              <a:ext cx="11720" cy="483436"/>
+            </a:xfrm>
+            <a:prstGeom prst="straightConnector1">
+              <a:avLst/>
+            </a:prstGeom>
+            <a:ln w="57150">
+              <a:solidFill>
+                <a:srgbClr val="FF0000"/>
+              </a:solidFill>
+              <a:tailEnd type="triangle"/>
+            </a:ln>
+          </p:spPr>
+          <p:style>
+            <a:lnRef idx="1">
+              <a:schemeClr val="accent1"/>
+            </a:lnRef>
+            <a:fillRef idx="0">
+              <a:schemeClr val="accent1"/>
+            </a:fillRef>
+            <a:effectRef idx="0">
+              <a:schemeClr val="accent1"/>
+            </a:effectRef>
+            <a:fontRef idx="minor">
+              <a:schemeClr val="tx1"/>
+            </a:fontRef>
+          </p:style>
+        </p:cxnSp>
+        <p:cxnSp>
+          <p:nvCxnSpPr>
+            <p:cNvPr id="37" name="Straight Arrow Connector 36">
+              <a:extLst>
+                <a:ext uri="{FF2B5EF4-FFF2-40B4-BE49-F238E27FC236}">
+                  <a16:creationId xmlns:a16="http://schemas.microsoft.com/office/drawing/2014/main" id="{FA0287C6-2588-CB44-9460-614DFAEEC90D}"/>
+                </a:ext>
+              </a:extLst>
+            </p:cNvPr>
+            <p:cNvCxnSpPr/>
+            <p:nvPr/>
+          </p:nvCxnSpPr>
+          <p:spPr>
+            <a:xfrm>
+              <a:off x="6197189" y="2398896"/>
+              <a:ext cx="955789" cy="739281"/>
+            </a:xfrm>
+            <a:prstGeom prst="straightConnector1">
+              <a:avLst/>
+            </a:prstGeom>
+            <a:ln w="57150">
+              <a:solidFill>
+                <a:srgbClr val="FF0000"/>
+              </a:solidFill>
+              <a:tailEnd type="triangle"/>
+            </a:ln>
+          </p:spPr>
+          <p:style>
+            <a:lnRef idx="1">
+              <a:schemeClr val="accent1"/>
+            </a:lnRef>
+            <a:fillRef idx="0">
+              <a:schemeClr val="accent1"/>
+            </a:fillRef>
+            <a:effectRef idx="0">
+              <a:schemeClr val="accent1"/>
+            </a:effectRef>
+            <a:fontRef idx="minor">
+              <a:schemeClr val="tx1"/>
+            </a:fontRef>
+          </p:style>
+        </p:cxnSp>
+        <p:sp>
+          <p:nvSpPr>
+            <p:cNvPr id="38" name="TextBox 37">
+              <a:extLst>
+                <a:ext uri="{FF2B5EF4-FFF2-40B4-BE49-F238E27FC236}">
+                  <a16:creationId xmlns:a16="http://schemas.microsoft.com/office/drawing/2014/main" id="{13DC69DC-C71B-6F48-81CF-D6976232662D}"/>
+                </a:ext>
+              </a:extLst>
+            </p:cNvPr>
+            <p:cNvSpPr txBox="1"/>
+            <p:nvPr/>
+          </p:nvSpPr>
+          <p:spPr>
+            <a:xfrm>
+              <a:off x="5425504" y="403761"/>
+              <a:ext cx="904415" cy="369332"/>
+            </a:xfrm>
+            <a:prstGeom prst="rect">
+              <a:avLst/>
+            </a:prstGeom>
+            <a:noFill/>
+          </p:spPr>
+          <p:txBody>
+            <a:bodyPr wrap="none" rtlCol="0">
+              <a:spAutoFit/>
+            </a:bodyPr>
+            <a:lstStyle/>
+            <a:p>
+              <a:r>
+                <a:rPr lang="en-US" dirty="0">
+                  <a:solidFill>
+                    <a:srgbClr val="FF0000"/>
+                  </a:solidFill>
+                </a:rPr>
+                <a:t>[60, 70]</a:t>
+              </a:r>
+            </a:p>
+          </p:txBody>
+        </p:sp>
+        <p:sp>
+          <p:nvSpPr>
+            <p:cNvPr id="39" name="TextBox 38">
+              <a:extLst>
+                <a:ext uri="{FF2B5EF4-FFF2-40B4-BE49-F238E27FC236}">
+                  <a16:creationId xmlns:a16="http://schemas.microsoft.com/office/drawing/2014/main" id="{95813AB3-49DF-4944-AE7E-52CD91BE54E8}"/>
+                </a:ext>
+              </a:extLst>
+            </p:cNvPr>
+            <p:cNvSpPr txBox="1"/>
+            <p:nvPr/>
+          </p:nvSpPr>
+          <p:spPr>
+            <a:xfrm>
+              <a:off x="5425504" y="5771110"/>
+              <a:ext cx="904415" cy="369332"/>
+            </a:xfrm>
+            <a:prstGeom prst="rect">
+              <a:avLst/>
+            </a:prstGeom>
+            <a:noFill/>
+          </p:spPr>
+          <p:txBody>
+            <a:bodyPr wrap="none" rtlCol="0">
+              <a:spAutoFit/>
+            </a:bodyPr>
+            <a:lstStyle/>
+            <a:p>
+              <a:r>
+                <a:rPr lang="en-US" dirty="0">
+                  <a:solidFill>
+                    <a:srgbClr val="FF0000"/>
+                  </a:solidFill>
+                </a:rPr>
+                <a:t>[50, 80]</a:t>
+              </a:r>
+            </a:p>
+          </p:txBody>
+        </p:sp>
+        <p:sp>
+          <p:nvSpPr>
+            <p:cNvPr id="40" name="TextBox 39">
+              <a:extLst>
+                <a:ext uri="{FF2B5EF4-FFF2-40B4-BE49-F238E27FC236}">
+                  <a16:creationId xmlns:a16="http://schemas.microsoft.com/office/drawing/2014/main" id="{21F108D2-6A25-464F-909D-177F0BFA363B}"/>
+                </a:ext>
+              </a:extLst>
+            </p:cNvPr>
+            <p:cNvSpPr txBox="1"/>
+            <p:nvPr/>
+          </p:nvSpPr>
+          <p:spPr>
+            <a:xfrm>
+              <a:off x="4544992" y="3156109"/>
+              <a:ext cx="904415" cy="369332"/>
+            </a:xfrm>
+            <a:prstGeom prst="rect">
+              <a:avLst/>
+            </a:prstGeom>
+            <a:noFill/>
+          </p:spPr>
+          <p:txBody>
+            <a:bodyPr wrap="none" rtlCol="0">
+              <a:spAutoFit/>
+            </a:bodyPr>
+            <a:lstStyle/>
+            <a:p>
+              <a:r>
+                <a:rPr lang="en-US" dirty="0">
+                  <a:solidFill>
+                    <a:srgbClr val="FF0000"/>
+                  </a:solidFill>
+                </a:rPr>
+                <a:t>[40, 60]</a:t>
+              </a:r>
+            </a:p>
+          </p:txBody>
+        </p:sp>
+        <p:sp>
+          <p:nvSpPr>
+            <p:cNvPr id="41" name="TextBox 40">
+              <a:extLst>
+                <a:ext uri="{FF2B5EF4-FFF2-40B4-BE49-F238E27FC236}">
+                  <a16:creationId xmlns:a16="http://schemas.microsoft.com/office/drawing/2014/main" id="{A78B21A9-E49B-8C49-ACDD-CEEFCD361DB5}"/>
+                </a:ext>
+              </a:extLst>
+            </p:cNvPr>
+            <p:cNvSpPr txBox="1"/>
+            <p:nvPr/>
+          </p:nvSpPr>
+          <p:spPr>
+            <a:xfrm>
+              <a:off x="4791615" y="2382346"/>
+              <a:ext cx="904415" cy="369332"/>
+            </a:xfrm>
+            <a:prstGeom prst="rect">
+              <a:avLst/>
+            </a:prstGeom>
+            <a:noFill/>
+          </p:spPr>
+          <p:txBody>
+            <a:bodyPr wrap="none" rtlCol="0">
+              <a:spAutoFit/>
+            </a:bodyPr>
+            <a:lstStyle/>
+            <a:p>
+              <a:r>
+                <a:rPr lang="en-US" dirty="0">
+                  <a:solidFill>
+                    <a:srgbClr val="FF0000"/>
+                  </a:solidFill>
+                </a:rPr>
+                <a:t>[30, 30]</a:t>
+              </a:r>
+            </a:p>
+          </p:txBody>
+        </p:sp>
+        <p:sp>
+          <p:nvSpPr>
+            <p:cNvPr id="42" name="TextBox 41">
+              <a:extLst>
+                <a:ext uri="{FF2B5EF4-FFF2-40B4-BE49-F238E27FC236}">
+                  <a16:creationId xmlns:a16="http://schemas.microsoft.com/office/drawing/2014/main" id="{B61BE37C-4651-8143-98D8-BEB8E174FF02}"/>
+                </a:ext>
+              </a:extLst>
+            </p:cNvPr>
+            <p:cNvSpPr txBox="1"/>
+            <p:nvPr/>
+          </p:nvSpPr>
+          <p:spPr>
+            <a:xfrm>
+              <a:off x="5858432" y="3935163"/>
+              <a:ext cx="904415" cy="369332"/>
+            </a:xfrm>
+            <a:prstGeom prst="rect">
+              <a:avLst/>
+            </a:prstGeom>
+            <a:noFill/>
+          </p:spPr>
+          <p:txBody>
+            <a:bodyPr wrap="none" rtlCol="0">
+              <a:spAutoFit/>
+            </a:bodyPr>
+            <a:lstStyle/>
+            <a:p>
+              <a:r>
+                <a:rPr lang="en-US" dirty="0">
+                  <a:solidFill>
+                    <a:srgbClr val="FF0000"/>
+                  </a:solidFill>
+                </a:rPr>
+                <a:t>[15, 20]</a:t>
+              </a:r>
+            </a:p>
+          </p:txBody>
+        </p:sp>
+        <p:sp>
+          <p:nvSpPr>
+            <p:cNvPr id="43" name="TextBox 42">
+              <a:extLst>
+                <a:ext uri="{FF2B5EF4-FFF2-40B4-BE49-F238E27FC236}">
+                  <a16:creationId xmlns:a16="http://schemas.microsoft.com/office/drawing/2014/main" id="{DE1606EF-5C38-F042-91FF-9C3EF3B02B2A}"/>
+                </a:ext>
+              </a:extLst>
+            </p:cNvPr>
+            <p:cNvSpPr txBox="1"/>
+            <p:nvPr/>
+          </p:nvSpPr>
+          <p:spPr>
+            <a:xfrm>
+              <a:off x="6295691" y="2141942"/>
+              <a:ext cx="904415" cy="369332"/>
+            </a:xfrm>
+            <a:prstGeom prst="rect">
+              <a:avLst/>
+            </a:prstGeom>
+            <a:noFill/>
+          </p:spPr>
+          <p:txBody>
+            <a:bodyPr wrap="none" rtlCol="0">
+              <a:spAutoFit/>
+            </a:bodyPr>
+            <a:lstStyle/>
+            <a:p>
+              <a:r>
+                <a:rPr lang="en-US" dirty="0">
+                  <a:solidFill>
+                    <a:srgbClr val="FF0000"/>
+                  </a:solidFill>
+                </a:rPr>
+                <a:t>[50, 60]</a:t>
+              </a:r>
+            </a:p>
+          </p:txBody>
+        </p:sp>
+      </p:grpSp>
+    </p:spTree>
+    <p:extLst>
+      <p:ext uri="{BB962C8B-B14F-4D97-AF65-F5344CB8AC3E}">
+        <p14:creationId xmlns:p14="http://schemas.microsoft.com/office/powerpoint/2010/main" val="1260411906"/>
+      </p:ext>
+    </p:extLst>
+  </p:cSld>
+  <p:clrMapOvr>
+    <a:masterClrMapping/>
+  </p:clrMapOvr>
+</p:sld>
+</file>
+
+<file path=ppt/slides/slide11.xml><?xml version="1.0" encoding="utf-8"?>
 <p:sld xmlns:a="http://schemas.openxmlformats.org/drawingml/2006/main" xmlns:r="http://schemas.openxmlformats.org/officeDocument/2006/relationships" xmlns:p="http://schemas.openxmlformats.org/presentationml/2006/main">
   <p:cSld>
     <p:spTree>
@@ -7142,6 +8765,427 @@
       </p:grpSpPr>
       <p:grpSp>
         <p:nvGrpSpPr>
+          <p:cNvPr id="4" name="Group 3">
+            <a:extLst>
+              <a:ext uri="{FF2B5EF4-FFF2-40B4-BE49-F238E27FC236}">
+                <a16:creationId xmlns:a16="http://schemas.microsoft.com/office/drawing/2014/main" id="{D0DE96D3-4938-FB4D-85A7-B6D8FC1945A8}"/>
+              </a:ext>
+            </a:extLst>
+          </p:cNvPr>
+          <p:cNvGrpSpPr/>
+          <p:nvPr/>
+        </p:nvGrpSpPr>
+        <p:grpSpPr>
+          <a:xfrm>
+            <a:off x="4238497" y="2139947"/>
+            <a:ext cx="3715006" cy="2578105"/>
+            <a:chOff x="3615045" y="1792593"/>
+            <a:chExt cx="3715006" cy="2578105"/>
+          </a:xfrm>
+        </p:grpSpPr>
+        <p:sp>
+          <p:nvSpPr>
+            <p:cNvPr id="5" name="Rectangle 4">
+              <a:extLst>
+                <a:ext uri="{FF2B5EF4-FFF2-40B4-BE49-F238E27FC236}">
+                  <a16:creationId xmlns:a16="http://schemas.microsoft.com/office/drawing/2014/main" id="{D186957E-0CBD-CD4C-8A6F-8352EC182BF2}"/>
+                </a:ext>
+              </a:extLst>
+            </p:cNvPr>
+            <p:cNvSpPr/>
+            <p:nvPr/>
+          </p:nvSpPr>
+          <p:spPr>
+            <a:xfrm>
+              <a:off x="3615045" y="2542514"/>
+              <a:ext cx="1282535" cy="415637"/>
+            </a:xfrm>
+            <a:prstGeom prst="rect">
+              <a:avLst/>
+            </a:prstGeom>
+            <a:solidFill>
+              <a:schemeClr val="accent6">
+                <a:lumMod val="60000"/>
+                <a:lumOff val="40000"/>
+                <a:alpha val="60000"/>
+              </a:schemeClr>
+            </a:solidFill>
+            <a:ln>
+              <a:solidFill>
+                <a:schemeClr val="accent6">
+                  <a:lumMod val="75000"/>
+                </a:schemeClr>
+              </a:solidFill>
+            </a:ln>
+          </p:spPr>
+          <p:style>
+            <a:lnRef idx="2">
+              <a:schemeClr val="accent1">
+                <a:shade val="50000"/>
+              </a:schemeClr>
+            </a:lnRef>
+            <a:fillRef idx="1">
+              <a:schemeClr val="accent1"/>
+            </a:fillRef>
+            <a:effectRef idx="0">
+              <a:schemeClr val="accent1"/>
+            </a:effectRef>
+            <a:fontRef idx="minor">
+              <a:schemeClr val="lt1"/>
+            </a:fontRef>
+          </p:style>
+          <p:txBody>
+            <a:bodyPr rtlCol="0" anchor="ctr"/>
+            <a:lstStyle/>
+            <a:p>
+              <a:pPr algn="ctr"/>
+              <a:r>
+                <a:rPr lang="en-US" dirty="0">
+                  <a:solidFill>
+                    <a:schemeClr val="tx1"/>
+                  </a:solidFill>
+                </a:rPr>
+                <a:t>B</a:t>
+              </a:r>
+            </a:p>
+          </p:txBody>
+        </p:sp>
+        <p:sp>
+          <p:nvSpPr>
+            <p:cNvPr id="6" name="Rectangle 5">
+              <a:extLst>
+                <a:ext uri="{FF2B5EF4-FFF2-40B4-BE49-F238E27FC236}">
+                  <a16:creationId xmlns:a16="http://schemas.microsoft.com/office/drawing/2014/main" id="{F8DD1D23-3F90-954D-BBDB-F03BC66993FE}"/>
+                </a:ext>
+              </a:extLst>
+            </p:cNvPr>
+            <p:cNvSpPr/>
+            <p:nvPr/>
+          </p:nvSpPr>
+          <p:spPr>
+            <a:xfrm>
+              <a:off x="4440379" y="2071665"/>
+              <a:ext cx="457201" cy="415637"/>
+            </a:xfrm>
+            <a:prstGeom prst="rect">
+              <a:avLst/>
+            </a:prstGeom>
+            <a:solidFill>
+              <a:schemeClr val="accent5">
+                <a:lumMod val="60000"/>
+                <a:lumOff val="40000"/>
+                <a:alpha val="60000"/>
+              </a:schemeClr>
+            </a:solidFill>
+            <a:ln>
+              <a:solidFill>
+                <a:schemeClr val="accent1">
+                  <a:lumMod val="75000"/>
+                </a:schemeClr>
+              </a:solidFill>
+            </a:ln>
+          </p:spPr>
+          <p:style>
+            <a:lnRef idx="2">
+              <a:schemeClr val="accent1">
+                <a:shade val="50000"/>
+              </a:schemeClr>
+            </a:lnRef>
+            <a:fillRef idx="1">
+              <a:schemeClr val="accent1"/>
+            </a:fillRef>
+            <a:effectRef idx="0">
+              <a:schemeClr val="accent1"/>
+            </a:effectRef>
+            <a:fontRef idx="minor">
+              <a:schemeClr val="lt1"/>
+            </a:fontRef>
+          </p:style>
+          <p:txBody>
+            <a:bodyPr rtlCol="0" anchor="ctr"/>
+            <a:lstStyle/>
+            <a:p>
+              <a:pPr algn="ctr"/>
+              <a:r>
+                <a:rPr lang="en-US" dirty="0">
+                  <a:solidFill>
+                    <a:schemeClr val="tx1"/>
+                  </a:solidFill>
+                </a:rPr>
+                <a:t>A</a:t>
+              </a:r>
+            </a:p>
+          </p:txBody>
+        </p:sp>
+        <p:sp>
+          <p:nvSpPr>
+            <p:cNvPr id="7" name="Rectangle 6">
+              <a:extLst>
+                <a:ext uri="{FF2B5EF4-FFF2-40B4-BE49-F238E27FC236}">
+                  <a16:creationId xmlns:a16="http://schemas.microsoft.com/office/drawing/2014/main" id="{FBA8981F-CFD6-564F-A21F-D8C30A928348}"/>
+                </a:ext>
+              </a:extLst>
+            </p:cNvPr>
+            <p:cNvSpPr/>
+            <p:nvPr/>
+          </p:nvSpPr>
+          <p:spPr>
+            <a:xfrm>
+              <a:off x="4897580" y="3013363"/>
+              <a:ext cx="1282535" cy="415637"/>
+            </a:xfrm>
+            <a:prstGeom prst="rect">
+              <a:avLst/>
+            </a:prstGeom>
+            <a:solidFill>
+              <a:schemeClr val="accent4">
+                <a:lumMod val="60000"/>
+                <a:lumOff val="40000"/>
+                <a:alpha val="60000"/>
+              </a:schemeClr>
+            </a:solidFill>
+            <a:ln>
+              <a:solidFill>
+                <a:schemeClr val="accent4">
+                  <a:lumMod val="75000"/>
+                </a:schemeClr>
+              </a:solidFill>
+            </a:ln>
+          </p:spPr>
+          <p:style>
+            <a:lnRef idx="2">
+              <a:schemeClr val="accent1">
+                <a:shade val="50000"/>
+              </a:schemeClr>
+            </a:lnRef>
+            <a:fillRef idx="1">
+              <a:schemeClr val="accent1"/>
+            </a:fillRef>
+            <a:effectRef idx="0">
+              <a:schemeClr val="accent1"/>
+            </a:effectRef>
+            <a:fontRef idx="minor">
+              <a:schemeClr val="lt1"/>
+            </a:fontRef>
+          </p:style>
+          <p:txBody>
+            <a:bodyPr rtlCol="0" anchor="ctr"/>
+            <a:lstStyle/>
+            <a:p>
+              <a:pPr algn="ctr"/>
+              <a:r>
+                <a:rPr lang="en-US" dirty="0">
+                  <a:solidFill>
+                    <a:schemeClr val="tx1"/>
+                  </a:solidFill>
+                </a:rPr>
+                <a:t>C</a:t>
+              </a:r>
+            </a:p>
+          </p:txBody>
+        </p:sp>
+        <p:sp>
+          <p:nvSpPr>
+            <p:cNvPr id="8" name="Rectangle 7">
+              <a:extLst>
+                <a:ext uri="{FF2B5EF4-FFF2-40B4-BE49-F238E27FC236}">
+                  <a16:creationId xmlns:a16="http://schemas.microsoft.com/office/drawing/2014/main" id="{C4B705D0-299D-7348-9D60-3856E37A29F2}"/>
+                </a:ext>
+              </a:extLst>
+            </p:cNvPr>
+            <p:cNvSpPr/>
+            <p:nvPr/>
+          </p:nvSpPr>
+          <p:spPr>
+            <a:xfrm>
+              <a:off x="5011387" y="3481244"/>
+              <a:ext cx="914400" cy="415637"/>
+            </a:xfrm>
+            <a:prstGeom prst="rect">
+              <a:avLst/>
+            </a:prstGeom>
+            <a:solidFill>
+              <a:schemeClr val="accent2">
+                <a:lumMod val="60000"/>
+                <a:lumOff val="40000"/>
+                <a:alpha val="60000"/>
+              </a:schemeClr>
+            </a:solidFill>
+            <a:ln>
+              <a:solidFill>
+                <a:schemeClr val="accent2">
+                  <a:lumMod val="75000"/>
+                </a:schemeClr>
+              </a:solidFill>
+            </a:ln>
+          </p:spPr>
+          <p:style>
+            <a:lnRef idx="2">
+              <a:schemeClr val="accent1">
+                <a:shade val="50000"/>
+              </a:schemeClr>
+            </a:lnRef>
+            <a:fillRef idx="1">
+              <a:schemeClr val="accent1"/>
+            </a:fillRef>
+            <a:effectRef idx="0">
+              <a:schemeClr val="accent1"/>
+            </a:effectRef>
+            <a:fontRef idx="minor">
+              <a:schemeClr val="lt1"/>
+            </a:fontRef>
+          </p:style>
+          <p:txBody>
+            <a:bodyPr rtlCol="0" anchor="ctr"/>
+            <a:lstStyle/>
+            <a:p>
+              <a:pPr algn="ctr"/>
+              <a:r>
+                <a:rPr lang="en-US" dirty="0">
+                  <a:solidFill>
+                    <a:schemeClr val="tx1"/>
+                  </a:solidFill>
+                </a:rPr>
+                <a:t>D</a:t>
+              </a:r>
+            </a:p>
+          </p:txBody>
+        </p:sp>
+        <p:sp>
+          <p:nvSpPr>
+            <p:cNvPr id="9" name="Rectangle 8">
+              <a:extLst>
+                <a:ext uri="{FF2B5EF4-FFF2-40B4-BE49-F238E27FC236}">
+                  <a16:creationId xmlns:a16="http://schemas.microsoft.com/office/drawing/2014/main" id="{1276B823-D82E-C747-A4A2-E88096688F20}"/>
+                </a:ext>
+              </a:extLst>
+            </p:cNvPr>
+            <p:cNvSpPr/>
+            <p:nvPr/>
+          </p:nvSpPr>
+          <p:spPr>
+            <a:xfrm>
+              <a:off x="6047516" y="3955061"/>
+              <a:ext cx="1282535" cy="415637"/>
+            </a:xfrm>
+            <a:prstGeom prst="rect">
+              <a:avLst/>
+            </a:prstGeom>
+            <a:solidFill>
+              <a:srgbClr val="D883FF"/>
+            </a:solidFill>
+            <a:ln>
+              <a:solidFill>
+                <a:srgbClr val="7030A0"/>
+              </a:solidFill>
+            </a:ln>
+          </p:spPr>
+          <p:style>
+            <a:lnRef idx="2">
+              <a:schemeClr val="accent1">
+                <a:shade val="50000"/>
+              </a:schemeClr>
+            </a:lnRef>
+            <a:fillRef idx="1">
+              <a:schemeClr val="accent1"/>
+            </a:fillRef>
+            <a:effectRef idx="0">
+              <a:schemeClr val="accent1"/>
+            </a:effectRef>
+            <a:fontRef idx="minor">
+              <a:schemeClr val="lt1"/>
+            </a:fontRef>
+          </p:style>
+          <p:txBody>
+            <a:bodyPr rtlCol="0" anchor="ctr"/>
+            <a:lstStyle/>
+            <a:p>
+              <a:pPr algn="ctr"/>
+              <a:r>
+                <a:rPr lang="en-US" dirty="0">
+                  <a:solidFill>
+                    <a:schemeClr val="tx1"/>
+                  </a:solidFill>
+                </a:rPr>
+                <a:t>E</a:t>
+              </a:r>
+            </a:p>
+          </p:txBody>
+        </p:sp>
+        <p:cxnSp>
+          <p:nvCxnSpPr>
+            <p:cNvPr id="12" name="Straight Connector 11">
+              <a:extLst>
+                <a:ext uri="{FF2B5EF4-FFF2-40B4-BE49-F238E27FC236}">
+                  <a16:creationId xmlns:a16="http://schemas.microsoft.com/office/drawing/2014/main" id="{6044B649-9E0C-7549-80C4-D1F3DA6C5B1A}"/>
+                </a:ext>
+              </a:extLst>
+            </p:cNvPr>
+            <p:cNvCxnSpPr>
+              <a:cxnSpLocks/>
+            </p:cNvCxnSpPr>
+            <p:nvPr/>
+          </p:nvCxnSpPr>
+          <p:spPr>
+            <a:xfrm>
+              <a:off x="4897580" y="1792593"/>
+              <a:ext cx="0" cy="1409579"/>
+            </a:xfrm>
+            <a:prstGeom prst="line">
+              <a:avLst/>
+            </a:prstGeom>
+            <a:ln>
+              <a:prstDash val="dash"/>
+            </a:ln>
+          </p:spPr>
+          <p:style>
+            <a:lnRef idx="1">
+              <a:schemeClr val="dk1"/>
+            </a:lnRef>
+            <a:fillRef idx="0">
+              <a:schemeClr val="dk1"/>
+            </a:fillRef>
+            <a:effectRef idx="0">
+              <a:schemeClr val="dk1"/>
+            </a:effectRef>
+            <a:fontRef idx="minor">
+              <a:schemeClr val="tx1"/>
+            </a:fontRef>
+          </p:style>
+        </p:cxnSp>
+      </p:grpSp>
+    </p:spTree>
+    <p:extLst>
+      <p:ext uri="{BB962C8B-B14F-4D97-AF65-F5344CB8AC3E}">
+        <p14:creationId xmlns:p14="http://schemas.microsoft.com/office/powerpoint/2010/main" val="1153756726"/>
+      </p:ext>
+    </p:extLst>
+  </p:cSld>
+  <p:clrMapOvr>
+    <a:masterClrMapping/>
+  </p:clrMapOvr>
+</p:sld>
+</file>
+
+<file path=ppt/slides/slide4.xml><?xml version="1.0" encoding="utf-8"?>
+<p:sld xmlns:a="http://schemas.openxmlformats.org/drawingml/2006/main" xmlns:r="http://schemas.openxmlformats.org/officeDocument/2006/relationships" xmlns:p="http://schemas.openxmlformats.org/presentationml/2006/main">
+  <p:cSld>
+    <p:spTree>
+      <p:nvGrpSpPr>
+        <p:cNvPr id="1" name=""/>
+        <p:cNvGrpSpPr/>
+        <p:nvPr/>
+      </p:nvGrpSpPr>
+      <p:grpSpPr>
+        <a:xfrm>
+          <a:off x="0" y="0"/>
+          <a:ext cx="0" cy="0"/>
+          <a:chOff x="0" y="0"/>
+          <a:chExt cx="0" cy="0"/>
+        </a:xfrm>
+      </p:grpSpPr>
+      <p:grpSp>
+        <p:nvGrpSpPr>
           <p:cNvPr id="34" name="Group 33">
             <a:extLst>
               <a:ext uri="{FF2B5EF4-FFF2-40B4-BE49-F238E27FC236}">
@@ -8192,7 +10236,7 @@
 </p:sld>
 </file>
 
-<file path=ppt/slides/slide4.xml><?xml version="1.0" encoding="utf-8"?>
+<file path=ppt/slides/slide5.xml><?xml version="1.0" encoding="utf-8"?>
 <p:sld xmlns:a="http://schemas.openxmlformats.org/drawingml/2006/main" xmlns:r="http://schemas.openxmlformats.org/officeDocument/2006/relationships" xmlns:p="http://schemas.openxmlformats.org/presentationml/2006/main">
   <p:cSld>
     <p:spTree>
@@ -10846,7 +12890,7 @@
 </p:sld>
 </file>
 
-<file path=ppt/slides/slide5.xml><?xml version="1.0" encoding="utf-8"?>
+<file path=ppt/slides/slide6.xml><?xml version="1.0" encoding="utf-8"?>
 <p:sld xmlns:a="http://schemas.openxmlformats.org/drawingml/2006/main" xmlns:r="http://schemas.openxmlformats.org/officeDocument/2006/relationships" xmlns:p="http://schemas.openxmlformats.org/presentationml/2006/main">
   <p:cSld>
     <p:spTree>
@@ -12606,7 +14650,7 @@
 </p:sld>
 </file>
 
-<file path=ppt/slides/slide6.xml><?xml version="1.0" encoding="utf-8"?>
+<file path=ppt/slides/slide7.xml><?xml version="1.0" encoding="utf-8"?>
 <p:sld xmlns:a="http://schemas.openxmlformats.org/drawingml/2006/main" xmlns:r="http://schemas.openxmlformats.org/officeDocument/2006/relationships" xmlns:p="http://schemas.openxmlformats.org/presentationml/2006/main">
   <p:cSld>
     <p:spTree>
@@ -14735,7 +16779,7 @@
 </p:sld>
 </file>
 
-<file path=ppt/slides/slide7.xml><?xml version="1.0" encoding="utf-8"?>
+<file path=ppt/slides/slide8.xml><?xml version="1.0" encoding="utf-8"?>
 <p:sld xmlns:a="http://schemas.openxmlformats.org/drawingml/2006/main" xmlns:r="http://schemas.openxmlformats.org/officeDocument/2006/relationships" xmlns:p="http://schemas.openxmlformats.org/presentationml/2006/main">
   <p:cSld>
     <p:spTree>
@@ -15903,7 +17947,7 @@
 </p:sld>
 </file>
 
-<file path=ppt/slides/slide8.xml><?xml version="1.0" encoding="utf-8"?>
+<file path=ppt/slides/slide9.xml><?xml version="1.0" encoding="utf-8"?>
 <p:sld xmlns:a="http://schemas.openxmlformats.org/drawingml/2006/main" xmlns:r="http://schemas.openxmlformats.org/officeDocument/2006/relationships" xmlns:p="http://schemas.openxmlformats.org/presentationml/2006/main">
   <p:cSld>
     <p:spTree>
@@ -15959,1628 +18003,6 @@
     <p:extLst>
       <p:ext uri="{BB962C8B-B14F-4D97-AF65-F5344CB8AC3E}">
         <p14:creationId xmlns:p14="http://schemas.microsoft.com/office/powerpoint/2010/main" val="2870530172"/>
-      </p:ext>
-    </p:extLst>
-  </p:cSld>
-  <p:clrMapOvr>
-    <a:masterClrMapping/>
-  </p:clrMapOvr>
-</p:sld>
-</file>
-
-<file path=ppt/slides/slide9.xml><?xml version="1.0" encoding="utf-8"?>
-<p:sld xmlns:a="http://schemas.openxmlformats.org/drawingml/2006/main" xmlns:r="http://schemas.openxmlformats.org/officeDocument/2006/relationships" xmlns:p="http://schemas.openxmlformats.org/presentationml/2006/main">
-  <p:cSld>
-    <p:spTree>
-      <p:nvGrpSpPr>
-        <p:cNvPr id="1" name=""/>
-        <p:cNvGrpSpPr/>
-        <p:nvPr/>
-      </p:nvGrpSpPr>
-      <p:grpSpPr>
-        <a:xfrm>
-          <a:off x="0" y="0"/>
-          <a:ext cx="0" cy="0"/>
-          <a:chOff x="0" y="0"/>
-          <a:chExt cx="0" cy="0"/>
-        </a:xfrm>
-      </p:grpSpPr>
-      <p:grpSp>
-        <p:nvGrpSpPr>
-          <p:cNvPr id="44" name="Group 43">
-            <a:extLst>
-              <a:ext uri="{FF2B5EF4-FFF2-40B4-BE49-F238E27FC236}">
-                <a16:creationId xmlns:a16="http://schemas.microsoft.com/office/drawing/2014/main" id="{0B807186-138A-C54E-90D9-E1EDF14899B2}"/>
-              </a:ext>
-            </a:extLst>
-          </p:cNvPr>
-          <p:cNvGrpSpPr/>
-          <p:nvPr/>
-        </p:nvGrpSpPr>
-        <p:grpSpPr>
-          <a:xfrm>
-            <a:off x="3643087" y="403761"/>
-            <a:ext cx="4905826" cy="5736681"/>
-            <a:chOff x="3643087" y="403761"/>
-            <a:chExt cx="4905826" cy="5736681"/>
-          </a:xfrm>
-        </p:grpSpPr>
-        <p:grpSp>
-          <p:nvGrpSpPr>
-            <p:cNvPr id="4" name="Group 3">
-              <a:extLst>
-                <a:ext uri="{FF2B5EF4-FFF2-40B4-BE49-F238E27FC236}">
-                  <a16:creationId xmlns:a16="http://schemas.microsoft.com/office/drawing/2014/main" id="{374D3F32-9050-C346-BAB1-E547436996C6}"/>
-                </a:ext>
-              </a:extLst>
-            </p:cNvPr>
-            <p:cNvGrpSpPr/>
-            <p:nvPr/>
-          </p:nvGrpSpPr>
-          <p:grpSpPr>
-            <a:xfrm>
-              <a:off x="3643087" y="1641206"/>
-              <a:ext cx="4905826" cy="3575587"/>
-              <a:chOff x="3538331" y="2010204"/>
-              <a:chExt cx="4905826" cy="3575587"/>
-            </a:xfrm>
-          </p:grpSpPr>
-          <p:sp>
-            <p:nvSpPr>
-              <p:cNvPr id="5" name="Oval 4">
-                <a:extLst>
-                  <a:ext uri="{FF2B5EF4-FFF2-40B4-BE49-F238E27FC236}">
-                    <a16:creationId xmlns:a16="http://schemas.microsoft.com/office/drawing/2014/main" id="{BE20CDBA-5D96-A744-BCE6-FB5F0E8AB92B}"/>
-                  </a:ext>
-                </a:extLst>
-              </p:cNvPr>
-              <p:cNvSpPr/>
-              <p:nvPr/>
-            </p:nvSpPr>
-            <p:spPr>
-              <a:xfrm>
-                <a:off x="3538331" y="2047461"/>
-                <a:ext cx="775252" cy="775252"/>
-              </a:xfrm>
-              <a:prstGeom prst="ellipse">
-                <a:avLst/>
-              </a:prstGeom>
-              <a:solidFill>
-                <a:schemeClr val="accent1">
-                  <a:lumMod val="20000"/>
-                  <a:lumOff val="80000"/>
-                </a:schemeClr>
-              </a:solidFill>
-              <a:ln>
-                <a:solidFill>
-                  <a:schemeClr val="accent1">
-                    <a:lumMod val="60000"/>
-                    <a:lumOff val="40000"/>
-                  </a:schemeClr>
-                </a:solidFill>
-              </a:ln>
-            </p:spPr>
-            <p:style>
-              <a:lnRef idx="2">
-                <a:schemeClr val="accent1">
-                  <a:shade val="50000"/>
-                </a:schemeClr>
-              </a:lnRef>
-              <a:fillRef idx="1">
-                <a:schemeClr val="accent1"/>
-              </a:fillRef>
-              <a:effectRef idx="0">
-                <a:schemeClr val="accent1"/>
-              </a:effectRef>
-              <a:fontRef idx="minor">
-                <a:schemeClr val="lt1"/>
-              </a:fontRef>
-            </p:style>
-            <p:txBody>
-              <a:bodyPr rtlCol="0" anchor="ctr"/>
-              <a:lstStyle/>
-              <a:p>
-                <a:pPr algn="ctr"/>
-                <a:r>
-                  <a:rPr lang="en-US" dirty="0">
-                    <a:solidFill>
-                      <a:schemeClr val="tx1"/>
-                    </a:solidFill>
-                  </a:rPr>
-                  <a:t>X</a:t>
-                </a:r>
-                <a:r>
-                  <a:rPr lang="en-US" baseline="-25000" dirty="0">
-                    <a:solidFill>
-                      <a:schemeClr val="tx1"/>
-                    </a:solidFill>
-                  </a:rPr>
-                  <a:t>0</a:t>
-                </a:r>
-                <a:endParaRPr lang="en-US" dirty="0">
-                  <a:solidFill>
-                    <a:schemeClr val="tx1"/>
-                  </a:solidFill>
-                </a:endParaRPr>
-              </a:p>
-            </p:txBody>
-          </p:sp>
-          <p:sp>
-            <p:nvSpPr>
-              <p:cNvPr id="6" name="Oval 5">
-                <a:extLst>
-                  <a:ext uri="{FF2B5EF4-FFF2-40B4-BE49-F238E27FC236}">
-                    <a16:creationId xmlns:a16="http://schemas.microsoft.com/office/drawing/2014/main" id="{03208BA5-6D85-264A-906E-B5AF23368F5E}"/>
-                  </a:ext>
-                </a:extLst>
-              </p:cNvPr>
-              <p:cNvSpPr/>
-              <p:nvPr/>
-            </p:nvSpPr>
-            <p:spPr>
-              <a:xfrm>
-                <a:off x="5320748" y="2047461"/>
-                <a:ext cx="775252" cy="775252"/>
-              </a:xfrm>
-              <a:prstGeom prst="ellipse">
-                <a:avLst/>
-              </a:prstGeom>
-              <a:solidFill>
-                <a:schemeClr val="accent1">
-                  <a:lumMod val="20000"/>
-                  <a:lumOff val="80000"/>
-                </a:schemeClr>
-              </a:solidFill>
-              <a:ln>
-                <a:solidFill>
-                  <a:schemeClr val="accent1">
-                    <a:lumMod val="60000"/>
-                    <a:lumOff val="40000"/>
-                  </a:schemeClr>
-                </a:solidFill>
-              </a:ln>
-            </p:spPr>
-            <p:style>
-              <a:lnRef idx="2">
-                <a:schemeClr val="accent1">
-                  <a:shade val="50000"/>
-                </a:schemeClr>
-              </a:lnRef>
-              <a:fillRef idx="1">
-                <a:schemeClr val="accent1"/>
-              </a:fillRef>
-              <a:effectRef idx="0">
-                <a:schemeClr val="accent1"/>
-              </a:effectRef>
-              <a:fontRef idx="minor">
-                <a:schemeClr val="lt1"/>
-              </a:fontRef>
-            </p:style>
-            <p:txBody>
-              <a:bodyPr rtlCol="0" anchor="ctr"/>
-              <a:lstStyle/>
-              <a:p>
-                <a:pPr algn="ctr"/>
-                <a:r>
-                  <a:rPr lang="en-US" dirty="0">
-                    <a:solidFill>
-                      <a:schemeClr val="tx1"/>
-                    </a:solidFill>
-                  </a:rPr>
-                  <a:t>X</a:t>
-                </a:r>
-                <a:r>
-                  <a:rPr lang="en-US" baseline="-25000" dirty="0">
-                    <a:solidFill>
-                      <a:schemeClr val="tx1"/>
-                    </a:solidFill>
-                  </a:rPr>
-                  <a:t>1</a:t>
-                </a:r>
-                <a:endParaRPr lang="en-US" dirty="0">
-                  <a:solidFill>
-                    <a:schemeClr val="tx1"/>
-                  </a:solidFill>
-                </a:endParaRPr>
-              </a:p>
-            </p:txBody>
-          </p:sp>
-          <p:sp>
-            <p:nvSpPr>
-              <p:cNvPr id="7" name="Oval 6">
-                <a:extLst>
-                  <a:ext uri="{FF2B5EF4-FFF2-40B4-BE49-F238E27FC236}">
-                    <a16:creationId xmlns:a16="http://schemas.microsoft.com/office/drawing/2014/main" id="{A6C2A1C4-D7C4-154A-A413-98A161B84EE4}"/>
-                  </a:ext>
-                </a:extLst>
-              </p:cNvPr>
-              <p:cNvSpPr/>
-              <p:nvPr/>
-            </p:nvSpPr>
-            <p:spPr>
-              <a:xfrm>
-                <a:off x="7103165" y="2047461"/>
-                <a:ext cx="775252" cy="775252"/>
-              </a:xfrm>
-              <a:prstGeom prst="ellipse">
-                <a:avLst/>
-              </a:prstGeom>
-              <a:solidFill>
-                <a:schemeClr val="accent1">
-                  <a:lumMod val="20000"/>
-                  <a:lumOff val="80000"/>
-                </a:schemeClr>
-              </a:solidFill>
-              <a:ln>
-                <a:solidFill>
-                  <a:schemeClr val="accent1">
-                    <a:lumMod val="60000"/>
-                    <a:lumOff val="40000"/>
-                  </a:schemeClr>
-                </a:solidFill>
-              </a:ln>
-            </p:spPr>
-            <p:style>
-              <a:lnRef idx="2">
-                <a:schemeClr val="accent1">
-                  <a:shade val="50000"/>
-                </a:schemeClr>
-              </a:lnRef>
-              <a:fillRef idx="1">
-                <a:schemeClr val="accent1"/>
-              </a:fillRef>
-              <a:effectRef idx="0">
-                <a:schemeClr val="accent1"/>
-              </a:effectRef>
-              <a:fontRef idx="minor">
-                <a:schemeClr val="lt1"/>
-              </a:fontRef>
-            </p:style>
-            <p:txBody>
-              <a:bodyPr rtlCol="0" anchor="ctr"/>
-              <a:lstStyle/>
-              <a:p>
-                <a:pPr algn="ctr"/>
-                <a:r>
-                  <a:rPr lang="en-US" dirty="0">
-                    <a:solidFill>
-                      <a:schemeClr val="tx1"/>
-                    </a:solidFill>
-                  </a:rPr>
-                  <a:t>X</a:t>
-                </a:r>
-                <a:r>
-                  <a:rPr lang="en-US" baseline="-25000" dirty="0">
-                    <a:solidFill>
-                      <a:schemeClr val="tx1"/>
-                    </a:solidFill>
-                  </a:rPr>
-                  <a:t>2</a:t>
-                </a:r>
-                <a:endParaRPr lang="en-US" dirty="0">
-                  <a:solidFill>
-                    <a:schemeClr val="tx1"/>
-                  </a:solidFill>
-                </a:endParaRPr>
-              </a:p>
-            </p:txBody>
-          </p:sp>
-          <p:sp>
-            <p:nvSpPr>
-              <p:cNvPr id="8" name="Oval 7">
-                <a:extLst>
-                  <a:ext uri="{FF2B5EF4-FFF2-40B4-BE49-F238E27FC236}">
-                    <a16:creationId xmlns:a16="http://schemas.microsoft.com/office/drawing/2014/main" id="{55DDCF50-6976-A344-A662-9EC49370921D}"/>
-                  </a:ext>
-                </a:extLst>
-              </p:cNvPr>
-              <p:cNvSpPr/>
-              <p:nvPr/>
-            </p:nvSpPr>
-            <p:spPr>
-              <a:xfrm>
-                <a:off x="5320748" y="3429000"/>
-                <a:ext cx="775252" cy="775252"/>
-              </a:xfrm>
-              <a:prstGeom prst="ellipse">
-                <a:avLst/>
-              </a:prstGeom>
-              <a:solidFill>
-                <a:schemeClr val="accent1">
-                  <a:lumMod val="20000"/>
-                  <a:lumOff val="80000"/>
-                </a:schemeClr>
-              </a:solidFill>
-              <a:ln>
-                <a:solidFill>
-                  <a:schemeClr val="accent1">
-                    <a:lumMod val="60000"/>
-                    <a:lumOff val="40000"/>
-                  </a:schemeClr>
-                </a:solidFill>
-              </a:ln>
-            </p:spPr>
-            <p:style>
-              <a:lnRef idx="2">
-                <a:schemeClr val="accent1">
-                  <a:shade val="50000"/>
-                </a:schemeClr>
-              </a:lnRef>
-              <a:fillRef idx="1">
-                <a:schemeClr val="accent1"/>
-              </a:fillRef>
-              <a:effectRef idx="0">
-                <a:schemeClr val="accent1"/>
-              </a:effectRef>
-              <a:fontRef idx="minor">
-                <a:schemeClr val="lt1"/>
-              </a:fontRef>
-            </p:style>
-            <p:txBody>
-              <a:bodyPr rtlCol="0" anchor="ctr"/>
-              <a:lstStyle/>
-              <a:p>
-                <a:pPr algn="ctr"/>
-                <a:r>
-                  <a:rPr lang="en-US" dirty="0">
-                    <a:solidFill>
-                      <a:schemeClr val="tx1"/>
-                    </a:solidFill>
-                  </a:rPr>
-                  <a:t>X</a:t>
-                </a:r>
-                <a:r>
-                  <a:rPr lang="en-US" baseline="-25000" dirty="0">
-                    <a:solidFill>
-                      <a:schemeClr val="tx1"/>
-                    </a:solidFill>
-                  </a:rPr>
-                  <a:t>3</a:t>
-                </a:r>
-                <a:endParaRPr lang="en-US" dirty="0">
-                  <a:solidFill>
-                    <a:schemeClr val="tx1"/>
-                  </a:solidFill>
-                </a:endParaRPr>
-              </a:p>
-            </p:txBody>
-          </p:sp>
-          <p:sp>
-            <p:nvSpPr>
-              <p:cNvPr id="9" name="Oval 8">
-                <a:extLst>
-                  <a:ext uri="{FF2B5EF4-FFF2-40B4-BE49-F238E27FC236}">
-                    <a16:creationId xmlns:a16="http://schemas.microsoft.com/office/drawing/2014/main" id="{1762BFB0-23EB-0243-A319-6B2223239312}"/>
-                  </a:ext>
-                </a:extLst>
-              </p:cNvPr>
-              <p:cNvSpPr/>
-              <p:nvPr/>
-            </p:nvSpPr>
-            <p:spPr>
-              <a:xfrm>
-                <a:off x="7103165" y="3429000"/>
-                <a:ext cx="775252" cy="775252"/>
-              </a:xfrm>
-              <a:prstGeom prst="ellipse">
-                <a:avLst/>
-              </a:prstGeom>
-              <a:solidFill>
-                <a:schemeClr val="accent1">
-                  <a:lumMod val="20000"/>
-                  <a:lumOff val="80000"/>
-                </a:schemeClr>
-              </a:solidFill>
-              <a:ln>
-                <a:solidFill>
-                  <a:schemeClr val="accent1">
-                    <a:lumMod val="60000"/>
-                    <a:lumOff val="40000"/>
-                  </a:schemeClr>
-                </a:solidFill>
-              </a:ln>
-            </p:spPr>
-            <p:style>
-              <a:lnRef idx="2">
-                <a:schemeClr val="accent1">
-                  <a:shade val="50000"/>
-                </a:schemeClr>
-              </a:lnRef>
-              <a:fillRef idx="1">
-                <a:schemeClr val="accent1"/>
-              </a:fillRef>
-              <a:effectRef idx="0">
-                <a:schemeClr val="accent1"/>
-              </a:effectRef>
-              <a:fontRef idx="minor">
-                <a:schemeClr val="lt1"/>
-              </a:fontRef>
-            </p:style>
-            <p:txBody>
-              <a:bodyPr rtlCol="0" anchor="ctr"/>
-              <a:lstStyle/>
-              <a:p>
-                <a:pPr algn="ctr"/>
-                <a:r>
-                  <a:rPr lang="en-US" dirty="0">
-                    <a:solidFill>
-                      <a:schemeClr val="tx1"/>
-                    </a:solidFill>
-                  </a:rPr>
-                  <a:t>X</a:t>
-                </a:r>
-                <a:r>
-                  <a:rPr lang="en-US" baseline="-25000" dirty="0">
-                    <a:solidFill>
-                      <a:schemeClr val="tx1"/>
-                    </a:solidFill>
-                  </a:rPr>
-                  <a:t>4</a:t>
-                </a:r>
-                <a:endParaRPr lang="en-US" dirty="0">
-                  <a:solidFill>
-                    <a:schemeClr val="tx1"/>
-                  </a:solidFill>
-                </a:endParaRPr>
-              </a:p>
-            </p:txBody>
-          </p:sp>
-          <p:sp>
-            <p:nvSpPr>
-              <p:cNvPr id="10" name="Oval 9">
-                <a:extLst>
-                  <a:ext uri="{FF2B5EF4-FFF2-40B4-BE49-F238E27FC236}">
-                    <a16:creationId xmlns:a16="http://schemas.microsoft.com/office/drawing/2014/main" id="{CBC8A930-76D8-7846-8F75-05C9D79EDC09}"/>
-                  </a:ext>
-                </a:extLst>
-              </p:cNvPr>
-              <p:cNvSpPr/>
-              <p:nvPr/>
-            </p:nvSpPr>
-            <p:spPr>
-              <a:xfrm>
-                <a:off x="5320748" y="4810539"/>
-                <a:ext cx="775252" cy="775252"/>
-              </a:xfrm>
-              <a:prstGeom prst="ellipse">
-                <a:avLst/>
-              </a:prstGeom>
-              <a:solidFill>
-                <a:schemeClr val="accent1">
-                  <a:lumMod val="20000"/>
-                  <a:lumOff val="80000"/>
-                </a:schemeClr>
-              </a:solidFill>
-              <a:ln>
-                <a:solidFill>
-                  <a:schemeClr val="accent1">
-                    <a:lumMod val="60000"/>
-                    <a:lumOff val="40000"/>
-                  </a:schemeClr>
-                </a:solidFill>
-              </a:ln>
-            </p:spPr>
-            <p:style>
-              <a:lnRef idx="2">
-                <a:schemeClr val="accent1">
-                  <a:shade val="50000"/>
-                </a:schemeClr>
-              </a:lnRef>
-              <a:fillRef idx="1">
-                <a:schemeClr val="accent1"/>
-              </a:fillRef>
-              <a:effectRef idx="0">
-                <a:schemeClr val="accent1"/>
-              </a:effectRef>
-              <a:fontRef idx="minor">
-                <a:schemeClr val="lt1"/>
-              </a:fontRef>
-            </p:style>
-            <p:txBody>
-              <a:bodyPr rtlCol="0" anchor="ctr"/>
-              <a:lstStyle/>
-              <a:p>
-                <a:pPr algn="ctr"/>
-                <a:r>
-                  <a:rPr lang="en-US" dirty="0">
-                    <a:solidFill>
-                      <a:schemeClr val="tx1"/>
-                    </a:solidFill>
-                  </a:rPr>
-                  <a:t>X</a:t>
-                </a:r>
-                <a:r>
-                  <a:rPr lang="en-US" baseline="-25000" dirty="0">
-                    <a:solidFill>
-                      <a:schemeClr val="tx1"/>
-                    </a:solidFill>
-                  </a:rPr>
-                  <a:t>5</a:t>
-                </a:r>
-                <a:endParaRPr lang="en-US" dirty="0">
-                  <a:solidFill>
-                    <a:schemeClr val="tx1"/>
-                  </a:solidFill>
-                </a:endParaRPr>
-              </a:p>
-            </p:txBody>
-          </p:sp>
-          <p:cxnSp>
-            <p:nvCxnSpPr>
-              <p:cNvPr id="11" name="Straight Arrow Connector 10">
-                <a:extLst>
-                  <a:ext uri="{FF2B5EF4-FFF2-40B4-BE49-F238E27FC236}">
-                    <a16:creationId xmlns:a16="http://schemas.microsoft.com/office/drawing/2014/main" id="{E789DC11-8457-2C4D-8618-7222E7AFE849}"/>
-                  </a:ext>
-                </a:extLst>
-              </p:cNvPr>
-              <p:cNvCxnSpPr>
-                <a:cxnSpLocks/>
-                <a:endCxn id="6" idx="2"/>
-              </p:cNvCxnSpPr>
-              <p:nvPr/>
-            </p:nvCxnSpPr>
-            <p:spPr>
-              <a:xfrm>
-                <a:off x="4313583" y="2435087"/>
-                <a:ext cx="1007165" cy="0"/>
-              </a:xfrm>
-              <a:prstGeom prst="straightConnector1">
-                <a:avLst/>
-              </a:prstGeom>
-              <a:ln w="38100">
-                <a:tailEnd type="triangle"/>
-              </a:ln>
-            </p:spPr>
-            <p:style>
-              <a:lnRef idx="1">
-                <a:schemeClr val="dk1"/>
-              </a:lnRef>
-              <a:fillRef idx="0">
-                <a:schemeClr val="dk1"/>
-              </a:fillRef>
-              <a:effectRef idx="0">
-                <a:schemeClr val="dk1"/>
-              </a:effectRef>
-              <a:fontRef idx="minor">
-                <a:schemeClr val="tx1"/>
-              </a:fontRef>
-            </p:style>
-          </p:cxnSp>
-          <p:cxnSp>
-            <p:nvCxnSpPr>
-              <p:cNvPr id="12" name="Straight Arrow Connector 11">
-                <a:extLst>
-                  <a:ext uri="{FF2B5EF4-FFF2-40B4-BE49-F238E27FC236}">
-                    <a16:creationId xmlns:a16="http://schemas.microsoft.com/office/drawing/2014/main" id="{F0EFA83B-F5D4-4645-9A4E-961D9268D98E}"/>
-                  </a:ext>
-                </a:extLst>
-              </p:cNvPr>
-              <p:cNvCxnSpPr>
-                <a:cxnSpLocks/>
-              </p:cNvCxnSpPr>
-              <p:nvPr/>
-            </p:nvCxnSpPr>
-            <p:spPr>
-              <a:xfrm>
-                <a:off x="6096000" y="2435087"/>
-                <a:ext cx="1007165" cy="0"/>
-              </a:xfrm>
-              <a:prstGeom prst="straightConnector1">
-                <a:avLst/>
-              </a:prstGeom>
-              <a:ln w="38100">
-                <a:tailEnd type="triangle"/>
-              </a:ln>
-            </p:spPr>
-            <p:style>
-              <a:lnRef idx="1">
-                <a:schemeClr val="dk1"/>
-              </a:lnRef>
-              <a:fillRef idx="0">
-                <a:schemeClr val="dk1"/>
-              </a:fillRef>
-              <a:effectRef idx="0">
-                <a:schemeClr val="dk1"/>
-              </a:effectRef>
-              <a:fontRef idx="minor">
-                <a:schemeClr val="tx1"/>
-              </a:fontRef>
-            </p:style>
-          </p:cxnSp>
-          <p:cxnSp>
-            <p:nvCxnSpPr>
-              <p:cNvPr id="13" name="Straight Arrow Connector 12">
-                <a:extLst>
-                  <a:ext uri="{FF2B5EF4-FFF2-40B4-BE49-F238E27FC236}">
-                    <a16:creationId xmlns:a16="http://schemas.microsoft.com/office/drawing/2014/main" id="{61BFA6F6-0260-624C-A6C7-F622E52C5680}"/>
-                  </a:ext>
-                </a:extLst>
-              </p:cNvPr>
-              <p:cNvCxnSpPr>
-                <a:stCxn id="5" idx="4"/>
-                <a:endCxn id="10" idx="2"/>
-              </p:cNvCxnSpPr>
-              <p:nvPr/>
-            </p:nvCxnSpPr>
-            <p:spPr>
-              <a:xfrm>
-                <a:off x="3925957" y="2822713"/>
-                <a:ext cx="1394791" cy="2375452"/>
-              </a:xfrm>
-              <a:prstGeom prst="straightConnector1">
-                <a:avLst/>
-              </a:prstGeom>
-              <a:ln w="38100">
-                <a:tailEnd type="triangle"/>
-              </a:ln>
-            </p:spPr>
-            <p:style>
-              <a:lnRef idx="1">
-                <a:schemeClr val="dk1"/>
-              </a:lnRef>
-              <a:fillRef idx="0">
-                <a:schemeClr val="dk1"/>
-              </a:fillRef>
-              <a:effectRef idx="0">
-                <a:schemeClr val="dk1"/>
-              </a:effectRef>
-              <a:fontRef idx="minor">
-                <a:schemeClr val="tx1"/>
-              </a:fontRef>
-            </p:style>
-          </p:cxnSp>
-          <p:cxnSp>
-            <p:nvCxnSpPr>
-              <p:cNvPr id="14" name="Straight Arrow Connector 13">
-                <a:extLst>
-                  <a:ext uri="{FF2B5EF4-FFF2-40B4-BE49-F238E27FC236}">
-                    <a16:creationId xmlns:a16="http://schemas.microsoft.com/office/drawing/2014/main" id="{A28641FD-002A-9347-A56F-44EA8D81386C}"/>
-                  </a:ext>
-                </a:extLst>
-              </p:cNvPr>
-              <p:cNvCxnSpPr>
-                <a:stCxn id="8" idx="6"/>
-                <a:endCxn id="7" idx="3"/>
-              </p:cNvCxnSpPr>
-              <p:nvPr/>
-            </p:nvCxnSpPr>
-            <p:spPr>
-              <a:xfrm flipV="1">
-                <a:off x="6096000" y="2709180"/>
-                <a:ext cx="1120698" cy="1107446"/>
-              </a:xfrm>
-              <a:prstGeom prst="straightConnector1">
-                <a:avLst/>
-              </a:prstGeom>
-              <a:ln w="38100">
-                <a:tailEnd type="triangle"/>
-              </a:ln>
-            </p:spPr>
-            <p:style>
-              <a:lnRef idx="1">
-                <a:schemeClr val="dk1"/>
-              </a:lnRef>
-              <a:fillRef idx="0">
-                <a:schemeClr val="dk1"/>
-              </a:fillRef>
-              <a:effectRef idx="0">
-                <a:schemeClr val="dk1"/>
-              </a:effectRef>
-              <a:fontRef idx="minor">
-                <a:schemeClr val="tx1"/>
-              </a:fontRef>
-            </p:style>
-          </p:cxnSp>
-          <p:cxnSp>
-            <p:nvCxnSpPr>
-              <p:cNvPr id="15" name="Straight Arrow Connector 14">
-                <a:extLst>
-                  <a:ext uri="{FF2B5EF4-FFF2-40B4-BE49-F238E27FC236}">
-                    <a16:creationId xmlns:a16="http://schemas.microsoft.com/office/drawing/2014/main" id="{61E194AD-5BE0-F544-B3C6-1533DB979694}"/>
-                  </a:ext>
-                </a:extLst>
-              </p:cNvPr>
-              <p:cNvCxnSpPr>
-                <a:stCxn id="10" idx="6"/>
-                <a:endCxn id="9" idx="3"/>
-              </p:cNvCxnSpPr>
-              <p:nvPr/>
-            </p:nvCxnSpPr>
-            <p:spPr>
-              <a:xfrm flipV="1">
-                <a:off x="6096000" y="4090719"/>
-                <a:ext cx="1120698" cy="1107446"/>
-              </a:xfrm>
-              <a:prstGeom prst="straightConnector1">
-                <a:avLst/>
-              </a:prstGeom>
-              <a:ln w="38100">
-                <a:tailEnd type="triangle"/>
-              </a:ln>
-            </p:spPr>
-            <p:style>
-              <a:lnRef idx="1">
-                <a:schemeClr val="dk1"/>
-              </a:lnRef>
-              <a:fillRef idx="0">
-                <a:schemeClr val="dk1"/>
-              </a:fillRef>
-              <a:effectRef idx="0">
-                <a:schemeClr val="dk1"/>
-              </a:effectRef>
-              <a:fontRef idx="minor">
-                <a:schemeClr val="tx1"/>
-              </a:fontRef>
-            </p:style>
-          </p:cxnSp>
-          <p:cxnSp>
-            <p:nvCxnSpPr>
-              <p:cNvPr id="16" name="Straight Arrow Connector 15">
-                <a:extLst>
-                  <a:ext uri="{FF2B5EF4-FFF2-40B4-BE49-F238E27FC236}">
-                    <a16:creationId xmlns:a16="http://schemas.microsoft.com/office/drawing/2014/main" id="{B248C0FD-54E4-5849-99F6-EFAD25E420D7}"/>
-                  </a:ext>
-                </a:extLst>
-              </p:cNvPr>
-              <p:cNvCxnSpPr>
-                <a:stCxn id="8" idx="6"/>
-                <a:endCxn id="9" idx="2"/>
-              </p:cNvCxnSpPr>
-              <p:nvPr/>
-            </p:nvCxnSpPr>
-            <p:spPr>
-              <a:xfrm>
-                <a:off x="6096000" y="3816626"/>
-                <a:ext cx="1007165" cy="0"/>
-              </a:xfrm>
-              <a:prstGeom prst="straightConnector1">
-                <a:avLst/>
-              </a:prstGeom>
-              <a:ln w="38100">
-                <a:tailEnd type="triangle"/>
-              </a:ln>
-            </p:spPr>
-            <p:style>
-              <a:lnRef idx="1">
-                <a:schemeClr val="dk1"/>
-              </a:lnRef>
-              <a:fillRef idx="0">
-                <a:schemeClr val="dk1"/>
-              </a:fillRef>
-              <a:effectRef idx="0">
-                <a:schemeClr val="dk1"/>
-              </a:effectRef>
-              <a:fontRef idx="minor">
-                <a:schemeClr val="tx1"/>
-              </a:fontRef>
-            </p:style>
-          </p:cxnSp>
-          <p:cxnSp>
-            <p:nvCxnSpPr>
-              <p:cNvPr id="17" name="Straight Arrow Connector 16">
-                <a:extLst>
-                  <a:ext uri="{FF2B5EF4-FFF2-40B4-BE49-F238E27FC236}">
-                    <a16:creationId xmlns:a16="http://schemas.microsoft.com/office/drawing/2014/main" id="{6A1ED663-56E0-2C4E-82B2-5B03FC9F2DA2}"/>
-                  </a:ext>
-                </a:extLst>
-              </p:cNvPr>
-              <p:cNvCxnSpPr>
-                <a:stCxn id="9" idx="0"/>
-                <a:endCxn id="7" idx="4"/>
-              </p:cNvCxnSpPr>
-              <p:nvPr/>
-            </p:nvCxnSpPr>
-            <p:spPr>
-              <a:xfrm flipV="1">
-                <a:off x="7490791" y="2822713"/>
-                <a:ext cx="0" cy="606287"/>
-              </a:xfrm>
-              <a:prstGeom prst="straightConnector1">
-                <a:avLst/>
-              </a:prstGeom>
-              <a:ln w="38100">
-                <a:tailEnd type="triangle"/>
-              </a:ln>
-            </p:spPr>
-            <p:style>
-              <a:lnRef idx="1">
-                <a:schemeClr val="dk1"/>
-              </a:lnRef>
-              <a:fillRef idx="0">
-                <a:schemeClr val="dk1"/>
-              </a:fillRef>
-              <a:effectRef idx="0">
-                <a:schemeClr val="dk1"/>
-              </a:effectRef>
-              <a:fontRef idx="minor">
-                <a:schemeClr val="tx1"/>
-              </a:fontRef>
-            </p:style>
-          </p:cxnSp>
-          <p:sp>
-            <p:nvSpPr>
-              <p:cNvPr id="18" name="TextBox 17">
-                <a:extLst>
-                  <a:ext uri="{FF2B5EF4-FFF2-40B4-BE49-F238E27FC236}">
-                    <a16:creationId xmlns:a16="http://schemas.microsoft.com/office/drawing/2014/main" id="{0B9E6AD5-91A2-B04C-AA57-24DA7D7D99B9}"/>
-                  </a:ext>
-                </a:extLst>
-              </p:cNvPr>
-              <p:cNvSpPr txBox="1"/>
-              <p:nvPr/>
-            </p:nvSpPr>
-            <p:spPr>
-              <a:xfrm>
-                <a:off x="4364957" y="2010204"/>
-                <a:ext cx="904415" cy="369332"/>
-              </a:xfrm>
-              <a:prstGeom prst="rect">
-                <a:avLst/>
-              </a:prstGeom>
-              <a:noFill/>
-            </p:spPr>
-            <p:txBody>
-              <a:bodyPr wrap="none" rtlCol="0">
-                <a:spAutoFit/>
-              </a:bodyPr>
-              <a:lstStyle/>
-              <a:p>
-                <a:r>
-                  <a:rPr lang="en-US" dirty="0"/>
-                  <a:t>[10, 20]</a:t>
-                </a:r>
-              </a:p>
-            </p:txBody>
-          </p:sp>
-          <p:sp>
-            <p:nvSpPr>
-              <p:cNvPr id="19" name="TextBox 18">
-                <a:extLst>
-                  <a:ext uri="{FF2B5EF4-FFF2-40B4-BE49-F238E27FC236}">
-                    <a16:creationId xmlns:a16="http://schemas.microsoft.com/office/drawing/2014/main" id="{5FECA82F-0EED-E648-BBF6-0530636536F8}"/>
-                  </a:ext>
-                </a:extLst>
-              </p:cNvPr>
-              <p:cNvSpPr txBox="1"/>
-              <p:nvPr/>
-            </p:nvSpPr>
-            <p:spPr>
-              <a:xfrm>
-                <a:off x="6147375" y="2043472"/>
-                <a:ext cx="904415" cy="369332"/>
-              </a:xfrm>
-              <a:prstGeom prst="rect">
-                <a:avLst/>
-              </a:prstGeom>
-              <a:noFill/>
-            </p:spPr>
-            <p:txBody>
-              <a:bodyPr wrap="none" rtlCol="0">
-                <a:spAutoFit/>
-              </a:bodyPr>
-              <a:lstStyle/>
-              <a:p>
-                <a:r>
-                  <a:rPr lang="en-US" dirty="0"/>
-                  <a:t>[40, 50]</a:t>
-                </a:r>
-              </a:p>
-            </p:txBody>
-          </p:sp>
-          <p:sp>
-            <p:nvSpPr>
-              <p:cNvPr id="20" name="TextBox 19">
-                <a:extLst>
-                  <a:ext uri="{FF2B5EF4-FFF2-40B4-BE49-F238E27FC236}">
-                    <a16:creationId xmlns:a16="http://schemas.microsoft.com/office/drawing/2014/main" id="{ECEEC887-81C3-8D4F-BCE2-48B45EA089F4}"/>
-                  </a:ext>
-                </a:extLst>
-              </p:cNvPr>
-              <p:cNvSpPr txBox="1"/>
-              <p:nvPr/>
-            </p:nvSpPr>
-            <p:spPr>
-              <a:xfrm>
-                <a:off x="5821907" y="2893571"/>
-                <a:ext cx="904415" cy="369332"/>
-              </a:xfrm>
-              <a:prstGeom prst="rect">
-                <a:avLst/>
-              </a:prstGeom>
-              <a:noFill/>
-            </p:spPr>
-            <p:txBody>
-              <a:bodyPr wrap="none" rtlCol="0">
-                <a:spAutoFit/>
-              </a:bodyPr>
-              <a:lstStyle/>
-              <a:p>
-                <a:r>
-                  <a:rPr lang="en-US" dirty="0"/>
-                  <a:t>[10, 20]</a:t>
-                </a:r>
-              </a:p>
-            </p:txBody>
-          </p:sp>
-          <p:sp>
-            <p:nvSpPr>
-              <p:cNvPr id="21" name="TextBox 20">
-                <a:extLst>
-                  <a:ext uri="{FF2B5EF4-FFF2-40B4-BE49-F238E27FC236}">
-                    <a16:creationId xmlns:a16="http://schemas.microsoft.com/office/drawing/2014/main" id="{6FF84B1A-96B0-5D4E-9D87-2C431BC992BF}"/>
-                  </a:ext>
-                </a:extLst>
-              </p:cNvPr>
-              <p:cNvSpPr txBox="1"/>
-              <p:nvPr/>
-            </p:nvSpPr>
-            <p:spPr>
-              <a:xfrm>
-                <a:off x="7539742" y="2893571"/>
-                <a:ext cx="904415" cy="369332"/>
-              </a:xfrm>
-              <a:prstGeom prst="rect">
-                <a:avLst/>
-              </a:prstGeom>
-              <a:noFill/>
-            </p:spPr>
-            <p:txBody>
-              <a:bodyPr wrap="none" rtlCol="0">
-                <a:spAutoFit/>
-              </a:bodyPr>
-              <a:lstStyle/>
-              <a:p>
-                <a:r>
-                  <a:rPr lang="en-US" dirty="0"/>
-                  <a:t>[10, 20]</a:t>
-                </a:r>
-              </a:p>
-            </p:txBody>
-          </p:sp>
-          <p:sp>
-            <p:nvSpPr>
-              <p:cNvPr id="22" name="TextBox 21">
-                <a:extLst>
-                  <a:ext uri="{FF2B5EF4-FFF2-40B4-BE49-F238E27FC236}">
-                    <a16:creationId xmlns:a16="http://schemas.microsoft.com/office/drawing/2014/main" id="{E9203D7C-FB12-6A44-AB6C-90F85E2FCD7F}"/>
-                  </a:ext>
-                </a:extLst>
-              </p:cNvPr>
-              <p:cNvSpPr txBox="1"/>
-              <p:nvPr/>
-            </p:nvSpPr>
-            <p:spPr>
-              <a:xfrm>
-                <a:off x="6205884" y="3851048"/>
-                <a:ext cx="787395" cy="369332"/>
-              </a:xfrm>
-              <a:prstGeom prst="rect">
-                <a:avLst/>
-              </a:prstGeom>
-              <a:noFill/>
-            </p:spPr>
-            <p:txBody>
-              <a:bodyPr wrap="none" rtlCol="0">
-                <a:spAutoFit/>
-              </a:bodyPr>
-              <a:lstStyle/>
-              <a:p>
-                <a:r>
-                  <a:rPr lang="en-US" dirty="0"/>
-                  <a:t>[5, 10]</a:t>
-                </a:r>
-              </a:p>
-            </p:txBody>
-          </p:sp>
-          <p:sp>
-            <p:nvSpPr>
-              <p:cNvPr id="23" name="TextBox 22">
-                <a:extLst>
-                  <a:ext uri="{FF2B5EF4-FFF2-40B4-BE49-F238E27FC236}">
-                    <a16:creationId xmlns:a16="http://schemas.microsoft.com/office/drawing/2014/main" id="{3DFCE4F0-547F-D54B-99CA-7A1281B97286}"/>
-                  </a:ext>
-                </a:extLst>
-              </p:cNvPr>
-              <p:cNvSpPr txBox="1"/>
-              <p:nvPr/>
-            </p:nvSpPr>
-            <p:spPr>
-              <a:xfrm>
-                <a:off x="3718937" y="3906053"/>
-                <a:ext cx="904415" cy="369332"/>
-              </a:xfrm>
-              <a:prstGeom prst="rect">
-                <a:avLst/>
-              </a:prstGeom>
-              <a:noFill/>
-            </p:spPr>
-            <p:txBody>
-              <a:bodyPr wrap="none" rtlCol="0">
-                <a:spAutoFit/>
-              </a:bodyPr>
-              <a:lstStyle/>
-              <a:p>
-                <a:r>
-                  <a:rPr lang="en-US" dirty="0"/>
-                  <a:t>[30, 50]</a:t>
-                </a:r>
-              </a:p>
-            </p:txBody>
-          </p:sp>
-          <p:sp>
-            <p:nvSpPr>
-              <p:cNvPr id="24" name="TextBox 23">
-                <a:extLst>
-                  <a:ext uri="{FF2B5EF4-FFF2-40B4-BE49-F238E27FC236}">
-                    <a16:creationId xmlns:a16="http://schemas.microsoft.com/office/drawing/2014/main" id="{53CF48AE-8F33-0E47-B7E5-4986C80A58AE}"/>
-                  </a:ext>
-                </a:extLst>
-              </p:cNvPr>
-              <p:cNvSpPr txBox="1"/>
-              <p:nvPr/>
-            </p:nvSpPr>
-            <p:spPr>
-              <a:xfrm>
-                <a:off x="6656349" y="4625873"/>
-                <a:ext cx="904415" cy="369332"/>
-              </a:xfrm>
-              <a:prstGeom prst="rect">
-                <a:avLst/>
-              </a:prstGeom>
-              <a:noFill/>
-            </p:spPr>
-            <p:txBody>
-              <a:bodyPr wrap="none" rtlCol="0">
-                <a:spAutoFit/>
-              </a:bodyPr>
-              <a:lstStyle/>
-              <a:p>
-                <a:r>
-                  <a:rPr lang="en-US" dirty="0"/>
-                  <a:t>[20, 30]</a:t>
-                </a:r>
-              </a:p>
-            </p:txBody>
-          </p:sp>
-        </p:grpSp>
-        <p:sp>
-          <p:nvSpPr>
-            <p:cNvPr id="28" name="U-Turn Arrow 27">
-              <a:extLst>
-                <a:ext uri="{FF2B5EF4-FFF2-40B4-BE49-F238E27FC236}">
-                  <a16:creationId xmlns:a16="http://schemas.microsoft.com/office/drawing/2014/main" id="{D7CE4513-12EB-BE48-B432-F7708ABB276D}"/>
-                </a:ext>
-              </a:extLst>
-            </p:cNvPr>
-            <p:cNvSpPr/>
-            <p:nvPr/>
-          </p:nvSpPr>
-          <p:spPr>
-            <a:xfrm>
-              <a:off x="4109259" y="807027"/>
-              <a:ext cx="3634807" cy="775252"/>
-            </a:xfrm>
-            <a:prstGeom prst="uturnArrow">
-              <a:avLst>
-                <a:gd name="adj1" fmla="val 6854"/>
-                <a:gd name="adj2" fmla="val 6515"/>
-                <a:gd name="adj3" fmla="val 5592"/>
-                <a:gd name="adj4" fmla="val 43750"/>
-                <a:gd name="adj5" fmla="val 81469"/>
-              </a:avLst>
-            </a:prstGeom>
-            <a:solidFill>
-              <a:srgbClr val="FF0000"/>
-            </a:solidFill>
-            <a:ln>
-              <a:solidFill>
-                <a:srgbClr val="FF0000"/>
-              </a:solidFill>
-            </a:ln>
-          </p:spPr>
-          <p:style>
-            <a:lnRef idx="2">
-              <a:schemeClr val="accent1">
-                <a:shade val="50000"/>
-              </a:schemeClr>
-            </a:lnRef>
-            <a:fillRef idx="1">
-              <a:schemeClr val="accent1"/>
-            </a:fillRef>
-            <a:effectRef idx="0">
-              <a:schemeClr val="accent1"/>
-            </a:effectRef>
-            <a:fontRef idx="minor">
-              <a:schemeClr val="lt1"/>
-            </a:fontRef>
-          </p:style>
-          <p:txBody>
-            <a:bodyPr rtlCol="0" anchor="ctr"/>
-            <a:lstStyle/>
-            <a:p>
-              <a:pPr algn="ctr"/>
-              <a:endParaRPr lang="en-US">
-                <a:solidFill>
-                  <a:schemeClr val="tx1"/>
-                </a:solidFill>
-              </a:endParaRPr>
-            </a:p>
-          </p:txBody>
-        </p:sp>
-        <p:sp>
-          <p:nvSpPr>
-            <p:cNvPr id="29" name="U-Turn Arrow 28">
-              <a:extLst>
-                <a:ext uri="{FF2B5EF4-FFF2-40B4-BE49-F238E27FC236}">
-                  <a16:creationId xmlns:a16="http://schemas.microsoft.com/office/drawing/2014/main" id="{2265385A-C27B-4946-8866-855BD5AF0B86}"/>
-                </a:ext>
-              </a:extLst>
-            </p:cNvPr>
-            <p:cNvSpPr/>
-            <p:nvPr/>
-          </p:nvSpPr>
-          <p:spPr>
-            <a:xfrm flipV="1">
-              <a:off x="3729516" y="2431431"/>
-              <a:ext cx="4253657" cy="3221202"/>
-            </a:xfrm>
-            <a:prstGeom prst="uturnArrow">
-              <a:avLst>
-                <a:gd name="adj1" fmla="val 1176"/>
-                <a:gd name="adj2" fmla="val 2052"/>
-                <a:gd name="adj3" fmla="val 2514"/>
-                <a:gd name="adj4" fmla="val 7812"/>
-                <a:gd name="adj5" fmla="val 51761"/>
-              </a:avLst>
-            </a:prstGeom>
-            <a:solidFill>
-              <a:srgbClr val="FF0000"/>
-            </a:solidFill>
-            <a:ln>
-              <a:solidFill>
-                <a:srgbClr val="FF0000"/>
-              </a:solidFill>
-            </a:ln>
-          </p:spPr>
-          <p:style>
-            <a:lnRef idx="2">
-              <a:schemeClr val="accent1">
-                <a:shade val="50000"/>
-              </a:schemeClr>
-            </a:lnRef>
-            <a:fillRef idx="1">
-              <a:schemeClr val="accent1"/>
-            </a:fillRef>
-            <a:effectRef idx="0">
-              <a:schemeClr val="accent1"/>
-            </a:effectRef>
-            <a:fontRef idx="minor">
-              <a:schemeClr val="lt1"/>
-            </a:fontRef>
-          </p:style>
-          <p:txBody>
-            <a:bodyPr rtlCol="0" anchor="ctr"/>
-            <a:lstStyle/>
-            <a:p>
-              <a:pPr algn="ctr"/>
-              <a:endParaRPr lang="en-US">
-                <a:solidFill>
-                  <a:schemeClr val="tx1"/>
-                </a:solidFill>
-              </a:endParaRPr>
-            </a:p>
-          </p:txBody>
-        </p:sp>
-        <p:cxnSp>
-          <p:nvCxnSpPr>
-            <p:cNvPr id="31" name="Straight Arrow Connector 30">
-              <a:extLst>
-                <a:ext uri="{FF2B5EF4-FFF2-40B4-BE49-F238E27FC236}">
-                  <a16:creationId xmlns:a16="http://schemas.microsoft.com/office/drawing/2014/main" id="{8C692647-B982-9941-A9BD-4B011316CB66}"/>
-                </a:ext>
-              </a:extLst>
-            </p:cNvPr>
-            <p:cNvCxnSpPr/>
-            <p:nvPr/>
-          </p:nvCxnSpPr>
-          <p:spPr>
-            <a:xfrm>
-              <a:off x="4418339" y="2431431"/>
-              <a:ext cx="955789" cy="739281"/>
-            </a:xfrm>
-            <a:prstGeom prst="straightConnector1">
-              <a:avLst/>
-            </a:prstGeom>
-            <a:ln w="57150">
-              <a:solidFill>
-                <a:srgbClr val="FF0000"/>
-              </a:solidFill>
-              <a:tailEnd type="triangle"/>
-            </a:ln>
-          </p:spPr>
-          <p:style>
-            <a:lnRef idx="1">
-              <a:schemeClr val="accent1"/>
-            </a:lnRef>
-            <a:fillRef idx="0">
-              <a:schemeClr val="accent1"/>
-            </a:fillRef>
-            <a:effectRef idx="0">
-              <a:schemeClr val="accent1"/>
-            </a:effectRef>
-            <a:fontRef idx="minor">
-              <a:schemeClr val="tx1"/>
-            </a:fontRef>
-          </p:style>
-        </p:cxnSp>
-        <p:cxnSp>
-          <p:nvCxnSpPr>
-            <p:cNvPr id="33" name="Straight Arrow Connector 32">
-              <a:extLst>
-                <a:ext uri="{FF2B5EF4-FFF2-40B4-BE49-F238E27FC236}">
-                  <a16:creationId xmlns:a16="http://schemas.microsoft.com/office/drawing/2014/main" id="{9BE30089-82E5-7247-A168-31686D8E2558}"/>
-                </a:ext>
-              </a:extLst>
-            </p:cNvPr>
-            <p:cNvCxnSpPr/>
-            <p:nvPr/>
-          </p:nvCxnSpPr>
-          <p:spPr>
-            <a:xfrm>
-              <a:off x="5676405" y="2500823"/>
-              <a:ext cx="0" cy="535429"/>
-            </a:xfrm>
-            <a:prstGeom prst="straightConnector1">
-              <a:avLst/>
-            </a:prstGeom>
-            <a:ln w="57150">
-              <a:solidFill>
-                <a:srgbClr val="FF0000"/>
-              </a:solidFill>
-              <a:tailEnd type="triangle"/>
-            </a:ln>
-          </p:spPr>
-          <p:style>
-            <a:lnRef idx="1">
-              <a:schemeClr val="accent1"/>
-            </a:lnRef>
-            <a:fillRef idx="0">
-              <a:schemeClr val="accent1"/>
-            </a:fillRef>
-            <a:effectRef idx="0">
-              <a:schemeClr val="accent1"/>
-            </a:effectRef>
-            <a:fontRef idx="minor">
-              <a:schemeClr val="tx1"/>
-            </a:fontRef>
-          </p:style>
-        </p:cxnSp>
-        <p:cxnSp>
-          <p:nvCxnSpPr>
-            <p:cNvPr id="34" name="Straight Arrow Connector 33">
-              <a:extLst>
-                <a:ext uri="{FF2B5EF4-FFF2-40B4-BE49-F238E27FC236}">
-                  <a16:creationId xmlns:a16="http://schemas.microsoft.com/office/drawing/2014/main" id="{DB9BD2B5-00A8-6A4B-A521-239DA7BEC4A2}"/>
-                </a:ext>
-              </a:extLst>
-            </p:cNvPr>
-            <p:cNvCxnSpPr>
-              <a:cxnSpLocks/>
-            </p:cNvCxnSpPr>
-            <p:nvPr/>
-          </p:nvCxnSpPr>
-          <p:spPr>
-            <a:xfrm flipV="1">
-              <a:off x="5801410" y="3877294"/>
-              <a:ext cx="11720" cy="483436"/>
-            </a:xfrm>
-            <a:prstGeom prst="straightConnector1">
-              <a:avLst/>
-            </a:prstGeom>
-            <a:ln w="57150">
-              <a:solidFill>
-                <a:srgbClr val="FF0000"/>
-              </a:solidFill>
-              <a:tailEnd type="triangle"/>
-            </a:ln>
-          </p:spPr>
-          <p:style>
-            <a:lnRef idx="1">
-              <a:schemeClr val="accent1"/>
-            </a:lnRef>
-            <a:fillRef idx="0">
-              <a:schemeClr val="accent1"/>
-            </a:fillRef>
-            <a:effectRef idx="0">
-              <a:schemeClr val="accent1"/>
-            </a:effectRef>
-            <a:fontRef idx="minor">
-              <a:schemeClr val="tx1"/>
-            </a:fontRef>
-          </p:style>
-        </p:cxnSp>
-        <p:cxnSp>
-          <p:nvCxnSpPr>
-            <p:cNvPr id="37" name="Straight Arrow Connector 36">
-              <a:extLst>
-                <a:ext uri="{FF2B5EF4-FFF2-40B4-BE49-F238E27FC236}">
-                  <a16:creationId xmlns:a16="http://schemas.microsoft.com/office/drawing/2014/main" id="{FA0287C6-2588-CB44-9460-614DFAEEC90D}"/>
-                </a:ext>
-              </a:extLst>
-            </p:cNvPr>
-            <p:cNvCxnSpPr/>
-            <p:nvPr/>
-          </p:nvCxnSpPr>
-          <p:spPr>
-            <a:xfrm>
-              <a:off x="6197189" y="2398896"/>
-              <a:ext cx="955789" cy="739281"/>
-            </a:xfrm>
-            <a:prstGeom prst="straightConnector1">
-              <a:avLst/>
-            </a:prstGeom>
-            <a:ln w="57150">
-              <a:solidFill>
-                <a:srgbClr val="FF0000"/>
-              </a:solidFill>
-              <a:tailEnd type="triangle"/>
-            </a:ln>
-          </p:spPr>
-          <p:style>
-            <a:lnRef idx="1">
-              <a:schemeClr val="accent1"/>
-            </a:lnRef>
-            <a:fillRef idx="0">
-              <a:schemeClr val="accent1"/>
-            </a:fillRef>
-            <a:effectRef idx="0">
-              <a:schemeClr val="accent1"/>
-            </a:effectRef>
-            <a:fontRef idx="minor">
-              <a:schemeClr val="tx1"/>
-            </a:fontRef>
-          </p:style>
-        </p:cxnSp>
-        <p:sp>
-          <p:nvSpPr>
-            <p:cNvPr id="38" name="TextBox 37">
-              <a:extLst>
-                <a:ext uri="{FF2B5EF4-FFF2-40B4-BE49-F238E27FC236}">
-                  <a16:creationId xmlns:a16="http://schemas.microsoft.com/office/drawing/2014/main" id="{13DC69DC-C71B-6F48-81CF-D6976232662D}"/>
-                </a:ext>
-              </a:extLst>
-            </p:cNvPr>
-            <p:cNvSpPr txBox="1"/>
-            <p:nvPr/>
-          </p:nvSpPr>
-          <p:spPr>
-            <a:xfrm>
-              <a:off x="5425504" y="403761"/>
-              <a:ext cx="904415" cy="369332"/>
-            </a:xfrm>
-            <a:prstGeom prst="rect">
-              <a:avLst/>
-            </a:prstGeom>
-            <a:noFill/>
-          </p:spPr>
-          <p:txBody>
-            <a:bodyPr wrap="none" rtlCol="0">
-              <a:spAutoFit/>
-            </a:bodyPr>
-            <a:lstStyle/>
-            <a:p>
-              <a:r>
-                <a:rPr lang="en-US" dirty="0">
-                  <a:solidFill>
-                    <a:srgbClr val="FF0000"/>
-                  </a:solidFill>
-                </a:rPr>
-                <a:t>[60, 70]</a:t>
-              </a:r>
-            </a:p>
-          </p:txBody>
-        </p:sp>
-        <p:sp>
-          <p:nvSpPr>
-            <p:cNvPr id="39" name="TextBox 38">
-              <a:extLst>
-                <a:ext uri="{FF2B5EF4-FFF2-40B4-BE49-F238E27FC236}">
-                  <a16:creationId xmlns:a16="http://schemas.microsoft.com/office/drawing/2014/main" id="{95813AB3-49DF-4944-AE7E-52CD91BE54E8}"/>
-                </a:ext>
-              </a:extLst>
-            </p:cNvPr>
-            <p:cNvSpPr txBox="1"/>
-            <p:nvPr/>
-          </p:nvSpPr>
-          <p:spPr>
-            <a:xfrm>
-              <a:off x="5425504" y="5771110"/>
-              <a:ext cx="904415" cy="369332"/>
-            </a:xfrm>
-            <a:prstGeom prst="rect">
-              <a:avLst/>
-            </a:prstGeom>
-            <a:noFill/>
-          </p:spPr>
-          <p:txBody>
-            <a:bodyPr wrap="none" rtlCol="0">
-              <a:spAutoFit/>
-            </a:bodyPr>
-            <a:lstStyle/>
-            <a:p>
-              <a:r>
-                <a:rPr lang="en-US" dirty="0">
-                  <a:solidFill>
-                    <a:srgbClr val="FF0000"/>
-                  </a:solidFill>
-                </a:rPr>
-                <a:t>[50, 80]</a:t>
-              </a:r>
-            </a:p>
-          </p:txBody>
-        </p:sp>
-        <p:sp>
-          <p:nvSpPr>
-            <p:cNvPr id="40" name="TextBox 39">
-              <a:extLst>
-                <a:ext uri="{FF2B5EF4-FFF2-40B4-BE49-F238E27FC236}">
-                  <a16:creationId xmlns:a16="http://schemas.microsoft.com/office/drawing/2014/main" id="{21F108D2-6A25-464F-909D-177F0BFA363B}"/>
-                </a:ext>
-              </a:extLst>
-            </p:cNvPr>
-            <p:cNvSpPr txBox="1"/>
-            <p:nvPr/>
-          </p:nvSpPr>
-          <p:spPr>
-            <a:xfrm>
-              <a:off x="4544992" y="3156109"/>
-              <a:ext cx="904415" cy="369332"/>
-            </a:xfrm>
-            <a:prstGeom prst="rect">
-              <a:avLst/>
-            </a:prstGeom>
-            <a:noFill/>
-          </p:spPr>
-          <p:txBody>
-            <a:bodyPr wrap="none" rtlCol="0">
-              <a:spAutoFit/>
-            </a:bodyPr>
-            <a:lstStyle/>
-            <a:p>
-              <a:r>
-                <a:rPr lang="en-US" dirty="0">
-                  <a:solidFill>
-                    <a:srgbClr val="FF0000"/>
-                  </a:solidFill>
-                </a:rPr>
-                <a:t>[40, 60]</a:t>
-              </a:r>
-            </a:p>
-          </p:txBody>
-        </p:sp>
-        <p:sp>
-          <p:nvSpPr>
-            <p:cNvPr id="41" name="TextBox 40">
-              <a:extLst>
-                <a:ext uri="{FF2B5EF4-FFF2-40B4-BE49-F238E27FC236}">
-                  <a16:creationId xmlns:a16="http://schemas.microsoft.com/office/drawing/2014/main" id="{A78B21A9-E49B-8C49-ACDD-CEEFCD361DB5}"/>
-                </a:ext>
-              </a:extLst>
-            </p:cNvPr>
-            <p:cNvSpPr txBox="1"/>
-            <p:nvPr/>
-          </p:nvSpPr>
-          <p:spPr>
-            <a:xfrm>
-              <a:off x="4791615" y="2382346"/>
-              <a:ext cx="904415" cy="369332"/>
-            </a:xfrm>
-            <a:prstGeom prst="rect">
-              <a:avLst/>
-            </a:prstGeom>
-            <a:noFill/>
-          </p:spPr>
-          <p:txBody>
-            <a:bodyPr wrap="none" rtlCol="0">
-              <a:spAutoFit/>
-            </a:bodyPr>
-            <a:lstStyle/>
-            <a:p>
-              <a:r>
-                <a:rPr lang="en-US" dirty="0">
-                  <a:solidFill>
-                    <a:srgbClr val="FF0000"/>
-                  </a:solidFill>
-                </a:rPr>
-                <a:t>[30, 30]</a:t>
-              </a:r>
-            </a:p>
-          </p:txBody>
-        </p:sp>
-        <p:sp>
-          <p:nvSpPr>
-            <p:cNvPr id="42" name="TextBox 41">
-              <a:extLst>
-                <a:ext uri="{FF2B5EF4-FFF2-40B4-BE49-F238E27FC236}">
-                  <a16:creationId xmlns:a16="http://schemas.microsoft.com/office/drawing/2014/main" id="{B61BE37C-4651-8143-98D8-BEB8E174FF02}"/>
-                </a:ext>
-              </a:extLst>
-            </p:cNvPr>
-            <p:cNvSpPr txBox="1"/>
-            <p:nvPr/>
-          </p:nvSpPr>
-          <p:spPr>
-            <a:xfrm>
-              <a:off x="5858432" y="3935163"/>
-              <a:ext cx="904415" cy="369332"/>
-            </a:xfrm>
-            <a:prstGeom prst="rect">
-              <a:avLst/>
-            </a:prstGeom>
-            <a:noFill/>
-          </p:spPr>
-          <p:txBody>
-            <a:bodyPr wrap="none" rtlCol="0">
-              <a:spAutoFit/>
-            </a:bodyPr>
-            <a:lstStyle/>
-            <a:p>
-              <a:r>
-                <a:rPr lang="en-US" dirty="0">
-                  <a:solidFill>
-                    <a:srgbClr val="FF0000"/>
-                  </a:solidFill>
-                </a:rPr>
-                <a:t>[15, 20]</a:t>
-              </a:r>
-            </a:p>
-          </p:txBody>
-        </p:sp>
-        <p:sp>
-          <p:nvSpPr>
-            <p:cNvPr id="43" name="TextBox 42">
-              <a:extLst>
-                <a:ext uri="{FF2B5EF4-FFF2-40B4-BE49-F238E27FC236}">
-                  <a16:creationId xmlns:a16="http://schemas.microsoft.com/office/drawing/2014/main" id="{DE1606EF-5C38-F042-91FF-9C3EF3B02B2A}"/>
-                </a:ext>
-              </a:extLst>
-            </p:cNvPr>
-            <p:cNvSpPr txBox="1"/>
-            <p:nvPr/>
-          </p:nvSpPr>
-          <p:spPr>
-            <a:xfrm>
-              <a:off x="6295691" y="2141942"/>
-              <a:ext cx="904415" cy="369332"/>
-            </a:xfrm>
-            <a:prstGeom prst="rect">
-              <a:avLst/>
-            </a:prstGeom>
-            <a:noFill/>
-          </p:spPr>
-          <p:txBody>
-            <a:bodyPr wrap="none" rtlCol="0">
-              <a:spAutoFit/>
-            </a:bodyPr>
-            <a:lstStyle/>
-            <a:p>
-              <a:r>
-                <a:rPr lang="en-US" dirty="0">
-                  <a:solidFill>
-                    <a:srgbClr val="FF0000"/>
-                  </a:solidFill>
-                </a:rPr>
-                <a:t>[50, 60]</a:t>
-              </a:r>
-            </a:p>
-          </p:txBody>
-        </p:sp>
-      </p:grpSp>
-    </p:spTree>
-    <p:extLst>
-      <p:ext uri="{BB962C8B-B14F-4D97-AF65-F5344CB8AC3E}">
-        <p14:creationId xmlns:p14="http://schemas.microsoft.com/office/powerpoint/2010/main" val="1260411906"/>
       </p:ext>
     </p:extLst>
   </p:cSld>

--- a/images.pptx
+++ b/images.pptx
@@ -269,7 +269,7 @@
           <a:p>
             <a:fld id="{C9D7E1C7-362E-0A4F-BED6-EEFD53131585}" type="datetimeFigureOut">
               <a:rPr lang="en-US" smtClean="0"/>
-              <a:t>11/15/19</a:t>
+              <a:t>11/20/19</a:t>
             </a:fld>
             <a:endParaRPr lang="en-US"/>
           </a:p>
@@ -467,7 +467,7 @@
           <a:p>
             <a:fld id="{C9D7E1C7-362E-0A4F-BED6-EEFD53131585}" type="datetimeFigureOut">
               <a:rPr lang="en-US" smtClean="0"/>
-              <a:t>11/15/19</a:t>
+              <a:t>11/20/19</a:t>
             </a:fld>
             <a:endParaRPr lang="en-US"/>
           </a:p>
@@ -675,7 +675,7 @@
           <a:p>
             <a:fld id="{C9D7E1C7-362E-0A4F-BED6-EEFD53131585}" type="datetimeFigureOut">
               <a:rPr lang="en-US" smtClean="0"/>
-              <a:t>11/15/19</a:t>
+              <a:t>11/20/19</a:t>
             </a:fld>
             <a:endParaRPr lang="en-US"/>
           </a:p>
@@ -873,7 +873,7 @@
           <a:p>
             <a:fld id="{C9D7E1C7-362E-0A4F-BED6-EEFD53131585}" type="datetimeFigureOut">
               <a:rPr lang="en-US" smtClean="0"/>
-              <a:t>11/15/19</a:t>
+              <a:t>11/20/19</a:t>
             </a:fld>
             <a:endParaRPr lang="en-US"/>
           </a:p>
@@ -1148,7 +1148,7 @@
           <a:p>
             <a:fld id="{C9D7E1C7-362E-0A4F-BED6-EEFD53131585}" type="datetimeFigureOut">
               <a:rPr lang="en-US" smtClean="0"/>
-              <a:t>11/15/19</a:t>
+              <a:t>11/20/19</a:t>
             </a:fld>
             <a:endParaRPr lang="en-US"/>
           </a:p>
@@ -1413,7 +1413,7 @@
           <a:p>
             <a:fld id="{C9D7E1C7-362E-0A4F-BED6-EEFD53131585}" type="datetimeFigureOut">
               <a:rPr lang="en-US" smtClean="0"/>
-              <a:t>11/15/19</a:t>
+              <a:t>11/20/19</a:t>
             </a:fld>
             <a:endParaRPr lang="en-US"/>
           </a:p>
@@ -1825,7 +1825,7 @@
           <a:p>
             <a:fld id="{C9D7E1C7-362E-0A4F-BED6-EEFD53131585}" type="datetimeFigureOut">
               <a:rPr lang="en-US" smtClean="0"/>
-              <a:t>11/15/19</a:t>
+              <a:t>11/20/19</a:t>
             </a:fld>
             <a:endParaRPr lang="en-US"/>
           </a:p>
@@ -1966,7 +1966,7 @@
           <a:p>
             <a:fld id="{C9D7E1C7-362E-0A4F-BED6-EEFD53131585}" type="datetimeFigureOut">
               <a:rPr lang="en-US" smtClean="0"/>
-              <a:t>11/15/19</a:t>
+              <a:t>11/20/19</a:t>
             </a:fld>
             <a:endParaRPr lang="en-US"/>
           </a:p>
@@ -2079,7 +2079,7 @@
           <a:p>
             <a:fld id="{C9D7E1C7-362E-0A4F-BED6-EEFD53131585}" type="datetimeFigureOut">
               <a:rPr lang="en-US" smtClean="0"/>
-              <a:t>11/15/19</a:t>
+              <a:t>11/20/19</a:t>
             </a:fld>
             <a:endParaRPr lang="en-US"/>
           </a:p>
@@ -2390,7 +2390,7 @@
           <a:p>
             <a:fld id="{C9D7E1C7-362E-0A4F-BED6-EEFD53131585}" type="datetimeFigureOut">
               <a:rPr lang="en-US" smtClean="0"/>
-              <a:t>11/15/19</a:t>
+              <a:t>11/20/19</a:t>
             </a:fld>
             <a:endParaRPr lang="en-US"/>
           </a:p>
@@ -2678,7 +2678,7 @@
           <a:p>
             <a:fld id="{C9D7E1C7-362E-0A4F-BED6-EEFD53131585}" type="datetimeFigureOut">
               <a:rPr lang="en-US" smtClean="0"/>
-              <a:t>11/15/19</a:t>
+              <a:t>11/20/19</a:t>
             </a:fld>
             <a:endParaRPr lang="en-US"/>
           </a:p>
@@ -2919,7 +2919,7 @@
           <a:p>
             <a:fld id="{C9D7E1C7-362E-0A4F-BED6-EEFD53131585}" type="datetimeFigureOut">
               <a:rPr lang="en-US" smtClean="0"/>
-              <a:t>11/15/19</a:t>
+              <a:t>11/20/19</a:t>
             </a:fld>
             <a:endParaRPr lang="en-US"/>
           </a:p>

--- a/images.pptx
+++ b/images.pptx
@@ -16,6 +16,8 @@
     <p:sldId id="264" r:id="rId10"/>
     <p:sldId id="265" r:id="rId11"/>
     <p:sldId id="266" r:id="rId12"/>
+    <p:sldId id="268" r:id="rId13"/>
+    <p:sldId id="269" r:id="rId14"/>
   </p:sldIdLst>
   <p:sldSz cx="12192000" cy="6858000"/>
   <p:notesSz cx="6858000" cy="9144000"/>
@@ -269,7 +271,7 @@
           <a:p>
             <a:fld id="{C9D7E1C7-362E-0A4F-BED6-EEFD53131585}" type="datetimeFigureOut">
               <a:rPr lang="en-US" smtClean="0"/>
-              <a:t>11/20/19</a:t>
+              <a:t>11/21/19</a:t>
             </a:fld>
             <a:endParaRPr lang="en-US"/>
           </a:p>
@@ -467,7 +469,7 @@
           <a:p>
             <a:fld id="{C9D7E1C7-362E-0A4F-BED6-EEFD53131585}" type="datetimeFigureOut">
               <a:rPr lang="en-US" smtClean="0"/>
-              <a:t>11/20/19</a:t>
+              <a:t>11/21/19</a:t>
             </a:fld>
             <a:endParaRPr lang="en-US"/>
           </a:p>
@@ -675,7 +677,7 @@
           <a:p>
             <a:fld id="{C9D7E1C7-362E-0A4F-BED6-EEFD53131585}" type="datetimeFigureOut">
               <a:rPr lang="en-US" smtClean="0"/>
-              <a:t>11/20/19</a:t>
+              <a:t>11/21/19</a:t>
             </a:fld>
             <a:endParaRPr lang="en-US"/>
           </a:p>
@@ -873,7 +875,7 @@
           <a:p>
             <a:fld id="{C9D7E1C7-362E-0A4F-BED6-EEFD53131585}" type="datetimeFigureOut">
               <a:rPr lang="en-US" smtClean="0"/>
-              <a:t>11/20/19</a:t>
+              <a:t>11/21/19</a:t>
             </a:fld>
             <a:endParaRPr lang="en-US"/>
           </a:p>
@@ -1148,7 +1150,7 @@
           <a:p>
             <a:fld id="{C9D7E1C7-362E-0A4F-BED6-EEFD53131585}" type="datetimeFigureOut">
               <a:rPr lang="en-US" smtClean="0"/>
-              <a:t>11/20/19</a:t>
+              <a:t>11/21/19</a:t>
             </a:fld>
             <a:endParaRPr lang="en-US"/>
           </a:p>
@@ -1413,7 +1415,7 @@
           <a:p>
             <a:fld id="{C9D7E1C7-362E-0A4F-BED6-EEFD53131585}" type="datetimeFigureOut">
               <a:rPr lang="en-US" smtClean="0"/>
-              <a:t>11/20/19</a:t>
+              <a:t>11/21/19</a:t>
             </a:fld>
             <a:endParaRPr lang="en-US"/>
           </a:p>
@@ -1825,7 +1827,7 @@
           <a:p>
             <a:fld id="{C9D7E1C7-362E-0A4F-BED6-EEFD53131585}" type="datetimeFigureOut">
               <a:rPr lang="en-US" smtClean="0"/>
-              <a:t>11/20/19</a:t>
+              <a:t>11/21/19</a:t>
             </a:fld>
             <a:endParaRPr lang="en-US"/>
           </a:p>
@@ -1966,7 +1968,7 @@
           <a:p>
             <a:fld id="{C9D7E1C7-362E-0A4F-BED6-EEFD53131585}" type="datetimeFigureOut">
               <a:rPr lang="en-US" smtClean="0"/>
-              <a:t>11/20/19</a:t>
+              <a:t>11/21/19</a:t>
             </a:fld>
             <a:endParaRPr lang="en-US"/>
           </a:p>
@@ -2079,7 +2081,7 @@
           <a:p>
             <a:fld id="{C9D7E1C7-362E-0A4F-BED6-EEFD53131585}" type="datetimeFigureOut">
               <a:rPr lang="en-US" smtClean="0"/>
-              <a:t>11/20/19</a:t>
+              <a:t>11/21/19</a:t>
             </a:fld>
             <a:endParaRPr lang="en-US"/>
           </a:p>
@@ -2390,7 +2392,7 @@
           <a:p>
             <a:fld id="{C9D7E1C7-362E-0A4F-BED6-EEFD53131585}" type="datetimeFigureOut">
               <a:rPr lang="en-US" smtClean="0"/>
-              <a:t>11/20/19</a:t>
+              <a:t>11/21/19</a:t>
             </a:fld>
             <a:endParaRPr lang="en-US"/>
           </a:p>
@@ -2678,7 +2680,7 @@
           <a:p>
             <a:fld id="{C9D7E1C7-362E-0A4F-BED6-EEFD53131585}" type="datetimeFigureOut">
               <a:rPr lang="en-US" smtClean="0"/>
-              <a:t>11/20/19</a:t>
+              <a:t>11/21/19</a:t>
             </a:fld>
             <a:endParaRPr lang="en-US"/>
           </a:p>
@@ -2919,7 +2921,7 @@
           <a:p>
             <a:fld id="{C9D7E1C7-362E-0A4F-BED6-EEFD53131585}" type="datetimeFigureOut">
               <a:rPr lang="en-US" smtClean="0"/>
-              <a:t>11/20/19</a:t>
+              <a:t>11/21/19</a:t>
             </a:fld>
             <a:endParaRPr lang="en-US"/>
           </a:p>
@@ -8168,6 +8170,146 @@
     <p:extLst>
       <p:ext uri="{BB962C8B-B14F-4D97-AF65-F5344CB8AC3E}">
         <p14:creationId xmlns:p14="http://schemas.microsoft.com/office/powerpoint/2010/main" val="498838808"/>
+      </p:ext>
+    </p:extLst>
+  </p:cSld>
+  <p:clrMapOvr>
+    <a:masterClrMapping/>
+  </p:clrMapOvr>
+</p:sld>
+</file>
+
+<file path=ppt/slides/slide12.xml><?xml version="1.0" encoding="utf-8"?>
+<p:sld xmlns:a="http://schemas.openxmlformats.org/drawingml/2006/main" xmlns:r="http://schemas.openxmlformats.org/officeDocument/2006/relationships" xmlns:p="http://schemas.openxmlformats.org/presentationml/2006/main">
+  <p:cSld>
+    <p:spTree>
+      <p:nvGrpSpPr>
+        <p:cNvPr id="1" name=""/>
+        <p:cNvGrpSpPr/>
+        <p:nvPr/>
+      </p:nvGrpSpPr>
+      <p:grpSpPr>
+        <a:xfrm>
+          <a:off x="0" y="0"/>
+          <a:ext cx="0" cy="0"/>
+          <a:chOff x="0" y="0"/>
+          <a:chExt cx="0" cy="0"/>
+        </a:xfrm>
+      </p:grpSpPr>
+      <p:pic>
+        <p:nvPicPr>
+          <p:cNvPr id="4" name="Picture 3">
+            <a:extLst>
+              <a:ext uri="{FF2B5EF4-FFF2-40B4-BE49-F238E27FC236}">
+                <a16:creationId xmlns:a16="http://schemas.microsoft.com/office/drawing/2014/main" id="{F33D9F11-BD37-234D-B105-8AD2E3DF2CDE}"/>
+              </a:ext>
+            </a:extLst>
+          </p:cNvPr>
+          <p:cNvPicPr>
+            <a:picLocks noChangeAspect="1"/>
+          </p:cNvPicPr>
+          <p:nvPr/>
+        </p:nvPicPr>
+        <p:blipFill>
+          <a:blip r:embed="rId2"/>
+          <a:stretch>
+            <a:fillRect/>
+          </a:stretch>
+        </p:blipFill>
+        <p:spPr>
+          <a:xfrm>
+            <a:off x="3105150" y="2000250"/>
+            <a:ext cx="5981700" cy="2857500"/>
+          </a:xfrm>
+          <a:prstGeom prst="rect">
+            <a:avLst/>
+          </a:prstGeom>
+        </p:spPr>
+      </p:pic>
+    </p:spTree>
+    <p:extLst>
+      <p:ext uri="{BB962C8B-B14F-4D97-AF65-F5344CB8AC3E}">
+        <p14:creationId xmlns:p14="http://schemas.microsoft.com/office/powerpoint/2010/main" val="422412838"/>
+      </p:ext>
+    </p:extLst>
+  </p:cSld>
+  <p:clrMapOvr>
+    <a:masterClrMapping/>
+  </p:clrMapOvr>
+</p:sld>
+</file>
+
+<file path=ppt/slides/slide13.xml><?xml version="1.0" encoding="utf-8"?>
+<p:sld xmlns:a="http://schemas.openxmlformats.org/drawingml/2006/main" xmlns:r="http://schemas.openxmlformats.org/officeDocument/2006/relationships" xmlns:p="http://schemas.openxmlformats.org/presentationml/2006/main">
+  <p:cSld>
+    <p:spTree>
+      <p:nvGrpSpPr>
+        <p:cNvPr id="1" name=""/>
+        <p:cNvGrpSpPr/>
+        <p:nvPr/>
+      </p:nvGrpSpPr>
+      <p:grpSpPr>
+        <a:xfrm>
+          <a:off x="0" y="0"/>
+          <a:ext cx="0" cy="0"/>
+          <a:chOff x="0" y="0"/>
+          <a:chExt cx="0" cy="0"/>
+        </a:xfrm>
+      </p:grpSpPr>
+      <p:sp>
+        <p:nvSpPr>
+          <p:cNvPr id="2" name="Title 1">
+            <a:extLst>
+              <a:ext uri="{FF2B5EF4-FFF2-40B4-BE49-F238E27FC236}">
+                <a16:creationId xmlns:a16="http://schemas.microsoft.com/office/drawing/2014/main" id="{93300525-B983-474D-97F4-B62A6A90CE64}"/>
+              </a:ext>
+            </a:extLst>
+          </p:cNvPr>
+          <p:cNvSpPr>
+            <a:spLocks noGrp="1"/>
+          </p:cNvSpPr>
+          <p:nvPr>
+            <p:ph type="title"/>
+          </p:nvPr>
+        </p:nvSpPr>
+        <p:spPr/>
+        <p:txBody>
+          <a:bodyPr/>
+          <a:lstStyle/>
+          <a:p>
+            <a:endParaRPr lang="en-US"/>
+          </a:p>
+        </p:txBody>
+      </p:sp>
+      <p:sp>
+        <p:nvSpPr>
+          <p:cNvPr id="3" name="Content Placeholder 2">
+            <a:extLst>
+              <a:ext uri="{FF2B5EF4-FFF2-40B4-BE49-F238E27FC236}">
+                <a16:creationId xmlns:a16="http://schemas.microsoft.com/office/drawing/2014/main" id="{8612DCD4-F10A-CB4C-A573-04D8560D7F57}"/>
+              </a:ext>
+            </a:extLst>
+          </p:cNvPr>
+          <p:cNvSpPr>
+            <a:spLocks noGrp="1"/>
+          </p:cNvSpPr>
+          <p:nvPr>
+            <p:ph idx="1"/>
+          </p:nvPr>
+        </p:nvSpPr>
+        <p:spPr/>
+        <p:txBody>
+          <a:bodyPr/>
+          <a:lstStyle/>
+          <a:p>
+            <a:endParaRPr lang="en-US"/>
+          </a:p>
+        </p:txBody>
+      </p:sp>
+    </p:spTree>
+    <p:extLst>
+      <p:ext uri="{BB962C8B-B14F-4D97-AF65-F5344CB8AC3E}">
+        <p14:creationId xmlns:p14="http://schemas.microsoft.com/office/powerpoint/2010/main" val="2625973515"/>
       </p:ext>
     </p:extLst>
   </p:cSld>
